--- a/documents/Final Presentation.pptx
+++ b/documents/Final Presentation.pptx
@@ -8,7 +8,30 @@
     <p:sldId id="256" r:id="rId2"/>
     <p:sldId id="257" r:id="rId3"/>
     <p:sldId id="258" r:id="rId4"/>
-    <p:sldId id="259" r:id="rId5"/>
+    <p:sldId id="274" r:id="rId5"/>
+    <p:sldId id="259" r:id="rId6"/>
+    <p:sldId id="285" r:id="rId7"/>
+    <p:sldId id="275" r:id="rId8"/>
+    <p:sldId id="277" r:id="rId9"/>
+    <p:sldId id="278" r:id="rId10"/>
+    <p:sldId id="279" r:id="rId11"/>
+    <p:sldId id="281" r:id="rId12"/>
+    <p:sldId id="282" r:id="rId13"/>
+    <p:sldId id="283" r:id="rId14"/>
+    <p:sldId id="284" r:id="rId15"/>
+    <p:sldId id="261" r:id="rId16"/>
+    <p:sldId id="262" r:id="rId17"/>
+    <p:sldId id="265" r:id="rId18"/>
+    <p:sldId id="266" r:id="rId19"/>
+    <p:sldId id="267" r:id="rId20"/>
+    <p:sldId id="268" r:id="rId21"/>
+    <p:sldId id="269" r:id="rId22"/>
+    <p:sldId id="270" r:id="rId23"/>
+    <p:sldId id="271" r:id="rId24"/>
+    <p:sldId id="272" r:id="rId25"/>
+    <p:sldId id="273" r:id="rId26"/>
+    <p:sldId id="263" r:id="rId27"/>
+    <p:sldId id="264" r:id="rId28"/>
   </p:sldIdLst>
   <p:sldSz cx="12192000" cy="6858000"/>
   <p:notesSz cx="6858000" cy="9144000"/>
@@ -107,6 +130,11 @@
       </a:defRPr>
     </a:lvl9pPr>
   </p:defaultTextStyle>
+  <p:extLst>
+    <p:ext uri="{EFAFB233-063F-42B5-8137-9DF3F51BA10A}">
+      <p15:sldGuideLst xmlns:p15="http://schemas.microsoft.com/office/powerpoint/2012/main"/>
+    </p:ext>
+  </p:extLst>
 </p:presentation>
 </file>
 
@@ -241,7 +269,7 @@
           <a:p>
             <a:fld id="{9FEBE435-90A8-453D-A692-E5D5F0B9EC14}" type="datetimeFigureOut">
               <a:rPr lang="en-US" smtClean="0"/>
-              <a:t>1/17/2023</a:t>
+              <a:t>1/25/2023</a:t>
             </a:fld>
             <a:endParaRPr lang="en-US"/>
           </a:p>
@@ -411,7 +439,7 @@
           <a:p>
             <a:fld id="{9FEBE435-90A8-453D-A692-E5D5F0B9EC14}" type="datetimeFigureOut">
               <a:rPr lang="en-US" smtClean="0"/>
-              <a:t>1/17/2023</a:t>
+              <a:t>1/25/2023</a:t>
             </a:fld>
             <a:endParaRPr lang="en-US"/>
           </a:p>
@@ -591,7 +619,7 @@
           <a:p>
             <a:fld id="{9FEBE435-90A8-453D-A692-E5D5F0B9EC14}" type="datetimeFigureOut">
               <a:rPr lang="en-US" smtClean="0"/>
-              <a:t>1/17/2023</a:t>
+              <a:t>1/25/2023</a:t>
             </a:fld>
             <a:endParaRPr lang="en-US"/>
           </a:p>
@@ -761,7 +789,7 @@
           <a:p>
             <a:fld id="{9FEBE435-90A8-453D-A692-E5D5F0B9EC14}" type="datetimeFigureOut">
               <a:rPr lang="en-US" smtClean="0"/>
-              <a:t>1/17/2023</a:t>
+              <a:t>1/25/2023</a:t>
             </a:fld>
             <a:endParaRPr lang="en-US"/>
           </a:p>
@@ -1007,7 +1035,7 @@
           <a:p>
             <a:fld id="{9FEBE435-90A8-453D-A692-E5D5F0B9EC14}" type="datetimeFigureOut">
               <a:rPr lang="en-US" smtClean="0"/>
-              <a:t>1/17/2023</a:t>
+              <a:t>1/25/2023</a:t>
             </a:fld>
             <a:endParaRPr lang="en-US"/>
           </a:p>
@@ -1239,7 +1267,7 @@
           <a:p>
             <a:fld id="{9FEBE435-90A8-453D-A692-E5D5F0B9EC14}" type="datetimeFigureOut">
               <a:rPr lang="en-US" smtClean="0"/>
-              <a:t>1/17/2023</a:t>
+              <a:t>1/25/2023</a:t>
             </a:fld>
             <a:endParaRPr lang="en-US"/>
           </a:p>
@@ -1606,7 +1634,7 @@
           <a:p>
             <a:fld id="{9FEBE435-90A8-453D-A692-E5D5F0B9EC14}" type="datetimeFigureOut">
               <a:rPr lang="en-US" smtClean="0"/>
-              <a:t>1/17/2023</a:t>
+              <a:t>1/25/2023</a:t>
             </a:fld>
             <a:endParaRPr lang="en-US"/>
           </a:p>
@@ -1724,7 +1752,7 @@
           <a:p>
             <a:fld id="{9FEBE435-90A8-453D-A692-E5D5F0B9EC14}" type="datetimeFigureOut">
               <a:rPr lang="en-US" smtClean="0"/>
-              <a:t>1/17/2023</a:t>
+              <a:t>1/25/2023</a:t>
             </a:fld>
             <a:endParaRPr lang="en-US"/>
           </a:p>
@@ -1819,7 +1847,7 @@
           <a:p>
             <a:fld id="{9FEBE435-90A8-453D-A692-E5D5F0B9EC14}" type="datetimeFigureOut">
               <a:rPr lang="en-US" smtClean="0"/>
-              <a:t>1/17/2023</a:t>
+              <a:t>1/25/2023</a:t>
             </a:fld>
             <a:endParaRPr lang="en-US"/>
           </a:p>
@@ -2096,7 +2124,7 @@
           <a:p>
             <a:fld id="{9FEBE435-90A8-453D-A692-E5D5F0B9EC14}" type="datetimeFigureOut">
               <a:rPr lang="en-US" smtClean="0"/>
-              <a:t>1/17/2023</a:t>
+              <a:t>1/25/2023</a:t>
             </a:fld>
             <a:endParaRPr lang="en-US"/>
           </a:p>
@@ -2349,7 +2377,7 @@
           <a:p>
             <a:fld id="{9FEBE435-90A8-453D-A692-E5D5F0B9EC14}" type="datetimeFigureOut">
               <a:rPr lang="en-US" smtClean="0"/>
-              <a:t>1/17/2023</a:t>
+              <a:t>1/25/2023</a:t>
             </a:fld>
             <a:endParaRPr lang="en-US"/>
           </a:p>
@@ -2562,7 +2590,7 @@
           <a:p>
             <a:fld id="{9FEBE435-90A8-453D-A692-E5D5F0B9EC14}" type="datetimeFigureOut">
               <a:rPr lang="en-US" smtClean="0"/>
-              <a:t>1/17/2023</a:t>
+              <a:t>1/25/2023</a:t>
             </a:fld>
             <a:endParaRPr lang="en-US"/>
           </a:p>
@@ -3285,6 +3313,4027 @@
 </p:sld>
 </file>
 
+<file path=ppt/slides/slide10.xml><?xml version="1.0" encoding="utf-8"?>
+<p:sld xmlns:a="http://schemas.openxmlformats.org/drawingml/2006/main" xmlns:r="http://schemas.openxmlformats.org/officeDocument/2006/relationships" xmlns:p="http://schemas.openxmlformats.org/presentationml/2006/main">
+  <p:cSld>
+    <p:spTree>
+      <p:nvGrpSpPr>
+        <p:cNvPr id="1" name=""/>
+        <p:cNvGrpSpPr/>
+        <p:nvPr/>
+      </p:nvGrpSpPr>
+      <p:grpSpPr>
+        <a:xfrm>
+          <a:off x="0" y="0"/>
+          <a:ext cx="0" cy="0"/>
+          <a:chOff x="0" y="0"/>
+          <a:chExt cx="0" cy="0"/>
+        </a:xfrm>
+      </p:grpSpPr>
+      <p:sp>
+        <p:nvSpPr>
+          <p:cNvPr id="2" name="Title 1"/>
+          <p:cNvSpPr txBox="1">
+            <a:spLocks/>
+          </p:cNvSpPr>
+          <p:nvPr/>
+        </p:nvSpPr>
+        <p:spPr>
+          <a:xfrm>
+            <a:off x="465908" y="457201"/>
+            <a:ext cx="10972800" cy="1143000"/>
+          </a:xfrm>
+          <a:prstGeom prst="rect">
+            <a:avLst/>
+          </a:prstGeom>
+        </p:spPr>
+        <p:txBody>
+          <a:bodyPr>
+            <a:normAutofit/>
+          </a:bodyPr>
+          <a:lstStyle>
+            <a:lvl1pPr algn="r" defTabSz="914400" rtl="1" eaLnBrk="1" latinLnBrk="0" hangingPunct="1">
+              <a:lnSpc>
+                <a:spcPct val="90000"/>
+              </a:lnSpc>
+              <a:spcBef>
+                <a:spcPct val="0"/>
+              </a:spcBef>
+              <a:buNone/>
+              <a:defRPr sz="4400" kern="1200">
+                <a:solidFill>
+                  <a:schemeClr val="tx1"/>
+                </a:solidFill>
+                <a:latin typeface="+mj-lt"/>
+                <a:ea typeface="+mj-ea"/>
+                <a:cs typeface="+mj-cs"/>
+              </a:defRPr>
+            </a:lvl1pPr>
+          </a:lstStyle>
+          <a:p>
+            <a:pPr algn="ctr"/>
+            <a:r>
+              <a:rPr lang="en-US" dirty="0" smtClean="0">
+                <a:solidFill>
+                  <a:srgbClr val="002060"/>
+                </a:solidFill>
+              </a:rPr>
+              <a:t>MSE</a:t>
+            </a:r>
+            <a:endParaRPr lang="he-IL" dirty="0">
+              <a:solidFill>
+                <a:srgbClr val="002060"/>
+              </a:solidFill>
+            </a:endParaRPr>
+          </a:p>
+        </p:txBody>
+      </p:sp>
+      <mc:AlternateContent xmlns:mc="http://schemas.openxmlformats.org/markup-compatibility/2006">
+        <mc:Choice xmlns:a14="http://schemas.microsoft.com/office/drawing/2010/main" Requires="a14">
+          <p:sp>
+            <p:nvSpPr>
+              <p:cNvPr id="5" name="Content Placeholder 2"/>
+              <p:cNvSpPr txBox="1">
+                <a:spLocks/>
+              </p:cNvSpPr>
+              <p:nvPr/>
+            </p:nvSpPr>
+            <p:spPr>
+              <a:xfrm>
+                <a:off x="570412" y="1600201"/>
+                <a:ext cx="10972800" cy="4839788"/>
+              </a:xfrm>
+              <a:prstGeom prst="rect">
+                <a:avLst/>
+              </a:prstGeom>
+            </p:spPr>
+            <p:txBody>
+              <a:bodyPr/>
+              <a:lstStyle>
+                <a:lvl1pPr marL="228600" indent="-228600" algn="r" defTabSz="914400" rtl="1" eaLnBrk="1" latinLnBrk="0" hangingPunct="1">
+                  <a:lnSpc>
+                    <a:spcPct val="90000"/>
+                  </a:lnSpc>
+                  <a:spcBef>
+                    <a:spcPts val="1000"/>
+                  </a:spcBef>
+                  <a:buFont typeface="Arial" panose="020B0604020202020204" pitchFamily="34" charset="0"/>
+                  <a:buChar char="•"/>
+                  <a:defRPr sz="2800" kern="1200">
+                    <a:solidFill>
+                      <a:schemeClr val="tx1"/>
+                    </a:solidFill>
+                    <a:latin typeface="+mn-lt"/>
+                    <a:ea typeface="+mn-ea"/>
+                    <a:cs typeface="+mn-cs"/>
+                  </a:defRPr>
+                </a:lvl1pPr>
+                <a:lvl2pPr marL="685800" indent="-228600" algn="r" defTabSz="914400" rtl="1" eaLnBrk="1" latinLnBrk="0" hangingPunct="1">
+                  <a:lnSpc>
+                    <a:spcPct val="90000"/>
+                  </a:lnSpc>
+                  <a:spcBef>
+                    <a:spcPts val="500"/>
+                  </a:spcBef>
+                  <a:buFont typeface="Arial" panose="020B0604020202020204" pitchFamily="34" charset="0"/>
+                  <a:buChar char="•"/>
+                  <a:defRPr sz="2400" kern="1200">
+                    <a:solidFill>
+                      <a:schemeClr val="tx1"/>
+                    </a:solidFill>
+                    <a:latin typeface="+mn-lt"/>
+                    <a:ea typeface="+mn-ea"/>
+                    <a:cs typeface="+mn-cs"/>
+                  </a:defRPr>
+                </a:lvl2pPr>
+                <a:lvl3pPr marL="1143000" indent="-228600" algn="r" defTabSz="914400" rtl="1" eaLnBrk="1" latinLnBrk="0" hangingPunct="1">
+                  <a:lnSpc>
+                    <a:spcPct val="90000"/>
+                  </a:lnSpc>
+                  <a:spcBef>
+                    <a:spcPts val="500"/>
+                  </a:spcBef>
+                  <a:buFont typeface="Arial" panose="020B0604020202020204" pitchFamily="34" charset="0"/>
+                  <a:buChar char="•"/>
+                  <a:defRPr sz="2000" kern="1200">
+                    <a:solidFill>
+                      <a:schemeClr val="tx1"/>
+                    </a:solidFill>
+                    <a:latin typeface="+mn-lt"/>
+                    <a:ea typeface="+mn-ea"/>
+                    <a:cs typeface="+mn-cs"/>
+                  </a:defRPr>
+                </a:lvl3pPr>
+                <a:lvl4pPr marL="1600200" indent="-228600" algn="r" defTabSz="914400" rtl="1" eaLnBrk="1" latinLnBrk="0" hangingPunct="1">
+                  <a:lnSpc>
+                    <a:spcPct val="90000"/>
+                  </a:lnSpc>
+                  <a:spcBef>
+                    <a:spcPts val="500"/>
+                  </a:spcBef>
+                  <a:buFont typeface="Arial" panose="020B0604020202020204" pitchFamily="34" charset="0"/>
+                  <a:buChar char="•"/>
+                  <a:defRPr sz="1800" kern="1200">
+                    <a:solidFill>
+                      <a:schemeClr val="tx1"/>
+                    </a:solidFill>
+                    <a:latin typeface="+mn-lt"/>
+                    <a:ea typeface="+mn-ea"/>
+                    <a:cs typeface="+mn-cs"/>
+                  </a:defRPr>
+                </a:lvl4pPr>
+                <a:lvl5pPr marL="2057400" indent="-228600" algn="r" defTabSz="914400" rtl="1" eaLnBrk="1" latinLnBrk="0" hangingPunct="1">
+                  <a:lnSpc>
+                    <a:spcPct val="90000"/>
+                  </a:lnSpc>
+                  <a:spcBef>
+                    <a:spcPts val="500"/>
+                  </a:spcBef>
+                  <a:buFont typeface="Arial" panose="020B0604020202020204" pitchFamily="34" charset="0"/>
+                  <a:buChar char="•"/>
+                  <a:defRPr sz="1800" kern="1200">
+                    <a:solidFill>
+                      <a:schemeClr val="tx1"/>
+                    </a:solidFill>
+                    <a:latin typeface="+mn-lt"/>
+                    <a:ea typeface="+mn-ea"/>
+                    <a:cs typeface="+mn-cs"/>
+                  </a:defRPr>
+                </a:lvl5pPr>
+                <a:lvl6pPr marL="2514600" indent="-228600" algn="r" defTabSz="914400" rtl="1" eaLnBrk="1" latinLnBrk="0" hangingPunct="1">
+                  <a:lnSpc>
+                    <a:spcPct val="90000"/>
+                  </a:lnSpc>
+                  <a:spcBef>
+                    <a:spcPts val="500"/>
+                  </a:spcBef>
+                  <a:buFont typeface="Arial" panose="020B0604020202020204" pitchFamily="34" charset="0"/>
+                  <a:buChar char="•"/>
+                  <a:defRPr sz="1800" kern="1200">
+                    <a:solidFill>
+                      <a:schemeClr val="tx1"/>
+                    </a:solidFill>
+                    <a:latin typeface="+mn-lt"/>
+                    <a:ea typeface="+mn-ea"/>
+                    <a:cs typeface="+mn-cs"/>
+                  </a:defRPr>
+                </a:lvl6pPr>
+                <a:lvl7pPr marL="2971800" indent="-228600" algn="r" defTabSz="914400" rtl="1" eaLnBrk="1" latinLnBrk="0" hangingPunct="1">
+                  <a:lnSpc>
+                    <a:spcPct val="90000"/>
+                  </a:lnSpc>
+                  <a:spcBef>
+                    <a:spcPts val="500"/>
+                  </a:spcBef>
+                  <a:buFont typeface="Arial" panose="020B0604020202020204" pitchFamily="34" charset="0"/>
+                  <a:buChar char="•"/>
+                  <a:defRPr sz="1800" kern="1200">
+                    <a:solidFill>
+                      <a:schemeClr val="tx1"/>
+                    </a:solidFill>
+                    <a:latin typeface="+mn-lt"/>
+                    <a:ea typeface="+mn-ea"/>
+                    <a:cs typeface="+mn-cs"/>
+                  </a:defRPr>
+                </a:lvl7pPr>
+                <a:lvl8pPr marL="3429000" indent="-228600" algn="r" defTabSz="914400" rtl="1" eaLnBrk="1" latinLnBrk="0" hangingPunct="1">
+                  <a:lnSpc>
+                    <a:spcPct val="90000"/>
+                  </a:lnSpc>
+                  <a:spcBef>
+                    <a:spcPts val="500"/>
+                  </a:spcBef>
+                  <a:buFont typeface="Arial" panose="020B0604020202020204" pitchFamily="34" charset="0"/>
+                  <a:buChar char="•"/>
+                  <a:defRPr sz="1800" kern="1200">
+                    <a:solidFill>
+                      <a:schemeClr val="tx1"/>
+                    </a:solidFill>
+                    <a:latin typeface="+mn-lt"/>
+                    <a:ea typeface="+mn-ea"/>
+                    <a:cs typeface="+mn-cs"/>
+                  </a:defRPr>
+                </a:lvl8pPr>
+                <a:lvl9pPr marL="3886200" indent="-228600" algn="r" defTabSz="914400" rtl="1" eaLnBrk="1" latinLnBrk="0" hangingPunct="1">
+                  <a:lnSpc>
+                    <a:spcPct val="90000"/>
+                  </a:lnSpc>
+                  <a:spcBef>
+                    <a:spcPts val="500"/>
+                  </a:spcBef>
+                  <a:buFont typeface="Arial" panose="020B0604020202020204" pitchFamily="34" charset="0"/>
+                  <a:buChar char="•"/>
+                  <a:defRPr sz="1800" kern="1200">
+                    <a:solidFill>
+                      <a:schemeClr val="tx1"/>
+                    </a:solidFill>
+                    <a:latin typeface="+mn-lt"/>
+                    <a:ea typeface="+mn-ea"/>
+                    <a:cs typeface="+mn-cs"/>
+                  </a:defRPr>
+                </a:lvl9pPr>
+              </a:lstStyle>
+              <a:p>
+                <a:pPr algn="l" rtl="0"/>
+                <a:r>
+                  <a:rPr lang="en-US" dirty="0"/>
+                  <a:t>In order to estimate this coefficients, one requires to have measurements of the output of the PA excited by a well-known input signal</a:t>
+                </a:r>
+                <a:r>
+                  <a:rPr lang="en-US" dirty="0" smtClean="0"/>
+                  <a:t>.</a:t>
+                </a:r>
+              </a:p>
+              <a:p>
+                <a:pPr marL="0" indent="0" algn="l" rtl="0">
+                  <a:buNone/>
+                </a:pPr>
+                <a:endParaRPr lang="en-US" dirty="0"/>
+              </a:p>
+              <a:p>
+                <a:pPr algn="l" rtl="0"/>
+                <a:r>
+                  <a:rPr lang="en-US" dirty="0"/>
+                  <a:t>T</a:t>
+                </a:r>
+                <a:r>
+                  <a:rPr lang="en-US" dirty="0" smtClean="0"/>
+                  <a:t>he </a:t>
+                </a:r>
+                <a:r>
+                  <a:rPr lang="en-US" dirty="0"/>
+                  <a:t>coefficients vector </a:t>
+                </a:r>
+                <a14:m>
+                  <m:oMath xmlns:m="http://schemas.openxmlformats.org/officeDocument/2006/math">
+                    <m:sSub>
+                      <m:sSubPr>
+                        <m:ctrlPr>
+                          <a:rPr lang="en-US" i="1"/>
+                        </m:ctrlPr>
+                      </m:sSubPr>
+                      <m:e>
+                        <m:r>
+                          <a:rPr lang="en-US" i="1"/>
+                          <m:t>𝜃</m:t>
+                        </m:r>
+                      </m:e>
+                      <m:sub>
+                        <m:r>
+                          <a:rPr lang="en-US" i="1"/>
+                          <m:t>𝑀𝑃</m:t>
+                        </m:r>
+                      </m:sub>
+                    </m:sSub>
+                  </m:oMath>
+                </a14:m>
+                <a:r>
+                  <a:rPr lang="en-US" dirty="0"/>
+                  <a:t> can be found </a:t>
+                </a:r>
+                <a:r>
+                  <a:rPr lang="en-US" dirty="0" smtClean="0"/>
+                  <a:t>using </a:t>
+                </a:r>
+                <a:r>
+                  <a:rPr lang="en-US" dirty="0"/>
+                  <a:t>the well-known method of minimizing the least squares error between the calculated output and measured output. </a:t>
+                </a:r>
+                <a:endParaRPr lang="en-US" dirty="0" smtClean="0"/>
+              </a:p>
+            </p:txBody>
+          </p:sp>
+        </mc:Choice>
+        <mc:Fallback>
+          <p:sp>
+            <p:nvSpPr>
+              <p:cNvPr id="5" name="Content Placeholder 2"/>
+              <p:cNvSpPr txBox="1">
+                <a:spLocks noRot="1" noChangeAspect="1" noMove="1" noResize="1" noEditPoints="1" noAdjustHandles="1" noChangeArrowheads="1" noChangeShapeType="1" noTextEdit="1"/>
+              </p:cNvSpPr>
+              <p:nvPr/>
+            </p:nvSpPr>
+            <p:spPr>
+              <a:xfrm>
+                <a:off x="570412" y="1600201"/>
+                <a:ext cx="10972800" cy="4839788"/>
+              </a:xfrm>
+              <a:prstGeom prst="rect">
+                <a:avLst/>
+              </a:prstGeom>
+              <a:blipFill>
+                <a:blip r:embed="rId2"/>
+                <a:stretch>
+                  <a:fillRect l="-1000" t="-2144" r="-778"/>
+                </a:stretch>
+              </a:blipFill>
+            </p:spPr>
+            <p:txBody>
+              <a:bodyPr/>
+              <a:lstStyle/>
+              <a:p>
+                <a:r>
+                  <a:rPr lang="en-US">
+                    <a:noFill/>
+                  </a:rPr>
+                  <a:t> </a:t>
+                </a:r>
+              </a:p>
+            </p:txBody>
+          </p:sp>
+        </mc:Fallback>
+      </mc:AlternateContent>
+      <mc:AlternateContent xmlns:mc="http://schemas.openxmlformats.org/markup-compatibility/2006">
+        <mc:Choice xmlns:a14="http://schemas.microsoft.com/office/drawing/2010/main" Requires="a14">
+          <p:sp>
+            <p:nvSpPr>
+              <p:cNvPr id="3" name="מלבן 2"/>
+              <p:cNvSpPr/>
+              <p:nvPr/>
+            </p:nvSpPr>
+            <p:spPr>
+              <a:xfrm>
+                <a:off x="3103388" y="5308266"/>
+                <a:ext cx="4734325" cy="584775"/>
+              </a:xfrm>
+              <a:prstGeom prst="rect">
+                <a:avLst/>
+              </a:prstGeom>
+            </p:spPr>
+            <p:txBody>
+              <a:bodyPr wrap="square">
+                <a:spAutoFit/>
+              </a:bodyPr>
+              <a:lstStyle/>
+              <a:p>
+                <a14:m>
+                  <m:oMathPara xmlns:m="http://schemas.openxmlformats.org/officeDocument/2006/math">
+                    <m:oMathParaPr>
+                      <m:jc m:val="centerGroup"/>
+                    </m:oMathParaPr>
+                    <m:oMath xmlns:m="http://schemas.openxmlformats.org/officeDocument/2006/math">
+                      <m:sSub>
+                        <m:sSubPr>
+                          <m:ctrlPr>
+                            <a:rPr lang="en-US" sz="3200">
+                              <a:latin typeface="Cambria Math" panose="02040503050406030204" pitchFamily="18" charset="0"/>
+                            </a:rPr>
+                          </m:ctrlPr>
+                        </m:sSubPr>
+                        <m:e>
+                          <m:r>
+                            <a:rPr lang="en-US" sz="3200" i="1">
+                              <a:latin typeface="Cambria Math" panose="02040503050406030204" pitchFamily="18" charset="0"/>
+                            </a:rPr>
+                            <m:t>𝜃</m:t>
+                          </m:r>
+                        </m:e>
+                        <m:sub>
+                          <m:r>
+                            <a:rPr lang="en-US" sz="3200" i="1">
+                              <a:latin typeface="Cambria Math" panose="02040503050406030204" pitchFamily="18" charset="0"/>
+                            </a:rPr>
+                            <m:t>𝑀𝑃</m:t>
+                          </m:r>
+                        </m:sub>
+                      </m:sSub>
+                      <m:r>
+                        <a:rPr lang="en-US" sz="3200" i="0">
+                          <a:latin typeface="Cambria Math" panose="02040503050406030204" pitchFamily="18" charset="0"/>
+                        </a:rPr>
+                        <m:t>=</m:t>
+                      </m:r>
+                      <m:sSup>
+                        <m:sSupPr>
+                          <m:ctrlPr>
+                            <a:rPr lang="en-US" sz="3200" i="1">
+                              <a:latin typeface="Cambria Math" panose="02040503050406030204" pitchFamily="18" charset="0"/>
+                            </a:rPr>
+                          </m:ctrlPr>
+                        </m:sSupPr>
+                        <m:e>
+                          <m:d>
+                            <m:dPr>
+                              <m:ctrlPr>
+                                <a:rPr lang="en-US" sz="3200" i="1">
+                                  <a:latin typeface="Cambria Math" panose="02040503050406030204" pitchFamily="18" charset="0"/>
+                                </a:rPr>
+                              </m:ctrlPr>
+                            </m:dPr>
+                            <m:e>
+                              <m:sSup>
+                                <m:sSupPr>
+                                  <m:ctrlPr>
+                                    <a:rPr lang="en-US" sz="3200" i="1">
+                                      <a:latin typeface="Cambria Math" panose="02040503050406030204" pitchFamily="18" charset="0"/>
+                                    </a:rPr>
+                                  </m:ctrlPr>
+                                </m:sSupPr>
+                                <m:e>
+                                  <m:r>
+                                    <a:rPr lang="en-US" sz="3200" i="1">
+                                      <a:latin typeface="Cambria Math" panose="02040503050406030204" pitchFamily="18" charset="0"/>
+                                    </a:rPr>
+                                    <m:t>𝑋</m:t>
+                                  </m:r>
+                                </m:e>
+                                <m:sup>
+                                  <m:r>
+                                    <a:rPr lang="en-US" sz="3200" i="1">
+                                      <a:latin typeface="Cambria Math" panose="02040503050406030204" pitchFamily="18" charset="0"/>
+                                    </a:rPr>
+                                    <m:t>𝐻</m:t>
+                                  </m:r>
+                                </m:sup>
+                              </m:sSup>
+                              <m:r>
+                                <a:rPr lang="en-US" sz="3200" i="1">
+                                  <a:latin typeface="Cambria Math" panose="02040503050406030204" pitchFamily="18" charset="0"/>
+                                </a:rPr>
+                                <m:t>𝑋</m:t>
+                              </m:r>
+                            </m:e>
+                          </m:d>
+                        </m:e>
+                        <m:sup>
+                          <m:r>
+                            <a:rPr lang="en-US" sz="3200" i="0">
+                              <a:latin typeface="Cambria Math" panose="02040503050406030204" pitchFamily="18" charset="0"/>
+                            </a:rPr>
+                            <m:t>−</m:t>
+                          </m:r>
+                          <m:r>
+                            <a:rPr lang="en-US" sz="3200" i="0">
+                              <a:latin typeface="Cambria Math" panose="02040503050406030204" pitchFamily="18" charset="0"/>
+                            </a:rPr>
+                            <m:t>1</m:t>
+                          </m:r>
+                        </m:sup>
+                      </m:sSup>
+                      <m:r>
+                        <a:rPr lang="en-US" sz="3200" i="0">
+                          <a:latin typeface="Cambria Math" panose="02040503050406030204" pitchFamily="18" charset="0"/>
+                        </a:rPr>
+                        <m:t> </m:t>
+                      </m:r>
+                      <m:r>
+                        <a:rPr lang="en-US" sz="3200" i="1">
+                          <a:latin typeface="Cambria Math" panose="02040503050406030204" pitchFamily="18" charset="0"/>
+                        </a:rPr>
+                        <m:t>𝑋𝑦</m:t>
+                      </m:r>
+                    </m:oMath>
+                  </m:oMathPara>
+                </a14:m>
+                <a:endParaRPr lang="en-US" sz="3200" dirty="0"/>
+              </a:p>
+            </p:txBody>
+          </p:sp>
+        </mc:Choice>
+        <mc:Fallback>
+          <p:sp>
+            <p:nvSpPr>
+              <p:cNvPr id="3" name="מלבן 2"/>
+              <p:cNvSpPr>
+                <a:spLocks noRot="1" noChangeAspect="1" noMove="1" noResize="1" noEditPoints="1" noAdjustHandles="1" noChangeArrowheads="1" noChangeShapeType="1" noTextEdit="1"/>
+              </p:cNvSpPr>
+              <p:nvPr/>
+            </p:nvSpPr>
+            <p:spPr>
+              <a:xfrm>
+                <a:off x="3103388" y="5308266"/>
+                <a:ext cx="4734325" cy="584775"/>
+              </a:xfrm>
+              <a:prstGeom prst="rect">
+                <a:avLst/>
+              </a:prstGeom>
+              <a:blipFill>
+                <a:blip r:embed="rId3"/>
+                <a:stretch>
+                  <a:fillRect/>
+                </a:stretch>
+              </a:blipFill>
+            </p:spPr>
+            <p:txBody>
+              <a:bodyPr/>
+              <a:lstStyle/>
+              <a:p>
+                <a:r>
+                  <a:rPr lang="en-US">
+                    <a:noFill/>
+                  </a:rPr>
+                  <a:t> </a:t>
+                </a:r>
+              </a:p>
+            </p:txBody>
+          </p:sp>
+        </mc:Fallback>
+      </mc:AlternateContent>
+    </p:spTree>
+    <p:extLst>
+      <p:ext uri="{BB962C8B-B14F-4D97-AF65-F5344CB8AC3E}">
+        <p14:creationId xmlns:p14="http://schemas.microsoft.com/office/powerpoint/2010/main" val="1732628709"/>
+      </p:ext>
+    </p:extLst>
+  </p:cSld>
+  <p:clrMapOvr>
+    <a:masterClrMapping/>
+  </p:clrMapOvr>
+</p:sld>
+</file>
+
+<file path=ppt/slides/slide11.xml><?xml version="1.0" encoding="utf-8"?>
+<p:sld xmlns:a="http://schemas.openxmlformats.org/drawingml/2006/main" xmlns:r="http://schemas.openxmlformats.org/officeDocument/2006/relationships" xmlns:p="http://schemas.openxmlformats.org/presentationml/2006/main">
+  <p:cSld>
+    <p:spTree>
+      <p:nvGrpSpPr>
+        <p:cNvPr id="1" name=""/>
+        <p:cNvGrpSpPr/>
+        <p:nvPr/>
+      </p:nvGrpSpPr>
+      <p:grpSpPr>
+        <a:xfrm>
+          <a:off x="0" y="0"/>
+          <a:ext cx="0" cy="0"/>
+          <a:chOff x="0" y="0"/>
+          <a:chExt cx="0" cy="0"/>
+        </a:xfrm>
+      </p:grpSpPr>
+      <p:sp>
+        <p:nvSpPr>
+          <p:cNvPr id="2" name="Title 1"/>
+          <p:cNvSpPr txBox="1">
+            <a:spLocks/>
+          </p:cNvSpPr>
+          <p:nvPr/>
+        </p:nvSpPr>
+        <p:spPr>
+          <a:xfrm>
+            <a:off x="465908" y="457201"/>
+            <a:ext cx="10972800" cy="1143000"/>
+          </a:xfrm>
+          <a:prstGeom prst="rect">
+            <a:avLst/>
+          </a:prstGeom>
+        </p:spPr>
+        <p:txBody>
+          <a:bodyPr>
+            <a:normAutofit/>
+          </a:bodyPr>
+          <a:lstStyle>
+            <a:lvl1pPr algn="r" defTabSz="914400" rtl="1" eaLnBrk="1" latinLnBrk="0" hangingPunct="1">
+              <a:lnSpc>
+                <a:spcPct val="90000"/>
+              </a:lnSpc>
+              <a:spcBef>
+                <a:spcPct val="0"/>
+              </a:spcBef>
+              <a:buNone/>
+              <a:defRPr sz="4400" kern="1200">
+                <a:solidFill>
+                  <a:schemeClr val="tx1"/>
+                </a:solidFill>
+                <a:latin typeface="+mj-lt"/>
+                <a:ea typeface="+mj-ea"/>
+                <a:cs typeface="+mj-cs"/>
+              </a:defRPr>
+            </a:lvl1pPr>
+          </a:lstStyle>
+          <a:p>
+            <a:pPr algn="ctr"/>
+            <a:r>
+              <a:rPr lang="en-US" dirty="0" smtClean="0">
+                <a:solidFill>
+                  <a:srgbClr val="002060"/>
+                </a:solidFill>
+              </a:rPr>
+              <a:t>MSE</a:t>
+            </a:r>
+            <a:endParaRPr lang="he-IL" dirty="0">
+              <a:solidFill>
+                <a:srgbClr val="002060"/>
+              </a:solidFill>
+            </a:endParaRPr>
+          </a:p>
+        </p:txBody>
+      </p:sp>
+      <p:sp>
+        <p:nvSpPr>
+          <p:cNvPr id="5" name="Content Placeholder 2"/>
+          <p:cNvSpPr txBox="1">
+            <a:spLocks/>
+          </p:cNvSpPr>
+          <p:nvPr/>
+        </p:nvSpPr>
+        <p:spPr>
+          <a:xfrm>
+            <a:off x="570412" y="1600201"/>
+            <a:ext cx="10972800" cy="4839788"/>
+          </a:xfrm>
+          <a:prstGeom prst="rect">
+            <a:avLst/>
+          </a:prstGeom>
+        </p:spPr>
+        <p:txBody>
+          <a:bodyPr/>
+          <a:lstStyle>
+            <a:lvl1pPr marL="228600" indent="-228600" algn="r" defTabSz="914400" rtl="1" eaLnBrk="1" latinLnBrk="0" hangingPunct="1">
+              <a:lnSpc>
+                <a:spcPct val="90000"/>
+              </a:lnSpc>
+              <a:spcBef>
+                <a:spcPts val="1000"/>
+              </a:spcBef>
+              <a:buFont typeface="Arial" panose="020B0604020202020204" pitchFamily="34" charset="0"/>
+              <a:buChar char="•"/>
+              <a:defRPr sz="2800" kern="1200">
+                <a:solidFill>
+                  <a:schemeClr val="tx1"/>
+                </a:solidFill>
+                <a:latin typeface="+mn-lt"/>
+                <a:ea typeface="+mn-ea"/>
+                <a:cs typeface="+mn-cs"/>
+              </a:defRPr>
+            </a:lvl1pPr>
+            <a:lvl2pPr marL="685800" indent="-228600" algn="r" defTabSz="914400" rtl="1" eaLnBrk="1" latinLnBrk="0" hangingPunct="1">
+              <a:lnSpc>
+                <a:spcPct val="90000"/>
+              </a:lnSpc>
+              <a:spcBef>
+                <a:spcPts val="500"/>
+              </a:spcBef>
+              <a:buFont typeface="Arial" panose="020B0604020202020204" pitchFamily="34" charset="0"/>
+              <a:buChar char="•"/>
+              <a:defRPr sz="2400" kern="1200">
+                <a:solidFill>
+                  <a:schemeClr val="tx1"/>
+                </a:solidFill>
+                <a:latin typeface="+mn-lt"/>
+                <a:ea typeface="+mn-ea"/>
+                <a:cs typeface="+mn-cs"/>
+              </a:defRPr>
+            </a:lvl2pPr>
+            <a:lvl3pPr marL="1143000" indent="-228600" algn="r" defTabSz="914400" rtl="1" eaLnBrk="1" latinLnBrk="0" hangingPunct="1">
+              <a:lnSpc>
+                <a:spcPct val="90000"/>
+              </a:lnSpc>
+              <a:spcBef>
+                <a:spcPts val="500"/>
+              </a:spcBef>
+              <a:buFont typeface="Arial" panose="020B0604020202020204" pitchFamily="34" charset="0"/>
+              <a:buChar char="•"/>
+              <a:defRPr sz="2000" kern="1200">
+                <a:solidFill>
+                  <a:schemeClr val="tx1"/>
+                </a:solidFill>
+                <a:latin typeface="+mn-lt"/>
+                <a:ea typeface="+mn-ea"/>
+                <a:cs typeface="+mn-cs"/>
+              </a:defRPr>
+            </a:lvl3pPr>
+            <a:lvl4pPr marL="1600200" indent="-228600" algn="r" defTabSz="914400" rtl="1" eaLnBrk="1" latinLnBrk="0" hangingPunct="1">
+              <a:lnSpc>
+                <a:spcPct val="90000"/>
+              </a:lnSpc>
+              <a:spcBef>
+                <a:spcPts val="500"/>
+              </a:spcBef>
+              <a:buFont typeface="Arial" panose="020B0604020202020204" pitchFamily="34" charset="0"/>
+              <a:buChar char="•"/>
+              <a:defRPr sz="1800" kern="1200">
+                <a:solidFill>
+                  <a:schemeClr val="tx1"/>
+                </a:solidFill>
+                <a:latin typeface="+mn-lt"/>
+                <a:ea typeface="+mn-ea"/>
+                <a:cs typeface="+mn-cs"/>
+              </a:defRPr>
+            </a:lvl4pPr>
+            <a:lvl5pPr marL="2057400" indent="-228600" algn="r" defTabSz="914400" rtl="1" eaLnBrk="1" latinLnBrk="0" hangingPunct="1">
+              <a:lnSpc>
+                <a:spcPct val="90000"/>
+              </a:lnSpc>
+              <a:spcBef>
+                <a:spcPts val="500"/>
+              </a:spcBef>
+              <a:buFont typeface="Arial" panose="020B0604020202020204" pitchFamily="34" charset="0"/>
+              <a:buChar char="•"/>
+              <a:defRPr sz="1800" kern="1200">
+                <a:solidFill>
+                  <a:schemeClr val="tx1"/>
+                </a:solidFill>
+                <a:latin typeface="+mn-lt"/>
+                <a:ea typeface="+mn-ea"/>
+                <a:cs typeface="+mn-cs"/>
+              </a:defRPr>
+            </a:lvl5pPr>
+            <a:lvl6pPr marL="2514600" indent="-228600" algn="r" defTabSz="914400" rtl="1" eaLnBrk="1" latinLnBrk="0" hangingPunct="1">
+              <a:lnSpc>
+                <a:spcPct val="90000"/>
+              </a:lnSpc>
+              <a:spcBef>
+                <a:spcPts val="500"/>
+              </a:spcBef>
+              <a:buFont typeface="Arial" panose="020B0604020202020204" pitchFamily="34" charset="0"/>
+              <a:buChar char="•"/>
+              <a:defRPr sz="1800" kern="1200">
+                <a:solidFill>
+                  <a:schemeClr val="tx1"/>
+                </a:solidFill>
+                <a:latin typeface="+mn-lt"/>
+                <a:ea typeface="+mn-ea"/>
+                <a:cs typeface="+mn-cs"/>
+              </a:defRPr>
+            </a:lvl6pPr>
+            <a:lvl7pPr marL="2971800" indent="-228600" algn="r" defTabSz="914400" rtl="1" eaLnBrk="1" latinLnBrk="0" hangingPunct="1">
+              <a:lnSpc>
+                <a:spcPct val="90000"/>
+              </a:lnSpc>
+              <a:spcBef>
+                <a:spcPts val="500"/>
+              </a:spcBef>
+              <a:buFont typeface="Arial" panose="020B0604020202020204" pitchFamily="34" charset="0"/>
+              <a:buChar char="•"/>
+              <a:defRPr sz="1800" kern="1200">
+                <a:solidFill>
+                  <a:schemeClr val="tx1"/>
+                </a:solidFill>
+                <a:latin typeface="+mn-lt"/>
+                <a:ea typeface="+mn-ea"/>
+                <a:cs typeface="+mn-cs"/>
+              </a:defRPr>
+            </a:lvl7pPr>
+            <a:lvl8pPr marL="3429000" indent="-228600" algn="r" defTabSz="914400" rtl="1" eaLnBrk="1" latinLnBrk="0" hangingPunct="1">
+              <a:lnSpc>
+                <a:spcPct val="90000"/>
+              </a:lnSpc>
+              <a:spcBef>
+                <a:spcPts val="500"/>
+              </a:spcBef>
+              <a:buFont typeface="Arial" panose="020B0604020202020204" pitchFamily="34" charset="0"/>
+              <a:buChar char="•"/>
+              <a:defRPr sz="1800" kern="1200">
+                <a:solidFill>
+                  <a:schemeClr val="tx1"/>
+                </a:solidFill>
+                <a:latin typeface="+mn-lt"/>
+                <a:ea typeface="+mn-ea"/>
+                <a:cs typeface="+mn-cs"/>
+              </a:defRPr>
+            </a:lvl8pPr>
+            <a:lvl9pPr marL="3886200" indent="-228600" algn="r" defTabSz="914400" rtl="1" eaLnBrk="1" latinLnBrk="0" hangingPunct="1">
+              <a:lnSpc>
+                <a:spcPct val="90000"/>
+              </a:lnSpc>
+              <a:spcBef>
+                <a:spcPts val="500"/>
+              </a:spcBef>
+              <a:buFont typeface="Arial" panose="020B0604020202020204" pitchFamily="34" charset="0"/>
+              <a:buChar char="•"/>
+              <a:defRPr sz="1800" kern="1200">
+                <a:solidFill>
+                  <a:schemeClr val="tx1"/>
+                </a:solidFill>
+                <a:latin typeface="+mn-lt"/>
+                <a:ea typeface="+mn-ea"/>
+                <a:cs typeface="+mn-cs"/>
+              </a:defRPr>
+            </a:lvl9pPr>
+          </a:lstStyle>
+          <a:p>
+            <a:pPr algn="l" rtl="0"/>
+            <a:r>
+              <a:rPr lang="en-US" dirty="0" smtClean="0"/>
+              <a:t>Another way to </a:t>
+            </a:r>
+            <a:r>
+              <a:rPr lang="en-US" dirty="0"/>
+              <a:t>find the parameters that minimize the least squares </a:t>
+            </a:r>
+            <a:r>
+              <a:rPr lang="en-US" dirty="0" smtClean="0"/>
+              <a:t>error is using SGD.</a:t>
+            </a:r>
+          </a:p>
+          <a:p>
+            <a:pPr marL="0" indent="0" algn="l" rtl="0">
+              <a:buNone/>
+            </a:pPr>
+            <a:endParaRPr lang="en-US" dirty="0"/>
+          </a:p>
+        </p:txBody>
+      </p:sp>
+      <mc:AlternateContent xmlns:mc="http://schemas.openxmlformats.org/markup-compatibility/2006">
+        <mc:Choice xmlns:a14="http://schemas.microsoft.com/office/drawing/2010/main" Requires="a14">
+          <p:sp>
+            <p:nvSpPr>
+              <p:cNvPr id="4" name="מלבן 3"/>
+              <p:cNvSpPr/>
+              <p:nvPr/>
+            </p:nvSpPr>
+            <p:spPr>
+              <a:xfrm>
+                <a:off x="3539425" y="2865511"/>
+                <a:ext cx="4259099" cy="584775"/>
+              </a:xfrm>
+              <a:prstGeom prst="rect">
+                <a:avLst/>
+              </a:prstGeom>
+            </p:spPr>
+            <p:txBody>
+              <a:bodyPr wrap="square">
+                <a:spAutoFit/>
+              </a:bodyPr>
+              <a:lstStyle/>
+              <a:p>
+                <a14:m>
+                  <m:oMathPara xmlns:m="http://schemas.openxmlformats.org/officeDocument/2006/math">
+                    <m:oMathParaPr>
+                      <m:jc m:val="centerGroup"/>
+                    </m:oMathParaPr>
+                    <m:oMath xmlns:m="http://schemas.openxmlformats.org/officeDocument/2006/math">
+                      <m:r>
+                        <a:rPr lang="en-US" sz="3200" i="1">
+                          <a:latin typeface="Cambria Math" panose="02040503050406030204" pitchFamily="18" charset="0"/>
+                        </a:rPr>
+                        <m:t>𝜇</m:t>
+                      </m:r>
+                      <m:r>
+                        <a:rPr lang="en-US" sz="3200" i="0">
+                          <a:latin typeface="Cambria Math" panose="02040503050406030204" pitchFamily="18" charset="0"/>
+                        </a:rPr>
+                        <m:t>=</m:t>
+                      </m:r>
+                      <m:r>
+                        <a:rPr lang="en-US" sz="3200" i="1">
+                          <a:latin typeface="Cambria Math" panose="02040503050406030204" pitchFamily="18" charset="0"/>
+                        </a:rPr>
+                        <m:t>𝛼</m:t>
+                      </m:r>
+                      <m:r>
+                        <a:rPr lang="en-US" sz="3200" i="0">
+                          <a:latin typeface="Cambria Math" panose="02040503050406030204" pitchFamily="18" charset="0"/>
+                        </a:rPr>
+                        <m:t>⋅</m:t>
+                      </m:r>
+                      <m:sSup>
+                        <m:sSupPr>
+                          <m:ctrlPr>
+                            <a:rPr lang="en-US" sz="3200" i="1">
+                              <a:latin typeface="Cambria Math" panose="02040503050406030204" pitchFamily="18" charset="0"/>
+                            </a:rPr>
+                          </m:ctrlPr>
+                        </m:sSupPr>
+                        <m:e>
+                          <m:d>
+                            <m:dPr>
+                              <m:ctrlPr>
+                                <a:rPr lang="en-US" sz="3200" i="1">
+                                  <a:latin typeface="Cambria Math" panose="02040503050406030204" pitchFamily="18" charset="0"/>
+                                </a:rPr>
+                              </m:ctrlPr>
+                            </m:dPr>
+                            <m:e>
+                              <m:sSup>
+                                <m:sSupPr>
+                                  <m:ctrlPr>
+                                    <a:rPr lang="en-US" sz="3200" i="1">
+                                      <a:latin typeface="Cambria Math" panose="02040503050406030204" pitchFamily="18" charset="0"/>
+                                    </a:rPr>
+                                  </m:ctrlPr>
+                                </m:sSupPr>
+                                <m:e>
+                                  <m:r>
+                                    <a:rPr lang="en-US" sz="3200" i="1">
+                                      <a:latin typeface="Cambria Math" panose="02040503050406030204" pitchFamily="18" charset="0"/>
+                                    </a:rPr>
+                                    <m:t>𝑋</m:t>
+                                  </m:r>
+                                </m:e>
+                                <m:sup>
+                                  <m:r>
+                                    <a:rPr lang="en-US" sz="3200" i="1">
+                                      <a:latin typeface="Cambria Math" panose="02040503050406030204" pitchFamily="18" charset="0"/>
+                                    </a:rPr>
+                                    <m:t>𝐻</m:t>
+                                  </m:r>
+                                </m:sup>
+                              </m:sSup>
+                              <m:r>
+                                <a:rPr lang="en-US" sz="3200" i="1">
+                                  <a:latin typeface="Cambria Math" panose="02040503050406030204" pitchFamily="18" charset="0"/>
+                                </a:rPr>
+                                <m:t>𝑋</m:t>
+                              </m:r>
+                              <m:r>
+                                <a:rPr lang="en-US" sz="3200" i="0">
+                                  <a:latin typeface="Cambria Math" panose="02040503050406030204" pitchFamily="18" charset="0"/>
+                                </a:rPr>
+                                <m:t>+</m:t>
+                              </m:r>
+                              <m:r>
+                                <a:rPr lang="en-US" sz="3200" i="1">
+                                  <a:latin typeface="Cambria Math" panose="02040503050406030204" pitchFamily="18" charset="0"/>
+                                </a:rPr>
+                                <m:t>𝜖</m:t>
+                              </m:r>
+                            </m:e>
+                          </m:d>
+                        </m:e>
+                        <m:sup>
+                          <m:r>
+                            <a:rPr lang="en-US" sz="3200" i="0">
+                              <a:latin typeface="Cambria Math" panose="02040503050406030204" pitchFamily="18" charset="0"/>
+                            </a:rPr>
+                            <m:t>−</m:t>
+                          </m:r>
+                          <m:r>
+                            <a:rPr lang="en-US" sz="3200" i="0">
+                              <a:latin typeface="Cambria Math" panose="02040503050406030204" pitchFamily="18" charset="0"/>
+                            </a:rPr>
+                            <m:t>1</m:t>
+                          </m:r>
+                        </m:sup>
+                      </m:sSup>
+                    </m:oMath>
+                  </m:oMathPara>
+                </a14:m>
+                <a:endParaRPr lang="en-US" sz="3200" dirty="0"/>
+              </a:p>
+            </p:txBody>
+          </p:sp>
+        </mc:Choice>
+        <mc:Fallback>
+          <p:sp>
+            <p:nvSpPr>
+              <p:cNvPr id="4" name="מלבן 3"/>
+              <p:cNvSpPr>
+                <a:spLocks noRot="1" noChangeAspect="1" noMove="1" noResize="1" noEditPoints="1" noAdjustHandles="1" noChangeArrowheads="1" noChangeShapeType="1" noTextEdit="1"/>
+              </p:cNvSpPr>
+              <p:nvPr/>
+            </p:nvSpPr>
+            <p:spPr>
+              <a:xfrm>
+                <a:off x="3539425" y="2865511"/>
+                <a:ext cx="4259099" cy="584775"/>
+              </a:xfrm>
+              <a:prstGeom prst="rect">
+                <a:avLst/>
+              </a:prstGeom>
+              <a:blipFill>
+                <a:blip r:embed="rId2"/>
+                <a:stretch>
+                  <a:fillRect/>
+                </a:stretch>
+              </a:blipFill>
+            </p:spPr>
+            <p:txBody>
+              <a:bodyPr/>
+              <a:lstStyle/>
+              <a:p>
+                <a:r>
+                  <a:rPr lang="en-US">
+                    <a:noFill/>
+                  </a:rPr>
+                  <a:t> </a:t>
+                </a:r>
+              </a:p>
+            </p:txBody>
+          </p:sp>
+        </mc:Fallback>
+      </mc:AlternateContent>
+      <mc:AlternateContent xmlns:mc="http://schemas.openxmlformats.org/markup-compatibility/2006">
+        <mc:Choice xmlns:a14="http://schemas.microsoft.com/office/drawing/2010/main" Requires="a14">
+          <p:sp>
+            <p:nvSpPr>
+              <p:cNvPr id="6" name="מלבן 5"/>
+              <p:cNvSpPr/>
+              <p:nvPr/>
+            </p:nvSpPr>
+            <p:spPr>
+              <a:xfrm>
+                <a:off x="2171874" y="4006459"/>
+                <a:ext cx="6994199" cy="586827"/>
+              </a:xfrm>
+              <a:prstGeom prst="rect">
+                <a:avLst/>
+              </a:prstGeom>
+            </p:spPr>
+            <p:txBody>
+              <a:bodyPr wrap="square">
+                <a:spAutoFit/>
+              </a:bodyPr>
+              <a:lstStyle/>
+              <a:p>
+                <a14:m>
+                  <m:oMathPara xmlns:m="http://schemas.openxmlformats.org/officeDocument/2006/math">
+                    <m:oMathParaPr>
+                      <m:jc m:val="centerGroup"/>
+                    </m:oMathParaPr>
+                    <m:oMath xmlns:m="http://schemas.openxmlformats.org/officeDocument/2006/math">
+                      <m:sSup>
+                        <m:sSupPr>
+                          <m:ctrlPr>
+                            <a:rPr lang="en-US" sz="2800">
+                              <a:latin typeface="Cambria Math" panose="02040503050406030204" pitchFamily="18" charset="0"/>
+                            </a:rPr>
+                          </m:ctrlPr>
+                        </m:sSupPr>
+                        <m:e>
+                          <m:r>
+                            <a:rPr lang="en-US" sz="2800" i="1">
+                              <a:latin typeface="Cambria Math" panose="02040503050406030204" pitchFamily="18" charset="0"/>
+                            </a:rPr>
+                            <m:t>𝜃</m:t>
+                          </m:r>
+                        </m:e>
+                        <m:sup>
+                          <m:d>
+                            <m:dPr>
+                              <m:ctrlPr>
+                                <a:rPr lang="en-US" sz="2800" i="1">
+                                  <a:latin typeface="Cambria Math" panose="02040503050406030204" pitchFamily="18" charset="0"/>
+                                </a:rPr>
+                              </m:ctrlPr>
+                            </m:dPr>
+                            <m:e>
+                              <m:r>
+                                <a:rPr lang="en-US" sz="2800" i="1">
+                                  <a:latin typeface="Cambria Math" panose="02040503050406030204" pitchFamily="18" charset="0"/>
+                                </a:rPr>
+                                <m:t>𝑛</m:t>
+                              </m:r>
+                              <m:r>
+                                <a:rPr lang="en-US" sz="2800" i="0">
+                                  <a:latin typeface="Cambria Math" panose="02040503050406030204" pitchFamily="18" charset="0"/>
+                                </a:rPr>
+                                <m:t>+</m:t>
+                              </m:r>
+                              <m:r>
+                                <a:rPr lang="en-US" sz="2800" i="0">
+                                  <a:latin typeface="Cambria Math" panose="02040503050406030204" pitchFamily="18" charset="0"/>
+                                </a:rPr>
+                                <m:t>1</m:t>
+                              </m:r>
+                            </m:e>
+                          </m:d>
+                        </m:sup>
+                      </m:sSup>
+                      <m:r>
+                        <a:rPr lang="en-US" sz="2800" i="0">
+                          <a:latin typeface="Cambria Math" panose="02040503050406030204" pitchFamily="18" charset="0"/>
+                        </a:rPr>
+                        <m:t>=</m:t>
+                      </m:r>
+                      <m:sSup>
+                        <m:sSupPr>
+                          <m:ctrlPr>
+                            <a:rPr lang="en-US" sz="2800" i="1">
+                              <a:latin typeface="Cambria Math" panose="02040503050406030204" pitchFamily="18" charset="0"/>
+                            </a:rPr>
+                          </m:ctrlPr>
+                        </m:sSupPr>
+                        <m:e>
+                          <m:r>
+                            <a:rPr lang="en-US" sz="2800" i="1">
+                              <a:latin typeface="Cambria Math" panose="02040503050406030204" pitchFamily="18" charset="0"/>
+                            </a:rPr>
+                            <m:t>𝜃</m:t>
+                          </m:r>
+                        </m:e>
+                        <m:sup>
+                          <m:d>
+                            <m:dPr>
+                              <m:ctrlPr>
+                                <a:rPr lang="en-US" sz="2800" i="1">
+                                  <a:latin typeface="Cambria Math" panose="02040503050406030204" pitchFamily="18" charset="0"/>
+                                </a:rPr>
+                              </m:ctrlPr>
+                            </m:dPr>
+                            <m:e>
+                              <m:r>
+                                <a:rPr lang="en-US" sz="2800" i="1">
+                                  <a:latin typeface="Cambria Math" panose="02040503050406030204" pitchFamily="18" charset="0"/>
+                                </a:rPr>
+                                <m:t>𝑛</m:t>
+                              </m:r>
+                            </m:e>
+                          </m:d>
+                        </m:sup>
+                      </m:sSup>
+                      <m:r>
+                        <a:rPr lang="en-US" sz="2800" i="0">
+                          <a:latin typeface="Cambria Math" panose="02040503050406030204" pitchFamily="18" charset="0"/>
+                        </a:rPr>
+                        <m:t>−</m:t>
+                      </m:r>
+                      <m:r>
+                        <a:rPr lang="en-US" sz="2800" i="0">
+                          <a:latin typeface="Cambria Math" panose="02040503050406030204" pitchFamily="18" charset="0"/>
+                        </a:rPr>
+                        <m:t>2</m:t>
+                      </m:r>
+                      <m:r>
+                        <a:rPr lang="en-US" sz="2800" i="1">
+                          <a:latin typeface="Cambria Math" panose="02040503050406030204" pitchFamily="18" charset="0"/>
+                        </a:rPr>
+                        <m:t>𝜇</m:t>
+                      </m:r>
+                      <m:sSup>
+                        <m:sSupPr>
+                          <m:ctrlPr>
+                            <a:rPr lang="en-US" sz="2800" i="1">
+                              <a:latin typeface="Cambria Math" panose="02040503050406030204" pitchFamily="18" charset="0"/>
+                            </a:rPr>
+                          </m:ctrlPr>
+                        </m:sSupPr>
+                        <m:e>
+                          <m:r>
+                            <a:rPr lang="en-US" sz="2800" i="1">
+                              <a:latin typeface="Cambria Math" panose="02040503050406030204" pitchFamily="18" charset="0"/>
+                            </a:rPr>
+                            <m:t>𝑋</m:t>
+                          </m:r>
+                        </m:e>
+                        <m:sup>
+                          <m:r>
+                            <a:rPr lang="en-US" sz="2800" i="1">
+                              <a:latin typeface="Cambria Math" panose="02040503050406030204" pitchFamily="18" charset="0"/>
+                            </a:rPr>
+                            <m:t>𝐻</m:t>
+                          </m:r>
+                        </m:sup>
+                      </m:sSup>
+                      <m:d>
+                        <m:dPr>
+                          <m:ctrlPr>
+                            <a:rPr lang="en-US" sz="2800" i="1">
+                              <a:latin typeface="Cambria Math" panose="02040503050406030204" pitchFamily="18" charset="0"/>
+                            </a:rPr>
+                          </m:ctrlPr>
+                        </m:dPr>
+                        <m:e>
+                          <m:r>
+                            <a:rPr lang="en-US" sz="2800" i="1">
+                              <a:latin typeface="Cambria Math" panose="02040503050406030204" pitchFamily="18" charset="0"/>
+                            </a:rPr>
+                            <m:t>𝑋</m:t>
+                          </m:r>
+                          <m:sSup>
+                            <m:sSupPr>
+                              <m:ctrlPr>
+                                <a:rPr lang="en-US" sz="2800" i="1">
+                                  <a:latin typeface="Cambria Math" panose="02040503050406030204" pitchFamily="18" charset="0"/>
+                                </a:rPr>
+                              </m:ctrlPr>
+                            </m:sSupPr>
+                            <m:e>
+                              <m:r>
+                                <a:rPr lang="en-US" sz="2800" i="1">
+                                  <a:latin typeface="Cambria Math" panose="02040503050406030204" pitchFamily="18" charset="0"/>
+                                </a:rPr>
+                                <m:t>𝜃</m:t>
+                              </m:r>
+                            </m:e>
+                            <m:sup>
+                              <m:d>
+                                <m:dPr>
+                                  <m:ctrlPr>
+                                    <a:rPr lang="en-US" sz="2800" i="1">
+                                      <a:latin typeface="Cambria Math" panose="02040503050406030204" pitchFamily="18" charset="0"/>
+                                    </a:rPr>
+                                  </m:ctrlPr>
+                                </m:dPr>
+                                <m:e>
+                                  <m:r>
+                                    <a:rPr lang="en-US" sz="2800" i="1">
+                                      <a:latin typeface="Cambria Math" panose="02040503050406030204" pitchFamily="18" charset="0"/>
+                                    </a:rPr>
+                                    <m:t>𝑛</m:t>
+                                  </m:r>
+                                </m:e>
+                              </m:d>
+                            </m:sup>
+                          </m:sSup>
+                          <m:r>
+                            <a:rPr lang="en-US" sz="2800" i="0">
+                              <a:latin typeface="Cambria Math" panose="02040503050406030204" pitchFamily="18" charset="0"/>
+                            </a:rPr>
+                            <m:t>−</m:t>
+                          </m:r>
+                          <m:r>
+                            <a:rPr lang="en-US" sz="2800" i="1">
+                              <a:latin typeface="Cambria Math" panose="02040503050406030204" pitchFamily="18" charset="0"/>
+                            </a:rPr>
+                            <m:t>𝑦</m:t>
+                          </m:r>
+                        </m:e>
+                      </m:d>
+                    </m:oMath>
+                  </m:oMathPara>
+                </a14:m>
+                <a:endParaRPr lang="en-US" sz="2800" dirty="0"/>
+              </a:p>
+            </p:txBody>
+          </p:sp>
+        </mc:Choice>
+        <mc:Fallback>
+          <p:sp>
+            <p:nvSpPr>
+              <p:cNvPr id="6" name="מלבן 5"/>
+              <p:cNvSpPr>
+                <a:spLocks noRot="1" noChangeAspect="1" noMove="1" noResize="1" noEditPoints="1" noAdjustHandles="1" noChangeArrowheads="1" noChangeShapeType="1" noTextEdit="1"/>
+              </p:cNvSpPr>
+              <p:nvPr/>
+            </p:nvSpPr>
+            <p:spPr>
+              <a:xfrm>
+                <a:off x="2171874" y="4006459"/>
+                <a:ext cx="6994199" cy="586827"/>
+              </a:xfrm>
+              <a:prstGeom prst="rect">
+                <a:avLst/>
+              </a:prstGeom>
+              <a:blipFill>
+                <a:blip r:embed="rId3"/>
+                <a:stretch>
+                  <a:fillRect/>
+                </a:stretch>
+              </a:blipFill>
+            </p:spPr>
+            <p:txBody>
+              <a:bodyPr/>
+              <a:lstStyle/>
+              <a:p>
+                <a:r>
+                  <a:rPr lang="en-US">
+                    <a:noFill/>
+                  </a:rPr>
+                  <a:t> </a:t>
+                </a:r>
+              </a:p>
+            </p:txBody>
+          </p:sp>
+        </mc:Fallback>
+      </mc:AlternateContent>
+    </p:spTree>
+    <p:extLst>
+      <p:ext uri="{BB962C8B-B14F-4D97-AF65-F5344CB8AC3E}">
+        <p14:creationId xmlns:p14="http://schemas.microsoft.com/office/powerpoint/2010/main" val="2968156204"/>
+      </p:ext>
+    </p:extLst>
+  </p:cSld>
+  <p:clrMapOvr>
+    <a:masterClrMapping/>
+  </p:clrMapOvr>
+</p:sld>
+</file>
+
+<file path=ppt/slides/slide12.xml><?xml version="1.0" encoding="utf-8"?>
+<p:sld xmlns:a="http://schemas.openxmlformats.org/drawingml/2006/main" xmlns:r="http://schemas.openxmlformats.org/officeDocument/2006/relationships" xmlns:p="http://schemas.openxmlformats.org/presentationml/2006/main">
+  <p:cSld>
+    <p:spTree>
+      <p:nvGrpSpPr>
+        <p:cNvPr id="1" name=""/>
+        <p:cNvGrpSpPr/>
+        <p:nvPr/>
+      </p:nvGrpSpPr>
+      <p:grpSpPr>
+        <a:xfrm>
+          <a:off x="0" y="0"/>
+          <a:ext cx="0" cy="0"/>
+          <a:chOff x="0" y="0"/>
+          <a:chExt cx="0" cy="0"/>
+        </a:xfrm>
+      </p:grpSpPr>
+      <mc:AlternateContent xmlns:mc="http://schemas.openxmlformats.org/markup-compatibility/2006">
+        <mc:Choice xmlns:a14="http://schemas.microsoft.com/office/drawing/2010/main" Requires="a14">
+          <p:sp>
+            <p:nvSpPr>
+              <p:cNvPr id="5" name="Content Placeholder 2"/>
+              <p:cNvSpPr txBox="1">
+                <a:spLocks/>
+              </p:cNvSpPr>
+              <p:nvPr/>
+            </p:nvSpPr>
+            <p:spPr>
+              <a:xfrm>
+                <a:off x="570412" y="1600201"/>
+                <a:ext cx="10972800" cy="4839788"/>
+              </a:xfrm>
+              <a:prstGeom prst="rect">
+                <a:avLst/>
+              </a:prstGeom>
+            </p:spPr>
+            <p:txBody>
+              <a:bodyPr/>
+              <a:lstStyle>
+                <a:lvl1pPr marL="228600" indent="-228600" algn="r" defTabSz="914400" rtl="1" eaLnBrk="1" latinLnBrk="0" hangingPunct="1">
+                  <a:lnSpc>
+                    <a:spcPct val="90000"/>
+                  </a:lnSpc>
+                  <a:spcBef>
+                    <a:spcPts val="1000"/>
+                  </a:spcBef>
+                  <a:buFont typeface="Arial" panose="020B0604020202020204" pitchFamily="34" charset="0"/>
+                  <a:buChar char="•"/>
+                  <a:defRPr sz="2800" kern="1200">
+                    <a:solidFill>
+                      <a:schemeClr val="tx1"/>
+                    </a:solidFill>
+                    <a:latin typeface="+mn-lt"/>
+                    <a:ea typeface="+mn-ea"/>
+                    <a:cs typeface="+mn-cs"/>
+                  </a:defRPr>
+                </a:lvl1pPr>
+                <a:lvl2pPr marL="685800" indent="-228600" algn="r" defTabSz="914400" rtl="1" eaLnBrk="1" latinLnBrk="0" hangingPunct="1">
+                  <a:lnSpc>
+                    <a:spcPct val="90000"/>
+                  </a:lnSpc>
+                  <a:spcBef>
+                    <a:spcPts val="500"/>
+                  </a:spcBef>
+                  <a:buFont typeface="Arial" panose="020B0604020202020204" pitchFamily="34" charset="0"/>
+                  <a:buChar char="•"/>
+                  <a:defRPr sz="2400" kern="1200">
+                    <a:solidFill>
+                      <a:schemeClr val="tx1"/>
+                    </a:solidFill>
+                    <a:latin typeface="+mn-lt"/>
+                    <a:ea typeface="+mn-ea"/>
+                    <a:cs typeface="+mn-cs"/>
+                  </a:defRPr>
+                </a:lvl2pPr>
+                <a:lvl3pPr marL="1143000" indent="-228600" algn="r" defTabSz="914400" rtl="1" eaLnBrk="1" latinLnBrk="0" hangingPunct="1">
+                  <a:lnSpc>
+                    <a:spcPct val="90000"/>
+                  </a:lnSpc>
+                  <a:spcBef>
+                    <a:spcPts val="500"/>
+                  </a:spcBef>
+                  <a:buFont typeface="Arial" panose="020B0604020202020204" pitchFamily="34" charset="0"/>
+                  <a:buChar char="•"/>
+                  <a:defRPr sz="2000" kern="1200">
+                    <a:solidFill>
+                      <a:schemeClr val="tx1"/>
+                    </a:solidFill>
+                    <a:latin typeface="+mn-lt"/>
+                    <a:ea typeface="+mn-ea"/>
+                    <a:cs typeface="+mn-cs"/>
+                  </a:defRPr>
+                </a:lvl3pPr>
+                <a:lvl4pPr marL="1600200" indent="-228600" algn="r" defTabSz="914400" rtl="1" eaLnBrk="1" latinLnBrk="0" hangingPunct="1">
+                  <a:lnSpc>
+                    <a:spcPct val="90000"/>
+                  </a:lnSpc>
+                  <a:spcBef>
+                    <a:spcPts val="500"/>
+                  </a:spcBef>
+                  <a:buFont typeface="Arial" panose="020B0604020202020204" pitchFamily="34" charset="0"/>
+                  <a:buChar char="•"/>
+                  <a:defRPr sz="1800" kern="1200">
+                    <a:solidFill>
+                      <a:schemeClr val="tx1"/>
+                    </a:solidFill>
+                    <a:latin typeface="+mn-lt"/>
+                    <a:ea typeface="+mn-ea"/>
+                    <a:cs typeface="+mn-cs"/>
+                  </a:defRPr>
+                </a:lvl4pPr>
+                <a:lvl5pPr marL="2057400" indent="-228600" algn="r" defTabSz="914400" rtl="1" eaLnBrk="1" latinLnBrk="0" hangingPunct="1">
+                  <a:lnSpc>
+                    <a:spcPct val="90000"/>
+                  </a:lnSpc>
+                  <a:spcBef>
+                    <a:spcPts val="500"/>
+                  </a:spcBef>
+                  <a:buFont typeface="Arial" panose="020B0604020202020204" pitchFamily="34" charset="0"/>
+                  <a:buChar char="•"/>
+                  <a:defRPr sz="1800" kern="1200">
+                    <a:solidFill>
+                      <a:schemeClr val="tx1"/>
+                    </a:solidFill>
+                    <a:latin typeface="+mn-lt"/>
+                    <a:ea typeface="+mn-ea"/>
+                    <a:cs typeface="+mn-cs"/>
+                  </a:defRPr>
+                </a:lvl5pPr>
+                <a:lvl6pPr marL="2514600" indent="-228600" algn="r" defTabSz="914400" rtl="1" eaLnBrk="1" latinLnBrk="0" hangingPunct="1">
+                  <a:lnSpc>
+                    <a:spcPct val="90000"/>
+                  </a:lnSpc>
+                  <a:spcBef>
+                    <a:spcPts val="500"/>
+                  </a:spcBef>
+                  <a:buFont typeface="Arial" panose="020B0604020202020204" pitchFamily="34" charset="0"/>
+                  <a:buChar char="•"/>
+                  <a:defRPr sz="1800" kern="1200">
+                    <a:solidFill>
+                      <a:schemeClr val="tx1"/>
+                    </a:solidFill>
+                    <a:latin typeface="+mn-lt"/>
+                    <a:ea typeface="+mn-ea"/>
+                    <a:cs typeface="+mn-cs"/>
+                  </a:defRPr>
+                </a:lvl6pPr>
+                <a:lvl7pPr marL="2971800" indent="-228600" algn="r" defTabSz="914400" rtl="1" eaLnBrk="1" latinLnBrk="0" hangingPunct="1">
+                  <a:lnSpc>
+                    <a:spcPct val="90000"/>
+                  </a:lnSpc>
+                  <a:spcBef>
+                    <a:spcPts val="500"/>
+                  </a:spcBef>
+                  <a:buFont typeface="Arial" panose="020B0604020202020204" pitchFamily="34" charset="0"/>
+                  <a:buChar char="•"/>
+                  <a:defRPr sz="1800" kern="1200">
+                    <a:solidFill>
+                      <a:schemeClr val="tx1"/>
+                    </a:solidFill>
+                    <a:latin typeface="+mn-lt"/>
+                    <a:ea typeface="+mn-ea"/>
+                    <a:cs typeface="+mn-cs"/>
+                  </a:defRPr>
+                </a:lvl7pPr>
+                <a:lvl8pPr marL="3429000" indent="-228600" algn="r" defTabSz="914400" rtl="1" eaLnBrk="1" latinLnBrk="0" hangingPunct="1">
+                  <a:lnSpc>
+                    <a:spcPct val="90000"/>
+                  </a:lnSpc>
+                  <a:spcBef>
+                    <a:spcPts val="500"/>
+                  </a:spcBef>
+                  <a:buFont typeface="Arial" panose="020B0604020202020204" pitchFamily="34" charset="0"/>
+                  <a:buChar char="•"/>
+                  <a:defRPr sz="1800" kern="1200">
+                    <a:solidFill>
+                      <a:schemeClr val="tx1"/>
+                    </a:solidFill>
+                    <a:latin typeface="+mn-lt"/>
+                    <a:ea typeface="+mn-ea"/>
+                    <a:cs typeface="+mn-cs"/>
+                  </a:defRPr>
+                </a:lvl8pPr>
+                <a:lvl9pPr marL="3886200" indent="-228600" algn="r" defTabSz="914400" rtl="1" eaLnBrk="1" latinLnBrk="0" hangingPunct="1">
+                  <a:lnSpc>
+                    <a:spcPct val="90000"/>
+                  </a:lnSpc>
+                  <a:spcBef>
+                    <a:spcPts val="500"/>
+                  </a:spcBef>
+                  <a:buFont typeface="Arial" panose="020B0604020202020204" pitchFamily="34" charset="0"/>
+                  <a:buChar char="•"/>
+                  <a:defRPr sz="1800" kern="1200">
+                    <a:solidFill>
+                      <a:schemeClr val="tx1"/>
+                    </a:solidFill>
+                    <a:latin typeface="+mn-lt"/>
+                    <a:ea typeface="+mn-ea"/>
+                    <a:cs typeface="+mn-cs"/>
+                  </a:defRPr>
+                </a:lvl9pPr>
+              </a:lstStyle>
+              <a:p>
+                <a:pPr algn="l" rtl="0"/>
+                <a:r>
+                  <a:rPr lang="en-US" dirty="0" smtClean="0"/>
+                  <a:t>At the same way, we can model our DPD using </a:t>
+                </a:r>
+                <a:r>
+                  <a:rPr lang="en-US" dirty="0" err="1" smtClean="0"/>
+                  <a:t>Volterra</a:t>
+                </a:r>
+                <a:r>
+                  <a:rPr lang="en-US" dirty="0" smtClean="0"/>
+                  <a:t> series </a:t>
+                </a:r>
+              </a:p>
+              <a:p>
+                <a:pPr algn="l" rtl="0"/>
+                <a:endParaRPr lang="en-US" dirty="0"/>
+              </a:p>
+              <a:p>
+                <a:pPr algn="l" rtl="0"/>
+                <a:endParaRPr lang="en-US" dirty="0" smtClean="0"/>
+              </a:p>
+              <a:p>
+                <a:pPr algn="l" rtl="0"/>
+                <a:endParaRPr lang="en-US" dirty="0"/>
+              </a:p>
+              <a:p>
+                <a:pPr algn="l" rtl="0"/>
+                <a:r>
+                  <a:rPr lang="en-US" dirty="0"/>
+                  <a:t>In order to calculate the coefficient array </a:t>
+                </a:r>
+                <a14:m>
+                  <m:oMath xmlns:m="http://schemas.openxmlformats.org/officeDocument/2006/math">
+                    <m:sSub>
+                      <m:sSubPr>
+                        <m:ctrlPr>
+                          <a:rPr lang="en-US" i="1"/>
+                        </m:ctrlPr>
+                      </m:sSubPr>
+                      <m:e>
+                        <m:r>
+                          <a:rPr lang="en-US" i="1"/>
+                          <m:t>Ѳ</m:t>
+                        </m:r>
+                      </m:e>
+                      <m:sub>
+                        <m:r>
+                          <a:rPr lang="en-US" i="1"/>
+                          <m:t>𝑃𝐷</m:t>
+                        </m:r>
+                      </m:sub>
+                    </m:sSub>
+                  </m:oMath>
+                </a14:m>
+                <a:r>
+                  <a:rPr lang="en-US" dirty="0"/>
+                  <a:t>, the same set of measurements is used, but it is scaled and used in reverse order</a:t>
+                </a:r>
+                <a:r>
+                  <a:rPr lang="en-US" dirty="0" smtClean="0"/>
+                  <a:t>.</a:t>
+                </a:r>
+              </a:p>
+              <a:p>
+                <a:pPr marL="0" indent="0" algn="l" rtl="0">
+                  <a:buNone/>
+                </a:pPr>
+                <a:endParaRPr lang="en-US" dirty="0"/>
+              </a:p>
+            </p:txBody>
+          </p:sp>
+        </mc:Choice>
+        <mc:Fallback>
+          <p:sp>
+            <p:nvSpPr>
+              <p:cNvPr id="5" name="Content Placeholder 2"/>
+              <p:cNvSpPr txBox="1">
+                <a:spLocks noRot="1" noChangeAspect="1" noMove="1" noResize="1" noEditPoints="1" noAdjustHandles="1" noChangeArrowheads="1" noChangeShapeType="1" noTextEdit="1"/>
+              </p:cNvSpPr>
+              <p:nvPr/>
+            </p:nvSpPr>
+            <p:spPr>
+              <a:xfrm>
+                <a:off x="570412" y="1600201"/>
+                <a:ext cx="10972800" cy="4839788"/>
+              </a:xfrm>
+              <a:prstGeom prst="rect">
+                <a:avLst/>
+              </a:prstGeom>
+              <a:blipFill>
+                <a:blip r:embed="rId2"/>
+                <a:stretch>
+                  <a:fillRect l="-1000" t="-2144"/>
+                </a:stretch>
+              </a:blipFill>
+            </p:spPr>
+            <p:txBody>
+              <a:bodyPr/>
+              <a:lstStyle/>
+              <a:p>
+                <a:r>
+                  <a:rPr lang="en-US">
+                    <a:noFill/>
+                  </a:rPr>
+                  <a:t> </a:t>
+                </a:r>
+              </a:p>
+            </p:txBody>
+          </p:sp>
+        </mc:Fallback>
+      </mc:AlternateContent>
+      <p:sp>
+        <p:nvSpPr>
+          <p:cNvPr id="7" name="Title 1"/>
+          <p:cNvSpPr txBox="1">
+            <a:spLocks/>
+          </p:cNvSpPr>
+          <p:nvPr/>
+        </p:nvSpPr>
+        <p:spPr>
+          <a:xfrm>
+            <a:off x="618308" y="609601"/>
+            <a:ext cx="10972800" cy="1143000"/>
+          </a:xfrm>
+          <a:prstGeom prst="rect">
+            <a:avLst/>
+          </a:prstGeom>
+        </p:spPr>
+        <p:txBody>
+          <a:bodyPr>
+            <a:normAutofit/>
+          </a:bodyPr>
+          <a:lstStyle>
+            <a:lvl1pPr algn="r" defTabSz="914400" rtl="1" eaLnBrk="1" latinLnBrk="0" hangingPunct="1">
+              <a:lnSpc>
+                <a:spcPct val="90000"/>
+              </a:lnSpc>
+              <a:spcBef>
+                <a:spcPct val="0"/>
+              </a:spcBef>
+              <a:buNone/>
+              <a:defRPr sz="4400" kern="1200">
+                <a:solidFill>
+                  <a:schemeClr val="tx1"/>
+                </a:solidFill>
+                <a:latin typeface="+mj-lt"/>
+                <a:ea typeface="+mj-ea"/>
+                <a:cs typeface="+mj-cs"/>
+              </a:defRPr>
+            </a:lvl1pPr>
+          </a:lstStyle>
+          <a:p>
+            <a:pPr algn="ctr"/>
+            <a:r>
+              <a:rPr lang="en-US" dirty="0" err="1">
+                <a:solidFill>
+                  <a:srgbClr val="002060"/>
+                </a:solidFill>
+              </a:rPr>
+              <a:t>Volterra</a:t>
+            </a:r>
+            <a:r>
+              <a:rPr lang="en-US" dirty="0">
+                <a:solidFill>
+                  <a:srgbClr val="002060"/>
+                </a:solidFill>
+              </a:rPr>
+              <a:t> series as a </a:t>
+            </a:r>
+            <a:r>
+              <a:rPr lang="en-US" dirty="0" smtClean="0">
+                <a:solidFill>
+                  <a:srgbClr val="002060"/>
+                </a:solidFill>
+              </a:rPr>
+              <a:t>DPD</a:t>
+            </a:r>
+            <a:endParaRPr lang="he-IL" dirty="0">
+              <a:solidFill>
+                <a:srgbClr val="002060"/>
+              </a:solidFill>
+            </a:endParaRPr>
+          </a:p>
+        </p:txBody>
+      </p:sp>
+      <mc:AlternateContent xmlns:mc="http://schemas.openxmlformats.org/markup-compatibility/2006">
+        <mc:Choice xmlns:a14="http://schemas.microsoft.com/office/drawing/2010/main" Requires="a14">
+          <p:sp>
+            <p:nvSpPr>
+              <p:cNvPr id="3" name="מלבן 2"/>
+              <p:cNvSpPr/>
+              <p:nvPr/>
+            </p:nvSpPr>
+            <p:spPr>
+              <a:xfrm>
+                <a:off x="4880545" y="2298711"/>
+                <a:ext cx="2448326" cy="646331"/>
+              </a:xfrm>
+              <a:prstGeom prst="rect">
+                <a:avLst/>
+              </a:prstGeom>
+            </p:spPr>
+            <p:txBody>
+              <a:bodyPr wrap="square">
+                <a:spAutoFit/>
+              </a:bodyPr>
+              <a:lstStyle/>
+              <a:p>
+                <a14:m>
+                  <m:oMathPara xmlns:m="http://schemas.openxmlformats.org/officeDocument/2006/math">
+                    <m:oMathParaPr>
+                      <m:jc m:val="centerGroup"/>
+                    </m:oMathParaPr>
+                    <m:oMath xmlns:m="http://schemas.openxmlformats.org/officeDocument/2006/math">
+                      <m:r>
+                        <a:rPr lang="en-US" sz="3600" i="1">
+                          <a:latin typeface="Cambria Math" panose="02040503050406030204" pitchFamily="18" charset="0"/>
+                        </a:rPr>
+                        <m:t>𝑥</m:t>
+                      </m:r>
+                      <m:r>
+                        <a:rPr lang="en-US" sz="3600" i="0">
+                          <a:latin typeface="Cambria Math" panose="02040503050406030204" pitchFamily="18" charset="0"/>
+                        </a:rPr>
+                        <m:t>=</m:t>
+                      </m:r>
+                      <m:r>
+                        <a:rPr lang="en-US" sz="3600" i="1">
+                          <a:latin typeface="Cambria Math" panose="02040503050406030204" pitchFamily="18" charset="0"/>
+                        </a:rPr>
+                        <m:t>𝑌</m:t>
+                      </m:r>
+                      <m:sSub>
+                        <m:sSubPr>
+                          <m:ctrlPr>
+                            <a:rPr lang="en-US" sz="3600" i="1">
+                              <a:latin typeface="Cambria Math" panose="02040503050406030204" pitchFamily="18" charset="0"/>
+                            </a:rPr>
+                          </m:ctrlPr>
+                        </m:sSubPr>
+                        <m:e>
+                          <m:r>
+                            <a:rPr lang="en-US" sz="3600" i="1">
+                              <a:latin typeface="Cambria Math" panose="02040503050406030204" pitchFamily="18" charset="0"/>
+                            </a:rPr>
+                            <m:t>𝜃</m:t>
+                          </m:r>
+                        </m:e>
+                        <m:sub>
+                          <m:r>
+                            <a:rPr lang="en-US" sz="3600" i="1">
+                              <a:latin typeface="Cambria Math" panose="02040503050406030204" pitchFamily="18" charset="0"/>
+                            </a:rPr>
+                            <m:t>𝑃𝐷</m:t>
+                          </m:r>
+                        </m:sub>
+                      </m:sSub>
+                    </m:oMath>
+                  </m:oMathPara>
+                </a14:m>
+                <a:endParaRPr lang="en-US" sz="3600" dirty="0"/>
+              </a:p>
+            </p:txBody>
+          </p:sp>
+        </mc:Choice>
+        <mc:Fallback>
+          <p:sp>
+            <p:nvSpPr>
+              <p:cNvPr id="3" name="מלבן 2"/>
+              <p:cNvSpPr>
+                <a:spLocks noRot="1" noChangeAspect="1" noMove="1" noResize="1" noEditPoints="1" noAdjustHandles="1" noChangeArrowheads="1" noChangeShapeType="1" noTextEdit="1"/>
+              </p:cNvSpPr>
+              <p:nvPr/>
+            </p:nvSpPr>
+            <p:spPr>
+              <a:xfrm>
+                <a:off x="4880545" y="2298711"/>
+                <a:ext cx="2448326" cy="646331"/>
+              </a:xfrm>
+              <a:prstGeom prst="rect">
+                <a:avLst/>
+              </a:prstGeom>
+              <a:blipFill>
+                <a:blip r:embed="rId3"/>
+                <a:stretch>
+                  <a:fillRect/>
+                </a:stretch>
+              </a:blipFill>
+            </p:spPr>
+            <p:txBody>
+              <a:bodyPr/>
+              <a:lstStyle/>
+              <a:p>
+                <a:r>
+                  <a:rPr lang="en-US">
+                    <a:noFill/>
+                  </a:rPr>
+                  <a:t> </a:t>
+                </a:r>
+              </a:p>
+            </p:txBody>
+          </p:sp>
+        </mc:Fallback>
+      </mc:AlternateContent>
+      <mc:AlternateContent xmlns:mc="http://schemas.openxmlformats.org/markup-compatibility/2006">
+        <mc:Choice xmlns:a14="http://schemas.microsoft.com/office/drawing/2010/main" Requires="a14">
+          <p:sp>
+            <p:nvSpPr>
+              <p:cNvPr id="9" name="מלבן 8"/>
+              <p:cNvSpPr/>
+              <p:nvPr/>
+            </p:nvSpPr>
+            <p:spPr>
+              <a:xfrm>
+                <a:off x="3351582" y="4983599"/>
+                <a:ext cx="4747389" cy="1004955"/>
+              </a:xfrm>
+              <a:prstGeom prst="rect">
+                <a:avLst/>
+              </a:prstGeom>
+            </p:spPr>
+            <p:txBody>
+              <a:bodyPr wrap="square">
+                <a:spAutoFit/>
+              </a:bodyPr>
+              <a:lstStyle/>
+              <a:p>
+                <a14:m>
+                  <m:oMathPara xmlns:m="http://schemas.openxmlformats.org/officeDocument/2006/math">
+                    <m:oMathParaPr>
+                      <m:jc m:val="centerGroup"/>
+                    </m:oMathParaPr>
+                    <m:oMath xmlns:m="http://schemas.openxmlformats.org/officeDocument/2006/math">
+                      <m:sSub>
+                        <m:sSubPr>
+                          <m:ctrlPr>
+                            <a:rPr lang="en-US" sz="2800">
+                              <a:latin typeface="Cambria Math" panose="02040503050406030204" pitchFamily="18" charset="0"/>
+                            </a:rPr>
+                          </m:ctrlPr>
+                        </m:sSubPr>
+                        <m:e>
+                          <m:r>
+                            <a:rPr lang="en-US" sz="2800" i="1">
+                              <a:latin typeface="Cambria Math" panose="02040503050406030204" pitchFamily="18" charset="0"/>
+                            </a:rPr>
+                            <m:t>𝑦</m:t>
+                          </m:r>
+                        </m:e>
+                        <m:sub>
+                          <m:r>
+                            <a:rPr lang="en-US" sz="2800" i="1">
+                              <a:latin typeface="Cambria Math" panose="02040503050406030204" pitchFamily="18" charset="0"/>
+                            </a:rPr>
+                            <m:t>𝑠𝑐𝑎𝑙𝑒𝑑</m:t>
+                          </m:r>
+                        </m:sub>
+                      </m:sSub>
+                      <m:r>
+                        <a:rPr lang="en-US" sz="2800" i="0">
+                          <a:latin typeface="Cambria Math" panose="02040503050406030204" pitchFamily="18" charset="0"/>
+                        </a:rPr>
+                        <m:t>=</m:t>
+                      </m:r>
+                      <m:r>
+                        <a:rPr lang="en-US" sz="2800" i="1">
+                          <a:latin typeface="Cambria Math" panose="02040503050406030204" pitchFamily="18" charset="0"/>
+                        </a:rPr>
+                        <m:t>𝑦</m:t>
+                      </m:r>
+                      <m:r>
+                        <a:rPr lang="en-US" sz="2800" i="0">
+                          <a:latin typeface="Cambria Math" panose="02040503050406030204" pitchFamily="18" charset="0"/>
+                        </a:rPr>
+                        <m:t>⋅</m:t>
+                      </m:r>
+                      <m:f>
+                        <m:fPr>
+                          <m:ctrlPr>
+                            <a:rPr lang="en-US" sz="2800" i="1">
+                              <a:latin typeface="Cambria Math" panose="02040503050406030204" pitchFamily="18" charset="0"/>
+                            </a:rPr>
+                          </m:ctrlPr>
+                        </m:fPr>
+                        <m:num>
+                          <m:func>
+                            <m:funcPr>
+                              <m:ctrlPr>
+                                <a:rPr lang="en-US" sz="2800" i="1">
+                                  <a:latin typeface="Cambria Math" panose="02040503050406030204" pitchFamily="18" charset="0"/>
+                                </a:rPr>
+                              </m:ctrlPr>
+                            </m:funcPr>
+                            <m:fName>
+                              <m:r>
+                                <m:rPr>
+                                  <m:sty m:val="p"/>
+                                </m:rPr>
+                                <a:rPr lang="en-US" sz="2800" i="0">
+                                  <a:latin typeface="Cambria Math" panose="02040503050406030204" pitchFamily="18" charset="0"/>
+                                </a:rPr>
+                                <m:t>max</m:t>
+                              </m:r>
+                            </m:fName>
+                            <m:e>
+                              <m:d>
+                                <m:dPr>
+                                  <m:ctrlPr>
+                                    <a:rPr lang="en-US" sz="2800" i="1">
+                                      <a:latin typeface="Cambria Math" panose="02040503050406030204" pitchFamily="18" charset="0"/>
+                                    </a:rPr>
+                                  </m:ctrlPr>
+                                </m:dPr>
+                                <m:e>
+                                  <m:d>
+                                    <m:dPr>
+                                      <m:begChr m:val="|"/>
+                                      <m:endChr m:val="|"/>
+                                      <m:ctrlPr>
+                                        <a:rPr lang="en-US" sz="2800" i="1">
+                                          <a:latin typeface="Cambria Math" panose="02040503050406030204" pitchFamily="18" charset="0"/>
+                                        </a:rPr>
+                                      </m:ctrlPr>
+                                    </m:dPr>
+                                    <m:e>
+                                      <m:sSub>
+                                        <m:sSubPr>
+                                          <m:ctrlPr>
+                                            <a:rPr lang="en-US" sz="2800" i="1">
+                                              <a:latin typeface="Cambria Math" panose="02040503050406030204" pitchFamily="18" charset="0"/>
+                                            </a:rPr>
+                                          </m:ctrlPr>
+                                        </m:sSubPr>
+                                        <m:e>
+                                          <m:r>
+                                            <a:rPr lang="en-US" sz="2800" i="1">
+                                              <a:latin typeface="Cambria Math" panose="02040503050406030204" pitchFamily="18" charset="0"/>
+                                            </a:rPr>
+                                            <m:t>𝑋</m:t>
+                                          </m:r>
+                                        </m:e>
+                                        <m:sub>
+                                          <m:r>
+                                            <a:rPr lang="en-US" sz="2800" i="1">
+                                              <a:latin typeface="Cambria Math" panose="02040503050406030204" pitchFamily="18" charset="0"/>
+                                            </a:rPr>
+                                            <m:t>𝑖𝑛</m:t>
+                                          </m:r>
+                                        </m:sub>
+                                      </m:sSub>
+                                    </m:e>
+                                  </m:d>
+                                </m:e>
+                              </m:d>
+                            </m:e>
+                          </m:func>
+                        </m:num>
+                        <m:den>
+                          <m:d>
+                            <m:dPr>
+                              <m:begChr m:val=""/>
+                              <m:ctrlPr>
+                                <a:rPr lang="en-US" sz="2800" i="1">
+                                  <a:latin typeface="Cambria Math" panose="02040503050406030204" pitchFamily="18" charset="0"/>
+                                </a:rPr>
+                              </m:ctrlPr>
+                            </m:dPr>
+                            <m:e>
+                              <m:r>
+                                <m:rPr>
+                                  <m:sty m:val="p"/>
+                                </m:rPr>
+                                <a:rPr lang="en-US" sz="2800" i="0">
+                                  <a:latin typeface="Cambria Math" panose="02040503050406030204" pitchFamily="18" charset="0"/>
+                                </a:rPr>
+                                <m:t>ma</m:t>
+                              </m:r>
+                              <m:func>
+                                <m:funcPr>
+                                  <m:ctrlPr>
+                                    <a:rPr lang="en-US" sz="2800" i="1">
+                                      <a:latin typeface="Cambria Math" panose="02040503050406030204" pitchFamily="18" charset="0"/>
+                                    </a:rPr>
+                                  </m:ctrlPr>
+                                </m:funcPr>
+                                <m:fName>
+                                  <m:r>
+                                    <m:rPr>
+                                      <m:sty m:val="p"/>
+                                    </m:rPr>
+                                    <a:rPr lang="en-US" sz="2800" i="0">
+                                      <a:latin typeface="Cambria Math" panose="02040503050406030204" pitchFamily="18" charset="0"/>
+                                    </a:rPr>
+                                    <m:t>x</m:t>
+                                  </m:r>
+                                </m:fName>
+                                <m:e>
+                                  <m:r>
+                                    <a:rPr lang="en-US" sz="2800" i="0">
+                                      <a:latin typeface="Cambria Math" panose="02040503050406030204" pitchFamily="18" charset="0"/>
+                                    </a:rPr>
+                                    <m:t>(</m:t>
+                                  </m:r>
+                                </m:e>
+                              </m:func>
+                              <m:r>
+                                <a:rPr lang="en-US" sz="2800" i="0">
+                                  <a:latin typeface="Cambria Math" panose="02040503050406030204" pitchFamily="18" charset="0"/>
+                                </a:rPr>
+                                <m:t>|</m:t>
+                              </m:r>
+                              <m:r>
+                                <a:rPr lang="en-US" sz="2800" i="1">
+                                  <a:latin typeface="Cambria Math" panose="02040503050406030204" pitchFamily="18" charset="0"/>
+                                </a:rPr>
+                                <m:t>𝑦</m:t>
+                              </m:r>
+                              <m:r>
+                                <a:rPr lang="en-US" sz="2800" i="0">
+                                  <a:latin typeface="Cambria Math" panose="02040503050406030204" pitchFamily="18" charset="0"/>
+                                </a:rPr>
+                                <m:t>|</m:t>
+                              </m:r>
+                            </m:e>
+                          </m:d>
+                        </m:den>
+                      </m:f>
+                    </m:oMath>
+                  </m:oMathPara>
+                </a14:m>
+                <a:endParaRPr lang="en-US" sz="2800" dirty="0"/>
+              </a:p>
+            </p:txBody>
+          </p:sp>
+        </mc:Choice>
+        <mc:Fallback>
+          <p:sp>
+            <p:nvSpPr>
+              <p:cNvPr id="9" name="מלבן 8"/>
+              <p:cNvSpPr>
+                <a:spLocks noRot="1" noChangeAspect="1" noMove="1" noResize="1" noEditPoints="1" noAdjustHandles="1" noChangeArrowheads="1" noChangeShapeType="1" noTextEdit="1"/>
+              </p:cNvSpPr>
+              <p:nvPr/>
+            </p:nvSpPr>
+            <p:spPr>
+              <a:xfrm>
+                <a:off x="3351582" y="4983599"/>
+                <a:ext cx="4747389" cy="1004955"/>
+              </a:xfrm>
+              <a:prstGeom prst="rect">
+                <a:avLst/>
+              </a:prstGeom>
+              <a:blipFill>
+                <a:blip r:embed="rId4"/>
+                <a:stretch>
+                  <a:fillRect/>
+                </a:stretch>
+              </a:blipFill>
+            </p:spPr>
+            <p:txBody>
+              <a:bodyPr/>
+              <a:lstStyle/>
+              <a:p>
+                <a:r>
+                  <a:rPr lang="en-US">
+                    <a:noFill/>
+                  </a:rPr>
+                  <a:t> </a:t>
+                </a:r>
+              </a:p>
+            </p:txBody>
+          </p:sp>
+        </mc:Fallback>
+      </mc:AlternateContent>
+    </p:spTree>
+    <p:extLst>
+      <p:ext uri="{BB962C8B-B14F-4D97-AF65-F5344CB8AC3E}">
+        <p14:creationId xmlns:p14="http://schemas.microsoft.com/office/powerpoint/2010/main" val="358959364"/>
+      </p:ext>
+    </p:extLst>
+  </p:cSld>
+  <p:clrMapOvr>
+    <a:masterClrMapping/>
+  </p:clrMapOvr>
+</p:sld>
+</file>
+
+<file path=ppt/slides/slide13.xml><?xml version="1.0" encoding="utf-8"?>
+<p:sld xmlns:a="http://schemas.openxmlformats.org/drawingml/2006/main" xmlns:r="http://schemas.openxmlformats.org/officeDocument/2006/relationships" xmlns:p="http://schemas.openxmlformats.org/presentationml/2006/main">
+  <p:cSld>
+    <p:spTree>
+      <p:nvGrpSpPr>
+        <p:cNvPr id="1" name=""/>
+        <p:cNvGrpSpPr/>
+        <p:nvPr/>
+      </p:nvGrpSpPr>
+      <p:grpSpPr>
+        <a:xfrm>
+          <a:off x="0" y="0"/>
+          <a:ext cx="0" cy="0"/>
+          <a:chOff x="0" y="0"/>
+          <a:chExt cx="0" cy="0"/>
+        </a:xfrm>
+      </p:grpSpPr>
+      <p:sp>
+        <p:nvSpPr>
+          <p:cNvPr id="2" name="Title 1"/>
+          <p:cNvSpPr txBox="1">
+            <a:spLocks/>
+          </p:cNvSpPr>
+          <p:nvPr/>
+        </p:nvSpPr>
+        <p:spPr>
+          <a:xfrm>
+            <a:off x="465908" y="457201"/>
+            <a:ext cx="10972800" cy="1143000"/>
+          </a:xfrm>
+          <a:prstGeom prst="rect">
+            <a:avLst/>
+          </a:prstGeom>
+        </p:spPr>
+        <p:txBody>
+          <a:bodyPr>
+            <a:normAutofit/>
+          </a:bodyPr>
+          <a:lstStyle>
+            <a:lvl1pPr algn="r" defTabSz="914400" rtl="1" eaLnBrk="1" latinLnBrk="0" hangingPunct="1">
+              <a:lnSpc>
+                <a:spcPct val="90000"/>
+              </a:lnSpc>
+              <a:spcBef>
+                <a:spcPct val="0"/>
+              </a:spcBef>
+              <a:buNone/>
+              <a:defRPr sz="4400" kern="1200">
+                <a:solidFill>
+                  <a:schemeClr val="tx1"/>
+                </a:solidFill>
+                <a:latin typeface="+mj-lt"/>
+                <a:ea typeface="+mj-ea"/>
+                <a:cs typeface="+mj-cs"/>
+              </a:defRPr>
+            </a:lvl1pPr>
+          </a:lstStyle>
+          <a:p>
+            <a:pPr algn="ctr"/>
+            <a:r>
+              <a:rPr lang="en-US" dirty="0" smtClean="0">
+                <a:solidFill>
+                  <a:srgbClr val="002060"/>
+                </a:solidFill>
+              </a:rPr>
+              <a:t>MSE</a:t>
+            </a:r>
+            <a:endParaRPr lang="he-IL" dirty="0">
+              <a:solidFill>
+                <a:srgbClr val="002060"/>
+              </a:solidFill>
+            </a:endParaRPr>
+          </a:p>
+        </p:txBody>
+      </p:sp>
+      <mc:AlternateContent xmlns:mc="http://schemas.openxmlformats.org/markup-compatibility/2006">
+        <mc:Choice xmlns:a14="http://schemas.microsoft.com/office/drawing/2010/main" Requires="a14">
+          <p:sp>
+            <p:nvSpPr>
+              <p:cNvPr id="5" name="Content Placeholder 2"/>
+              <p:cNvSpPr txBox="1">
+                <a:spLocks/>
+              </p:cNvSpPr>
+              <p:nvPr/>
+            </p:nvSpPr>
+            <p:spPr>
+              <a:xfrm>
+                <a:off x="465908" y="1059785"/>
+                <a:ext cx="10972800" cy="4839788"/>
+              </a:xfrm>
+              <a:prstGeom prst="rect">
+                <a:avLst/>
+              </a:prstGeom>
+            </p:spPr>
+            <p:txBody>
+              <a:bodyPr/>
+              <a:lstStyle>
+                <a:lvl1pPr marL="228600" indent="-228600" algn="r" defTabSz="914400" rtl="1" eaLnBrk="1" latinLnBrk="0" hangingPunct="1">
+                  <a:lnSpc>
+                    <a:spcPct val="90000"/>
+                  </a:lnSpc>
+                  <a:spcBef>
+                    <a:spcPts val="1000"/>
+                  </a:spcBef>
+                  <a:buFont typeface="Arial" panose="020B0604020202020204" pitchFamily="34" charset="0"/>
+                  <a:buChar char="•"/>
+                  <a:defRPr sz="2800" kern="1200">
+                    <a:solidFill>
+                      <a:schemeClr val="tx1"/>
+                    </a:solidFill>
+                    <a:latin typeface="+mn-lt"/>
+                    <a:ea typeface="+mn-ea"/>
+                    <a:cs typeface="+mn-cs"/>
+                  </a:defRPr>
+                </a:lvl1pPr>
+                <a:lvl2pPr marL="685800" indent="-228600" algn="r" defTabSz="914400" rtl="1" eaLnBrk="1" latinLnBrk="0" hangingPunct="1">
+                  <a:lnSpc>
+                    <a:spcPct val="90000"/>
+                  </a:lnSpc>
+                  <a:spcBef>
+                    <a:spcPts val="500"/>
+                  </a:spcBef>
+                  <a:buFont typeface="Arial" panose="020B0604020202020204" pitchFamily="34" charset="0"/>
+                  <a:buChar char="•"/>
+                  <a:defRPr sz="2400" kern="1200">
+                    <a:solidFill>
+                      <a:schemeClr val="tx1"/>
+                    </a:solidFill>
+                    <a:latin typeface="+mn-lt"/>
+                    <a:ea typeface="+mn-ea"/>
+                    <a:cs typeface="+mn-cs"/>
+                  </a:defRPr>
+                </a:lvl2pPr>
+                <a:lvl3pPr marL="1143000" indent="-228600" algn="r" defTabSz="914400" rtl="1" eaLnBrk="1" latinLnBrk="0" hangingPunct="1">
+                  <a:lnSpc>
+                    <a:spcPct val="90000"/>
+                  </a:lnSpc>
+                  <a:spcBef>
+                    <a:spcPts val="500"/>
+                  </a:spcBef>
+                  <a:buFont typeface="Arial" panose="020B0604020202020204" pitchFamily="34" charset="0"/>
+                  <a:buChar char="•"/>
+                  <a:defRPr sz="2000" kern="1200">
+                    <a:solidFill>
+                      <a:schemeClr val="tx1"/>
+                    </a:solidFill>
+                    <a:latin typeface="+mn-lt"/>
+                    <a:ea typeface="+mn-ea"/>
+                    <a:cs typeface="+mn-cs"/>
+                  </a:defRPr>
+                </a:lvl3pPr>
+                <a:lvl4pPr marL="1600200" indent="-228600" algn="r" defTabSz="914400" rtl="1" eaLnBrk="1" latinLnBrk="0" hangingPunct="1">
+                  <a:lnSpc>
+                    <a:spcPct val="90000"/>
+                  </a:lnSpc>
+                  <a:spcBef>
+                    <a:spcPts val="500"/>
+                  </a:spcBef>
+                  <a:buFont typeface="Arial" panose="020B0604020202020204" pitchFamily="34" charset="0"/>
+                  <a:buChar char="•"/>
+                  <a:defRPr sz="1800" kern="1200">
+                    <a:solidFill>
+                      <a:schemeClr val="tx1"/>
+                    </a:solidFill>
+                    <a:latin typeface="+mn-lt"/>
+                    <a:ea typeface="+mn-ea"/>
+                    <a:cs typeface="+mn-cs"/>
+                  </a:defRPr>
+                </a:lvl4pPr>
+                <a:lvl5pPr marL="2057400" indent="-228600" algn="r" defTabSz="914400" rtl="1" eaLnBrk="1" latinLnBrk="0" hangingPunct="1">
+                  <a:lnSpc>
+                    <a:spcPct val="90000"/>
+                  </a:lnSpc>
+                  <a:spcBef>
+                    <a:spcPts val="500"/>
+                  </a:spcBef>
+                  <a:buFont typeface="Arial" panose="020B0604020202020204" pitchFamily="34" charset="0"/>
+                  <a:buChar char="•"/>
+                  <a:defRPr sz="1800" kern="1200">
+                    <a:solidFill>
+                      <a:schemeClr val="tx1"/>
+                    </a:solidFill>
+                    <a:latin typeface="+mn-lt"/>
+                    <a:ea typeface="+mn-ea"/>
+                    <a:cs typeface="+mn-cs"/>
+                  </a:defRPr>
+                </a:lvl5pPr>
+                <a:lvl6pPr marL="2514600" indent="-228600" algn="r" defTabSz="914400" rtl="1" eaLnBrk="1" latinLnBrk="0" hangingPunct="1">
+                  <a:lnSpc>
+                    <a:spcPct val="90000"/>
+                  </a:lnSpc>
+                  <a:spcBef>
+                    <a:spcPts val="500"/>
+                  </a:spcBef>
+                  <a:buFont typeface="Arial" panose="020B0604020202020204" pitchFamily="34" charset="0"/>
+                  <a:buChar char="•"/>
+                  <a:defRPr sz="1800" kern="1200">
+                    <a:solidFill>
+                      <a:schemeClr val="tx1"/>
+                    </a:solidFill>
+                    <a:latin typeface="+mn-lt"/>
+                    <a:ea typeface="+mn-ea"/>
+                    <a:cs typeface="+mn-cs"/>
+                  </a:defRPr>
+                </a:lvl6pPr>
+                <a:lvl7pPr marL="2971800" indent="-228600" algn="r" defTabSz="914400" rtl="1" eaLnBrk="1" latinLnBrk="0" hangingPunct="1">
+                  <a:lnSpc>
+                    <a:spcPct val="90000"/>
+                  </a:lnSpc>
+                  <a:spcBef>
+                    <a:spcPts val="500"/>
+                  </a:spcBef>
+                  <a:buFont typeface="Arial" panose="020B0604020202020204" pitchFamily="34" charset="0"/>
+                  <a:buChar char="•"/>
+                  <a:defRPr sz="1800" kern="1200">
+                    <a:solidFill>
+                      <a:schemeClr val="tx1"/>
+                    </a:solidFill>
+                    <a:latin typeface="+mn-lt"/>
+                    <a:ea typeface="+mn-ea"/>
+                    <a:cs typeface="+mn-cs"/>
+                  </a:defRPr>
+                </a:lvl7pPr>
+                <a:lvl8pPr marL="3429000" indent="-228600" algn="r" defTabSz="914400" rtl="1" eaLnBrk="1" latinLnBrk="0" hangingPunct="1">
+                  <a:lnSpc>
+                    <a:spcPct val="90000"/>
+                  </a:lnSpc>
+                  <a:spcBef>
+                    <a:spcPts val="500"/>
+                  </a:spcBef>
+                  <a:buFont typeface="Arial" panose="020B0604020202020204" pitchFamily="34" charset="0"/>
+                  <a:buChar char="•"/>
+                  <a:defRPr sz="1800" kern="1200">
+                    <a:solidFill>
+                      <a:schemeClr val="tx1"/>
+                    </a:solidFill>
+                    <a:latin typeface="+mn-lt"/>
+                    <a:ea typeface="+mn-ea"/>
+                    <a:cs typeface="+mn-cs"/>
+                  </a:defRPr>
+                </a:lvl8pPr>
+                <a:lvl9pPr marL="3886200" indent="-228600" algn="r" defTabSz="914400" rtl="1" eaLnBrk="1" latinLnBrk="0" hangingPunct="1">
+                  <a:lnSpc>
+                    <a:spcPct val="90000"/>
+                  </a:lnSpc>
+                  <a:spcBef>
+                    <a:spcPts val="500"/>
+                  </a:spcBef>
+                  <a:buFont typeface="Arial" panose="020B0604020202020204" pitchFamily="34" charset="0"/>
+                  <a:buChar char="•"/>
+                  <a:defRPr sz="1800" kern="1200">
+                    <a:solidFill>
+                      <a:schemeClr val="tx1"/>
+                    </a:solidFill>
+                    <a:latin typeface="+mn-lt"/>
+                    <a:ea typeface="+mn-ea"/>
+                    <a:cs typeface="+mn-cs"/>
+                  </a:defRPr>
+                </a:lvl9pPr>
+              </a:lstStyle>
+              <a:p>
+                <a:pPr marL="0" indent="0" algn="l" rtl="0">
+                  <a:buNone/>
+                </a:pPr>
+                <a:endParaRPr lang="en-US" dirty="0" smtClean="0"/>
+              </a:p>
+              <a:p>
+                <a:pPr algn="l" rtl="0"/>
+                <a:r>
+                  <a:rPr lang="en-US" dirty="0"/>
+                  <a:t>T</a:t>
+                </a:r>
+                <a:r>
+                  <a:rPr lang="en-US" dirty="0" smtClean="0"/>
+                  <a:t>he </a:t>
+                </a:r>
+                <a:r>
+                  <a:rPr lang="en-US" dirty="0"/>
+                  <a:t>coefficients vector </a:t>
+                </a:r>
+                <a14:m>
+                  <m:oMath xmlns:m="http://schemas.openxmlformats.org/officeDocument/2006/math">
+                    <m:sSub>
+                      <m:sSubPr>
+                        <m:ctrlPr>
+                          <a:rPr lang="en-US" i="1"/>
+                        </m:ctrlPr>
+                      </m:sSubPr>
+                      <m:e>
+                        <m:r>
+                          <a:rPr lang="en-US" i="1"/>
+                          <m:t>𝜃</m:t>
+                        </m:r>
+                      </m:e>
+                      <m:sub>
+                        <m:r>
+                          <a:rPr lang="en-US" i="1"/>
+                          <m:t>𝑀𝑃</m:t>
+                        </m:r>
+                      </m:sub>
+                    </m:sSub>
+                  </m:oMath>
+                </a14:m>
+                <a:r>
+                  <a:rPr lang="en-US" dirty="0"/>
+                  <a:t> can be found </a:t>
+                </a:r>
+                <a:r>
+                  <a:rPr lang="en-US" dirty="0" smtClean="0"/>
+                  <a:t>using </a:t>
+                </a:r>
+                <a:r>
+                  <a:rPr lang="en-US" dirty="0"/>
+                  <a:t>the </a:t>
+                </a:r>
+                <a:r>
+                  <a:rPr lang="en-US" dirty="0" smtClean="0"/>
+                  <a:t>same algorithm as used at the pa modeling. </a:t>
+                </a:r>
+              </a:p>
+            </p:txBody>
+          </p:sp>
+        </mc:Choice>
+        <mc:Fallback>
+          <p:sp>
+            <p:nvSpPr>
+              <p:cNvPr id="5" name="Content Placeholder 2"/>
+              <p:cNvSpPr txBox="1">
+                <a:spLocks noRot="1" noChangeAspect="1" noMove="1" noResize="1" noEditPoints="1" noAdjustHandles="1" noChangeArrowheads="1" noChangeShapeType="1" noTextEdit="1"/>
+              </p:cNvSpPr>
+              <p:nvPr/>
+            </p:nvSpPr>
+            <p:spPr>
+              <a:xfrm>
+                <a:off x="465908" y="1059785"/>
+                <a:ext cx="10972800" cy="4839788"/>
+              </a:xfrm>
+              <a:prstGeom prst="rect">
+                <a:avLst/>
+              </a:prstGeom>
+              <a:blipFill>
+                <a:blip r:embed="rId2"/>
+                <a:stretch>
+                  <a:fillRect l="-1000"/>
+                </a:stretch>
+              </a:blipFill>
+            </p:spPr>
+            <p:txBody>
+              <a:bodyPr/>
+              <a:lstStyle/>
+              <a:p>
+                <a:r>
+                  <a:rPr lang="en-US">
+                    <a:noFill/>
+                  </a:rPr>
+                  <a:t> </a:t>
+                </a:r>
+              </a:p>
+            </p:txBody>
+          </p:sp>
+        </mc:Fallback>
+      </mc:AlternateContent>
+      <mc:AlternateContent xmlns:mc="http://schemas.openxmlformats.org/markup-compatibility/2006">
+        <mc:Choice xmlns:a14="http://schemas.microsoft.com/office/drawing/2010/main" Requires="a14">
+          <p:sp>
+            <p:nvSpPr>
+              <p:cNvPr id="3" name="מלבן 2"/>
+              <p:cNvSpPr/>
+              <p:nvPr/>
+            </p:nvSpPr>
+            <p:spPr>
+              <a:xfrm>
+                <a:off x="3585145" y="3705693"/>
+                <a:ext cx="4734325" cy="646331"/>
+              </a:xfrm>
+              <a:prstGeom prst="rect">
+                <a:avLst/>
+              </a:prstGeom>
+            </p:spPr>
+            <p:txBody>
+              <a:bodyPr wrap="square">
+                <a:spAutoFit/>
+              </a:bodyPr>
+              <a:lstStyle/>
+              <a:p>
+                <a14:m>
+                  <m:oMathPara xmlns:m="http://schemas.openxmlformats.org/officeDocument/2006/math">
+                    <m:oMathParaPr>
+                      <m:jc m:val="centerGroup"/>
+                    </m:oMathParaPr>
+                    <m:oMath xmlns:m="http://schemas.openxmlformats.org/officeDocument/2006/math">
+                      <m:sSub>
+                        <m:sSubPr>
+                          <m:ctrlPr>
+                            <a:rPr lang="en-US" sz="3600" i="1"/>
+                          </m:ctrlPr>
+                        </m:sSubPr>
+                        <m:e>
+                          <m:r>
+                            <a:rPr lang="en-US" sz="3600" i="1"/>
+                            <m:t>𝜃</m:t>
+                          </m:r>
+                        </m:e>
+                        <m:sub>
+                          <m:r>
+                            <a:rPr lang="en-US" sz="3600" i="1"/>
+                            <m:t>𝑃𝐷</m:t>
+                          </m:r>
+                        </m:sub>
+                      </m:sSub>
+                      <m:r>
+                        <a:rPr lang="en-US" sz="3600" i="1"/>
+                        <m:t>=</m:t>
+                      </m:r>
+                      <m:sSup>
+                        <m:sSupPr>
+                          <m:ctrlPr>
+                            <a:rPr lang="en-US" sz="3600" i="1"/>
+                          </m:ctrlPr>
+                        </m:sSupPr>
+                        <m:e>
+                          <m:d>
+                            <m:dPr>
+                              <m:ctrlPr>
+                                <a:rPr lang="en-US" sz="3600" i="1"/>
+                              </m:ctrlPr>
+                            </m:dPr>
+                            <m:e>
+                              <m:sSup>
+                                <m:sSupPr>
+                                  <m:ctrlPr>
+                                    <a:rPr lang="en-US" sz="3600" i="1"/>
+                                  </m:ctrlPr>
+                                </m:sSupPr>
+                                <m:e>
+                                  <m:r>
+                                    <a:rPr lang="en-US" sz="3600" i="1"/>
+                                    <m:t>𝑌</m:t>
+                                  </m:r>
+                                </m:e>
+                                <m:sup>
+                                  <m:r>
+                                    <a:rPr lang="en-US" sz="3600" i="1"/>
+                                    <m:t>𝐻</m:t>
+                                  </m:r>
+                                </m:sup>
+                              </m:sSup>
+                              <m:r>
+                                <a:rPr lang="en-US" sz="3600" i="1"/>
+                                <m:t>𝑌</m:t>
+                              </m:r>
+                            </m:e>
+                          </m:d>
+                        </m:e>
+                        <m:sup>
+                          <m:r>
+                            <a:rPr lang="en-US" sz="3600" i="1"/>
+                            <m:t>−</m:t>
+                          </m:r>
+                          <m:r>
+                            <a:rPr lang="en-US" sz="3600" i="1"/>
+                            <m:t>1</m:t>
+                          </m:r>
+                        </m:sup>
+                      </m:sSup>
+                      <m:sSup>
+                        <m:sSupPr>
+                          <m:ctrlPr>
+                            <a:rPr lang="en-US" sz="3600" i="1"/>
+                          </m:ctrlPr>
+                        </m:sSupPr>
+                        <m:e>
+                          <m:r>
+                            <a:rPr lang="en-US" sz="3600" i="1"/>
+                            <m:t>𝑌</m:t>
+                          </m:r>
+                        </m:e>
+                        <m:sup>
+                          <m:r>
+                            <a:rPr lang="en-US" sz="3600" i="1"/>
+                            <m:t>𝐻</m:t>
+                          </m:r>
+                        </m:sup>
+                      </m:sSup>
+                      <m:r>
+                        <a:rPr lang="en-US" sz="3600" i="1"/>
+                        <m:t>𝑥</m:t>
+                      </m:r>
+                    </m:oMath>
+                  </m:oMathPara>
+                </a14:m>
+                <a:endParaRPr lang="en-US" sz="3600" dirty="0"/>
+              </a:p>
+            </p:txBody>
+          </p:sp>
+        </mc:Choice>
+        <mc:Fallback>
+          <p:sp>
+            <p:nvSpPr>
+              <p:cNvPr id="3" name="מלבן 2"/>
+              <p:cNvSpPr>
+                <a:spLocks noRot="1" noChangeAspect="1" noMove="1" noResize="1" noEditPoints="1" noAdjustHandles="1" noChangeArrowheads="1" noChangeShapeType="1" noTextEdit="1"/>
+              </p:cNvSpPr>
+              <p:nvPr/>
+            </p:nvSpPr>
+            <p:spPr>
+              <a:xfrm>
+                <a:off x="3585145" y="3705693"/>
+                <a:ext cx="4734325" cy="646331"/>
+              </a:xfrm>
+              <a:prstGeom prst="rect">
+                <a:avLst/>
+              </a:prstGeom>
+              <a:blipFill>
+                <a:blip r:embed="rId3"/>
+                <a:stretch>
+                  <a:fillRect/>
+                </a:stretch>
+              </a:blipFill>
+            </p:spPr>
+            <p:txBody>
+              <a:bodyPr/>
+              <a:lstStyle/>
+              <a:p>
+                <a:r>
+                  <a:rPr lang="en-US">
+                    <a:noFill/>
+                  </a:rPr>
+                  <a:t> </a:t>
+                </a:r>
+              </a:p>
+            </p:txBody>
+          </p:sp>
+        </mc:Fallback>
+      </mc:AlternateContent>
+    </p:spTree>
+    <p:extLst>
+      <p:ext uri="{BB962C8B-B14F-4D97-AF65-F5344CB8AC3E}">
+        <p14:creationId xmlns:p14="http://schemas.microsoft.com/office/powerpoint/2010/main" val="1363578312"/>
+      </p:ext>
+    </p:extLst>
+  </p:cSld>
+  <p:clrMapOvr>
+    <a:masterClrMapping/>
+  </p:clrMapOvr>
+</p:sld>
+</file>
+
+<file path=ppt/slides/slide14.xml><?xml version="1.0" encoding="utf-8"?>
+<p:sld xmlns:a="http://schemas.openxmlformats.org/drawingml/2006/main" xmlns:r="http://schemas.openxmlformats.org/officeDocument/2006/relationships" xmlns:p="http://schemas.openxmlformats.org/presentationml/2006/main">
+  <p:cSld>
+    <p:spTree>
+      <p:nvGrpSpPr>
+        <p:cNvPr id="1" name=""/>
+        <p:cNvGrpSpPr/>
+        <p:nvPr/>
+      </p:nvGrpSpPr>
+      <p:grpSpPr>
+        <a:xfrm>
+          <a:off x="0" y="0"/>
+          <a:ext cx="0" cy="0"/>
+          <a:chOff x="0" y="0"/>
+          <a:chExt cx="0" cy="0"/>
+        </a:xfrm>
+      </p:grpSpPr>
+      <p:sp>
+        <p:nvSpPr>
+          <p:cNvPr id="2" name="Title 1"/>
+          <p:cNvSpPr txBox="1">
+            <a:spLocks/>
+          </p:cNvSpPr>
+          <p:nvPr/>
+        </p:nvSpPr>
+        <p:spPr>
+          <a:xfrm>
+            <a:off x="465908" y="457201"/>
+            <a:ext cx="10972800" cy="1143000"/>
+          </a:xfrm>
+          <a:prstGeom prst="rect">
+            <a:avLst/>
+          </a:prstGeom>
+        </p:spPr>
+        <p:txBody>
+          <a:bodyPr>
+            <a:normAutofit/>
+          </a:bodyPr>
+          <a:lstStyle>
+            <a:lvl1pPr algn="r" defTabSz="914400" rtl="1" eaLnBrk="1" latinLnBrk="0" hangingPunct="1">
+              <a:lnSpc>
+                <a:spcPct val="90000"/>
+              </a:lnSpc>
+              <a:spcBef>
+                <a:spcPct val="0"/>
+              </a:spcBef>
+              <a:buNone/>
+              <a:defRPr sz="4400" kern="1200">
+                <a:solidFill>
+                  <a:schemeClr val="tx1"/>
+                </a:solidFill>
+                <a:latin typeface="+mj-lt"/>
+                <a:ea typeface="+mj-ea"/>
+                <a:cs typeface="+mj-cs"/>
+              </a:defRPr>
+            </a:lvl1pPr>
+          </a:lstStyle>
+          <a:p>
+            <a:pPr algn="ctr"/>
+            <a:r>
+              <a:rPr lang="he-IL" dirty="0" smtClean="0">
+                <a:solidFill>
+                  <a:srgbClr val="002060"/>
+                </a:solidFill>
+              </a:rPr>
+              <a:t>פה להציג פתרונות לא קלאסיים</a:t>
+            </a:r>
+            <a:endParaRPr lang="he-IL" dirty="0">
+              <a:solidFill>
+                <a:srgbClr val="002060"/>
+              </a:solidFill>
+            </a:endParaRPr>
+          </a:p>
+        </p:txBody>
+      </p:sp>
+    </p:spTree>
+    <p:extLst>
+      <p:ext uri="{BB962C8B-B14F-4D97-AF65-F5344CB8AC3E}">
+        <p14:creationId xmlns:p14="http://schemas.microsoft.com/office/powerpoint/2010/main" val="2104292988"/>
+      </p:ext>
+    </p:extLst>
+  </p:cSld>
+  <p:clrMapOvr>
+    <a:masterClrMapping/>
+  </p:clrMapOvr>
+</p:sld>
+</file>
+
+<file path=ppt/slides/slide15.xml><?xml version="1.0" encoding="utf-8"?>
+<p:sld xmlns:a="http://schemas.openxmlformats.org/drawingml/2006/main" xmlns:r="http://schemas.openxmlformats.org/officeDocument/2006/relationships" xmlns:p="http://schemas.openxmlformats.org/presentationml/2006/main">
+  <p:cSld>
+    <p:spTree>
+      <p:nvGrpSpPr>
+        <p:cNvPr id="1" name=""/>
+        <p:cNvGrpSpPr/>
+        <p:nvPr/>
+      </p:nvGrpSpPr>
+      <p:grpSpPr>
+        <a:xfrm>
+          <a:off x="0" y="0"/>
+          <a:ext cx="0" cy="0"/>
+          <a:chOff x="0" y="0"/>
+          <a:chExt cx="0" cy="0"/>
+        </a:xfrm>
+      </p:grpSpPr>
+      <p:sp>
+        <p:nvSpPr>
+          <p:cNvPr id="2" name="Title 1"/>
+          <p:cNvSpPr txBox="1">
+            <a:spLocks/>
+          </p:cNvSpPr>
+          <p:nvPr/>
+        </p:nvSpPr>
+        <p:spPr>
+          <a:xfrm>
+            <a:off x="609600" y="274638"/>
+            <a:ext cx="10972800" cy="1143000"/>
+          </a:xfrm>
+          <a:prstGeom prst="rect">
+            <a:avLst/>
+          </a:prstGeom>
+        </p:spPr>
+        <p:txBody>
+          <a:bodyPr/>
+          <a:lstStyle>
+            <a:lvl1pPr algn="r" defTabSz="914400" rtl="1" eaLnBrk="1" latinLnBrk="0" hangingPunct="1">
+              <a:lnSpc>
+                <a:spcPct val="90000"/>
+              </a:lnSpc>
+              <a:spcBef>
+                <a:spcPct val="0"/>
+              </a:spcBef>
+              <a:buNone/>
+              <a:defRPr sz="4400" kern="1200">
+                <a:solidFill>
+                  <a:schemeClr val="tx1"/>
+                </a:solidFill>
+                <a:latin typeface="+mj-lt"/>
+                <a:ea typeface="+mj-ea"/>
+                <a:cs typeface="+mj-cs"/>
+              </a:defRPr>
+            </a:lvl1pPr>
+          </a:lstStyle>
+          <a:p>
+            <a:pPr algn="ctr"/>
+            <a:r>
+              <a:rPr lang="en-US" dirty="0" smtClean="0">
+                <a:solidFill>
+                  <a:srgbClr val="002060"/>
+                </a:solidFill>
+              </a:rPr>
+              <a:t>Chosen Solution</a:t>
+            </a:r>
+            <a:r>
+              <a:rPr lang="he-IL" dirty="0" smtClean="0">
+                <a:solidFill>
+                  <a:srgbClr val="002060"/>
+                </a:solidFill>
+              </a:rPr>
+              <a:t> – זה ה</a:t>
+            </a:r>
+            <a:r>
+              <a:rPr lang="en-US" dirty="0" smtClean="0">
+                <a:solidFill>
+                  <a:srgbClr val="002060"/>
+                </a:solidFill>
+              </a:rPr>
+              <a:t>deep</a:t>
+            </a:r>
+            <a:r>
+              <a:rPr lang="he-IL" dirty="0" smtClean="0">
+                <a:solidFill>
+                  <a:srgbClr val="002060"/>
+                </a:solidFill>
+              </a:rPr>
+              <a:t> שנבחר להציג</a:t>
+            </a:r>
+            <a:endParaRPr lang="he-IL" dirty="0">
+              <a:solidFill>
+                <a:srgbClr val="002060"/>
+              </a:solidFill>
+            </a:endParaRPr>
+          </a:p>
+        </p:txBody>
+      </p:sp>
+      <p:sp>
+        <p:nvSpPr>
+          <p:cNvPr id="3" name="Content Placeholder 2"/>
+          <p:cNvSpPr txBox="1">
+            <a:spLocks/>
+          </p:cNvSpPr>
+          <p:nvPr/>
+        </p:nvSpPr>
+        <p:spPr>
+          <a:xfrm>
+            <a:off x="609600" y="1600201"/>
+            <a:ext cx="10972800" cy="4525963"/>
+          </a:xfrm>
+          <a:prstGeom prst="rect">
+            <a:avLst/>
+          </a:prstGeom>
+        </p:spPr>
+        <p:txBody>
+          <a:bodyPr/>
+          <a:lstStyle>
+            <a:lvl1pPr marL="228600" indent="-228600" algn="r" defTabSz="914400" rtl="1" eaLnBrk="1" latinLnBrk="0" hangingPunct="1">
+              <a:lnSpc>
+                <a:spcPct val="90000"/>
+              </a:lnSpc>
+              <a:spcBef>
+                <a:spcPts val="1000"/>
+              </a:spcBef>
+              <a:buFont typeface="Arial" panose="020B0604020202020204" pitchFamily="34" charset="0"/>
+              <a:buChar char="•"/>
+              <a:defRPr sz="2800" kern="1200">
+                <a:solidFill>
+                  <a:schemeClr val="tx1"/>
+                </a:solidFill>
+                <a:latin typeface="+mn-lt"/>
+                <a:ea typeface="+mn-ea"/>
+                <a:cs typeface="+mn-cs"/>
+              </a:defRPr>
+            </a:lvl1pPr>
+            <a:lvl2pPr marL="685800" indent="-228600" algn="r" defTabSz="914400" rtl="1" eaLnBrk="1" latinLnBrk="0" hangingPunct="1">
+              <a:lnSpc>
+                <a:spcPct val="90000"/>
+              </a:lnSpc>
+              <a:spcBef>
+                <a:spcPts val="500"/>
+              </a:spcBef>
+              <a:buFont typeface="Arial" panose="020B0604020202020204" pitchFamily="34" charset="0"/>
+              <a:buChar char="•"/>
+              <a:defRPr sz="2400" kern="1200">
+                <a:solidFill>
+                  <a:schemeClr val="tx1"/>
+                </a:solidFill>
+                <a:latin typeface="+mn-lt"/>
+                <a:ea typeface="+mn-ea"/>
+                <a:cs typeface="+mn-cs"/>
+              </a:defRPr>
+            </a:lvl2pPr>
+            <a:lvl3pPr marL="1143000" indent="-228600" algn="r" defTabSz="914400" rtl="1" eaLnBrk="1" latinLnBrk="0" hangingPunct="1">
+              <a:lnSpc>
+                <a:spcPct val="90000"/>
+              </a:lnSpc>
+              <a:spcBef>
+                <a:spcPts val="500"/>
+              </a:spcBef>
+              <a:buFont typeface="Arial" panose="020B0604020202020204" pitchFamily="34" charset="0"/>
+              <a:buChar char="•"/>
+              <a:defRPr sz="2000" kern="1200">
+                <a:solidFill>
+                  <a:schemeClr val="tx1"/>
+                </a:solidFill>
+                <a:latin typeface="+mn-lt"/>
+                <a:ea typeface="+mn-ea"/>
+                <a:cs typeface="+mn-cs"/>
+              </a:defRPr>
+            </a:lvl3pPr>
+            <a:lvl4pPr marL="1600200" indent="-228600" algn="r" defTabSz="914400" rtl="1" eaLnBrk="1" latinLnBrk="0" hangingPunct="1">
+              <a:lnSpc>
+                <a:spcPct val="90000"/>
+              </a:lnSpc>
+              <a:spcBef>
+                <a:spcPts val="500"/>
+              </a:spcBef>
+              <a:buFont typeface="Arial" panose="020B0604020202020204" pitchFamily="34" charset="0"/>
+              <a:buChar char="•"/>
+              <a:defRPr sz="1800" kern="1200">
+                <a:solidFill>
+                  <a:schemeClr val="tx1"/>
+                </a:solidFill>
+                <a:latin typeface="+mn-lt"/>
+                <a:ea typeface="+mn-ea"/>
+                <a:cs typeface="+mn-cs"/>
+              </a:defRPr>
+            </a:lvl4pPr>
+            <a:lvl5pPr marL="2057400" indent="-228600" algn="r" defTabSz="914400" rtl="1" eaLnBrk="1" latinLnBrk="0" hangingPunct="1">
+              <a:lnSpc>
+                <a:spcPct val="90000"/>
+              </a:lnSpc>
+              <a:spcBef>
+                <a:spcPts val="500"/>
+              </a:spcBef>
+              <a:buFont typeface="Arial" panose="020B0604020202020204" pitchFamily="34" charset="0"/>
+              <a:buChar char="•"/>
+              <a:defRPr sz="1800" kern="1200">
+                <a:solidFill>
+                  <a:schemeClr val="tx1"/>
+                </a:solidFill>
+                <a:latin typeface="+mn-lt"/>
+                <a:ea typeface="+mn-ea"/>
+                <a:cs typeface="+mn-cs"/>
+              </a:defRPr>
+            </a:lvl5pPr>
+            <a:lvl6pPr marL="2514600" indent="-228600" algn="r" defTabSz="914400" rtl="1" eaLnBrk="1" latinLnBrk="0" hangingPunct="1">
+              <a:lnSpc>
+                <a:spcPct val="90000"/>
+              </a:lnSpc>
+              <a:spcBef>
+                <a:spcPts val="500"/>
+              </a:spcBef>
+              <a:buFont typeface="Arial" panose="020B0604020202020204" pitchFamily="34" charset="0"/>
+              <a:buChar char="•"/>
+              <a:defRPr sz="1800" kern="1200">
+                <a:solidFill>
+                  <a:schemeClr val="tx1"/>
+                </a:solidFill>
+                <a:latin typeface="+mn-lt"/>
+                <a:ea typeface="+mn-ea"/>
+                <a:cs typeface="+mn-cs"/>
+              </a:defRPr>
+            </a:lvl6pPr>
+            <a:lvl7pPr marL="2971800" indent="-228600" algn="r" defTabSz="914400" rtl="1" eaLnBrk="1" latinLnBrk="0" hangingPunct="1">
+              <a:lnSpc>
+                <a:spcPct val="90000"/>
+              </a:lnSpc>
+              <a:spcBef>
+                <a:spcPts val="500"/>
+              </a:spcBef>
+              <a:buFont typeface="Arial" panose="020B0604020202020204" pitchFamily="34" charset="0"/>
+              <a:buChar char="•"/>
+              <a:defRPr sz="1800" kern="1200">
+                <a:solidFill>
+                  <a:schemeClr val="tx1"/>
+                </a:solidFill>
+                <a:latin typeface="+mn-lt"/>
+                <a:ea typeface="+mn-ea"/>
+                <a:cs typeface="+mn-cs"/>
+              </a:defRPr>
+            </a:lvl7pPr>
+            <a:lvl8pPr marL="3429000" indent="-228600" algn="r" defTabSz="914400" rtl="1" eaLnBrk="1" latinLnBrk="0" hangingPunct="1">
+              <a:lnSpc>
+                <a:spcPct val="90000"/>
+              </a:lnSpc>
+              <a:spcBef>
+                <a:spcPts val="500"/>
+              </a:spcBef>
+              <a:buFont typeface="Arial" panose="020B0604020202020204" pitchFamily="34" charset="0"/>
+              <a:buChar char="•"/>
+              <a:defRPr sz="1800" kern="1200">
+                <a:solidFill>
+                  <a:schemeClr val="tx1"/>
+                </a:solidFill>
+                <a:latin typeface="+mn-lt"/>
+                <a:ea typeface="+mn-ea"/>
+                <a:cs typeface="+mn-cs"/>
+              </a:defRPr>
+            </a:lvl8pPr>
+            <a:lvl9pPr marL="3886200" indent="-228600" algn="r" defTabSz="914400" rtl="1" eaLnBrk="1" latinLnBrk="0" hangingPunct="1">
+              <a:lnSpc>
+                <a:spcPct val="90000"/>
+              </a:lnSpc>
+              <a:spcBef>
+                <a:spcPts val="500"/>
+              </a:spcBef>
+              <a:buFont typeface="Arial" panose="020B0604020202020204" pitchFamily="34" charset="0"/>
+              <a:buChar char="•"/>
+              <a:defRPr sz="1800" kern="1200">
+                <a:solidFill>
+                  <a:schemeClr val="tx1"/>
+                </a:solidFill>
+                <a:latin typeface="+mn-lt"/>
+                <a:ea typeface="+mn-ea"/>
+                <a:cs typeface="+mn-cs"/>
+              </a:defRPr>
+            </a:lvl9pPr>
+          </a:lstStyle>
+          <a:p>
+            <a:pPr algn="ctr"/>
+            <a:r>
+              <a:rPr lang="en-US" smtClean="0">
+                <a:solidFill>
+                  <a:srgbClr val="002060"/>
+                </a:solidFill>
+              </a:rPr>
+              <a:t>Emphasize the key idea</a:t>
+            </a:r>
+          </a:p>
+          <a:p>
+            <a:pPr lvl="1" algn="ctr"/>
+            <a:r>
+              <a:rPr lang="en-US" smtClean="0">
+                <a:solidFill>
+                  <a:srgbClr val="002060"/>
+                </a:solidFill>
+              </a:rPr>
+              <a:t>If the audience remembers only one thing from your talk, what should it be?</a:t>
+            </a:r>
+          </a:p>
+          <a:p>
+            <a:pPr algn="ctr"/>
+            <a:r>
+              <a:rPr lang="en-US" smtClean="0">
+                <a:solidFill>
+                  <a:srgbClr val="002060"/>
+                </a:solidFill>
+              </a:rPr>
+              <a:t>Then, give a more detailed explanation of the chosen solution</a:t>
+            </a:r>
+          </a:p>
+          <a:p>
+            <a:pPr algn="ctr"/>
+            <a:r>
+              <a:rPr lang="en-US" smtClean="0">
+                <a:solidFill>
+                  <a:srgbClr val="002060"/>
+                </a:solidFill>
+              </a:rPr>
+              <a:t>You usually start with a block diagram slide followed by a few more slides describing each block in the diagram in detail</a:t>
+            </a:r>
+          </a:p>
+          <a:p>
+            <a:pPr algn="ctr"/>
+            <a:r>
+              <a:rPr lang="en-US" smtClean="0">
+                <a:solidFill>
+                  <a:srgbClr val="002060"/>
+                </a:solidFill>
+              </a:rPr>
+              <a:t>Prefer deep details (technical ‘meat’) of part of the solution over a shallow overview of many topics</a:t>
+            </a:r>
+          </a:p>
+          <a:p>
+            <a:pPr lvl="1" algn="ctr"/>
+            <a:endParaRPr lang="he-IL" dirty="0">
+              <a:solidFill>
+                <a:srgbClr val="002060"/>
+              </a:solidFill>
+            </a:endParaRPr>
+          </a:p>
+        </p:txBody>
+      </p:sp>
+    </p:spTree>
+    <p:extLst>
+      <p:ext uri="{BB962C8B-B14F-4D97-AF65-F5344CB8AC3E}">
+        <p14:creationId xmlns:p14="http://schemas.microsoft.com/office/powerpoint/2010/main" val="3600762818"/>
+      </p:ext>
+    </p:extLst>
+  </p:cSld>
+  <p:clrMapOvr>
+    <a:masterClrMapping/>
+  </p:clrMapOvr>
+</p:sld>
+</file>
+
+<file path=ppt/slides/slide16.xml><?xml version="1.0" encoding="utf-8"?>
+<p:sld xmlns:a="http://schemas.openxmlformats.org/drawingml/2006/main" xmlns:r="http://schemas.openxmlformats.org/officeDocument/2006/relationships" xmlns:p="http://schemas.openxmlformats.org/presentationml/2006/main">
+  <p:cSld>
+    <p:spTree>
+      <p:nvGrpSpPr>
+        <p:cNvPr id="1" name=""/>
+        <p:cNvGrpSpPr/>
+        <p:nvPr/>
+      </p:nvGrpSpPr>
+      <p:grpSpPr>
+        <a:xfrm>
+          <a:off x="0" y="0"/>
+          <a:ext cx="0" cy="0"/>
+          <a:chOff x="0" y="0"/>
+          <a:chExt cx="0" cy="0"/>
+        </a:xfrm>
+      </p:grpSpPr>
+      <p:sp>
+        <p:nvSpPr>
+          <p:cNvPr id="2" name="Title 1"/>
+          <p:cNvSpPr txBox="1">
+            <a:spLocks/>
+          </p:cNvSpPr>
+          <p:nvPr/>
+        </p:nvSpPr>
+        <p:spPr>
+          <a:xfrm>
+            <a:off x="191589" y="457201"/>
+            <a:ext cx="10972800" cy="1143000"/>
+          </a:xfrm>
+          <a:prstGeom prst="rect">
+            <a:avLst/>
+          </a:prstGeom>
+        </p:spPr>
+        <p:txBody>
+          <a:bodyPr/>
+          <a:lstStyle>
+            <a:lvl1pPr algn="r" defTabSz="914400" rtl="1" eaLnBrk="1" latinLnBrk="0" hangingPunct="1">
+              <a:lnSpc>
+                <a:spcPct val="90000"/>
+              </a:lnSpc>
+              <a:spcBef>
+                <a:spcPct val="0"/>
+              </a:spcBef>
+              <a:buNone/>
+              <a:defRPr sz="4400" kern="1200">
+                <a:solidFill>
+                  <a:schemeClr val="tx1"/>
+                </a:solidFill>
+                <a:latin typeface="+mj-lt"/>
+                <a:ea typeface="+mj-ea"/>
+                <a:cs typeface="+mj-cs"/>
+              </a:defRPr>
+            </a:lvl1pPr>
+          </a:lstStyle>
+          <a:p>
+            <a:pPr algn="ctr"/>
+            <a:r>
+              <a:rPr lang="en-US" dirty="0" smtClean="0">
+                <a:solidFill>
+                  <a:srgbClr val="002060"/>
+                </a:solidFill>
+              </a:rPr>
+              <a:t>Results</a:t>
+            </a:r>
+            <a:endParaRPr lang="he-IL" dirty="0">
+              <a:solidFill>
+                <a:srgbClr val="002060"/>
+              </a:solidFill>
+            </a:endParaRPr>
+          </a:p>
+        </p:txBody>
+      </p:sp>
+      <p:sp>
+        <p:nvSpPr>
+          <p:cNvPr id="3" name="Content Placeholder 2"/>
+          <p:cNvSpPr txBox="1">
+            <a:spLocks/>
+          </p:cNvSpPr>
+          <p:nvPr/>
+        </p:nvSpPr>
+        <p:spPr>
+          <a:xfrm>
+            <a:off x="609600" y="1600201"/>
+            <a:ext cx="10972800" cy="4525963"/>
+          </a:xfrm>
+          <a:prstGeom prst="rect">
+            <a:avLst/>
+          </a:prstGeom>
+        </p:spPr>
+        <p:txBody>
+          <a:bodyPr/>
+          <a:lstStyle>
+            <a:lvl1pPr marL="228600" indent="-228600" algn="r" defTabSz="914400" rtl="1" eaLnBrk="1" latinLnBrk="0" hangingPunct="1">
+              <a:lnSpc>
+                <a:spcPct val="90000"/>
+              </a:lnSpc>
+              <a:spcBef>
+                <a:spcPts val="1000"/>
+              </a:spcBef>
+              <a:buFont typeface="Arial" panose="020B0604020202020204" pitchFamily="34" charset="0"/>
+              <a:buChar char="•"/>
+              <a:defRPr sz="2800" kern="1200">
+                <a:solidFill>
+                  <a:schemeClr val="tx1"/>
+                </a:solidFill>
+                <a:latin typeface="+mn-lt"/>
+                <a:ea typeface="+mn-ea"/>
+                <a:cs typeface="+mn-cs"/>
+              </a:defRPr>
+            </a:lvl1pPr>
+            <a:lvl2pPr marL="685800" indent="-228600" algn="r" defTabSz="914400" rtl="1" eaLnBrk="1" latinLnBrk="0" hangingPunct="1">
+              <a:lnSpc>
+                <a:spcPct val="90000"/>
+              </a:lnSpc>
+              <a:spcBef>
+                <a:spcPts val="500"/>
+              </a:spcBef>
+              <a:buFont typeface="Arial" panose="020B0604020202020204" pitchFamily="34" charset="0"/>
+              <a:buChar char="•"/>
+              <a:defRPr sz="2400" kern="1200">
+                <a:solidFill>
+                  <a:schemeClr val="tx1"/>
+                </a:solidFill>
+                <a:latin typeface="+mn-lt"/>
+                <a:ea typeface="+mn-ea"/>
+                <a:cs typeface="+mn-cs"/>
+              </a:defRPr>
+            </a:lvl2pPr>
+            <a:lvl3pPr marL="1143000" indent="-228600" algn="r" defTabSz="914400" rtl="1" eaLnBrk="1" latinLnBrk="0" hangingPunct="1">
+              <a:lnSpc>
+                <a:spcPct val="90000"/>
+              </a:lnSpc>
+              <a:spcBef>
+                <a:spcPts val="500"/>
+              </a:spcBef>
+              <a:buFont typeface="Arial" panose="020B0604020202020204" pitchFamily="34" charset="0"/>
+              <a:buChar char="•"/>
+              <a:defRPr sz="2000" kern="1200">
+                <a:solidFill>
+                  <a:schemeClr val="tx1"/>
+                </a:solidFill>
+                <a:latin typeface="+mn-lt"/>
+                <a:ea typeface="+mn-ea"/>
+                <a:cs typeface="+mn-cs"/>
+              </a:defRPr>
+            </a:lvl3pPr>
+            <a:lvl4pPr marL="1600200" indent="-228600" algn="r" defTabSz="914400" rtl="1" eaLnBrk="1" latinLnBrk="0" hangingPunct="1">
+              <a:lnSpc>
+                <a:spcPct val="90000"/>
+              </a:lnSpc>
+              <a:spcBef>
+                <a:spcPts val="500"/>
+              </a:spcBef>
+              <a:buFont typeface="Arial" panose="020B0604020202020204" pitchFamily="34" charset="0"/>
+              <a:buChar char="•"/>
+              <a:defRPr sz="1800" kern="1200">
+                <a:solidFill>
+                  <a:schemeClr val="tx1"/>
+                </a:solidFill>
+                <a:latin typeface="+mn-lt"/>
+                <a:ea typeface="+mn-ea"/>
+                <a:cs typeface="+mn-cs"/>
+              </a:defRPr>
+            </a:lvl4pPr>
+            <a:lvl5pPr marL="2057400" indent="-228600" algn="r" defTabSz="914400" rtl="1" eaLnBrk="1" latinLnBrk="0" hangingPunct="1">
+              <a:lnSpc>
+                <a:spcPct val="90000"/>
+              </a:lnSpc>
+              <a:spcBef>
+                <a:spcPts val="500"/>
+              </a:spcBef>
+              <a:buFont typeface="Arial" panose="020B0604020202020204" pitchFamily="34" charset="0"/>
+              <a:buChar char="•"/>
+              <a:defRPr sz="1800" kern="1200">
+                <a:solidFill>
+                  <a:schemeClr val="tx1"/>
+                </a:solidFill>
+                <a:latin typeface="+mn-lt"/>
+                <a:ea typeface="+mn-ea"/>
+                <a:cs typeface="+mn-cs"/>
+              </a:defRPr>
+            </a:lvl5pPr>
+            <a:lvl6pPr marL="2514600" indent="-228600" algn="r" defTabSz="914400" rtl="1" eaLnBrk="1" latinLnBrk="0" hangingPunct="1">
+              <a:lnSpc>
+                <a:spcPct val="90000"/>
+              </a:lnSpc>
+              <a:spcBef>
+                <a:spcPts val="500"/>
+              </a:spcBef>
+              <a:buFont typeface="Arial" panose="020B0604020202020204" pitchFamily="34" charset="0"/>
+              <a:buChar char="•"/>
+              <a:defRPr sz="1800" kern="1200">
+                <a:solidFill>
+                  <a:schemeClr val="tx1"/>
+                </a:solidFill>
+                <a:latin typeface="+mn-lt"/>
+                <a:ea typeface="+mn-ea"/>
+                <a:cs typeface="+mn-cs"/>
+              </a:defRPr>
+            </a:lvl6pPr>
+            <a:lvl7pPr marL="2971800" indent="-228600" algn="r" defTabSz="914400" rtl="1" eaLnBrk="1" latinLnBrk="0" hangingPunct="1">
+              <a:lnSpc>
+                <a:spcPct val="90000"/>
+              </a:lnSpc>
+              <a:spcBef>
+                <a:spcPts val="500"/>
+              </a:spcBef>
+              <a:buFont typeface="Arial" panose="020B0604020202020204" pitchFamily="34" charset="0"/>
+              <a:buChar char="•"/>
+              <a:defRPr sz="1800" kern="1200">
+                <a:solidFill>
+                  <a:schemeClr val="tx1"/>
+                </a:solidFill>
+                <a:latin typeface="+mn-lt"/>
+                <a:ea typeface="+mn-ea"/>
+                <a:cs typeface="+mn-cs"/>
+              </a:defRPr>
+            </a:lvl7pPr>
+            <a:lvl8pPr marL="3429000" indent="-228600" algn="r" defTabSz="914400" rtl="1" eaLnBrk="1" latinLnBrk="0" hangingPunct="1">
+              <a:lnSpc>
+                <a:spcPct val="90000"/>
+              </a:lnSpc>
+              <a:spcBef>
+                <a:spcPts val="500"/>
+              </a:spcBef>
+              <a:buFont typeface="Arial" panose="020B0604020202020204" pitchFamily="34" charset="0"/>
+              <a:buChar char="•"/>
+              <a:defRPr sz="1800" kern="1200">
+                <a:solidFill>
+                  <a:schemeClr val="tx1"/>
+                </a:solidFill>
+                <a:latin typeface="+mn-lt"/>
+                <a:ea typeface="+mn-ea"/>
+                <a:cs typeface="+mn-cs"/>
+              </a:defRPr>
+            </a:lvl8pPr>
+            <a:lvl9pPr marL="3886200" indent="-228600" algn="r" defTabSz="914400" rtl="1" eaLnBrk="1" latinLnBrk="0" hangingPunct="1">
+              <a:lnSpc>
+                <a:spcPct val="90000"/>
+              </a:lnSpc>
+              <a:spcBef>
+                <a:spcPts val="500"/>
+              </a:spcBef>
+              <a:buFont typeface="Arial" panose="020B0604020202020204" pitchFamily="34" charset="0"/>
+              <a:buChar char="•"/>
+              <a:defRPr sz="1800" kern="1200">
+                <a:solidFill>
+                  <a:schemeClr val="tx1"/>
+                </a:solidFill>
+                <a:latin typeface="+mn-lt"/>
+                <a:ea typeface="+mn-ea"/>
+                <a:cs typeface="+mn-cs"/>
+              </a:defRPr>
+            </a:lvl9pPr>
+          </a:lstStyle>
+          <a:p>
+            <a:pPr algn="ctr"/>
+            <a:r>
+              <a:rPr lang="en-US" dirty="0" smtClean="0">
+                <a:solidFill>
+                  <a:srgbClr val="002060"/>
+                </a:solidFill>
+              </a:rPr>
+              <a:t>Present your results compared to other solutions and emphasize the advantages (and disadvantages) of your solution</a:t>
+            </a:r>
+          </a:p>
+          <a:p>
+            <a:pPr algn="ctr"/>
+            <a:r>
+              <a:rPr lang="en-US" dirty="0" smtClean="0">
+                <a:solidFill>
+                  <a:srgbClr val="002060"/>
+                </a:solidFill>
+              </a:rPr>
+              <a:t>Give examples</a:t>
+            </a:r>
+          </a:p>
+          <a:p>
+            <a:pPr lvl="1" algn="ctr"/>
+            <a:r>
+              <a:rPr lang="en-US" dirty="0" smtClean="0">
+                <a:solidFill>
+                  <a:srgbClr val="002060"/>
+                </a:solidFill>
+              </a:rPr>
+              <a:t>Illustrate the idea in action</a:t>
+            </a:r>
+          </a:p>
+          <a:p>
+            <a:pPr lvl="1" algn="ctr"/>
+            <a:r>
+              <a:rPr lang="en-US" dirty="0" smtClean="0">
+                <a:solidFill>
+                  <a:srgbClr val="002060"/>
+                </a:solidFill>
+              </a:rPr>
+              <a:t>Show extreme cases</a:t>
+            </a:r>
+            <a:endParaRPr lang="he-IL" dirty="0">
+              <a:solidFill>
+                <a:srgbClr val="002060"/>
+              </a:solidFill>
+            </a:endParaRPr>
+          </a:p>
+        </p:txBody>
+      </p:sp>
+    </p:spTree>
+    <p:extLst>
+      <p:ext uri="{BB962C8B-B14F-4D97-AF65-F5344CB8AC3E}">
+        <p14:creationId xmlns:p14="http://schemas.microsoft.com/office/powerpoint/2010/main" val="3802640888"/>
+      </p:ext>
+    </p:extLst>
+  </p:cSld>
+  <p:clrMapOvr>
+    <a:masterClrMapping/>
+  </p:clrMapOvr>
+</p:sld>
+</file>
+
+<file path=ppt/slides/slide17.xml><?xml version="1.0" encoding="utf-8"?>
+<p:sld xmlns:a="http://schemas.openxmlformats.org/drawingml/2006/main" xmlns:r="http://schemas.openxmlformats.org/officeDocument/2006/relationships" xmlns:p="http://schemas.openxmlformats.org/presentationml/2006/main">
+  <p:cSld>
+    <p:spTree>
+      <p:nvGrpSpPr>
+        <p:cNvPr id="1" name=""/>
+        <p:cNvGrpSpPr/>
+        <p:nvPr/>
+      </p:nvGrpSpPr>
+      <p:grpSpPr>
+        <a:xfrm>
+          <a:off x="0" y="0"/>
+          <a:ext cx="0" cy="0"/>
+          <a:chOff x="0" y="0"/>
+          <a:chExt cx="0" cy="0"/>
+        </a:xfrm>
+      </p:grpSpPr>
+      <p:sp>
+        <p:nvSpPr>
+          <p:cNvPr id="3" name="Title 1"/>
+          <p:cNvSpPr txBox="1">
+            <a:spLocks/>
+          </p:cNvSpPr>
+          <p:nvPr/>
+        </p:nvSpPr>
+        <p:spPr>
+          <a:xfrm>
+            <a:off x="762000" y="427038"/>
+            <a:ext cx="10972800" cy="1143000"/>
+          </a:xfrm>
+          <a:prstGeom prst="rect">
+            <a:avLst/>
+          </a:prstGeom>
+        </p:spPr>
+        <p:txBody>
+          <a:bodyPr/>
+          <a:lstStyle>
+            <a:lvl1pPr algn="r" defTabSz="914400" rtl="1" eaLnBrk="1" latinLnBrk="0" hangingPunct="1">
+              <a:lnSpc>
+                <a:spcPct val="90000"/>
+              </a:lnSpc>
+              <a:spcBef>
+                <a:spcPct val="0"/>
+              </a:spcBef>
+              <a:buNone/>
+              <a:defRPr sz="4400" kern="1200">
+                <a:solidFill>
+                  <a:schemeClr val="tx1"/>
+                </a:solidFill>
+                <a:latin typeface="+mj-lt"/>
+                <a:ea typeface="+mj-ea"/>
+                <a:cs typeface="+mj-cs"/>
+              </a:defRPr>
+            </a:lvl1pPr>
+          </a:lstStyle>
+          <a:p>
+            <a:pPr algn="ctr"/>
+            <a:r>
+              <a:rPr lang="en-US" dirty="0" smtClean="0">
+                <a:solidFill>
+                  <a:srgbClr val="002060"/>
+                </a:solidFill>
+              </a:rPr>
+              <a:t>Classical - PA modeling </a:t>
+            </a:r>
+            <a:endParaRPr lang="he-IL" dirty="0">
+              <a:solidFill>
+                <a:srgbClr val="002060"/>
+              </a:solidFill>
+            </a:endParaRPr>
+          </a:p>
+        </p:txBody>
+      </p:sp>
+      <p:pic>
+        <p:nvPicPr>
+          <p:cNvPr id="4" name="תמונה 3"/>
+          <p:cNvPicPr/>
+          <p:nvPr/>
+        </p:nvPicPr>
+        <p:blipFill>
+          <a:blip r:embed="rId2"/>
+          <a:stretch>
+            <a:fillRect/>
+          </a:stretch>
+        </p:blipFill>
+        <p:spPr>
+          <a:xfrm>
+            <a:off x="1062223" y="1135879"/>
+            <a:ext cx="10119583" cy="4890979"/>
+          </a:xfrm>
+          <a:prstGeom prst="rect">
+            <a:avLst/>
+          </a:prstGeom>
+        </p:spPr>
+      </p:pic>
+      <p:sp>
+        <p:nvSpPr>
+          <p:cNvPr id="5" name="מלבן 4"/>
+          <p:cNvSpPr/>
+          <p:nvPr/>
+        </p:nvSpPr>
+        <p:spPr>
+          <a:xfrm>
+            <a:off x="-183102" y="6026858"/>
+            <a:ext cx="11917902" cy="523220"/>
+          </a:xfrm>
+          <a:prstGeom prst="rect">
+            <a:avLst/>
+          </a:prstGeom>
+        </p:spPr>
+        <p:txBody>
+          <a:bodyPr wrap="square">
+            <a:spAutoFit/>
+          </a:bodyPr>
+          <a:lstStyle/>
+          <a:p>
+            <a:r>
+              <a:rPr lang="en-US" sz="2400" dirty="0">
+                <a:latin typeface="Calibri Light" panose="020F0302020204030204" pitchFamily="34" charset="0"/>
+                <a:ea typeface="Times New Roman" panose="02020603050405020304" pitchFamily="18" charset="0"/>
+              </a:rPr>
+              <a:t>illustration of AM/AM distortion of input signal, caused by </a:t>
+            </a:r>
+            <a:r>
+              <a:rPr lang="en-US" sz="2800" b="1" dirty="0">
+                <a:solidFill>
+                  <a:srgbClr val="002060"/>
+                </a:solidFill>
+                <a:latin typeface="Calibri Light" panose="020F0302020204030204" pitchFamily="34" charset="0"/>
+                <a:ea typeface="Times New Roman" panose="02020603050405020304" pitchFamily="18" charset="0"/>
+              </a:rPr>
+              <a:t>modeled </a:t>
+            </a:r>
+            <a:r>
+              <a:rPr lang="en-US" sz="2800" b="1" dirty="0" smtClean="0">
+                <a:solidFill>
+                  <a:srgbClr val="002060"/>
+                </a:solidFill>
+                <a:latin typeface="Calibri Light" panose="020F0302020204030204" pitchFamily="34" charset="0"/>
+                <a:ea typeface="Times New Roman" panose="02020603050405020304" pitchFamily="18" charset="0"/>
+              </a:rPr>
+              <a:t>PA</a:t>
+            </a:r>
+            <a:r>
+              <a:rPr lang="en-US" sz="2400" dirty="0" smtClean="0">
+                <a:latin typeface="Calibri Light" panose="020F0302020204030204" pitchFamily="34" charset="0"/>
+                <a:ea typeface="Times New Roman" panose="02020603050405020304" pitchFamily="18" charset="0"/>
+              </a:rPr>
+              <a:t>, </a:t>
+            </a:r>
+            <a:r>
+              <a:rPr lang="en-US" sz="2400" dirty="0">
+                <a:latin typeface="Calibri Light" panose="020F0302020204030204" pitchFamily="34" charset="0"/>
+                <a:ea typeface="Times New Roman" panose="02020603050405020304" pitchFamily="18" charset="0"/>
+              </a:rPr>
+              <a:t>and </a:t>
+            </a:r>
+            <a:r>
+              <a:rPr lang="en-US" sz="2800" b="1" dirty="0">
+                <a:solidFill>
+                  <a:srgbClr val="FC7D0E"/>
+                </a:solidFill>
+                <a:latin typeface="Calibri Light" panose="020F0302020204030204" pitchFamily="34" charset="0"/>
+                <a:ea typeface="Times New Roman" panose="02020603050405020304" pitchFamily="18" charset="0"/>
+              </a:rPr>
+              <a:t>real lab’s PA </a:t>
+            </a:r>
+            <a:endParaRPr lang="en-US" sz="2400" b="1" dirty="0">
+              <a:solidFill>
+                <a:srgbClr val="FC7D0E"/>
+              </a:solidFill>
+            </a:endParaRPr>
+          </a:p>
+        </p:txBody>
+      </p:sp>
+    </p:spTree>
+    <p:extLst>
+      <p:ext uri="{BB962C8B-B14F-4D97-AF65-F5344CB8AC3E}">
+        <p14:creationId xmlns:p14="http://schemas.microsoft.com/office/powerpoint/2010/main" val="2837336216"/>
+      </p:ext>
+    </p:extLst>
+  </p:cSld>
+  <p:clrMapOvr>
+    <a:masterClrMapping/>
+  </p:clrMapOvr>
+</p:sld>
+</file>
+
+<file path=ppt/slides/slide18.xml><?xml version="1.0" encoding="utf-8"?>
+<p:sld xmlns:a="http://schemas.openxmlformats.org/drawingml/2006/main" xmlns:r="http://schemas.openxmlformats.org/officeDocument/2006/relationships" xmlns:p="http://schemas.openxmlformats.org/presentationml/2006/main">
+  <p:cSld>
+    <p:spTree>
+      <p:nvGrpSpPr>
+        <p:cNvPr id="1" name=""/>
+        <p:cNvGrpSpPr/>
+        <p:nvPr/>
+      </p:nvGrpSpPr>
+      <p:grpSpPr>
+        <a:xfrm>
+          <a:off x="0" y="0"/>
+          <a:ext cx="0" cy="0"/>
+          <a:chOff x="0" y="0"/>
+          <a:chExt cx="0" cy="0"/>
+        </a:xfrm>
+      </p:grpSpPr>
+      <p:sp>
+        <p:nvSpPr>
+          <p:cNvPr id="3" name="Title 1"/>
+          <p:cNvSpPr txBox="1">
+            <a:spLocks/>
+          </p:cNvSpPr>
+          <p:nvPr/>
+        </p:nvSpPr>
+        <p:spPr>
+          <a:xfrm>
+            <a:off x="762000" y="427038"/>
+            <a:ext cx="10972800" cy="1143000"/>
+          </a:xfrm>
+          <a:prstGeom prst="rect">
+            <a:avLst/>
+          </a:prstGeom>
+        </p:spPr>
+        <p:txBody>
+          <a:bodyPr/>
+          <a:lstStyle>
+            <a:lvl1pPr algn="r" defTabSz="914400" rtl="1" eaLnBrk="1" latinLnBrk="0" hangingPunct="1">
+              <a:lnSpc>
+                <a:spcPct val="90000"/>
+              </a:lnSpc>
+              <a:spcBef>
+                <a:spcPct val="0"/>
+              </a:spcBef>
+              <a:buNone/>
+              <a:defRPr sz="4400" kern="1200">
+                <a:solidFill>
+                  <a:schemeClr val="tx1"/>
+                </a:solidFill>
+                <a:latin typeface="+mj-lt"/>
+                <a:ea typeface="+mj-ea"/>
+                <a:cs typeface="+mj-cs"/>
+              </a:defRPr>
+            </a:lvl1pPr>
+          </a:lstStyle>
+          <a:p>
+            <a:pPr algn="ctr"/>
+            <a:r>
+              <a:rPr lang="en-US" dirty="0">
+                <a:solidFill>
+                  <a:srgbClr val="002060"/>
+                </a:solidFill>
+              </a:rPr>
+              <a:t>Classical </a:t>
+            </a:r>
+            <a:r>
+              <a:rPr lang="en-US" dirty="0" smtClean="0">
+                <a:solidFill>
+                  <a:srgbClr val="002060"/>
+                </a:solidFill>
+              </a:rPr>
+              <a:t>- PA modeling </a:t>
+            </a:r>
+            <a:endParaRPr lang="he-IL" dirty="0">
+              <a:solidFill>
+                <a:srgbClr val="002060"/>
+              </a:solidFill>
+            </a:endParaRPr>
+          </a:p>
+        </p:txBody>
+      </p:sp>
+      <p:pic>
+        <p:nvPicPr>
+          <p:cNvPr id="5" name="תמונה 4"/>
+          <p:cNvPicPr/>
+          <p:nvPr/>
+        </p:nvPicPr>
+        <p:blipFill>
+          <a:blip r:embed="rId2"/>
+          <a:stretch>
+            <a:fillRect/>
+          </a:stretch>
+        </p:blipFill>
+        <p:spPr>
+          <a:xfrm>
+            <a:off x="625247" y="1105383"/>
+            <a:ext cx="10883130" cy="4877406"/>
+          </a:xfrm>
+          <a:prstGeom prst="rect">
+            <a:avLst/>
+          </a:prstGeom>
+        </p:spPr>
+      </p:pic>
+      <p:sp>
+        <p:nvSpPr>
+          <p:cNvPr id="2" name="מלבן 1"/>
+          <p:cNvSpPr/>
+          <p:nvPr/>
+        </p:nvSpPr>
+        <p:spPr>
+          <a:xfrm>
+            <a:off x="-139337" y="5982789"/>
+            <a:ext cx="11874137" cy="523220"/>
+          </a:xfrm>
+          <a:prstGeom prst="rect">
+            <a:avLst/>
+          </a:prstGeom>
+        </p:spPr>
+        <p:txBody>
+          <a:bodyPr wrap="square">
+            <a:spAutoFit/>
+          </a:bodyPr>
+          <a:lstStyle/>
+          <a:p>
+            <a:r>
+              <a:rPr lang="en-US" sz="2400" dirty="0">
+                <a:latin typeface="Calibri Light" panose="020F0302020204030204" pitchFamily="34" charset="0"/>
+                <a:ea typeface="Times New Roman" panose="02020603050405020304" pitchFamily="18" charset="0"/>
+              </a:rPr>
+              <a:t>illustration of AM/PM distortion of input signal, caused by </a:t>
+            </a:r>
+            <a:r>
+              <a:rPr lang="en-US" sz="2800" b="1" dirty="0">
+                <a:solidFill>
+                  <a:srgbClr val="002060"/>
+                </a:solidFill>
+                <a:latin typeface="Calibri Light" panose="020F0302020204030204" pitchFamily="34" charset="0"/>
+                <a:ea typeface="Times New Roman" panose="02020603050405020304" pitchFamily="18" charset="0"/>
+              </a:rPr>
+              <a:t>modeled </a:t>
+            </a:r>
+            <a:r>
+              <a:rPr lang="en-US" sz="2800" b="1" dirty="0" smtClean="0">
+                <a:solidFill>
+                  <a:srgbClr val="002060"/>
+                </a:solidFill>
+                <a:latin typeface="Calibri Light" panose="020F0302020204030204" pitchFamily="34" charset="0"/>
+                <a:ea typeface="Times New Roman" panose="02020603050405020304" pitchFamily="18" charset="0"/>
+              </a:rPr>
+              <a:t>PA</a:t>
+            </a:r>
+            <a:r>
+              <a:rPr lang="en-US" sz="2400" dirty="0" smtClean="0">
+                <a:latin typeface="Calibri Light" panose="020F0302020204030204" pitchFamily="34" charset="0"/>
+                <a:ea typeface="Times New Roman" panose="02020603050405020304" pitchFamily="18" charset="0"/>
+              </a:rPr>
+              <a:t>, </a:t>
+            </a:r>
+            <a:r>
+              <a:rPr lang="en-US" sz="2400" dirty="0">
+                <a:latin typeface="Calibri Light" panose="020F0302020204030204" pitchFamily="34" charset="0"/>
+                <a:ea typeface="Times New Roman" panose="02020603050405020304" pitchFamily="18" charset="0"/>
+              </a:rPr>
+              <a:t>and </a:t>
+            </a:r>
+            <a:r>
+              <a:rPr lang="en-US" sz="2800" b="1" dirty="0">
+                <a:solidFill>
+                  <a:srgbClr val="FF861C"/>
+                </a:solidFill>
+                <a:latin typeface="Calibri Light" panose="020F0302020204030204" pitchFamily="34" charset="0"/>
+                <a:ea typeface="Times New Roman" panose="02020603050405020304" pitchFamily="18" charset="0"/>
+              </a:rPr>
+              <a:t>real lab’s </a:t>
+            </a:r>
+            <a:r>
+              <a:rPr lang="en-US" sz="2800" b="1" dirty="0" smtClean="0">
+                <a:solidFill>
+                  <a:srgbClr val="FF861C"/>
+                </a:solidFill>
+                <a:latin typeface="Calibri Light" panose="020F0302020204030204" pitchFamily="34" charset="0"/>
+                <a:ea typeface="Times New Roman" panose="02020603050405020304" pitchFamily="18" charset="0"/>
+              </a:rPr>
+              <a:t>PA</a:t>
+            </a:r>
+            <a:endParaRPr lang="en-US" sz="2800" b="1" dirty="0">
+              <a:solidFill>
+                <a:srgbClr val="FF861C"/>
+              </a:solidFill>
+            </a:endParaRPr>
+          </a:p>
+        </p:txBody>
+      </p:sp>
+    </p:spTree>
+    <p:extLst>
+      <p:ext uri="{BB962C8B-B14F-4D97-AF65-F5344CB8AC3E}">
+        <p14:creationId xmlns:p14="http://schemas.microsoft.com/office/powerpoint/2010/main" val="1743858099"/>
+      </p:ext>
+    </p:extLst>
+  </p:cSld>
+  <p:clrMapOvr>
+    <a:masterClrMapping/>
+  </p:clrMapOvr>
+</p:sld>
+</file>
+
+<file path=ppt/slides/slide19.xml><?xml version="1.0" encoding="utf-8"?>
+<p:sld xmlns:a="http://schemas.openxmlformats.org/drawingml/2006/main" xmlns:r="http://schemas.openxmlformats.org/officeDocument/2006/relationships" xmlns:p="http://schemas.openxmlformats.org/presentationml/2006/main">
+  <p:cSld>
+    <p:spTree>
+      <p:nvGrpSpPr>
+        <p:cNvPr id="1" name=""/>
+        <p:cNvGrpSpPr/>
+        <p:nvPr/>
+      </p:nvGrpSpPr>
+      <p:grpSpPr>
+        <a:xfrm>
+          <a:off x="0" y="0"/>
+          <a:ext cx="0" cy="0"/>
+          <a:chOff x="0" y="0"/>
+          <a:chExt cx="0" cy="0"/>
+        </a:xfrm>
+      </p:grpSpPr>
+      <p:sp>
+        <p:nvSpPr>
+          <p:cNvPr id="3" name="Title 1"/>
+          <p:cNvSpPr txBox="1">
+            <a:spLocks/>
+          </p:cNvSpPr>
+          <p:nvPr/>
+        </p:nvSpPr>
+        <p:spPr>
+          <a:xfrm>
+            <a:off x="762000" y="427038"/>
+            <a:ext cx="10972800" cy="1143000"/>
+          </a:xfrm>
+          <a:prstGeom prst="rect">
+            <a:avLst/>
+          </a:prstGeom>
+        </p:spPr>
+        <p:txBody>
+          <a:bodyPr/>
+          <a:lstStyle>
+            <a:lvl1pPr algn="r" defTabSz="914400" rtl="1" eaLnBrk="1" latinLnBrk="0" hangingPunct="1">
+              <a:lnSpc>
+                <a:spcPct val="90000"/>
+              </a:lnSpc>
+              <a:spcBef>
+                <a:spcPct val="0"/>
+              </a:spcBef>
+              <a:buNone/>
+              <a:defRPr sz="4400" kern="1200">
+                <a:solidFill>
+                  <a:schemeClr val="tx1"/>
+                </a:solidFill>
+                <a:latin typeface="+mj-lt"/>
+                <a:ea typeface="+mj-ea"/>
+                <a:cs typeface="+mj-cs"/>
+              </a:defRPr>
+            </a:lvl1pPr>
+          </a:lstStyle>
+          <a:p>
+            <a:pPr algn="ctr"/>
+            <a:r>
+              <a:rPr lang="en-US" dirty="0">
+                <a:solidFill>
+                  <a:srgbClr val="002060"/>
+                </a:solidFill>
+              </a:rPr>
+              <a:t>Classical </a:t>
+            </a:r>
+            <a:r>
+              <a:rPr lang="en-US" dirty="0" smtClean="0">
+                <a:solidFill>
+                  <a:srgbClr val="002060"/>
+                </a:solidFill>
+              </a:rPr>
+              <a:t> - PA modeling </a:t>
+            </a:r>
+            <a:endParaRPr lang="he-IL" dirty="0">
+              <a:solidFill>
+                <a:srgbClr val="002060"/>
+              </a:solidFill>
+            </a:endParaRPr>
+          </a:p>
+        </p:txBody>
+      </p:sp>
+      <p:pic>
+        <p:nvPicPr>
+          <p:cNvPr id="4" name="תמונה 3"/>
+          <p:cNvPicPr/>
+          <p:nvPr/>
+        </p:nvPicPr>
+        <p:blipFill>
+          <a:blip r:embed="rId2"/>
+          <a:stretch>
+            <a:fillRect/>
+          </a:stretch>
+        </p:blipFill>
+        <p:spPr>
+          <a:xfrm>
+            <a:off x="1260565" y="998538"/>
+            <a:ext cx="9975669" cy="4771021"/>
+          </a:xfrm>
+          <a:prstGeom prst="rect">
+            <a:avLst/>
+          </a:prstGeom>
+        </p:spPr>
+      </p:pic>
+      <p:sp>
+        <p:nvSpPr>
+          <p:cNvPr id="2" name="מלבן 1"/>
+          <p:cNvSpPr/>
+          <p:nvPr/>
+        </p:nvSpPr>
+        <p:spPr>
+          <a:xfrm>
+            <a:off x="1260565" y="5817839"/>
+            <a:ext cx="9196251" cy="523220"/>
+          </a:xfrm>
+          <a:prstGeom prst="rect">
+            <a:avLst/>
+          </a:prstGeom>
+        </p:spPr>
+        <p:txBody>
+          <a:bodyPr wrap="square">
+            <a:spAutoFit/>
+          </a:bodyPr>
+          <a:lstStyle/>
+          <a:p>
+            <a:r>
+              <a:rPr lang="en-US" sz="2400" dirty="0">
+                <a:latin typeface="Calibri Light" panose="020F0302020204030204" pitchFamily="34" charset="0"/>
+                <a:ea typeface="Times New Roman" panose="02020603050405020304" pitchFamily="18" charset="0"/>
+              </a:rPr>
+              <a:t>illustration of OOB emission caused by </a:t>
+            </a:r>
+            <a:r>
+              <a:rPr lang="en-US" sz="2800" b="1" dirty="0">
+                <a:solidFill>
+                  <a:srgbClr val="002060"/>
+                </a:solidFill>
+                <a:latin typeface="Calibri Light" panose="020F0302020204030204" pitchFamily="34" charset="0"/>
+                <a:ea typeface="Times New Roman" panose="02020603050405020304" pitchFamily="18" charset="0"/>
+              </a:rPr>
+              <a:t>modeled </a:t>
+            </a:r>
+            <a:r>
+              <a:rPr lang="en-US" sz="2800" b="1" dirty="0" smtClean="0">
+                <a:solidFill>
+                  <a:srgbClr val="002060"/>
+                </a:solidFill>
+                <a:latin typeface="Calibri Light" panose="020F0302020204030204" pitchFamily="34" charset="0"/>
+                <a:ea typeface="Times New Roman" panose="02020603050405020304" pitchFamily="18" charset="0"/>
+              </a:rPr>
+              <a:t>PA</a:t>
+            </a:r>
+            <a:r>
+              <a:rPr lang="en-US" sz="2400" dirty="0" smtClean="0">
+                <a:latin typeface="Calibri Light" panose="020F0302020204030204" pitchFamily="34" charset="0"/>
+                <a:ea typeface="Times New Roman" panose="02020603050405020304" pitchFamily="18" charset="0"/>
+              </a:rPr>
+              <a:t>, </a:t>
+            </a:r>
+            <a:r>
+              <a:rPr lang="en-US" sz="2400" dirty="0">
+                <a:latin typeface="Calibri Light" panose="020F0302020204030204" pitchFamily="34" charset="0"/>
+                <a:ea typeface="Times New Roman" panose="02020603050405020304" pitchFamily="18" charset="0"/>
+              </a:rPr>
+              <a:t>and </a:t>
+            </a:r>
+            <a:r>
+              <a:rPr lang="en-US" sz="2800" b="1" dirty="0">
+                <a:solidFill>
+                  <a:srgbClr val="FF861C"/>
+                </a:solidFill>
+                <a:latin typeface="Calibri Light" panose="020F0302020204030204" pitchFamily="34" charset="0"/>
+                <a:ea typeface="Times New Roman" panose="02020603050405020304" pitchFamily="18" charset="0"/>
+              </a:rPr>
+              <a:t>real lab’s </a:t>
+            </a:r>
+            <a:r>
+              <a:rPr lang="en-US" sz="2800" b="1" dirty="0" smtClean="0">
+                <a:solidFill>
+                  <a:srgbClr val="FF861C"/>
+                </a:solidFill>
+                <a:latin typeface="Calibri Light" panose="020F0302020204030204" pitchFamily="34" charset="0"/>
+                <a:ea typeface="Times New Roman" panose="02020603050405020304" pitchFamily="18" charset="0"/>
+              </a:rPr>
+              <a:t>PA</a:t>
+            </a:r>
+            <a:endParaRPr lang="en-US" sz="2800" b="1" dirty="0">
+              <a:solidFill>
+                <a:srgbClr val="FF861C"/>
+              </a:solidFill>
+            </a:endParaRPr>
+          </a:p>
+        </p:txBody>
+      </p:sp>
+    </p:spTree>
+    <p:extLst>
+      <p:ext uri="{BB962C8B-B14F-4D97-AF65-F5344CB8AC3E}">
+        <p14:creationId xmlns:p14="http://schemas.microsoft.com/office/powerpoint/2010/main" val="1298740111"/>
+      </p:ext>
+    </p:extLst>
+  </p:cSld>
+  <p:clrMapOvr>
+    <a:masterClrMapping/>
+  </p:clrMapOvr>
+</p:sld>
+</file>
+
 <file path=ppt/slides/slide2.xml><?xml version="1.0" encoding="utf-8"?>
 <p:sld xmlns:a="http://schemas.openxmlformats.org/drawingml/2006/main" xmlns:r="http://schemas.openxmlformats.org/officeDocument/2006/relationships" xmlns:p="http://schemas.openxmlformats.org/presentationml/2006/main">
   <p:cSld>
@@ -3608,6 +7657,1597 @@
     <p:extLst>
       <p:ext uri="{BB962C8B-B14F-4D97-AF65-F5344CB8AC3E}">
         <p14:creationId xmlns:p14="http://schemas.microsoft.com/office/powerpoint/2010/main" val="716307291"/>
+      </p:ext>
+    </p:extLst>
+  </p:cSld>
+  <p:clrMapOvr>
+    <a:masterClrMapping/>
+  </p:clrMapOvr>
+</p:sld>
+</file>
+
+<file path=ppt/slides/slide20.xml><?xml version="1.0" encoding="utf-8"?>
+<p:sld xmlns:a="http://schemas.openxmlformats.org/drawingml/2006/main" xmlns:r="http://schemas.openxmlformats.org/officeDocument/2006/relationships" xmlns:p="http://schemas.openxmlformats.org/presentationml/2006/main">
+  <p:cSld>
+    <p:spTree>
+      <p:nvGrpSpPr>
+        <p:cNvPr id="1" name=""/>
+        <p:cNvGrpSpPr/>
+        <p:nvPr/>
+      </p:nvGrpSpPr>
+      <p:grpSpPr>
+        <a:xfrm>
+          <a:off x="0" y="0"/>
+          <a:ext cx="0" cy="0"/>
+          <a:chOff x="0" y="0"/>
+          <a:chExt cx="0" cy="0"/>
+        </a:xfrm>
+      </p:grpSpPr>
+      <p:sp>
+        <p:nvSpPr>
+          <p:cNvPr id="3" name="Title 1"/>
+          <p:cNvSpPr txBox="1">
+            <a:spLocks/>
+          </p:cNvSpPr>
+          <p:nvPr/>
+        </p:nvSpPr>
+        <p:spPr>
+          <a:xfrm>
+            <a:off x="762000" y="427038"/>
+            <a:ext cx="10972800" cy="1143000"/>
+          </a:xfrm>
+          <a:prstGeom prst="rect">
+            <a:avLst/>
+          </a:prstGeom>
+        </p:spPr>
+        <p:txBody>
+          <a:bodyPr/>
+          <a:lstStyle>
+            <a:lvl1pPr algn="r" defTabSz="914400" rtl="1" eaLnBrk="1" latinLnBrk="0" hangingPunct="1">
+              <a:lnSpc>
+                <a:spcPct val="90000"/>
+              </a:lnSpc>
+              <a:spcBef>
+                <a:spcPct val="0"/>
+              </a:spcBef>
+              <a:buNone/>
+              <a:defRPr sz="4400" kern="1200">
+                <a:solidFill>
+                  <a:schemeClr val="tx1"/>
+                </a:solidFill>
+                <a:latin typeface="+mj-lt"/>
+                <a:ea typeface="+mj-ea"/>
+                <a:cs typeface="+mj-cs"/>
+              </a:defRPr>
+            </a:lvl1pPr>
+          </a:lstStyle>
+          <a:p>
+            <a:pPr algn="ctr"/>
+            <a:r>
+              <a:rPr lang="en-US" dirty="0" smtClean="0">
+                <a:solidFill>
+                  <a:srgbClr val="002060"/>
+                </a:solidFill>
+              </a:rPr>
+              <a:t>SGD</a:t>
+            </a:r>
+            <a:endParaRPr lang="he-IL" dirty="0">
+              <a:solidFill>
+                <a:srgbClr val="002060"/>
+              </a:solidFill>
+            </a:endParaRPr>
+          </a:p>
+        </p:txBody>
+      </p:sp>
+      <p:pic>
+        <p:nvPicPr>
+          <p:cNvPr id="5" name="תמונה 4"/>
+          <p:cNvPicPr/>
+          <p:nvPr/>
+        </p:nvPicPr>
+        <p:blipFill>
+          <a:blip r:embed="rId2"/>
+          <a:stretch>
+            <a:fillRect/>
+          </a:stretch>
+        </p:blipFill>
+        <p:spPr>
+          <a:xfrm>
+            <a:off x="1118870" y="1118216"/>
+            <a:ext cx="10476592" cy="5136769"/>
+          </a:xfrm>
+          <a:prstGeom prst="rect">
+            <a:avLst/>
+          </a:prstGeom>
+        </p:spPr>
+      </p:pic>
+      <p:sp>
+        <p:nvSpPr>
+          <p:cNvPr id="2" name="מלבן 1"/>
+          <p:cNvSpPr/>
+          <p:nvPr/>
+        </p:nvSpPr>
+        <p:spPr>
+          <a:xfrm>
+            <a:off x="901337" y="6024153"/>
+            <a:ext cx="10694125" cy="461665"/>
+          </a:xfrm>
+          <a:prstGeom prst="rect">
+            <a:avLst/>
+          </a:prstGeom>
+        </p:spPr>
+        <p:txBody>
+          <a:bodyPr wrap="square">
+            <a:spAutoFit/>
+          </a:bodyPr>
+          <a:lstStyle/>
+          <a:p>
+            <a:pPr algn="ctr"/>
+            <a:r>
+              <a:rPr lang="en-US" sz="2400" dirty="0" smtClean="0">
+                <a:latin typeface="Calibri Light" panose="020F0302020204030204" pitchFamily="34" charset="0"/>
+                <a:ea typeface="Times New Roman" panose="02020603050405020304" pitchFamily="18" charset="0"/>
+              </a:rPr>
+              <a:t>Normalized </a:t>
+            </a:r>
+            <a:r>
+              <a:rPr lang="en-US" sz="2400" dirty="0">
+                <a:latin typeface="Calibri Light" panose="020F0302020204030204" pitchFamily="34" charset="0"/>
+                <a:ea typeface="Times New Roman" panose="02020603050405020304" pitchFamily="18" charset="0"/>
+              </a:rPr>
+              <a:t>error between SGD modeled PA output and real Lab’s PA output</a:t>
+            </a:r>
+            <a:endParaRPr lang="en-US" sz="3600" dirty="0">
+              <a:effectLst/>
+              <a:latin typeface="Times New Roman" panose="02020603050405020304" pitchFamily="18" charset="0"/>
+              <a:ea typeface="Times New Roman" panose="02020603050405020304" pitchFamily="18" charset="0"/>
+            </a:endParaRPr>
+          </a:p>
+        </p:txBody>
+      </p:sp>
+    </p:spTree>
+    <p:extLst>
+      <p:ext uri="{BB962C8B-B14F-4D97-AF65-F5344CB8AC3E}">
+        <p14:creationId xmlns:p14="http://schemas.microsoft.com/office/powerpoint/2010/main" val="2303073385"/>
+      </p:ext>
+    </p:extLst>
+  </p:cSld>
+  <p:clrMapOvr>
+    <a:masterClrMapping/>
+  </p:clrMapOvr>
+</p:sld>
+</file>
+
+<file path=ppt/slides/slide21.xml><?xml version="1.0" encoding="utf-8"?>
+<p:sld xmlns:a="http://schemas.openxmlformats.org/drawingml/2006/main" xmlns:r="http://schemas.openxmlformats.org/officeDocument/2006/relationships" xmlns:p="http://schemas.openxmlformats.org/presentationml/2006/main">
+  <p:cSld>
+    <p:spTree>
+      <p:nvGrpSpPr>
+        <p:cNvPr id="1" name=""/>
+        <p:cNvGrpSpPr/>
+        <p:nvPr/>
+      </p:nvGrpSpPr>
+      <p:grpSpPr>
+        <a:xfrm>
+          <a:off x="0" y="0"/>
+          <a:ext cx="0" cy="0"/>
+          <a:chOff x="0" y="0"/>
+          <a:chExt cx="0" cy="0"/>
+        </a:xfrm>
+      </p:grpSpPr>
+      <p:sp>
+        <p:nvSpPr>
+          <p:cNvPr id="2" name="Title 1"/>
+          <p:cNvSpPr txBox="1">
+            <a:spLocks/>
+          </p:cNvSpPr>
+          <p:nvPr/>
+        </p:nvSpPr>
+        <p:spPr>
+          <a:xfrm>
+            <a:off x="762000" y="427038"/>
+            <a:ext cx="10972800" cy="1143000"/>
+          </a:xfrm>
+          <a:prstGeom prst="rect">
+            <a:avLst/>
+          </a:prstGeom>
+        </p:spPr>
+        <p:txBody>
+          <a:bodyPr/>
+          <a:lstStyle>
+            <a:lvl1pPr algn="r" defTabSz="914400" rtl="1" eaLnBrk="1" latinLnBrk="0" hangingPunct="1">
+              <a:lnSpc>
+                <a:spcPct val="90000"/>
+              </a:lnSpc>
+              <a:spcBef>
+                <a:spcPct val="0"/>
+              </a:spcBef>
+              <a:buNone/>
+              <a:defRPr sz="4400" kern="1200">
+                <a:solidFill>
+                  <a:schemeClr val="tx1"/>
+                </a:solidFill>
+                <a:latin typeface="+mj-lt"/>
+                <a:ea typeface="+mj-ea"/>
+                <a:cs typeface="+mj-cs"/>
+              </a:defRPr>
+            </a:lvl1pPr>
+          </a:lstStyle>
+          <a:p>
+            <a:pPr algn="ctr"/>
+            <a:r>
+              <a:rPr lang="en-US" dirty="0">
+                <a:solidFill>
+                  <a:srgbClr val="002060"/>
+                </a:solidFill>
+              </a:rPr>
+              <a:t>Classical </a:t>
+            </a:r>
+            <a:r>
+              <a:rPr lang="en-US" dirty="0" smtClean="0">
+                <a:solidFill>
+                  <a:srgbClr val="002060"/>
+                </a:solidFill>
+              </a:rPr>
+              <a:t> - DPD</a:t>
+            </a:r>
+            <a:endParaRPr lang="he-IL" dirty="0">
+              <a:solidFill>
+                <a:srgbClr val="002060"/>
+              </a:solidFill>
+            </a:endParaRPr>
+          </a:p>
+        </p:txBody>
+      </p:sp>
+      <p:pic>
+        <p:nvPicPr>
+          <p:cNvPr id="3" name="תמונה 2"/>
+          <p:cNvPicPr/>
+          <p:nvPr/>
+        </p:nvPicPr>
+        <p:blipFill>
+          <a:blip r:embed="rId2"/>
+          <a:stretch>
+            <a:fillRect/>
+          </a:stretch>
+        </p:blipFill>
+        <p:spPr>
+          <a:xfrm>
+            <a:off x="1071154" y="998538"/>
+            <a:ext cx="10354491" cy="5227172"/>
+          </a:xfrm>
+          <a:prstGeom prst="rect">
+            <a:avLst/>
+          </a:prstGeom>
+        </p:spPr>
+      </p:pic>
+      <p:sp>
+        <p:nvSpPr>
+          <p:cNvPr id="6" name="מלבן 5"/>
+          <p:cNvSpPr/>
+          <p:nvPr/>
+        </p:nvSpPr>
+        <p:spPr>
+          <a:xfrm>
+            <a:off x="1071154" y="6225710"/>
+            <a:ext cx="10110652" cy="523220"/>
+          </a:xfrm>
+          <a:prstGeom prst="rect">
+            <a:avLst/>
+          </a:prstGeom>
+        </p:spPr>
+        <p:txBody>
+          <a:bodyPr wrap="square">
+            <a:spAutoFit/>
+          </a:bodyPr>
+          <a:lstStyle/>
+          <a:p>
+            <a:r>
+              <a:rPr lang="en-US" sz="2400" dirty="0">
+                <a:latin typeface="Calibri Light" panose="020F0302020204030204" pitchFamily="34" charset="0"/>
+                <a:ea typeface="Times New Roman" panose="02020603050405020304" pitchFamily="18" charset="0"/>
+              </a:rPr>
+              <a:t>illustration of AM/AM distortion of input signal, </a:t>
+            </a:r>
+            <a:r>
+              <a:rPr lang="en-US" sz="2800" b="1" dirty="0">
+                <a:solidFill>
+                  <a:srgbClr val="FF861C"/>
+                </a:solidFill>
+                <a:latin typeface="Calibri Light" panose="020F0302020204030204" pitchFamily="34" charset="0"/>
+                <a:ea typeface="Times New Roman" panose="02020603050405020304" pitchFamily="18" charset="0"/>
+              </a:rPr>
+              <a:t>with</a:t>
+            </a:r>
+            <a:r>
+              <a:rPr lang="en-US" sz="2400" dirty="0">
+                <a:latin typeface="Calibri Light" panose="020F0302020204030204" pitchFamily="34" charset="0"/>
+                <a:ea typeface="Times New Roman" panose="02020603050405020304" pitchFamily="18" charset="0"/>
+              </a:rPr>
+              <a:t> and </a:t>
+            </a:r>
+            <a:r>
+              <a:rPr lang="en-US" sz="2800" b="1" dirty="0">
+                <a:solidFill>
+                  <a:srgbClr val="002060"/>
+                </a:solidFill>
+                <a:latin typeface="Calibri Light" panose="020F0302020204030204" pitchFamily="34" charset="0"/>
+                <a:ea typeface="Times New Roman" panose="02020603050405020304" pitchFamily="18" charset="0"/>
+              </a:rPr>
+              <a:t>without</a:t>
+            </a:r>
+            <a:r>
+              <a:rPr lang="en-US" sz="2400" dirty="0">
+                <a:latin typeface="Calibri Light" panose="020F0302020204030204" pitchFamily="34" charset="0"/>
+                <a:ea typeface="Times New Roman" panose="02020603050405020304" pitchFamily="18" charset="0"/>
+              </a:rPr>
+              <a:t> classical DPD</a:t>
+            </a:r>
+            <a:endParaRPr lang="en-US" sz="2400" dirty="0"/>
+          </a:p>
+        </p:txBody>
+      </p:sp>
+    </p:spTree>
+    <p:extLst>
+      <p:ext uri="{BB962C8B-B14F-4D97-AF65-F5344CB8AC3E}">
+        <p14:creationId xmlns:p14="http://schemas.microsoft.com/office/powerpoint/2010/main" val="2585041485"/>
+      </p:ext>
+    </p:extLst>
+  </p:cSld>
+  <p:clrMapOvr>
+    <a:masterClrMapping/>
+  </p:clrMapOvr>
+</p:sld>
+</file>
+
+<file path=ppt/slides/slide22.xml><?xml version="1.0" encoding="utf-8"?>
+<p:sld xmlns:a="http://schemas.openxmlformats.org/drawingml/2006/main" xmlns:r="http://schemas.openxmlformats.org/officeDocument/2006/relationships" xmlns:p="http://schemas.openxmlformats.org/presentationml/2006/main">
+  <p:cSld>
+    <p:spTree>
+      <p:nvGrpSpPr>
+        <p:cNvPr id="1" name=""/>
+        <p:cNvGrpSpPr/>
+        <p:nvPr/>
+      </p:nvGrpSpPr>
+      <p:grpSpPr>
+        <a:xfrm>
+          <a:off x="0" y="0"/>
+          <a:ext cx="0" cy="0"/>
+          <a:chOff x="0" y="0"/>
+          <a:chExt cx="0" cy="0"/>
+        </a:xfrm>
+      </p:grpSpPr>
+      <p:sp>
+        <p:nvSpPr>
+          <p:cNvPr id="2" name="Title 1"/>
+          <p:cNvSpPr txBox="1">
+            <a:spLocks/>
+          </p:cNvSpPr>
+          <p:nvPr/>
+        </p:nvSpPr>
+        <p:spPr>
+          <a:xfrm>
+            <a:off x="762000" y="427038"/>
+            <a:ext cx="10972800" cy="1143000"/>
+          </a:xfrm>
+          <a:prstGeom prst="rect">
+            <a:avLst/>
+          </a:prstGeom>
+        </p:spPr>
+        <p:txBody>
+          <a:bodyPr/>
+          <a:lstStyle>
+            <a:lvl1pPr algn="r" defTabSz="914400" rtl="1" eaLnBrk="1" latinLnBrk="0" hangingPunct="1">
+              <a:lnSpc>
+                <a:spcPct val="90000"/>
+              </a:lnSpc>
+              <a:spcBef>
+                <a:spcPct val="0"/>
+              </a:spcBef>
+              <a:buNone/>
+              <a:defRPr sz="4400" kern="1200">
+                <a:solidFill>
+                  <a:schemeClr val="tx1"/>
+                </a:solidFill>
+                <a:latin typeface="+mj-lt"/>
+                <a:ea typeface="+mj-ea"/>
+                <a:cs typeface="+mj-cs"/>
+              </a:defRPr>
+            </a:lvl1pPr>
+          </a:lstStyle>
+          <a:p>
+            <a:pPr algn="ctr"/>
+            <a:r>
+              <a:rPr lang="en-US" dirty="0">
+                <a:solidFill>
+                  <a:srgbClr val="002060"/>
+                </a:solidFill>
+              </a:rPr>
+              <a:t>Classical </a:t>
+            </a:r>
+            <a:r>
+              <a:rPr lang="en-US" dirty="0" smtClean="0">
+                <a:solidFill>
+                  <a:srgbClr val="002060"/>
+                </a:solidFill>
+              </a:rPr>
+              <a:t> - DPD</a:t>
+            </a:r>
+            <a:endParaRPr lang="he-IL" dirty="0">
+              <a:solidFill>
+                <a:srgbClr val="002060"/>
+              </a:solidFill>
+            </a:endParaRPr>
+          </a:p>
+        </p:txBody>
+      </p:sp>
+      <p:sp>
+        <p:nvSpPr>
+          <p:cNvPr id="6" name="מלבן 5"/>
+          <p:cNvSpPr/>
+          <p:nvPr/>
+        </p:nvSpPr>
+        <p:spPr>
+          <a:xfrm>
+            <a:off x="977718" y="6190296"/>
+            <a:ext cx="10110652" cy="584775"/>
+          </a:xfrm>
+          <a:prstGeom prst="rect">
+            <a:avLst/>
+          </a:prstGeom>
+        </p:spPr>
+        <p:txBody>
+          <a:bodyPr wrap="square">
+            <a:spAutoFit/>
+          </a:bodyPr>
+          <a:lstStyle/>
+          <a:p>
+            <a:r>
+              <a:rPr lang="en-GB" sz="2400" dirty="0" smtClean="0">
+                <a:latin typeface="Calibri Light" panose="020F0302020204030204" pitchFamily="34" charset="0"/>
+                <a:ea typeface="Times New Roman" panose="02020603050405020304" pitchFamily="18" charset="0"/>
+              </a:rPr>
+              <a:t>illustration </a:t>
+            </a:r>
+            <a:r>
+              <a:rPr lang="en-GB" sz="2400" dirty="0">
+                <a:latin typeface="Calibri Light" panose="020F0302020204030204" pitchFamily="34" charset="0"/>
+                <a:ea typeface="Times New Roman" panose="02020603050405020304" pitchFamily="18" charset="0"/>
+              </a:rPr>
+              <a:t>of AM/PM distortion of input signal, </a:t>
+            </a:r>
+            <a:r>
+              <a:rPr lang="en-GB" sz="3200" b="1" dirty="0" smtClean="0">
+                <a:solidFill>
+                  <a:srgbClr val="FC7D0E"/>
+                </a:solidFill>
+                <a:latin typeface="Calibri Light" panose="020F0302020204030204" pitchFamily="34" charset="0"/>
+                <a:ea typeface="Times New Roman" panose="02020603050405020304" pitchFamily="18" charset="0"/>
+              </a:rPr>
+              <a:t>with</a:t>
+            </a:r>
+            <a:r>
+              <a:rPr lang="en-GB" sz="2400" dirty="0" smtClean="0">
+                <a:latin typeface="Calibri Light" panose="020F0302020204030204" pitchFamily="34" charset="0"/>
+                <a:ea typeface="Times New Roman" panose="02020603050405020304" pitchFamily="18" charset="0"/>
+              </a:rPr>
+              <a:t> </a:t>
+            </a:r>
+            <a:r>
+              <a:rPr lang="en-GB" sz="2400" dirty="0">
+                <a:latin typeface="Calibri Light" panose="020F0302020204030204" pitchFamily="34" charset="0"/>
+                <a:ea typeface="Times New Roman" panose="02020603050405020304" pitchFamily="18" charset="0"/>
+              </a:rPr>
+              <a:t>and </a:t>
+            </a:r>
+            <a:r>
+              <a:rPr lang="en-GB" sz="2800" b="1" dirty="0">
+                <a:solidFill>
+                  <a:srgbClr val="002060"/>
+                </a:solidFill>
+                <a:latin typeface="Calibri Light" panose="020F0302020204030204" pitchFamily="34" charset="0"/>
+                <a:ea typeface="Times New Roman" panose="02020603050405020304" pitchFamily="18" charset="0"/>
+              </a:rPr>
+              <a:t>without</a:t>
+            </a:r>
+            <a:r>
+              <a:rPr lang="en-GB" sz="2400" dirty="0">
+                <a:latin typeface="Calibri Light" panose="020F0302020204030204" pitchFamily="34" charset="0"/>
+                <a:ea typeface="Times New Roman" panose="02020603050405020304" pitchFamily="18" charset="0"/>
+              </a:rPr>
+              <a:t> classical DPD</a:t>
+            </a:r>
+            <a:endParaRPr lang="en-US" sz="2400" dirty="0"/>
+          </a:p>
+        </p:txBody>
+      </p:sp>
+      <p:pic>
+        <p:nvPicPr>
+          <p:cNvPr id="7" name="תמונה 6"/>
+          <p:cNvPicPr/>
+          <p:nvPr/>
+        </p:nvPicPr>
+        <p:blipFill>
+          <a:blip r:embed="rId2"/>
+          <a:stretch>
+            <a:fillRect/>
+          </a:stretch>
+        </p:blipFill>
+        <p:spPr>
+          <a:xfrm>
+            <a:off x="977718" y="998538"/>
+            <a:ext cx="10204088" cy="5205676"/>
+          </a:xfrm>
+          <a:prstGeom prst="rect">
+            <a:avLst/>
+          </a:prstGeom>
+        </p:spPr>
+      </p:pic>
+    </p:spTree>
+    <p:extLst>
+      <p:ext uri="{BB962C8B-B14F-4D97-AF65-F5344CB8AC3E}">
+        <p14:creationId xmlns:p14="http://schemas.microsoft.com/office/powerpoint/2010/main" val="1606983861"/>
+      </p:ext>
+    </p:extLst>
+  </p:cSld>
+  <p:clrMapOvr>
+    <a:masterClrMapping/>
+  </p:clrMapOvr>
+</p:sld>
+</file>
+
+<file path=ppt/slides/slide23.xml><?xml version="1.0" encoding="utf-8"?>
+<p:sld xmlns:a="http://schemas.openxmlformats.org/drawingml/2006/main" xmlns:r="http://schemas.openxmlformats.org/officeDocument/2006/relationships" xmlns:p="http://schemas.openxmlformats.org/presentationml/2006/main">
+  <p:cSld>
+    <p:spTree>
+      <p:nvGrpSpPr>
+        <p:cNvPr id="1" name=""/>
+        <p:cNvGrpSpPr/>
+        <p:nvPr/>
+      </p:nvGrpSpPr>
+      <p:grpSpPr>
+        <a:xfrm>
+          <a:off x="0" y="0"/>
+          <a:ext cx="0" cy="0"/>
+          <a:chOff x="0" y="0"/>
+          <a:chExt cx="0" cy="0"/>
+        </a:xfrm>
+      </p:grpSpPr>
+      <p:sp>
+        <p:nvSpPr>
+          <p:cNvPr id="2" name="Title 1"/>
+          <p:cNvSpPr txBox="1">
+            <a:spLocks/>
+          </p:cNvSpPr>
+          <p:nvPr/>
+        </p:nvSpPr>
+        <p:spPr>
+          <a:xfrm>
+            <a:off x="762000" y="427038"/>
+            <a:ext cx="10972800" cy="1143000"/>
+          </a:xfrm>
+          <a:prstGeom prst="rect">
+            <a:avLst/>
+          </a:prstGeom>
+        </p:spPr>
+        <p:txBody>
+          <a:bodyPr/>
+          <a:lstStyle>
+            <a:lvl1pPr algn="r" defTabSz="914400" rtl="1" eaLnBrk="1" latinLnBrk="0" hangingPunct="1">
+              <a:lnSpc>
+                <a:spcPct val="90000"/>
+              </a:lnSpc>
+              <a:spcBef>
+                <a:spcPct val="0"/>
+              </a:spcBef>
+              <a:buNone/>
+              <a:defRPr sz="4400" kern="1200">
+                <a:solidFill>
+                  <a:schemeClr val="tx1"/>
+                </a:solidFill>
+                <a:latin typeface="+mj-lt"/>
+                <a:ea typeface="+mj-ea"/>
+                <a:cs typeface="+mj-cs"/>
+              </a:defRPr>
+            </a:lvl1pPr>
+          </a:lstStyle>
+          <a:p>
+            <a:pPr algn="ctr"/>
+            <a:r>
+              <a:rPr lang="en-US" dirty="0">
+                <a:solidFill>
+                  <a:srgbClr val="002060"/>
+                </a:solidFill>
+              </a:rPr>
+              <a:t>Classical </a:t>
+            </a:r>
+            <a:r>
+              <a:rPr lang="en-US" dirty="0" smtClean="0">
+                <a:solidFill>
+                  <a:srgbClr val="002060"/>
+                </a:solidFill>
+              </a:rPr>
+              <a:t> - DPD</a:t>
+            </a:r>
+            <a:endParaRPr lang="he-IL" dirty="0">
+              <a:solidFill>
+                <a:srgbClr val="002060"/>
+              </a:solidFill>
+            </a:endParaRPr>
+          </a:p>
+        </p:txBody>
+      </p:sp>
+      <p:sp>
+        <p:nvSpPr>
+          <p:cNvPr id="6" name="מלבן 5"/>
+          <p:cNvSpPr/>
+          <p:nvPr/>
+        </p:nvSpPr>
+        <p:spPr>
+          <a:xfrm>
+            <a:off x="509451" y="6027003"/>
+            <a:ext cx="10672355" cy="523220"/>
+          </a:xfrm>
+          <a:prstGeom prst="rect">
+            <a:avLst/>
+          </a:prstGeom>
+        </p:spPr>
+        <p:txBody>
+          <a:bodyPr wrap="square">
+            <a:spAutoFit/>
+          </a:bodyPr>
+          <a:lstStyle/>
+          <a:p>
+            <a:r>
+              <a:rPr lang="en-GB" sz="2400" dirty="0">
+                <a:latin typeface="Calibri Light" panose="020F0302020204030204" pitchFamily="34" charset="0"/>
+                <a:ea typeface="Times New Roman" panose="02020603050405020304" pitchFamily="18" charset="0"/>
+              </a:rPr>
+              <a:t>illustration of OOB emission caused by </a:t>
+            </a:r>
+            <a:r>
+              <a:rPr lang="en-GB" sz="2400" dirty="0" err="1">
+                <a:latin typeface="Calibri Light" panose="020F0302020204030204" pitchFamily="34" charset="0"/>
+                <a:ea typeface="Times New Roman" panose="02020603050405020304" pitchFamily="18" charset="0"/>
+              </a:rPr>
+              <a:t>modeled</a:t>
+            </a:r>
+            <a:r>
+              <a:rPr lang="en-GB" sz="2400" dirty="0">
+                <a:latin typeface="Calibri Light" panose="020F0302020204030204" pitchFamily="34" charset="0"/>
+                <a:ea typeface="Times New Roman" panose="02020603050405020304" pitchFamily="18" charset="0"/>
+              </a:rPr>
+              <a:t> PA, </a:t>
+            </a:r>
+            <a:r>
+              <a:rPr lang="en-GB" sz="2800" b="1" dirty="0">
+                <a:solidFill>
+                  <a:srgbClr val="FF861C"/>
+                </a:solidFill>
+                <a:latin typeface="Calibri Light" panose="020F0302020204030204" pitchFamily="34" charset="0"/>
+                <a:ea typeface="Times New Roman" panose="02020603050405020304" pitchFamily="18" charset="0"/>
+              </a:rPr>
+              <a:t>with</a:t>
+            </a:r>
+            <a:r>
+              <a:rPr lang="en-GB" sz="2400" dirty="0">
+                <a:latin typeface="Calibri Light" panose="020F0302020204030204" pitchFamily="34" charset="0"/>
+                <a:ea typeface="Times New Roman" panose="02020603050405020304" pitchFamily="18" charset="0"/>
+              </a:rPr>
+              <a:t> and </a:t>
+            </a:r>
+            <a:r>
+              <a:rPr lang="en-GB" sz="2800" b="1" dirty="0">
+                <a:solidFill>
+                  <a:srgbClr val="002060"/>
+                </a:solidFill>
+                <a:latin typeface="Calibri Light" panose="020F0302020204030204" pitchFamily="34" charset="0"/>
+                <a:ea typeface="Times New Roman" panose="02020603050405020304" pitchFamily="18" charset="0"/>
+              </a:rPr>
+              <a:t>without</a:t>
+            </a:r>
+            <a:r>
+              <a:rPr lang="en-GB" sz="2400" dirty="0">
+                <a:latin typeface="Calibri Light" panose="020F0302020204030204" pitchFamily="34" charset="0"/>
+                <a:ea typeface="Times New Roman" panose="02020603050405020304" pitchFamily="18" charset="0"/>
+              </a:rPr>
+              <a:t> classical DPD</a:t>
+            </a:r>
+            <a:endParaRPr lang="en-US" sz="2400" dirty="0"/>
+          </a:p>
+        </p:txBody>
+      </p:sp>
+      <p:pic>
+        <p:nvPicPr>
+          <p:cNvPr id="5" name="תמונה 4"/>
+          <p:cNvPicPr/>
+          <p:nvPr/>
+        </p:nvPicPr>
+        <p:blipFill>
+          <a:blip r:embed="rId2"/>
+          <a:stretch>
+            <a:fillRect/>
+          </a:stretch>
+        </p:blipFill>
+        <p:spPr>
+          <a:xfrm>
+            <a:off x="1399562" y="1175719"/>
+            <a:ext cx="9453836" cy="4703053"/>
+          </a:xfrm>
+          <a:prstGeom prst="rect">
+            <a:avLst/>
+          </a:prstGeom>
+        </p:spPr>
+      </p:pic>
+    </p:spTree>
+    <p:extLst>
+      <p:ext uri="{BB962C8B-B14F-4D97-AF65-F5344CB8AC3E}">
+        <p14:creationId xmlns:p14="http://schemas.microsoft.com/office/powerpoint/2010/main" val="411387132"/>
+      </p:ext>
+    </p:extLst>
+  </p:cSld>
+  <p:clrMapOvr>
+    <a:masterClrMapping/>
+  </p:clrMapOvr>
+</p:sld>
+</file>
+
+<file path=ppt/slides/slide24.xml><?xml version="1.0" encoding="utf-8"?>
+<p:sld xmlns:a="http://schemas.openxmlformats.org/drawingml/2006/main" xmlns:r="http://schemas.openxmlformats.org/officeDocument/2006/relationships" xmlns:p="http://schemas.openxmlformats.org/presentationml/2006/main">
+  <p:cSld>
+    <p:spTree>
+      <p:nvGrpSpPr>
+        <p:cNvPr id="1" name=""/>
+        <p:cNvGrpSpPr/>
+        <p:nvPr/>
+      </p:nvGrpSpPr>
+      <p:grpSpPr>
+        <a:xfrm>
+          <a:off x="0" y="0"/>
+          <a:ext cx="0" cy="0"/>
+          <a:chOff x="0" y="0"/>
+          <a:chExt cx="0" cy="0"/>
+        </a:xfrm>
+      </p:grpSpPr>
+      <p:sp>
+        <p:nvSpPr>
+          <p:cNvPr id="2" name="Title 1"/>
+          <p:cNvSpPr txBox="1">
+            <a:spLocks/>
+          </p:cNvSpPr>
+          <p:nvPr/>
+        </p:nvSpPr>
+        <p:spPr>
+          <a:xfrm>
+            <a:off x="762000" y="427038"/>
+            <a:ext cx="10972800" cy="1143000"/>
+          </a:xfrm>
+          <a:prstGeom prst="rect">
+            <a:avLst/>
+          </a:prstGeom>
+        </p:spPr>
+        <p:txBody>
+          <a:bodyPr/>
+          <a:lstStyle>
+            <a:lvl1pPr algn="r" defTabSz="914400" rtl="1" eaLnBrk="1" latinLnBrk="0" hangingPunct="1">
+              <a:lnSpc>
+                <a:spcPct val="90000"/>
+              </a:lnSpc>
+              <a:spcBef>
+                <a:spcPct val="0"/>
+              </a:spcBef>
+              <a:buNone/>
+              <a:defRPr sz="4400" kern="1200">
+                <a:solidFill>
+                  <a:schemeClr val="tx1"/>
+                </a:solidFill>
+                <a:latin typeface="+mj-lt"/>
+                <a:ea typeface="+mj-ea"/>
+                <a:cs typeface="+mj-cs"/>
+              </a:defRPr>
+            </a:lvl1pPr>
+          </a:lstStyle>
+          <a:p>
+            <a:pPr algn="ctr"/>
+            <a:r>
+              <a:rPr lang="en-US" dirty="0" smtClean="0">
+                <a:solidFill>
+                  <a:srgbClr val="002060"/>
+                </a:solidFill>
+              </a:rPr>
+              <a:t>NN  - PA modeling</a:t>
+            </a:r>
+            <a:endParaRPr lang="he-IL" dirty="0">
+              <a:solidFill>
+                <a:srgbClr val="002060"/>
+              </a:solidFill>
+            </a:endParaRPr>
+          </a:p>
+        </p:txBody>
+      </p:sp>
+    </p:spTree>
+    <p:extLst>
+      <p:ext uri="{BB962C8B-B14F-4D97-AF65-F5344CB8AC3E}">
+        <p14:creationId xmlns:p14="http://schemas.microsoft.com/office/powerpoint/2010/main" val="2776640235"/>
+      </p:ext>
+    </p:extLst>
+  </p:cSld>
+  <p:clrMapOvr>
+    <a:masterClrMapping/>
+  </p:clrMapOvr>
+</p:sld>
+</file>
+
+<file path=ppt/slides/slide25.xml><?xml version="1.0" encoding="utf-8"?>
+<p:sld xmlns:a="http://schemas.openxmlformats.org/drawingml/2006/main" xmlns:r="http://schemas.openxmlformats.org/officeDocument/2006/relationships" xmlns:p="http://schemas.openxmlformats.org/presentationml/2006/main">
+  <p:cSld>
+    <p:spTree>
+      <p:nvGrpSpPr>
+        <p:cNvPr id="1" name=""/>
+        <p:cNvGrpSpPr/>
+        <p:nvPr/>
+      </p:nvGrpSpPr>
+      <p:grpSpPr>
+        <a:xfrm>
+          <a:off x="0" y="0"/>
+          <a:ext cx="0" cy="0"/>
+          <a:chOff x="0" y="0"/>
+          <a:chExt cx="0" cy="0"/>
+        </a:xfrm>
+      </p:grpSpPr>
+      <p:sp>
+        <p:nvSpPr>
+          <p:cNvPr id="2" name="Title 1"/>
+          <p:cNvSpPr txBox="1">
+            <a:spLocks/>
+          </p:cNvSpPr>
+          <p:nvPr/>
+        </p:nvSpPr>
+        <p:spPr>
+          <a:xfrm>
+            <a:off x="762000" y="427038"/>
+            <a:ext cx="10972800" cy="1143000"/>
+          </a:xfrm>
+          <a:prstGeom prst="rect">
+            <a:avLst/>
+          </a:prstGeom>
+        </p:spPr>
+        <p:txBody>
+          <a:bodyPr/>
+          <a:lstStyle>
+            <a:lvl1pPr algn="r" defTabSz="914400" rtl="1" eaLnBrk="1" latinLnBrk="0" hangingPunct="1">
+              <a:lnSpc>
+                <a:spcPct val="90000"/>
+              </a:lnSpc>
+              <a:spcBef>
+                <a:spcPct val="0"/>
+              </a:spcBef>
+              <a:buNone/>
+              <a:defRPr sz="4400" kern="1200">
+                <a:solidFill>
+                  <a:schemeClr val="tx1"/>
+                </a:solidFill>
+                <a:latin typeface="+mj-lt"/>
+                <a:ea typeface="+mj-ea"/>
+                <a:cs typeface="+mj-cs"/>
+              </a:defRPr>
+            </a:lvl1pPr>
+          </a:lstStyle>
+          <a:p>
+            <a:pPr algn="ctr"/>
+            <a:r>
+              <a:rPr lang="en-US" dirty="0" smtClean="0">
+                <a:solidFill>
+                  <a:srgbClr val="002060"/>
+                </a:solidFill>
+              </a:rPr>
+              <a:t>NN  - DPD</a:t>
+            </a:r>
+            <a:endParaRPr lang="he-IL" dirty="0">
+              <a:solidFill>
+                <a:srgbClr val="002060"/>
+              </a:solidFill>
+            </a:endParaRPr>
+          </a:p>
+        </p:txBody>
+      </p:sp>
+    </p:spTree>
+    <p:extLst>
+      <p:ext uri="{BB962C8B-B14F-4D97-AF65-F5344CB8AC3E}">
+        <p14:creationId xmlns:p14="http://schemas.microsoft.com/office/powerpoint/2010/main" val="1237576724"/>
+      </p:ext>
+    </p:extLst>
+  </p:cSld>
+  <p:clrMapOvr>
+    <a:masterClrMapping/>
+  </p:clrMapOvr>
+</p:sld>
+</file>
+
+<file path=ppt/slides/slide26.xml><?xml version="1.0" encoding="utf-8"?>
+<p:sld xmlns:a="http://schemas.openxmlformats.org/drawingml/2006/main" xmlns:r="http://schemas.openxmlformats.org/officeDocument/2006/relationships" xmlns:p="http://schemas.openxmlformats.org/presentationml/2006/main">
+  <p:cSld>
+    <p:spTree>
+      <p:nvGrpSpPr>
+        <p:cNvPr id="1" name=""/>
+        <p:cNvGrpSpPr/>
+        <p:nvPr/>
+      </p:nvGrpSpPr>
+      <p:grpSpPr>
+        <a:xfrm>
+          <a:off x="0" y="0"/>
+          <a:ext cx="0" cy="0"/>
+          <a:chOff x="0" y="0"/>
+          <a:chExt cx="0" cy="0"/>
+        </a:xfrm>
+      </p:grpSpPr>
+      <p:sp>
+        <p:nvSpPr>
+          <p:cNvPr id="2" name="Title 1"/>
+          <p:cNvSpPr txBox="1">
+            <a:spLocks/>
+          </p:cNvSpPr>
+          <p:nvPr/>
+        </p:nvSpPr>
+        <p:spPr>
+          <a:xfrm>
+            <a:off x="609600" y="274638"/>
+            <a:ext cx="10972800" cy="1143000"/>
+          </a:xfrm>
+          <a:prstGeom prst="rect">
+            <a:avLst/>
+          </a:prstGeom>
+        </p:spPr>
+        <p:txBody>
+          <a:bodyPr/>
+          <a:lstStyle>
+            <a:lvl1pPr algn="r" defTabSz="914400" rtl="1" eaLnBrk="1" latinLnBrk="0" hangingPunct="1">
+              <a:lnSpc>
+                <a:spcPct val="90000"/>
+              </a:lnSpc>
+              <a:spcBef>
+                <a:spcPct val="0"/>
+              </a:spcBef>
+              <a:buNone/>
+              <a:defRPr sz="4400" kern="1200">
+                <a:solidFill>
+                  <a:schemeClr val="tx1"/>
+                </a:solidFill>
+                <a:latin typeface="+mj-lt"/>
+                <a:ea typeface="+mj-ea"/>
+                <a:cs typeface="+mj-cs"/>
+              </a:defRPr>
+            </a:lvl1pPr>
+          </a:lstStyle>
+          <a:p>
+            <a:pPr algn="ctr"/>
+            <a:r>
+              <a:rPr lang="en-US" smtClean="0">
+                <a:solidFill>
+                  <a:srgbClr val="002060"/>
+                </a:solidFill>
+              </a:rPr>
+              <a:t>Conclusion</a:t>
+            </a:r>
+            <a:endParaRPr lang="he-IL" dirty="0">
+              <a:solidFill>
+                <a:srgbClr val="002060"/>
+              </a:solidFill>
+            </a:endParaRPr>
+          </a:p>
+        </p:txBody>
+      </p:sp>
+      <p:sp>
+        <p:nvSpPr>
+          <p:cNvPr id="3" name="Content Placeholder 2"/>
+          <p:cNvSpPr txBox="1">
+            <a:spLocks/>
+          </p:cNvSpPr>
+          <p:nvPr/>
+        </p:nvSpPr>
+        <p:spPr>
+          <a:xfrm>
+            <a:off x="609600" y="1600201"/>
+            <a:ext cx="10972800" cy="4525963"/>
+          </a:xfrm>
+          <a:prstGeom prst="rect">
+            <a:avLst/>
+          </a:prstGeom>
+        </p:spPr>
+        <p:txBody>
+          <a:bodyPr/>
+          <a:lstStyle>
+            <a:lvl1pPr marL="228600" indent="-228600" algn="r" defTabSz="914400" rtl="1" eaLnBrk="1" latinLnBrk="0" hangingPunct="1">
+              <a:lnSpc>
+                <a:spcPct val="90000"/>
+              </a:lnSpc>
+              <a:spcBef>
+                <a:spcPts val="1000"/>
+              </a:spcBef>
+              <a:buFont typeface="Arial" panose="020B0604020202020204" pitchFamily="34" charset="0"/>
+              <a:buChar char="•"/>
+              <a:defRPr sz="2800" kern="1200">
+                <a:solidFill>
+                  <a:schemeClr val="tx1"/>
+                </a:solidFill>
+                <a:latin typeface="+mn-lt"/>
+                <a:ea typeface="+mn-ea"/>
+                <a:cs typeface="+mn-cs"/>
+              </a:defRPr>
+            </a:lvl1pPr>
+            <a:lvl2pPr marL="685800" indent="-228600" algn="r" defTabSz="914400" rtl="1" eaLnBrk="1" latinLnBrk="0" hangingPunct="1">
+              <a:lnSpc>
+                <a:spcPct val="90000"/>
+              </a:lnSpc>
+              <a:spcBef>
+                <a:spcPts val="500"/>
+              </a:spcBef>
+              <a:buFont typeface="Arial" panose="020B0604020202020204" pitchFamily="34" charset="0"/>
+              <a:buChar char="•"/>
+              <a:defRPr sz="2400" kern="1200">
+                <a:solidFill>
+                  <a:schemeClr val="tx1"/>
+                </a:solidFill>
+                <a:latin typeface="+mn-lt"/>
+                <a:ea typeface="+mn-ea"/>
+                <a:cs typeface="+mn-cs"/>
+              </a:defRPr>
+            </a:lvl2pPr>
+            <a:lvl3pPr marL="1143000" indent="-228600" algn="r" defTabSz="914400" rtl="1" eaLnBrk="1" latinLnBrk="0" hangingPunct="1">
+              <a:lnSpc>
+                <a:spcPct val="90000"/>
+              </a:lnSpc>
+              <a:spcBef>
+                <a:spcPts val="500"/>
+              </a:spcBef>
+              <a:buFont typeface="Arial" panose="020B0604020202020204" pitchFamily="34" charset="0"/>
+              <a:buChar char="•"/>
+              <a:defRPr sz="2000" kern="1200">
+                <a:solidFill>
+                  <a:schemeClr val="tx1"/>
+                </a:solidFill>
+                <a:latin typeface="+mn-lt"/>
+                <a:ea typeface="+mn-ea"/>
+                <a:cs typeface="+mn-cs"/>
+              </a:defRPr>
+            </a:lvl3pPr>
+            <a:lvl4pPr marL="1600200" indent="-228600" algn="r" defTabSz="914400" rtl="1" eaLnBrk="1" latinLnBrk="0" hangingPunct="1">
+              <a:lnSpc>
+                <a:spcPct val="90000"/>
+              </a:lnSpc>
+              <a:spcBef>
+                <a:spcPts val="500"/>
+              </a:spcBef>
+              <a:buFont typeface="Arial" panose="020B0604020202020204" pitchFamily="34" charset="0"/>
+              <a:buChar char="•"/>
+              <a:defRPr sz="1800" kern="1200">
+                <a:solidFill>
+                  <a:schemeClr val="tx1"/>
+                </a:solidFill>
+                <a:latin typeface="+mn-lt"/>
+                <a:ea typeface="+mn-ea"/>
+                <a:cs typeface="+mn-cs"/>
+              </a:defRPr>
+            </a:lvl4pPr>
+            <a:lvl5pPr marL="2057400" indent="-228600" algn="r" defTabSz="914400" rtl="1" eaLnBrk="1" latinLnBrk="0" hangingPunct="1">
+              <a:lnSpc>
+                <a:spcPct val="90000"/>
+              </a:lnSpc>
+              <a:spcBef>
+                <a:spcPts val="500"/>
+              </a:spcBef>
+              <a:buFont typeface="Arial" panose="020B0604020202020204" pitchFamily="34" charset="0"/>
+              <a:buChar char="•"/>
+              <a:defRPr sz="1800" kern="1200">
+                <a:solidFill>
+                  <a:schemeClr val="tx1"/>
+                </a:solidFill>
+                <a:latin typeface="+mn-lt"/>
+                <a:ea typeface="+mn-ea"/>
+                <a:cs typeface="+mn-cs"/>
+              </a:defRPr>
+            </a:lvl5pPr>
+            <a:lvl6pPr marL="2514600" indent="-228600" algn="r" defTabSz="914400" rtl="1" eaLnBrk="1" latinLnBrk="0" hangingPunct="1">
+              <a:lnSpc>
+                <a:spcPct val="90000"/>
+              </a:lnSpc>
+              <a:spcBef>
+                <a:spcPts val="500"/>
+              </a:spcBef>
+              <a:buFont typeface="Arial" panose="020B0604020202020204" pitchFamily="34" charset="0"/>
+              <a:buChar char="•"/>
+              <a:defRPr sz="1800" kern="1200">
+                <a:solidFill>
+                  <a:schemeClr val="tx1"/>
+                </a:solidFill>
+                <a:latin typeface="+mn-lt"/>
+                <a:ea typeface="+mn-ea"/>
+                <a:cs typeface="+mn-cs"/>
+              </a:defRPr>
+            </a:lvl6pPr>
+            <a:lvl7pPr marL="2971800" indent="-228600" algn="r" defTabSz="914400" rtl="1" eaLnBrk="1" latinLnBrk="0" hangingPunct="1">
+              <a:lnSpc>
+                <a:spcPct val="90000"/>
+              </a:lnSpc>
+              <a:spcBef>
+                <a:spcPts val="500"/>
+              </a:spcBef>
+              <a:buFont typeface="Arial" panose="020B0604020202020204" pitchFamily="34" charset="0"/>
+              <a:buChar char="•"/>
+              <a:defRPr sz="1800" kern="1200">
+                <a:solidFill>
+                  <a:schemeClr val="tx1"/>
+                </a:solidFill>
+                <a:latin typeface="+mn-lt"/>
+                <a:ea typeface="+mn-ea"/>
+                <a:cs typeface="+mn-cs"/>
+              </a:defRPr>
+            </a:lvl7pPr>
+            <a:lvl8pPr marL="3429000" indent="-228600" algn="r" defTabSz="914400" rtl="1" eaLnBrk="1" latinLnBrk="0" hangingPunct="1">
+              <a:lnSpc>
+                <a:spcPct val="90000"/>
+              </a:lnSpc>
+              <a:spcBef>
+                <a:spcPts val="500"/>
+              </a:spcBef>
+              <a:buFont typeface="Arial" panose="020B0604020202020204" pitchFamily="34" charset="0"/>
+              <a:buChar char="•"/>
+              <a:defRPr sz="1800" kern="1200">
+                <a:solidFill>
+                  <a:schemeClr val="tx1"/>
+                </a:solidFill>
+                <a:latin typeface="+mn-lt"/>
+                <a:ea typeface="+mn-ea"/>
+                <a:cs typeface="+mn-cs"/>
+              </a:defRPr>
+            </a:lvl8pPr>
+            <a:lvl9pPr marL="3886200" indent="-228600" algn="r" defTabSz="914400" rtl="1" eaLnBrk="1" latinLnBrk="0" hangingPunct="1">
+              <a:lnSpc>
+                <a:spcPct val="90000"/>
+              </a:lnSpc>
+              <a:spcBef>
+                <a:spcPts val="500"/>
+              </a:spcBef>
+              <a:buFont typeface="Arial" panose="020B0604020202020204" pitchFamily="34" charset="0"/>
+              <a:buChar char="•"/>
+              <a:defRPr sz="1800" kern="1200">
+                <a:solidFill>
+                  <a:schemeClr val="tx1"/>
+                </a:solidFill>
+                <a:latin typeface="+mn-lt"/>
+                <a:ea typeface="+mn-ea"/>
+                <a:cs typeface="+mn-cs"/>
+              </a:defRPr>
+            </a:lvl9pPr>
+          </a:lstStyle>
+          <a:p>
+            <a:pPr algn="ctr"/>
+            <a:r>
+              <a:rPr lang="en-US" smtClean="0">
+                <a:solidFill>
+                  <a:srgbClr val="002060"/>
+                </a:solidFill>
+              </a:rPr>
+              <a:t>Repeat the project goal in other words</a:t>
+            </a:r>
+          </a:p>
+          <a:p>
+            <a:pPr lvl="1" algn="ctr"/>
+            <a:r>
+              <a:rPr lang="en-US" smtClean="0">
+                <a:solidFill>
+                  <a:srgbClr val="002060"/>
+                </a:solidFill>
+              </a:rPr>
+              <a:t>Have you achieved the goal? (if not, that’s fine and you have to explain why)</a:t>
+            </a:r>
+          </a:p>
+          <a:p>
+            <a:pPr algn="ctr"/>
+            <a:r>
+              <a:rPr lang="en-US" smtClean="0">
+                <a:solidFill>
+                  <a:srgbClr val="002060"/>
+                </a:solidFill>
+              </a:rPr>
+              <a:t>Summarize your results</a:t>
+            </a:r>
+          </a:p>
+          <a:p>
+            <a:pPr algn="ctr"/>
+            <a:r>
+              <a:rPr lang="en-US" smtClean="0">
+                <a:solidFill>
+                  <a:srgbClr val="002060"/>
+                </a:solidFill>
+              </a:rPr>
+              <a:t>Emphasize original contribution</a:t>
+            </a:r>
+            <a:endParaRPr lang="en-US" dirty="0">
+              <a:solidFill>
+                <a:srgbClr val="002060"/>
+              </a:solidFill>
+            </a:endParaRPr>
+          </a:p>
+        </p:txBody>
+      </p:sp>
+    </p:spTree>
+    <p:extLst>
+      <p:ext uri="{BB962C8B-B14F-4D97-AF65-F5344CB8AC3E}">
+        <p14:creationId xmlns:p14="http://schemas.microsoft.com/office/powerpoint/2010/main" val="1906738523"/>
+      </p:ext>
+    </p:extLst>
+  </p:cSld>
+  <p:clrMapOvr>
+    <a:masterClrMapping/>
+  </p:clrMapOvr>
+</p:sld>
+</file>
+
+<file path=ppt/slides/slide27.xml><?xml version="1.0" encoding="utf-8"?>
+<p:sld xmlns:a="http://schemas.openxmlformats.org/drawingml/2006/main" xmlns:r="http://schemas.openxmlformats.org/officeDocument/2006/relationships" xmlns:p="http://schemas.openxmlformats.org/presentationml/2006/main">
+  <p:cSld>
+    <p:spTree>
+      <p:nvGrpSpPr>
+        <p:cNvPr id="1" name=""/>
+        <p:cNvGrpSpPr/>
+        <p:nvPr/>
+      </p:nvGrpSpPr>
+      <p:grpSpPr>
+        <a:xfrm>
+          <a:off x="0" y="0"/>
+          <a:ext cx="0" cy="0"/>
+          <a:chOff x="0" y="0"/>
+          <a:chExt cx="0" cy="0"/>
+        </a:xfrm>
+      </p:grpSpPr>
+      <p:sp>
+        <p:nvSpPr>
+          <p:cNvPr id="2" name="Title 1"/>
+          <p:cNvSpPr txBox="1">
+            <a:spLocks/>
+          </p:cNvSpPr>
+          <p:nvPr/>
+        </p:nvSpPr>
+        <p:spPr>
+          <a:xfrm>
+            <a:off x="1962615" y="228600"/>
+            <a:ext cx="8229600" cy="1143000"/>
+          </a:xfrm>
+          <a:prstGeom prst="rect">
+            <a:avLst/>
+          </a:prstGeom>
+        </p:spPr>
+        <p:txBody>
+          <a:bodyPr/>
+          <a:lstStyle>
+            <a:lvl1pPr algn="r" defTabSz="914400" rtl="1" eaLnBrk="1" latinLnBrk="0" hangingPunct="1">
+              <a:lnSpc>
+                <a:spcPct val="90000"/>
+              </a:lnSpc>
+              <a:spcBef>
+                <a:spcPct val="0"/>
+              </a:spcBef>
+              <a:buNone/>
+              <a:defRPr sz="4400" kern="1200">
+                <a:solidFill>
+                  <a:schemeClr val="tx1"/>
+                </a:solidFill>
+                <a:latin typeface="+mj-lt"/>
+                <a:ea typeface="+mj-ea"/>
+                <a:cs typeface="+mj-cs"/>
+              </a:defRPr>
+            </a:lvl1pPr>
+          </a:lstStyle>
+          <a:p>
+            <a:pPr algn="ctr"/>
+            <a:r>
+              <a:rPr lang="en-US" smtClean="0">
+                <a:solidFill>
+                  <a:srgbClr val="002060"/>
+                </a:solidFill>
+              </a:rPr>
+              <a:t>References</a:t>
+            </a:r>
+            <a:endParaRPr lang="he-IL" dirty="0">
+              <a:solidFill>
+                <a:srgbClr val="002060"/>
+              </a:solidFill>
+            </a:endParaRPr>
+          </a:p>
+        </p:txBody>
+      </p:sp>
+      <p:sp>
+        <p:nvSpPr>
+          <p:cNvPr id="3" name="Content Placeholder 2"/>
+          <p:cNvSpPr txBox="1">
+            <a:spLocks/>
+          </p:cNvSpPr>
+          <p:nvPr/>
+        </p:nvSpPr>
+        <p:spPr>
+          <a:xfrm>
+            <a:off x="609600" y="1600201"/>
+            <a:ext cx="10972800" cy="4525963"/>
+          </a:xfrm>
+          <a:prstGeom prst="rect">
+            <a:avLst/>
+          </a:prstGeom>
+        </p:spPr>
+        <p:txBody>
+          <a:bodyPr>
+            <a:normAutofit/>
+          </a:bodyPr>
+          <a:lstStyle>
+            <a:lvl1pPr marL="228600" indent="-228600" algn="r" defTabSz="914400" rtl="1" eaLnBrk="1" latinLnBrk="0" hangingPunct="1">
+              <a:lnSpc>
+                <a:spcPct val="90000"/>
+              </a:lnSpc>
+              <a:spcBef>
+                <a:spcPts val="1000"/>
+              </a:spcBef>
+              <a:buFont typeface="Arial" panose="020B0604020202020204" pitchFamily="34" charset="0"/>
+              <a:buChar char="•"/>
+              <a:defRPr sz="2800" kern="1200">
+                <a:solidFill>
+                  <a:schemeClr val="tx1"/>
+                </a:solidFill>
+                <a:latin typeface="+mn-lt"/>
+                <a:ea typeface="+mn-ea"/>
+                <a:cs typeface="+mn-cs"/>
+              </a:defRPr>
+            </a:lvl1pPr>
+            <a:lvl2pPr marL="685800" indent="-228600" algn="r" defTabSz="914400" rtl="1" eaLnBrk="1" latinLnBrk="0" hangingPunct="1">
+              <a:lnSpc>
+                <a:spcPct val="90000"/>
+              </a:lnSpc>
+              <a:spcBef>
+                <a:spcPts val="500"/>
+              </a:spcBef>
+              <a:buFont typeface="Arial" panose="020B0604020202020204" pitchFamily="34" charset="0"/>
+              <a:buChar char="•"/>
+              <a:defRPr sz="2400" kern="1200">
+                <a:solidFill>
+                  <a:schemeClr val="tx1"/>
+                </a:solidFill>
+                <a:latin typeface="+mn-lt"/>
+                <a:ea typeface="+mn-ea"/>
+                <a:cs typeface="+mn-cs"/>
+              </a:defRPr>
+            </a:lvl2pPr>
+            <a:lvl3pPr marL="1143000" indent="-228600" algn="r" defTabSz="914400" rtl="1" eaLnBrk="1" latinLnBrk="0" hangingPunct="1">
+              <a:lnSpc>
+                <a:spcPct val="90000"/>
+              </a:lnSpc>
+              <a:spcBef>
+                <a:spcPts val="500"/>
+              </a:spcBef>
+              <a:buFont typeface="Arial" panose="020B0604020202020204" pitchFamily="34" charset="0"/>
+              <a:buChar char="•"/>
+              <a:defRPr sz="2000" kern="1200">
+                <a:solidFill>
+                  <a:schemeClr val="tx1"/>
+                </a:solidFill>
+                <a:latin typeface="+mn-lt"/>
+                <a:ea typeface="+mn-ea"/>
+                <a:cs typeface="+mn-cs"/>
+              </a:defRPr>
+            </a:lvl3pPr>
+            <a:lvl4pPr marL="1600200" indent="-228600" algn="r" defTabSz="914400" rtl="1" eaLnBrk="1" latinLnBrk="0" hangingPunct="1">
+              <a:lnSpc>
+                <a:spcPct val="90000"/>
+              </a:lnSpc>
+              <a:spcBef>
+                <a:spcPts val="500"/>
+              </a:spcBef>
+              <a:buFont typeface="Arial" panose="020B0604020202020204" pitchFamily="34" charset="0"/>
+              <a:buChar char="•"/>
+              <a:defRPr sz="1800" kern="1200">
+                <a:solidFill>
+                  <a:schemeClr val="tx1"/>
+                </a:solidFill>
+                <a:latin typeface="+mn-lt"/>
+                <a:ea typeface="+mn-ea"/>
+                <a:cs typeface="+mn-cs"/>
+              </a:defRPr>
+            </a:lvl4pPr>
+            <a:lvl5pPr marL="2057400" indent="-228600" algn="r" defTabSz="914400" rtl="1" eaLnBrk="1" latinLnBrk="0" hangingPunct="1">
+              <a:lnSpc>
+                <a:spcPct val="90000"/>
+              </a:lnSpc>
+              <a:spcBef>
+                <a:spcPts val="500"/>
+              </a:spcBef>
+              <a:buFont typeface="Arial" panose="020B0604020202020204" pitchFamily="34" charset="0"/>
+              <a:buChar char="•"/>
+              <a:defRPr sz="1800" kern="1200">
+                <a:solidFill>
+                  <a:schemeClr val="tx1"/>
+                </a:solidFill>
+                <a:latin typeface="+mn-lt"/>
+                <a:ea typeface="+mn-ea"/>
+                <a:cs typeface="+mn-cs"/>
+              </a:defRPr>
+            </a:lvl5pPr>
+            <a:lvl6pPr marL="2514600" indent="-228600" algn="r" defTabSz="914400" rtl="1" eaLnBrk="1" latinLnBrk="0" hangingPunct="1">
+              <a:lnSpc>
+                <a:spcPct val="90000"/>
+              </a:lnSpc>
+              <a:spcBef>
+                <a:spcPts val="500"/>
+              </a:spcBef>
+              <a:buFont typeface="Arial" panose="020B0604020202020204" pitchFamily="34" charset="0"/>
+              <a:buChar char="•"/>
+              <a:defRPr sz="1800" kern="1200">
+                <a:solidFill>
+                  <a:schemeClr val="tx1"/>
+                </a:solidFill>
+                <a:latin typeface="+mn-lt"/>
+                <a:ea typeface="+mn-ea"/>
+                <a:cs typeface="+mn-cs"/>
+              </a:defRPr>
+            </a:lvl6pPr>
+            <a:lvl7pPr marL="2971800" indent="-228600" algn="r" defTabSz="914400" rtl="1" eaLnBrk="1" latinLnBrk="0" hangingPunct="1">
+              <a:lnSpc>
+                <a:spcPct val="90000"/>
+              </a:lnSpc>
+              <a:spcBef>
+                <a:spcPts val="500"/>
+              </a:spcBef>
+              <a:buFont typeface="Arial" panose="020B0604020202020204" pitchFamily="34" charset="0"/>
+              <a:buChar char="•"/>
+              <a:defRPr sz="1800" kern="1200">
+                <a:solidFill>
+                  <a:schemeClr val="tx1"/>
+                </a:solidFill>
+                <a:latin typeface="+mn-lt"/>
+                <a:ea typeface="+mn-ea"/>
+                <a:cs typeface="+mn-cs"/>
+              </a:defRPr>
+            </a:lvl7pPr>
+            <a:lvl8pPr marL="3429000" indent="-228600" algn="r" defTabSz="914400" rtl="1" eaLnBrk="1" latinLnBrk="0" hangingPunct="1">
+              <a:lnSpc>
+                <a:spcPct val="90000"/>
+              </a:lnSpc>
+              <a:spcBef>
+                <a:spcPts val="500"/>
+              </a:spcBef>
+              <a:buFont typeface="Arial" panose="020B0604020202020204" pitchFamily="34" charset="0"/>
+              <a:buChar char="•"/>
+              <a:defRPr sz="1800" kern="1200">
+                <a:solidFill>
+                  <a:schemeClr val="tx1"/>
+                </a:solidFill>
+                <a:latin typeface="+mn-lt"/>
+                <a:ea typeface="+mn-ea"/>
+                <a:cs typeface="+mn-cs"/>
+              </a:defRPr>
+            </a:lvl8pPr>
+            <a:lvl9pPr marL="3886200" indent="-228600" algn="r" defTabSz="914400" rtl="1" eaLnBrk="1" latinLnBrk="0" hangingPunct="1">
+              <a:lnSpc>
+                <a:spcPct val="90000"/>
+              </a:lnSpc>
+              <a:spcBef>
+                <a:spcPts val="500"/>
+              </a:spcBef>
+              <a:buFont typeface="Arial" panose="020B0604020202020204" pitchFamily="34" charset="0"/>
+              <a:buChar char="•"/>
+              <a:defRPr sz="1800" kern="1200">
+                <a:solidFill>
+                  <a:schemeClr val="tx1"/>
+                </a:solidFill>
+                <a:latin typeface="+mn-lt"/>
+                <a:ea typeface="+mn-ea"/>
+                <a:cs typeface="+mn-cs"/>
+              </a:defRPr>
+            </a:lvl9pPr>
+          </a:lstStyle>
+          <a:p>
+            <a:pPr algn="ctr"/>
+            <a:r>
+              <a:rPr lang="en-US" dirty="0" smtClean="0">
+                <a:solidFill>
+                  <a:srgbClr val="002060"/>
+                </a:solidFill>
+              </a:rPr>
+              <a:t>Only the most important references should be mentioned here, in IEEE format</a:t>
+            </a:r>
+          </a:p>
+          <a:p>
+            <a:pPr algn="ctr"/>
+            <a:r>
+              <a:rPr lang="en-US" smtClean="0">
+                <a:solidFill>
+                  <a:srgbClr val="002060"/>
+                </a:solidFill>
+              </a:rPr>
+              <a:t>Here are some examples:</a:t>
+            </a:r>
+          </a:p>
+          <a:p>
+            <a:pPr algn="ctr"/>
+            <a:endParaRPr lang="en-US" dirty="0" smtClean="0">
+              <a:solidFill>
+                <a:srgbClr val="002060"/>
+              </a:solidFill>
+            </a:endParaRPr>
+          </a:p>
+          <a:p>
+            <a:pPr marL="457200" indent="-457200" algn="ctr">
+              <a:buFont typeface="+mj-lt"/>
+              <a:buAutoNum type="arabicPeriod"/>
+            </a:pPr>
+            <a:r>
+              <a:rPr lang="en-US" sz="2200" dirty="0" err="1" smtClean="0">
+                <a:solidFill>
+                  <a:srgbClr val="002060"/>
+                </a:solidFill>
+              </a:rPr>
+              <a:t>Yariv</a:t>
+            </a:r>
+            <a:r>
+              <a:rPr lang="en-US" sz="2200" dirty="0" smtClean="0">
+                <a:solidFill>
+                  <a:srgbClr val="002060"/>
+                </a:solidFill>
+              </a:rPr>
+              <a:t> Ephraim and David </a:t>
+            </a:r>
+            <a:r>
+              <a:rPr lang="en-US" sz="2200" dirty="0" err="1" smtClean="0">
+                <a:solidFill>
+                  <a:srgbClr val="002060"/>
+                </a:solidFill>
+              </a:rPr>
+              <a:t>Malah</a:t>
+            </a:r>
+            <a:r>
+              <a:rPr lang="en-US" sz="2200" dirty="0" smtClean="0">
+                <a:solidFill>
+                  <a:srgbClr val="002060"/>
+                </a:solidFill>
+              </a:rPr>
+              <a:t>. "Speech enhancement using a minimum-mean square error short-time spectral amplitude estimator." IEEE Transactions on Acoustics, Speech, and Signal Processing 32.6 (1984): 1109-1121.</a:t>
+            </a:r>
+            <a:endParaRPr lang="he-IL" sz="2200" dirty="0" smtClean="0">
+              <a:solidFill>
+                <a:srgbClr val="002060"/>
+              </a:solidFill>
+            </a:endParaRPr>
+          </a:p>
+          <a:p>
+            <a:pPr marL="457200" indent="-457200" algn="ctr">
+              <a:buFont typeface="+mj-lt"/>
+              <a:buAutoNum type="arabicPeriod"/>
+            </a:pPr>
+            <a:r>
+              <a:rPr lang="en-US" sz="2200" dirty="0" err="1" smtClean="0">
+                <a:solidFill>
+                  <a:srgbClr val="002060"/>
+                </a:solidFill>
+              </a:rPr>
+              <a:t>Oded</a:t>
+            </a:r>
+            <a:r>
+              <a:rPr lang="en-US" sz="2200" dirty="0" smtClean="0">
+                <a:solidFill>
+                  <a:srgbClr val="002060"/>
+                </a:solidFill>
+              </a:rPr>
+              <a:t> Schlesinger, et al. "Blood Pressure Estimation from PPG Signals Using Convolutional Neural Networks and Siamese Network." IEEE International Conference on Acoustics, Speech and Signal Processing (ICASSP), 2020.</a:t>
+            </a:r>
+            <a:endParaRPr lang="en-US" sz="2200" dirty="0">
+              <a:solidFill>
+                <a:srgbClr val="002060"/>
+              </a:solidFill>
+            </a:endParaRPr>
+          </a:p>
+        </p:txBody>
+      </p:sp>
+    </p:spTree>
+    <p:extLst>
+      <p:ext uri="{BB962C8B-B14F-4D97-AF65-F5344CB8AC3E}">
+        <p14:creationId xmlns:p14="http://schemas.microsoft.com/office/powerpoint/2010/main" val="675693372"/>
       </p:ext>
     </p:extLst>
   </p:cSld>
@@ -3700,8 +9340,8 @@
         </p:nvSpPr>
         <p:spPr>
           <a:xfrm>
-            <a:off x="-117565" y="1313135"/>
-            <a:ext cx="12083144" cy="4865597"/>
+            <a:off x="41365" y="1417319"/>
+            <a:ext cx="12083144" cy="5309734"/>
           </a:xfrm>
           <a:prstGeom prst="rect">
             <a:avLst/>
@@ -3897,35 +9537,43 @@
             </a:r>
             <a:r>
               <a:rPr lang="en-US" sz="2800" dirty="0" smtClean="0"/>
-              <a:t>systems. </a:t>
+              <a:t>systems.</a:t>
+            </a:r>
+          </a:p>
+          <a:p>
+            <a:pPr marL="457200" lvl="1" indent="0" algn="l" rtl="0">
+              <a:lnSpc>
+                <a:spcPct val="100000"/>
+              </a:lnSpc>
+              <a:buNone/>
+            </a:pPr>
+            <a:endParaRPr lang="en-US" sz="2800" dirty="0"/>
+          </a:p>
+          <a:p>
+            <a:pPr lvl="1" algn="l" rtl="0">
+              <a:lnSpc>
+                <a:spcPct val="100000"/>
+              </a:lnSpc>
+            </a:pPr>
+            <a:endParaRPr lang="en-US" sz="2800" dirty="0" smtClean="0"/>
+          </a:p>
+          <a:p>
+            <a:pPr lvl="1" algn="l" rtl="0">
+              <a:lnSpc>
+                <a:spcPct val="100000"/>
+              </a:lnSpc>
+            </a:pPr>
+            <a:r>
+              <a:rPr lang="en-US" sz="2800" dirty="0" smtClean="0"/>
+              <a:t>nonlinearity </a:t>
             </a:r>
             <a:r>
               <a:rPr lang="en-US" sz="2800" dirty="0"/>
-              <a:t>nonlinearity causes in-band distortion and a spectral </a:t>
+              <a:t>causes in-band distortion and a spectral </a:t>
             </a:r>
             <a:r>
               <a:rPr lang="en-US" sz="2800" dirty="0" smtClean="0"/>
-              <a:t>regrowth. </a:t>
-            </a:r>
-            <a:r>
-              <a:rPr lang="en-US" sz="2800" dirty="0" smtClean="0"/>
-              <a:t>The role of the </a:t>
-            </a:r>
-            <a:r>
-              <a:rPr lang="en-US" sz="2800" dirty="0" smtClean="0"/>
-              <a:t>Digital </a:t>
-            </a:r>
-            <a:r>
-              <a:rPr lang="en-US" sz="2800" dirty="0"/>
-              <a:t>Pre Distortion (DPD) </a:t>
-            </a:r>
-            <a:r>
-              <a:rPr lang="en-US" sz="2800" dirty="0" smtClean="0"/>
-              <a:t>is to distort the signal in a way that will be, in turn, compensated by the PA. </a:t>
-            </a:r>
-            <a:r>
-              <a:rPr lang="en-US" sz="2800" dirty="0" smtClean="0"/>
-              <a:t>.</a:t>
+              <a:t>regrowth.</a:t>
             </a:r>
           </a:p>
           <a:p>
@@ -3943,9 +9591,29 @@
                 <a:spcPct val="100000"/>
               </a:lnSpc>
             </a:pPr>
+            <a:endParaRPr lang="en-US" sz="2800" dirty="0"/>
+          </a:p>
+          <a:p>
+            <a:pPr lvl="1" algn="l" rtl="0">
+              <a:lnSpc>
+                <a:spcPct val="100000"/>
+              </a:lnSpc>
+            </a:pPr>
             <a:r>
               <a:rPr lang="en-US" sz="2800" dirty="0" smtClean="0"/>
-              <a:t>The aim of this project is that ideally, the total response of the Pre-distorter and PAs will be linear (reduce am/am, am/pm distortions and OOB emission) up to some saturation voltage. </a:t>
+              <a:t>The </a:t>
+            </a:r>
+            <a:r>
+              <a:rPr lang="en-US" sz="2800" dirty="0" smtClean="0"/>
+              <a:t>role of the Digital </a:t>
+            </a:r>
+            <a:r>
+              <a:rPr lang="en-US" sz="2800" dirty="0"/>
+              <a:t>Pre Distortion (DPD) </a:t>
+            </a:r>
+            <a:r>
+              <a:rPr lang="en-US" sz="2800" dirty="0" smtClean="0"/>
+              <a:t>is to distort the signal in a way that will be, in turn, compensated by the PA. .</a:t>
             </a:r>
           </a:p>
           <a:p>
@@ -3956,38 +9624,6 @@
               <a:buNone/>
             </a:pPr>
             <a:endParaRPr lang="en-US" sz="2800" dirty="0" smtClean="0"/>
-          </a:p>
-          <a:p>
-            <a:pPr lvl="1" algn="l" rtl="0">
-              <a:lnSpc>
-                <a:spcPct val="100000"/>
-              </a:lnSpc>
-            </a:pPr>
-            <a:r>
-              <a:rPr lang="en-US" sz="2800" dirty="0" smtClean="0"/>
-              <a:t>Using </a:t>
-            </a:r>
-            <a:r>
-              <a:rPr lang="en-US" sz="2800" dirty="0"/>
-              <a:t>both classical and deep learning methods, we will create a digital pre distorter that preprocess a signal before entering a nonlinear power amplifier</a:t>
-            </a:r>
-            <a:r>
-              <a:rPr lang="en-US" sz="2800" dirty="0" smtClean="0"/>
-              <a:t>. </a:t>
-            </a:r>
-            <a:endParaRPr lang="en-US" sz="2800" dirty="0"/>
-          </a:p>
-          <a:p>
-            <a:pPr lvl="1" algn="l" rtl="0">
-              <a:lnSpc>
-                <a:spcPct val="100000"/>
-              </a:lnSpc>
-            </a:pPr>
-            <a:endParaRPr lang="he-IL" sz="2800" dirty="0">
-              <a:solidFill>
-                <a:srgbClr val="002060"/>
-              </a:solidFill>
-            </a:endParaRPr>
           </a:p>
         </p:txBody>
       </p:sp>
@@ -4051,10 +9687,3569 @@
           <a:chExt cx="0" cy="0"/>
         </a:xfrm>
       </p:grpSpPr>
+      <p:sp>
+        <p:nvSpPr>
+          <p:cNvPr id="2" name="Title 1"/>
+          <p:cNvSpPr txBox="1">
+            <a:spLocks/>
+          </p:cNvSpPr>
+          <p:nvPr/>
+        </p:nvSpPr>
+        <p:spPr>
+          <a:xfrm>
+            <a:off x="609600" y="274638"/>
+            <a:ext cx="10972800" cy="1143000"/>
+          </a:xfrm>
+          <a:prstGeom prst="rect">
+            <a:avLst/>
+          </a:prstGeom>
+        </p:spPr>
+        <p:txBody>
+          <a:bodyPr/>
+          <a:lstStyle>
+            <a:lvl1pPr algn="r" defTabSz="914400" rtl="1" eaLnBrk="1" latinLnBrk="0" hangingPunct="1">
+              <a:lnSpc>
+                <a:spcPct val="90000"/>
+              </a:lnSpc>
+              <a:spcBef>
+                <a:spcPct val="0"/>
+              </a:spcBef>
+              <a:buNone/>
+              <a:defRPr sz="4400" kern="1200">
+                <a:solidFill>
+                  <a:schemeClr val="tx1"/>
+                </a:solidFill>
+                <a:latin typeface="+mj-lt"/>
+                <a:ea typeface="+mj-ea"/>
+                <a:cs typeface="+mj-cs"/>
+              </a:defRPr>
+            </a:lvl1pPr>
+          </a:lstStyle>
+          <a:p>
+            <a:pPr algn="ctr"/>
+            <a:r>
+              <a:rPr lang="en-US" smtClean="0">
+                <a:solidFill>
+                  <a:srgbClr val="002060"/>
+                </a:solidFill>
+              </a:rPr>
+              <a:t>Project Goal</a:t>
+            </a:r>
+            <a:endParaRPr lang="he-IL" dirty="0">
+              <a:solidFill>
+                <a:srgbClr val="002060"/>
+              </a:solidFill>
+            </a:endParaRPr>
+          </a:p>
+        </p:txBody>
+      </p:sp>
+      <p:sp>
+        <p:nvSpPr>
+          <p:cNvPr id="3" name="Content Placeholder 2"/>
+          <p:cNvSpPr txBox="1">
+            <a:spLocks/>
+          </p:cNvSpPr>
+          <p:nvPr/>
+        </p:nvSpPr>
+        <p:spPr>
+          <a:xfrm>
+            <a:off x="-117565" y="1313135"/>
+            <a:ext cx="12083144" cy="5309734"/>
+          </a:xfrm>
+          <a:prstGeom prst="rect">
+            <a:avLst/>
+          </a:prstGeom>
+        </p:spPr>
+        <p:txBody>
+          <a:bodyPr/>
+          <a:lstStyle>
+            <a:lvl1pPr marL="228600" indent="-228600" algn="r" defTabSz="914400" rtl="1" eaLnBrk="1" latinLnBrk="0" hangingPunct="1">
+              <a:lnSpc>
+                <a:spcPct val="90000"/>
+              </a:lnSpc>
+              <a:spcBef>
+                <a:spcPts val="1000"/>
+              </a:spcBef>
+              <a:buFont typeface="Arial" panose="020B0604020202020204" pitchFamily="34" charset="0"/>
+              <a:buChar char="•"/>
+              <a:defRPr sz="2800" kern="1200">
+                <a:solidFill>
+                  <a:schemeClr val="tx1"/>
+                </a:solidFill>
+                <a:latin typeface="+mn-lt"/>
+                <a:ea typeface="+mn-ea"/>
+                <a:cs typeface="+mn-cs"/>
+              </a:defRPr>
+            </a:lvl1pPr>
+            <a:lvl2pPr marL="685800" indent="-228600" algn="r" defTabSz="914400" rtl="1" eaLnBrk="1" latinLnBrk="0" hangingPunct="1">
+              <a:lnSpc>
+                <a:spcPct val="90000"/>
+              </a:lnSpc>
+              <a:spcBef>
+                <a:spcPts val="500"/>
+              </a:spcBef>
+              <a:buFont typeface="Arial" panose="020B0604020202020204" pitchFamily="34" charset="0"/>
+              <a:buChar char="•"/>
+              <a:defRPr sz="2400" kern="1200">
+                <a:solidFill>
+                  <a:schemeClr val="tx1"/>
+                </a:solidFill>
+                <a:latin typeface="+mn-lt"/>
+                <a:ea typeface="+mn-ea"/>
+                <a:cs typeface="+mn-cs"/>
+              </a:defRPr>
+            </a:lvl2pPr>
+            <a:lvl3pPr marL="1143000" indent="-228600" algn="r" defTabSz="914400" rtl="1" eaLnBrk="1" latinLnBrk="0" hangingPunct="1">
+              <a:lnSpc>
+                <a:spcPct val="90000"/>
+              </a:lnSpc>
+              <a:spcBef>
+                <a:spcPts val="500"/>
+              </a:spcBef>
+              <a:buFont typeface="Arial" panose="020B0604020202020204" pitchFamily="34" charset="0"/>
+              <a:buChar char="•"/>
+              <a:defRPr sz="2000" kern="1200">
+                <a:solidFill>
+                  <a:schemeClr val="tx1"/>
+                </a:solidFill>
+                <a:latin typeface="+mn-lt"/>
+                <a:ea typeface="+mn-ea"/>
+                <a:cs typeface="+mn-cs"/>
+              </a:defRPr>
+            </a:lvl3pPr>
+            <a:lvl4pPr marL="1600200" indent="-228600" algn="r" defTabSz="914400" rtl="1" eaLnBrk="1" latinLnBrk="0" hangingPunct="1">
+              <a:lnSpc>
+                <a:spcPct val="90000"/>
+              </a:lnSpc>
+              <a:spcBef>
+                <a:spcPts val="500"/>
+              </a:spcBef>
+              <a:buFont typeface="Arial" panose="020B0604020202020204" pitchFamily="34" charset="0"/>
+              <a:buChar char="•"/>
+              <a:defRPr sz="1800" kern="1200">
+                <a:solidFill>
+                  <a:schemeClr val="tx1"/>
+                </a:solidFill>
+                <a:latin typeface="+mn-lt"/>
+                <a:ea typeface="+mn-ea"/>
+                <a:cs typeface="+mn-cs"/>
+              </a:defRPr>
+            </a:lvl4pPr>
+            <a:lvl5pPr marL="2057400" indent="-228600" algn="r" defTabSz="914400" rtl="1" eaLnBrk="1" latinLnBrk="0" hangingPunct="1">
+              <a:lnSpc>
+                <a:spcPct val="90000"/>
+              </a:lnSpc>
+              <a:spcBef>
+                <a:spcPts val="500"/>
+              </a:spcBef>
+              <a:buFont typeface="Arial" panose="020B0604020202020204" pitchFamily="34" charset="0"/>
+              <a:buChar char="•"/>
+              <a:defRPr sz="1800" kern="1200">
+                <a:solidFill>
+                  <a:schemeClr val="tx1"/>
+                </a:solidFill>
+                <a:latin typeface="+mn-lt"/>
+                <a:ea typeface="+mn-ea"/>
+                <a:cs typeface="+mn-cs"/>
+              </a:defRPr>
+            </a:lvl5pPr>
+            <a:lvl6pPr marL="2514600" indent="-228600" algn="r" defTabSz="914400" rtl="1" eaLnBrk="1" latinLnBrk="0" hangingPunct="1">
+              <a:lnSpc>
+                <a:spcPct val="90000"/>
+              </a:lnSpc>
+              <a:spcBef>
+                <a:spcPts val="500"/>
+              </a:spcBef>
+              <a:buFont typeface="Arial" panose="020B0604020202020204" pitchFamily="34" charset="0"/>
+              <a:buChar char="•"/>
+              <a:defRPr sz="1800" kern="1200">
+                <a:solidFill>
+                  <a:schemeClr val="tx1"/>
+                </a:solidFill>
+                <a:latin typeface="+mn-lt"/>
+                <a:ea typeface="+mn-ea"/>
+                <a:cs typeface="+mn-cs"/>
+              </a:defRPr>
+            </a:lvl6pPr>
+            <a:lvl7pPr marL="2971800" indent="-228600" algn="r" defTabSz="914400" rtl="1" eaLnBrk="1" latinLnBrk="0" hangingPunct="1">
+              <a:lnSpc>
+                <a:spcPct val="90000"/>
+              </a:lnSpc>
+              <a:spcBef>
+                <a:spcPts val="500"/>
+              </a:spcBef>
+              <a:buFont typeface="Arial" panose="020B0604020202020204" pitchFamily="34" charset="0"/>
+              <a:buChar char="•"/>
+              <a:defRPr sz="1800" kern="1200">
+                <a:solidFill>
+                  <a:schemeClr val="tx1"/>
+                </a:solidFill>
+                <a:latin typeface="+mn-lt"/>
+                <a:ea typeface="+mn-ea"/>
+                <a:cs typeface="+mn-cs"/>
+              </a:defRPr>
+            </a:lvl7pPr>
+            <a:lvl8pPr marL="3429000" indent="-228600" algn="r" defTabSz="914400" rtl="1" eaLnBrk="1" latinLnBrk="0" hangingPunct="1">
+              <a:lnSpc>
+                <a:spcPct val="90000"/>
+              </a:lnSpc>
+              <a:spcBef>
+                <a:spcPts val="500"/>
+              </a:spcBef>
+              <a:buFont typeface="Arial" panose="020B0604020202020204" pitchFamily="34" charset="0"/>
+              <a:buChar char="•"/>
+              <a:defRPr sz="1800" kern="1200">
+                <a:solidFill>
+                  <a:schemeClr val="tx1"/>
+                </a:solidFill>
+                <a:latin typeface="+mn-lt"/>
+                <a:ea typeface="+mn-ea"/>
+                <a:cs typeface="+mn-cs"/>
+              </a:defRPr>
+            </a:lvl8pPr>
+            <a:lvl9pPr marL="3886200" indent="-228600" algn="r" defTabSz="914400" rtl="1" eaLnBrk="1" latinLnBrk="0" hangingPunct="1">
+              <a:lnSpc>
+                <a:spcPct val="90000"/>
+              </a:lnSpc>
+              <a:spcBef>
+                <a:spcPts val="500"/>
+              </a:spcBef>
+              <a:buFont typeface="Arial" panose="020B0604020202020204" pitchFamily="34" charset="0"/>
+              <a:buChar char="•"/>
+              <a:defRPr sz="1800" kern="1200">
+                <a:solidFill>
+                  <a:schemeClr val="tx1"/>
+                </a:solidFill>
+                <a:latin typeface="+mn-lt"/>
+                <a:ea typeface="+mn-ea"/>
+                <a:cs typeface="+mn-cs"/>
+              </a:defRPr>
+            </a:lvl9pPr>
+          </a:lstStyle>
+          <a:p>
+            <a:pPr marL="457200" lvl="1" indent="0" algn="l" rtl="0">
+              <a:lnSpc>
+                <a:spcPct val="100000"/>
+              </a:lnSpc>
+              <a:buNone/>
+            </a:pPr>
+            <a:endParaRPr lang="en-US" sz="2800" dirty="0" smtClean="0"/>
+          </a:p>
+          <a:p>
+            <a:pPr lvl="1" algn="l" rtl="0">
+              <a:lnSpc>
+                <a:spcPct val="100000"/>
+              </a:lnSpc>
+            </a:pPr>
+            <a:r>
+              <a:rPr lang="en-US" sz="2800" dirty="0" smtClean="0"/>
+              <a:t>The aim of this project is that ideally, the total response of the Pre-distorter and PAs will be linear (reduce am/am, am/pm distortions and OOB emission) up to some saturation voltage. </a:t>
+            </a:r>
+          </a:p>
+          <a:p>
+            <a:pPr marL="457200" lvl="1" indent="0" algn="l" rtl="0">
+              <a:lnSpc>
+                <a:spcPct val="100000"/>
+              </a:lnSpc>
+              <a:buNone/>
+            </a:pPr>
+            <a:endParaRPr lang="en-US" sz="2800" dirty="0" smtClean="0"/>
+          </a:p>
+          <a:p>
+            <a:pPr marL="457200" lvl="1" indent="0" algn="l" rtl="0">
+              <a:lnSpc>
+                <a:spcPct val="100000"/>
+              </a:lnSpc>
+              <a:buNone/>
+            </a:pPr>
+            <a:endParaRPr lang="en-US" sz="2800" dirty="0" smtClean="0"/>
+          </a:p>
+          <a:p>
+            <a:pPr lvl="1" algn="l" rtl="0">
+              <a:lnSpc>
+                <a:spcPct val="100000"/>
+              </a:lnSpc>
+            </a:pPr>
+            <a:r>
+              <a:rPr lang="en-US" sz="2800" dirty="0" smtClean="0"/>
+              <a:t>Using </a:t>
+            </a:r>
+            <a:r>
+              <a:rPr lang="en-US" sz="2800" dirty="0"/>
+              <a:t>both classical and deep learning methods, we will create a digital pre distorter that preprocess a signal before entering a nonlinear power amplifier</a:t>
+            </a:r>
+            <a:r>
+              <a:rPr lang="en-US" sz="2800" dirty="0" smtClean="0"/>
+              <a:t>. </a:t>
+            </a:r>
+            <a:endParaRPr lang="en-US" sz="2800" dirty="0"/>
+          </a:p>
+          <a:p>
+            <a:pPr lvl="1" algn="l" rtl="0">
+              <a:lnSpc>
+                <a:spcPct val="100000"/>
+              </a:lnSpc>
+            </a:pPr>
+            <a:endParaRPr lang="he-IL" sz="2800" dirty="0">
+              <a:solidFill>
+                <a:srgbClr val="002060"/>
+              </a:solidFill>
+            </a:endParaRPr>
+          </a:p>
+        </p:txBody>
+      </p:sp>
+      <p:sp>
+        <p:nvSpPr>
+          <p:cNvPr id="4" name="Slide Number Placeholder 4"/>
+          <p:cNvSpPr>
+            <a:spLocks noGrp="1"/>
+          </p:cNvSpPr>
+          <p:nvPr>
+            <p:ph type="sldNum" sz="quarter" idx="12"/>
+          </p:nvPr>
+        </p:nvSpPr>
+        <p:spPr>
+          <a:xfrm>
+            <a:off x="8737600" y="6400799"/>
+            <a:ext cx="2844800" cy="365125"/>
+          </a:xfrm>
+        </p:spPr>
+        <p:txBody>
+          <a:bodyPr/>
+          <a:lstStyle/>
+          <a:p>
+            <a:pPr algn="ctr"/>
+            <a:fld id="{B01D9778-10B4-40FB-B4E4-44FA89A86639}" type="slidenum">
+              <a:rPr lang="en-US" smtClean="0"/>
+              <a:pPr algn="ctr"/>
+              <a:t>4</a:t>
+            </a:fld>
+            <a:endParaRPr lang="en-US"/>
+          </a:p>
+        </p:txBody>
+      </p:sp>
+    </p:spTree>
+    <p:extLst>
+      <p:ext uri="{BB962C8B-B14F-4D97-AF65-F5344CB8AC3E}">
+        <p14:creationId xmlns:p14="http://schemas.microsoft.com/office/powerpoint/2010/main" val="73655267"/>
+      </p:ext>
+    </p:extLst>
+  </p:cSld>
+  <p:clrMapOvr>
+    <a:masterClrMapping/>
+  </p:clrMapOvr>
+</p:sld>
+</file>
+
+<file path=ppt/slides/slide5.xml><?xml version="1.0" encoding="utf-8"?>
+<p:sld xmlns:a="http://schemas.openxmlformats.org/drawingml/2006/main" xmlns:r="http://schemas.openxmlformats.org/officeDocument/2006/relationships" xmlns:p="http://schemas.openxmlformats.org/presentationml/2006/main">
+  <p:cSld>
+    <p:spTree>
+      <p:nvGrpSpPr>
+        <p:cNvPr id="1" name=""/>
+        <p:cNvGrpSpPr/>
+        <p:nvPr/>
+      </p:nvGrpSpPr>
+      <p:grpSpPr>
+        <a:xfrm>
+          <a:off x="0" y="0"/>
+          <a:ext cx="0" cy="0"/>
+          <a:chOff x="0" y="0"/>
+          <a:chExt cx="0" cy="0"/>
+        </a:xfrm>
+      </p:grpSpPr>
+      <p:sp>
+        <p:nvSpPr>
+          <p:cNvPr id="2" name="Title 1"/>
+          <p:cNvSpPr txBox="1">
+            <a:spLocks/>
+          </p:cNvSpPr>
+          <p:nvPr/>
+        </p:nvSpPr>
+        <p:spPr>
+          <a:xfrm>
+            <a:off x="609600" y="274638"/>
+            <a:ext cx="10972800" cy="1143000"/>
+          </a:xfrm>
+          <a:prstGeom prst="rect">
+            <a:avLst/>
+          </a:prstGeom>
+        </p:spPr>
+        <p:txBody>
+          <a:bodyPr/>
+          <a:lstStyle>
+            <a:lvl1pPr algn="r" defTabSz="914400" rtl="1" eaLnBrk="1" latinLnBrk="0" hangingPunct="1">
+              <a:lnSpc>
+                <a:spcPct val="90000"/>
+              </a:lnSpc>
+              <a:spcBef>
+                <a:spcPct val="0"/>
+              </a:spcBef>
+              <a:buNone/>
+              <a:defRPr sz="4400" kern="1200">
+                <a:solidFill>
+                  <a:schemeClr val="tx1"/>
+                </a:solidFill>
+                <a:latin typeface="+mj-lt"/>
+                <a:ea typeface="+mj-ea"/>
+                <a:cs typeface="+mj-cs"/>
+              </a:defRPr>
+            </a:lvl1pPr>
+          </a:lstStyle>
+          <a:p>
+            <a:pPr algn="ctr"/>
+            <a:r>
+              <a:rPr lang="en-US" dirty="0" smtClean="0">
+                <a:solidFill>
+                  <a:srgbClr val="002060"/>
+                </a:solidFill>
+              </a:rPr>
+              <a:t>Background</a:t>
+            </a:r>
+            <a:endParaRPr lang="he-IL" dirty="0">
+              <a:solidFill>
+                <a:srgbClr val="002060"/>
+              </a:solidFill>
+            </a:endParaRPr>
+          </a:p>
+        </p:txBody>
+      </p:sp>
+      <p:sp>
+        <p:nvSpPr>
+          <p:cNvPr id="3" name="Content Placeholder 2"/>
+          <p:cNvSpPr txBox="1">
+            <a:spLocks/>
+          </p:cNvSpPr>
+          <p:nvPr/>
+        </p:nvSpPr>
+        <p:spPr>
+          <a:xfrm>
+            <a:off x="609600" y="1221378"/>
+            <a:ext cx="10972800" cy="4761411"/>
+          </a:xfrm>
+          <a:prstGeom prst="rect">
+            <a:avLst/>
+          </a:prstGeom>
+        </p:spPr>
+        <p:txBody>
+          <a:bodyPr/>
+          <a:lstStyle>
+            <a:lvl1pPr marL="228600" indent="-228600" algn="r" defTabSz="914400" rtl="1" eaLnBrk="1" latinLnBrk="0" hangingPunct="1">
+              <a:lnSpc>
+                <a:spcPct val="90000"/>
+              </a:lnSpc>
+              <a:spcBef>
+                <a:spcPts val="1000"/>
+              </a:spcBef>
+              <a:buFont typeface="Arial" panose="020B0604020202020204" pitchFamily="34" charset="0"/>
+              <a:buChar char="•"/>
+              <a:defRPr sz="2800" kern="1200">
+                <a:solidFill>
+                  <a:schemeClr val="tx1"/>
+                </a:solidFill>
+                <a:latin typeface="+mn-lt"/>
+                <a:ea typeface="+mn-ea"/>
+                <a:cs typeface="+mn-cs"/>
+              </a:defRPr>
+            </a:lvl1pPr>
+            <a:lvl2pPr marL="685800" indent="-228600" algn="r" defTabSz="914400" rtl="1" eaLnBrk="1" latinLnBrk="0" hangingPunct="1">
+              <a:lnSpc>
+                <a:spcPct val="90000"/>
+              </a:lnSpc>
+              <a:spcBef>
+                <a:spcPts val="500"/>
+              </a:spcBef>
+              <a:buFont typeface="Arial" panose="020B0604020202020204" pitchFamily="34" charset="0"/>
+              <a:buChar char="•"/>
+              <a:defRPr sz="2400" kern="1200">
+                <a:solidFill>
+                  <a:schemeClr val="tx1"/>
+                </a:solidFill>
+                <a:latin typeface="+mn-lt"/>
+                <a:ea typeface="+mn-ea"/>
+                <a:cs typeface="+mn-cs"/>
+              </a:defRPr>
+            </a:lvl2pPr>
+            <a:lvl3pPr marL="1143000" indent="-228600" algn="r" defTabSz="914400" rtl="1" eaLnBrk="1" latinLnBrk="0" hangingPunct="1">
+              <a:lnSpc>
+                <a:spcPct val="90000"/>
+              </a:lnSpc>
+              <a:spcBef>
+                <a:spcPts val="500"/>
+              </a:spcBef>
+              <a:buFont typeface="Arial" panose="020B0604020202020204" pitchFamily="34" charset="0"/>
+              <a:buChar char="•"/>
+              <a:defRPr sz="2000" kern="1200">
+                <a:solidFill>
+                  <a:schemeClr val="tx1"/>
+                </a:solidFill>
+                <a:latin typeface="+mn-lt"/>
+                <a:ea typeface="+mn-ea"/>
+                <a:cs typeface="+mn-cs"/>
+              </a:defRPr>
+            </a:lvl3pPr>
+            <a:lvl4pPr marL="1600200" indent="-228600" algn="r" defTabSz="914400" rtl="1" eaLnBrk="1" latinLnBrk="0" hangingPunct="1">
+              <a:lnSpc>
+                <a:spcPct val="90000"/>
+              </a:lnSpc>
+              <a:spcBef>
+                <a:spcPts val="500"/>
+              </a:spcBef>
+              <a:buFont typeface="Arial" panose="020B0604020202020204" pitchFamily="34" charset="0"/>
+              <a:buChar char="•"/>
+              <a:defRPr sz="1800" kern="1200">
+                <a:solidFill>
+                  <a:schemeClr val="tx1"/>
+                </a:solidFill>
+                <a:latin typeface="+mn-lt"/>
+                <a:ea typeface="+mn-ea"/>
+                <a:cs typeface="+mn-cs"/>
+              </a:defRPr>
+            </a:lvl4pPr>
+            <a:lvl5pPr marL="2057400" indent="-228600" algn="r" defTabSz="914400" rtl="1" eaLnBrk="1" latinLnBrk="0" hangingPunct="1">
+              <a:lnSpc>
+                <a:spcPct val="90000"/>
+              </a:lnSpc>
+              <a:spcBef>
+                <a:spcPts val="500"/>
+              </a:spcBef>
+              <a:buFont typeface="Arial" panose="020B0604020202020204" pitchFamily="34" charset="0"/>
+              <a:buChar char="•"/>
+              <a:defRPr sz="1800" kern="1200">
+                <a:solidFill>
+                  <a:schemeClr val="tx1"/>
+                </a:solidFill>
+                <a:latin typeface="+mn-lt"/>
+                <a:ea typeface="+mn-ea"/>
+                <a:cs typeface="+mn-cs"/>
+              </a:defRPr>
+            </a:lvl5pPr>
+            <a:lvl6pPr marL="2514600" indent="-228600" algn="r" defTabSz="914400" rtl="1" eaLnBrk="1" latinLnBrk="0" hangingPunct="1">
+              <a:lnSpc>
+                <a:spcPct val="90000"/>
+              </a:lnSpc>
+              <a:spcBef>
+                <a:spcPts val="500"/>
+              </a:spcBef>
+              <a:buFont typeface="Arial" panose="020B0604020202020204" pitchFamily="34" charset="0"/>
+              <a:buChar char="•"/>
+              <a:defRPr sz="1800" kern="1200">
+                <a:solidFill>
+                  <a:schemeClr val="tx1"/>
+                </a:solidFill>
+                <a:latin typeface="+mn-lt"/>
+                <a:ea typeface="+mn-ea"/>
+                <a:cs typeface="+mn-cs"/>
+              </a:defRPr>
+            </a:lvl6pPr>
+            <a:lvl7pPr marL="2971800" indent="-228600" algn="r" defTabSz="914400" rtl="1" eaLnBrk="1" latinLnBrk="0" hangingPunct="1">
+              <a:lnSpc>
+                <a:spcPct val="90000"/>
+              </a:lnSpc>
+              <a:spcBef>
+                <a:spcPts val="500"/>
+              </a:spcBef>
+              <a:buFont typeface="Arial" panose="020B0604020202020204" pitchFamily="34" charset="0"/>
+              <a:buChar char="•"/>
+              <a:defRPr sz="1800" kern="1200">
+                <a:solidFill>
+                  <a:schemeClr val="tx1"/>
+                </a:solidFill>
+                <a:latin typeface="+mn-lt"/>
+                <a:ea typeface="+mn-ea"/>
+                <a:cs typeface="+mn-cs"/>
+              </a:defRPr>
+            </a:lvl7pPr>
+            <a:lvl8pPr marL="3429000" indent="-228600" algn="r" defTabSz="914400" rtl="1" eaLnBrk="1" latinLnBrk="0" hangingPunct="1">
+              <a:lnSpc>
+                <a:spcPct val="90000"/>
+              </a:lnSpc>
+              <a:spcBef>
+                <a:spcPts val="500"/>
+              </a:spcBef>
+              <a:buFont typeface="Arial" panose="020B0604020202020204" pitchFamily="34" charset="0"/>
+              <a:buChar char="•"/>
+              <a:defRPr sz="1800" kern="1200">
+                <a:solidFill>
+                  <a:schemeClr val="tx1"/>
+                </a:solidFill>
+                <a:latin typeface="+mn-lt"/>
+                <a:ea typeface="+mn-ea"/>
+                <a:cs typeface="+mn-cs"/>
+              </a:defRPr>
+            </a:lvl8pPr>
+            <a:lvl9pPr marL="3886200" indent="-228600" algn="r" defTabSz="914400" rtl="1" eaLnBrk="1" latinLnBrk="0" hangingPunct="1">
+              <a:lnSpc>
+                <a:spcPct val="90000"/>
+              </a:lnSpc>
+              <a:spcBef>
+                <a:spcPts val="500"/>
+              </a:spcBef>
+              <a:buFont typeface="Arial" panose="020B0604020202020204" pitchFamily="34" charset="0"/>
+              <a:buChar char="•"/>
+              <a:defRPr sz="1800" kern="1200">
+                <a:solidFill>
+                  <a:schemeClr val="tx1"/>
+                </a:solidFill>
+                <a:latin typeface="+mn-lt"/>
+                <a:ea typeface="+mn-ea"/>
+                <a:cs typeface="+mn-cs"/>
+              </a:defRPr>
+            </a:lvl9pPr>
+          </a:lstStyle>
+          <a:p>
+            <a:pPr algn="l" rtl="0"/>
+            <a:r>
+              <a:rPr lang="en-US" dirty="0"/>
+              <a:t>D</a:t>
+            </a:r>
+            <a:r>
+              <a:rPr lang="en-US" dirty="0" smtClean="0"/>
+              <a:t>ifferent </a:t>
+            </a:r>
+            <a:r>
+              <a:rPr lang="en-US" dirty="0"/>
+              <a:t>transmission formats, such as wideband Code Division Multiple Access (CDMA) or Orthogonal Frequency Division Multiplexing (OFDM), </a:t>
+            </a:r>
+            <a:r>
+              <a:rPr lang="en-US" dirty="0" smtClean="0"/>
+              <a:t>are </a:t>
+            </a:r>
+            <a:r>
+              <a:rPr lang="en-US" dirty="0"/>
+              <a:t>known to have high peak to average power </a:t>
+            </a:r>
+            <a:r>
+              <a:rPr lang="en-US" dirty="0" smtClean="0"/>
+              <a:t>ratios.</a:t>
+            </a:r>
+          </a:p>
+          <a:p>
+            <a:pPr algn="l" rtl="0"/>
+            <a:endParaRPr lang="en-US" dirty="0" smtClean="0"/>
+          </a:p>
+          <a:p>
+            <a:pPr algn="l" rtl="0"/>
+            <a:r>
+              <a:rPr lang="en-US" dirty="0" smtClean="0"/>
+              <a:t>That increases </a:t>
+            </a:r>
+            <a:r>
+              <a:rPr lang="en-US" dirty="0"/>
+              <a:t>the risk of using voltages that are close to the PAs saturation point, as this will lead to a severe distortion, as mentioned above. </a:t>
+            </a:r>
+            <a:endParaRPr lang="en-US" dirty="0" smtClean="0"/>
+          </a:p>
+          <a:p>
+            <a:pPr algn="l" rtl="0"/>
+            <a:endParaRPr lang="en-US" dirty="0"/>
+          </a:p>
+          <a:p>
+            <a:pPr algn="l" rtl="0"/>
+            <a:r>
+              <a:rPr lang="en-US" dirty="0" smtClean="0"/>
+              <a:t>For </a:t>
+            </a:r>
+            <a:r>
+              <a:rPr lang="en-US" dirty="0"/>
+              <a:t>this reason, PA linearization methods have gained popularity and increasing interest in recent years.</a:t>
+            </a:r>
+          </a:p>
+          <a:p>
+            <a:pPr algn="l" rtl="0"/>
+            <a:endParaRPr lang="en-US" dirty="0" smtClean="0">
+              <a:solidFill>
+                <a:srgbClr val="002060"/>
+              </a:solidFill>
+            </a:endParaRPr>
+          </a:p>
+        </p:txBody>
+      </p:sp>
     </p:spTree>
     <p:extLst>
       <p:ext uri="{BB962C8B-B14F-4D97-AF65-F5344CB8AC3E}">
         <p14:creationId xmlns:p14="http://schemas.microsoft.com/office/powerpoint/2010/main" val="2103425127"/>
+      </p:ext>
+    </p:extLst>
+  </p:cSld>
+  <p:clrMapOvr>
+    <a:masterClrMapping/>
+  </p:clrMapOvr>
+</p:sld>
+</file>
+
+<file path=ppt/slides/slide6.xml><?xml version="1.0" encoding="utf-8"?>
+<p:sld xmlns:a="http://schemas.openxmlformats.org/drawingml/2006/main" xmlns:r="http://schemas.openxmlformats.org/officeDocument/2006/relationships" xmlns:p="http://schemas.openxmlformats.org/presentationml/2006/main">
+  <p:cSld>
+    <p:spTree>
+      <p:nvGrpSpPr>
+        <p:cNvPr id="1" name=""/>
+        <p:cNvGrpSpPr/>
+        <p:nvPr/>
+      </p:nvGrpSpPr>
+      <p:grpSpPr>
+        <a:xfrm>
+          <a:off x="0" y="0"/>
+          <a:ext cx="0" cy="0"/>
+          <a:chOff x="0" y="0"/>
+          <a:chExt cx="0" cy="0"/>
+        </a:xfrm>
+      </p:grpSpPr>
+      <p:sp>
+        <p:nvSpPr>
+          <p:cNvPr id="2" name="Title 1"/>
+          <p:cNvSpPr txBox="1">
+            <a:spLocks/>
+          </p:cNvSpPr>
+          <p:nvPr/>
+        </p:nvSpPr>
+        <p:spPr>
+          <a:xfrm>
+            <a:off x="609600" y="274638"/>
+            <a:ext cx="10972800" cy="1143000"/>
+          </a:xfrm>
+          <a:prstGeom prst="rect">
+            <a:avLst/>
+          </a:prstGeom>
+        </p:spPr>
+        <p:txBody>
+          <a:bodyPr>
+            <a:normAutofit/>
+          </a:bodyPr>
+          <a:lstStyle>
+            <a:lvl1pPr algn="r" defTabSz="914400" rtl="1" eaLnBrk="1" latinLnBrk="0" hangingPunct="1">
+              <a:lnSpc>
+                <a:spcPct val="90000"/>
+              </a:lnSpc>
+              <a:spcBef>
+                <a:spcPct val="0"/>
+              </a:spcBef>
+              <a:buNone/>
+              <a:defRPr sz="4400" kern="1200">
+                <a:solidFill>
+                  <a:schemeClr val="tx1"/>
+                </a:solidFill>
+                <a:latin typeface="+mj-lt"/>
+                <a:ea typeface="+mj-ea"/>
+                <a:cs typeface="+mj-cs"/>
+              </a:defRPr>
+            </a:lvl1pPr>
+          </a:lstStyle>
+          <a:p>
+            <a:pPr algn="ctr"/>
+            <a:r>
+              <a:rPr lang="en-US" smtClean="0">
+                <a:solidFill>
+                  <a:srgbClr val="002060"/>
+                </a:solidFill>
+              </a:rPr>
+              <a:t>Literature Survey</a:t>
+            </a:r>
+            <a:endParaRPr lang="he-IL" dirty="0">
+              <a:solidFill>
+                <a:srgbClr val="002060"/>
+              </a:solidFill>
+            </a:endParaRPr>
+          </a:p>
+        </p:txBody>
+      </p:sp>
+      <p:sp>
+        <p:nvSpPr>
+          <p:cNvPr id="3" name="Content Placeholder 2"/>
+          <p:cNvSpPr txBox="1">
+            <a:spLocks/>
+          </p:cNvSpPr>
+          <p:nvPr/>
+        </p:nvSpPr>
+        <p:spPr>
+          <a:xfrm>
+            <a:off x="609600" y="1600201"/>
+            <a:ext cx="10972800" cy="4525963"/>
+          </a:xfrm>
+          <a:prstGeom prst="rect">
+            <a:avLst/>
+          </a:prstGeom>
+        </p:spPr>
+        <p:txBody>
+          <a:bodyPr/>
+          <a:lstStyle>
+            <a:lvl1pPr marL="228600" indent="-228600" algn="r" defTabSz="914400" rtl="1" eaLnBrk="1" latinLnBrk="0" hangingPunct="1">
+              <a:lnSpc>
+                <a:spcPct val="90000"/>
+              </a:lnSpc>
+              <a:spcBef>
+                <a:spcPts val="1000"/>
+              </a:spcBef>
+              <a:buFont typeface="Arial" panose="020B0604020202020204" pitchFamily="34" charset="0"/>
+              <a:buChar char="•"/>
+              <a:defRPr sz="2800" kern="1200">
+                <a:solidFill>
+                  <a:schemeClr val="tx1"/>
+                </a:solidFill>
+                <a:latin typeface="+mn-lt"/>
+                <a:ea typeface="+mn-ea"/>
+                <a:cs typeface="+mn-cs"/>
+              </a:defRPr>
+            </a:lvl1pPr>
+            <a:lvl2pPr marL="685800" indent="-228600" algn="r" defTabSz="914400" rtl="1" eaLnBrk="1" latinLnBrk="0" hangingPunct="1">
+              <a:lnSpc>
+                <a:spcPct val="90000"/>
+              </a:lnSpc>
+              <a:spcBef>
+                <a:spcPts val="500"/>
+              </a:spcBef>
+              <a:buFont typeface="Arial" panose="020B0604020202020204" pitchFamily="34" charset="0"/>
+              <a:buChar char="•"/>
+              <a:defRPr sz="2400" kern="1200">
+                <a:solidFill>
+                  <a:schemeClr val="tx1"/>
+                </a:solidFill>
+                <a:latin typeface="+mn-lt"/>
+                <a:ea typeface="+mn-ea"/>
+                <a:cs typeface="+mn-cs"/>
+              </a:defRPr>
+            </a:lvl2pPr>
+            <a:lvl3pPr marL="1143000" indent="-228600" algn="r" defTabSz="914400" rtl="1" eaLnBrk="1" latinLnBrk="0" hangingPunct="1">
+              <a:lnSpc>
+                <a:spcPct val="90000"/>
+              </a:lnSpc>
+              <a:spcBef>
+                <a:spcPts val="500"/>
+              </a:spcBef>
+              <a:buFont typeface="Arial" panose="020B0604020202020204" pitchFamily="34" charset="0"/>
+              <a:buChar char="•"/>
+              <a:defRPr sz="2000" kern="1200">
+                <a:solidFill>
+                  <a:schemeClr val="tx1"/>
+                </a:solidFill>
+                <a:latin typeface="+mn-lt"/>
+                <a:ea typeface="+mn-ea"/>
+                <a:cs typeface="+mn-cs"/>
+              </a:defRPr>
+            </a:lvl3pPr>
+            <a:lvl4pPr marL="1600200" indent="-228600" algn="r" defTabSz="914400" rtl="1" eaLnBrk="1" latinLnBrk="0" hangingPunct="1">
+              <a:lnSpc>
+                <a:spcPct val="90000"/>
+              </a:lnSpc>
+              <a:spcBef>
+                <a:spcPts val="500"/>
+              </a:spcBef>
+              <a:buFont typeface="Arial" panose="020B0604020202020204" pitchFamily="34" charset="0"/>
+              <a:buChar char="•"/>
+              <a:defRPr sz="1800" kern="1200">
+                <a:solidFill>
+                  <a:schemeClr val="tx1"/>
+                </a:solidFill>
+                <a:latin typeface="+mn-lt"/>
+                <a:ea typeface="+mn-ea"/>
+                <a:cs typeface="+mn-cs"/>
+              </a:defRPr>
+            </a:lvl4pPr>
+            <a:lvl5pPr marL="2057400" indent="-228600" algn="r" defTabSz="914400" rtl="1" eaLnBrk="1" latinLnBrk="0" hangingPunct="1">
+              <a:lnSpc>
+                <a:spcPct val="90000"/>
+              </a:lnSpc>
+              <a:spcBef>
+                <a:spcPts val="500"/>
+              </a:spcBef>
+              <a:buFont typeface="Arial" panose="020B0604020202020204" pitchFamily="34" charset="0"/>
+              <a:buChar char="•"/>
+              <a:defRPr sz="1800" kern="1200">
+                <a:solidFill>
+                  <a:schemeClr val="tx1"/>
+                </a:solidFill>
+                <a:latin typeface="+mn-lt"/>
+                <a:ea typeface="+mn-ea"/>
+                <a:cs typeface="+mn-cs"/>
+              </a:defRPr>
+            </a:lvl5pPr>
+            <a:lvl6pPr marL="2514600" indent="-228600" algn="r" defTabSz="914400" rtl="1" eaLnBrk="1" latinLnBrk="0" hangingPunct="1">
+              <a:lnSpc>
+                <a:spcPct val="90000"/>
+              </a:lnSpc>
+              <a:spcBef>
+                <a:spcPts val="500"/>
+              </a:spcBef>
+              <a:buFont typeface="Arial" panose="020B0604020202020204" pitchFamily="34" charset="0"/>
+              <a:buChar char="•"/>
+              <a:defRPr sz="1800" kern="1200">
+                <a:solidFill>
+                  <a:schemeClr val="tx1"/>
+                </a:solidFill>
+                <a:latin typeface="+mn-lt"/>
+                <a:ea typeface="+mn-ea"/>
+                <a:cs typeface="+mn-cs"/>
+              </a:defRPr>
+            </a:lvl6pPr>
+            <a:lvl7pPr marL="2971800" indent="-228600" algn="r" defTabSz="914400" rtl="1" eaLnBrk="1" latinLnBrk="0" hangingPunct="1">
+              <a:lnSpc>
+                <a:spcPct val="90000"/>
+              </a:lnSpc>
+              <a:spcBef>
+                <a:spcPts val="500"/>
+              </a:spcBef>
+              <a:buFont typeface="Arial" panose="020B0604020202020204" pitchFamily="34" charset="0"/>
+              <a:buChar char="•"/>
+              <a:defRPr sz="1800" kern="1200">
+                <a:solidFill>
+                  <a:schemeClr val="tx1"/>
+                </a:solidFill>
+                <a:latin typeface="+mn-lt"/>
+                <a:ea typeface="+mn-ea"/>
+                <a:cs typeface="+mn-cs"/>
+              </a:defRPr>
+            </a:lvl7pPr>
+            <a:lvl8pPr marL="3429000" indent="-228600" algn="r" defTabSz="914400" rtl="1" eaLnBrk="1" latinLnBrk="0" hangingPunct="1">
+              <a:lnSpc>
+                <a:spcPct val="90000"/>
+              </a:lnSpc>
+              <a:spcBef>
+                <a:spcPts val="500"/>
+              </a:spcBef>
+              <a:buFont typeface="Arial" panose="020B0604020202020204" pitchFamily="34" charset="0"/>
+              <a:buChar char="•"/>
+              <a:defRPr sz="1800" kern="1200">
+                <a:solidFill>
+                  <a:schemeClr val="tx1"/>
+                </a:solidFill>
+                <a:latin typeface="+mn-lt"/>
+                <a:ea typeface="+mn-ea"/>
+                <a:cs typeface="+mn-cs"/>
+              </a:defRPr>
+            </a:lvl8pPr>
+            <a:lvl9pPr marL="3886200" indent="-228600" algn="r" defTabSz="914400" rtl="1" eaLnBrk="1" latinLnBrk="0" hangingPunct="1">
+              <a:lnSpc>
+                <a:spcPct val="90000"/>
+              </a:lnSpc>
+              <a:spcBef>
+                <a:spcPts val="500"/>
+              </a:spcBef>
+              <a:buFont typeface="Arial" panose="020B0604020202020204" pitchFamily="34" charset="0"/>
+              <a:buChar char="•"/>
+              <a:defRPr sz="1800" kern="1200">
+                <a:solidFill>
+                  <a:schemeClr val="tx1"/>
+                </a:solidFill>
+                <a:latin typeface="+mn-lt"/>
+                <a:ea typeface="+mn-ea"/>
+                <a:cs typeface="+mn-cs"/>
+              </a:defRPr>
+            </a:lvl9pPr>
+          </a:lstStyle>
+          <a:p>
+            <a:pPr algn="ctr"/>
+            <a:r>
+              <a:rPr lang="en-US" smtClean="0">
+                <a:solidFill>
+                  <a:srgbClr val="002060"/>
+                </a:solidFill>
+              </a:rPr>
+              <a:t>Describe existing solutions to the problem that you have found in the literature survey</a:t>
+            </a:r>
+          </a:p>
+          <a:p>
+            <a:pPr algn="ctr"/>
+            <a:r>
+              <a:rPr lang="en-US" smtClean="0">
+                <a:solidFill>
+                  <a:srgbClr val="002060"/>
+                </a:solidFill>
+              </a:rPr>
+              <a:t>For each solution, give a general overview, some details, pros and cons (quality,  complexity, cost, …)</a:t>
+            </a:r>
+          </a:p>
+          <a:p>
+            <a:pPr marL="0" indent="0" algn="ctr">
+              <a:buFont typeface="Arial" panose="020B0604020202020204" pitchFamily="34" charset="0"/>
+              <a:buNone/>
+            </a:pPr>
+            <a:r>
+              <a:rPr lang="en-US" smtClean="0">
+                <a:solidFill>
+                  <a:srgbClr val="002060"/>
+                </a:solidFill>
+              </a:rPr>
+              <a:t>  </a:t>
+            </a:r>
+            <a:endParaRPr lang="he-IL" dirty="0">
+              <a:solidFill>
+                <a:srgbClr val="002060"/>
+              </a:solidFill>
+            </a:endParaRPr>
+          </a:p>
+        </p:txBody>
+      </p:sp>
+    </p:spTree>
+    <p:extLst>
+      <p:ext uri="{BB962C8B-B14F-4D97-AF65-F5344CB8AC3E}">
+        <p14:creationId xmlns:p14="http://schemas.microsoft.com/office/powerpoint/2010/main" val="1736242227"/>
+      </p:ext>
+    </p:extLst>
+  </p:cSld>
+  <p:clrMapOvr>
+    <a:masterClrMapping/>
+  </p:clrMapOvr>
+</p:sld>
+</file>
+
+<file path=ppt/slides/slide7.xml><?xml version="1.0" encoding="utf-8"?>
+<p:sld xmlns:a="http://schemas.openxmlformats.org/drawingml/2006/main" xmlns:r="http://schemas.openxmlformats.org/officeDocument/2006/relationships" xmlns:p="http://schemas.openxmlformats.org/presentationml/2006/main">
+  <p:cSld>
+    <p:spTree>
+      <p:nvGrpSpPr>
+        <p:cNvPr id="1" name=""/>
+        <p:cNvGrpSpPr/>
+        <p:nvPr/>
+      </p:nvGrpSpPr>
+      <p:grpSpPr>
+        <a:xfrm>
+          <a:off x="0" y="0"/>
+          <a:ext cx="0" cy="0"/>
+          <a:chOff x="0" y="0"/>
+          <a:chExt cx="0" cy="0"/>
+        </a:xfrm>
+      </p:grpSpPr>
+      <p:sp>
+        <p:nvSpPr>
+          <p:cNvPr id="2" name="Title 1"/>
+          <p:cNvSpPr txBox="1">
+            <a:spLocks/>
+          </p:cNvSpPr>
+          <p:nvPr/>
+        </p:nvSpPr>
+        <p:spPr>
+          <a:xfrm>
+            <a:off x="465908" y="457201"/>
+            <a:ext cx="10972800" cy="1143000"/>
+          </a:xfrm>
+          <a:prstGeom prst="rect">
+            <a:avLst/>
+          </a:prstGeom>
+        </p:spPr>
+        <p:txBody>
+          <a:bodyPr>
+            <a:normAutofit/>
+          </a:bodyPr>
+          <a:lstStyle>
+            <a:lvl1pPr algn="r" defTabSz="914400" rtl="1" eaLnBrk="1" latinLnBrk="0" hangingPunct="1">
+              <a:lnSpc>
+                <a:spcPct val="90000"/>
+              </a:lnSpc>
+              <a:spcBef>
+                <a:spcPct val="0"/>
+              </a:spcBef>
+              <a:buNone/>
+              <a:defRPr sz="4400" kern="1200">
+                <a:solidFill>
+                  <a:schemeClr val="tx1"/>
+                </a:solidFill>
+                <a:latin typeface="+mj-lt"/>
+                <a:ea typeface="+mj-ea"/>
+                <a:cs typeface="+mj-cs"/>
+              </a:defRPr>
+            </a:lvl1pPr>
+          </a:lstStyle>
+          <a:p>
+            <a:pPr algn="ctr"/>
+            <a:r>
+              <a:rPr lang="en-US" dirty="0" err="1">
+                <a:solidFill>
+                  <a:srgbClr val="002060"/>
+                </a:solidFill>
+              </a:rPr>
+              <a:t>Volterra</a:t>
+            </a:r>
+            <a:r>
+              <a:rPr lang="en-US" dirty="0">
+                <a:solidFill>
+                  <a:srgbClr val="002060"/>
+                </a:solidFill>
+              </a:rPr>
+              <a:t> series as a PA </a:t>
+            </a:r>
+            <a:r>
+              <a:rPr lang="en-US" dirty="0" smtClean="0">
+                <a:solidFill>
+                  <a:srgbClr val="002060"/>
+                </a:solidFill>
+              </a:rPr>
+              <a:t>model</a:t>
+            </a:r>
+            <a:endParaRPr lang="he-IL" dirty="0">
+              <a:solidFill>
+                <a:srgbClr val="002060"/>
+              </a:solidFill>
+            </a:endParaRPr>
+          </a:p>
+        </p:txBody>
+      </p:sp>
+      <p:sp>
+        <p:nvSpPr>
+          <p:cNvPr id="5" name="Content Placeholder 2"/>
+          <p:cNvSpPr txBox="1">
+            <a:spLocks/>
+          </p:cNvSpPr>
+          <p:nvPr/>
+        </p:nvSpPr>
+        <p:spPr>
+          <a:xfrm>
+            <a:off x="570412" y="1600201"/>
+            <a:ext cx="10972800" cy="4525963"/>
+          </a:xfrm>
+          <a:prstGeom prst="rect">
+            <a:avLst/>
+          </a:prstGeom>
+        </p:spPr>
+        <p:txBody>
+          <a:bodyPr/>
+          <a:lstStyle>
+            <a:lvl1pPr marL="228600" indent="-228600" algn="r" defTabSz="914400" rtl="1" eaLnBrk="1" latinLnBrk="0" hangingPunct="1">
+              <a:lnSpc>
+                <a:spcPct val="90000"/>
+              </a:lnSpc>
+              <a:spcBef>
+                <a:spcPts val="1000"/>
+              </a:spcBef>
+              <a:buFont typeface="Arial" panose="020B0604020202020204" pitchFamily="34" charset="0"/>
+              <a:buChar char="•"/>
+              <a:defRPr sz="2800" kern="1200">
+                <a:solidFill>
+                  <a:schemeClr val="tx1"/>
+                </a:solidFill>
+                <a:latin typeface="+mn-lt"/>
+                <a:ea typeface="+mn-ea"/>
+                <a:cs typeface="+mn-cs"/>
+              </a:defRPr>
+            </a:lvl1pPr>
+            <a:lvl2pPr marL="685800" indent="-228600" algn="r" defTabSz="914400" rtl="1" eaLnBrk="1" latinLnBrk="0" hangingPunct="1">
+              <a:lnSpc>
+                <a:spcPct val="90000"/>
+              </a:lnSpc>
+              <a:spcBef>
+                <a:spcPts val="500"/>
+              </a:spcBef>
+              <a:buFont typeface="Arial" panose="020B0604020202020204" pitchFamily="34" charset="0"/>
+              <a:buChar char="•"/>
+              <a:defRPr sz="2400" kern="1200">
+                <a:solidFill>
+                  <a:schemeClr val="tx1"/>
+                </a:solidFill>
+                <a:latin typeface="+mn-lt"/>
+                <a:ea typeface="+mn-ea"/>
+                <a:cs typeface="+mn-cs"/>
+              </a:defRPr>
+            </a:lvl2pPr>
+            <a:lvl3pPr marL="1143000" indent="-228600" algn="r" defTabSz="914400" rtl="1" eaLnBrk="1" latinLnBrk="0" hangingPunct="1">
+              <a:lnSpc>
+                <a:spcPct val="90000"/>
+              </a:lnSpc>
+              <a:spcBef>
+                <a:spcPts val="500"/>
+              </a:spcBef>
+              <a:buFont typeface="Arial" panose="020B0604020202020204" pitchFamily="34" charset="0"/>
+              <a:buChar char="•"/>
+              <a:defRPr sz="2000" kern="1200">
+                <a:solidFill>
+                  <a:schemeClr val="tx1"/>
+                </a:solidFill>
+                <a:latin typeface="+mn-lt"/>
+                <a:ea typeface="+mn-ea"/>
+                <a:cs typeface="+mn-cs"/>
+              </a:defRPr>
+            </a:lvl3pPr>
+            <a:lvl4pPr marL="1600200" indent="-228600" algn="r" defTabSz="914400" rtl="1" eaLnBrk="1" latinLnBrk="0" hangingPunct="1">
+              <a:lnSpc>
+                <a:spcPct val="90000"/>
+              </a:lnSpc>
+              <a:spcBef>
+                <a:spcPts val="500"/>
+              </a:spcBef>
+              <a:buFont typeface="Arial" panose="020B0604020202020204" pitchFamily="34" charset="0"/>
+              <a:buChar char="•"/>
+              <a:defRPr sz="1800" kern="1200">
+                <a:solidFill>
+                  <a:schemeClr val="tx1"/>
+                </a:solidFill>
+                <a:latin typeface="+mn-lt"/>
+                <a:ea typeface="+mn-ea"/>
+                <a:cs typeface="+mn-cs"/>
+              </a:defRPr>
+            </a:lvl4pPr>
+            <a:lvl5pPr marL="2057400" indent="-228600" algn="r" defTabSz="914400" rtl="1" eaLnBrk="1" latinLnBrk="0" hangingPunct="1">
+              <a:lnSpc>
+                <a:spcPct val="90000"/>
+              </a:lnSpc>
+              <a:spcBef>
+                <a:spcPts val="500"/>
+              </a:spcBef>
+              <a:buFont typeface="Arial" panose="020B0604020202020204" pitchFamily="34" charset="0"/>
+              <a:buChar char="•"/>
+              <a:defRPr sz="1800" kern="1200">
+                <a:solidFill>
+                  <a:schemeClr val="tx1"/>
+                </a:solidFill>
+                <a:latin typeface="+mn-lt"/>
+                <a:ea typeface="+mn-ea"/>
+                <a:cs typeface="+mn-cs"/>
+              </a:defRPr>
+            </a:lvl5pPr>
+            <a:lvl6pPr marL="2514600" indent="-228600" algn="r" defTabSz="914400" rtl="1" eaLnBrk="1" latinLnBrk="0" hangingPunct="1">
+              <a:lnSpc>
+                <a:spcPct val="90000"/>
+              </a:lnSpc>
+              <a:spcBef>
+                <a:spcPts val="500"/>
+              </a:spcBef>
+              <a:buFont typeface="Arial" panose="020B0604020202020204" pitchFamily="34" charset="0"/>
+              <a:buChar char="•"/>
+              <a:defRPr sz="1800" kern="1200">
+                <a:solidFill>
+                  <a:schemeClr val="tx1"/>
+                </a:solidFill>
+                <a:latin typeface="+mn-lt"/>
+                <a:ea typeface="+mn-ea"/>
+                <a:cs typeface="+mn-cs"/>
+              </a:defRPr>
+            </a:lvl6pPr>
+            <a:lvl7pPr marL="2971800" indent="-228600" algn="r" defTabSz="914400" rtl="1" eaLnBrk="1" latinLnBrk="0" hangingPunct="1">
+              <a:lnSpc>
+                <a:spcPct val="90000"/>
+              </a:lnSpc>
+              <a:spcBef>
+                <a:spcPts val="500"/>
+              </a:spcBef>
+              <a:buFont typeface="Arial" panose="020B0604020202020204" pitchFamily="34" charset="0"/>
+              <a:buChar char="•"/>
+              <a:defRPr sz="1800" kern="1200">
+                <a:solidFill>
+                  <a:schemeClr val="tx1"/>
+                </a:solidFill>
+                <a:latin typeface="+mn-lt"/>
+                <a:ea typeface="+mn-ea"/>
+                <a:cs typeface="+mn-cs"/>
+              </a:defRPr>
+            </a:lvl7pPr>
+            <a:lvl8pPr marL="3429000" indent="-228600" algn="r" defTabSz="914400" rtl="1" eaLnBrk="1" latinLnBrk="0" hangingPunct="1">
+              <a:lnSpc>
+                <a:spcPct val="90000"/>
+              </a:lnSpc>
+              <a:spcBef>
+                <a:spcPts val="500"/>
+              </a:spcBef>
+              <a:buFont typeface="Arial" panose="020B0604020202020204" pitchFamily="34" charset="0"/>
+              <a:buChar char="•"/>
+              <a:defRPr sz="1800" kern="1200">
+                <a:solidFill>
+                  <a:schemeClr val="tx1"/>
+                </a:solidFill>
+                <a:latin typeface="+mn-lt"/>
+                <a:ea typeface="+mn-ea"/>
+                <a:cs typeface="+mn-cs"/>
+              </a:defRPr>
+            </a:lvl8pPr>
+            <a:lvl9pPr marL="3886200" indent="-228600" algn="r" defTabSz="914400" rtl="1" eaLnBrk="1" latinLnBrk="0" hangingPunct="1">
+              <a:lnSpc>
+                <a:spcPct val="90000"/>
+              </a:lnSpc>
+              <a:spcBef>
+                <a:spcPts val="500"/>
+              </a:spcBef>
+              <a:buFont typeface="Arial" panose="020B0604020202020204" pitchFamily="34" charset="0"/>
+              <a:buChar char="•"/>
+              <a:defRPr sz="1800" kern="1200">
+                <a:solidFill>
+                  <a:schemeClr val="tx1"/>
+                </a:solidFill>
+                <a:latin typeface="+mn-lt"/>
+                <a:ea typeface="+mn-ea"/>
+                <a:cs typeface="+mn-cs"/>
+              </a:defRPr>
+            </a:lvl9pPr>
+          </a:lstStyle>
+          <a:p>
+            <a:pPr algn="l" rtl="0"/>
+            <a:r>
+              <a:rPr lang="en-GB" dirty="0" smtClean="0"/>
+              <a:t>In addition to being nonlinear systems, PAs </a:t>
+            </a:r>
+            <a:r>
+              <a:rPr lang="en-GB" dirty="0"/>
+              <a:t>also exhibit memory effects</a:t>
+            </a:r>
+            <a:r>
+              <a:rPr lang="en-GB" dirty="0" smtClean="0"/>
+              <a:t>.</a:t>
+            </a:r>
+          </a:p>
+          <a:p>
+            <a:pPr algn="l" rtl="0"/>
+            <a:endParaRPr lang="en-GB" dirty="0"/>
+          </a:p>
+          <a:p>
+            <a:pPr algn="l" rtl="0"/>
+            <a:r>
+              <a:rPr lang="en-US" dirty="0" err="1"/>
+              <a:t>Volterra</a:t>
+            </a:r>
+            <a:r>
+              <a:rPr lang="en-US" dirty="0"/>
+              <a:t> series are used in order to model systems that are both nonlinear and have memory. </a:t>
+            </a:r>
+          </a:p>
+          <a:p>
+            <a:pPr marL="0" indent="0" algn="l" rtl="0">
+              <a:buNone/>
+            </a:pPr>
+            <a:endParaRPr lang="en-US" dirty="0" smtClean="0"/>
+          </a:p>
+          <a:p>
+            <a:pPr marL="0" indent="0" algn="l" rtl="0">
+              <a:buNone/>
+            </a:pPr>
+            <a:endParaRPr lang="en-US" dirty="0" smtClean="0"/>
+          </a:p>
+        </p:txBody>
+      </p:sp>
+      <mc:AlternateContent xmlns:mc="http://schemas.openxmlformats.org/markup-compatibility/2006">
+        <mc:Choice xmlns:a14="http://schemas.microsoft.com/office/drawing/2010/main" Requires="a14">
+          <p:sp>
+            <p:nvSpPr>
+              <p:cNvPr id="6" name="מלבן 5"/>
+              <p:cNvSpPr/>
+              <p:nvPr/>
+            </p:nvSpPr>
+            <p:spPr>
+              <a:xfrm>
+                <a:off x="1065581" y="4240108"/>
+                <a:ext cx="9515333" cy="1367106"/>
+              </a:xfrm>
+              <a:prstGeom prst="rect">
+                <a:avLst/>
+              </a:prstGeom>
+            </p:spPr>
+            <p:txBody>
+              <a:bodyPr wrap="square">
+                <a:spAutoFit/>
+              </a:bodyPr>
+              <a:lstStyle/>
+              <a:p>
+                <a14:m>
+                  <m:oMathPara xmlns:m="http://schemas.openxmlformats.org/officeDocument/2006/math">
+                    <m:oMathParaPr>
+                      <m:jc m:val="centerGroup"/>
+                    </m:oMathParaPr>
+                    <m:oMath xmlns:m="http://schemas.openxmlformats.org/officeDocument/2006/math">
+                      <m:r>
+                        <a:rPr lang="en-US" sz="2800" i="1">
+                          <a:latin typeface="Cambria Math" panose="02040503050406030204" pitchFamily="18" charset="0"/>
+                        </a:rPr>
+                        <m:t>𝑦</m:t>
+                      </m:r>
+                      <m:d>
+                        <m:dPr>
+                          <m:ctrlPr>
+                            <a:rPr lang="en-US" sz="2800" i="1">
+                              <a:latin typeface="Cambria Math" panose="02040503050406030204" pitchFamily="18" charset="0"/>
+                            </a:rPr>
+                          </m:ctrlPr>
+                        </m:dPr>
+                        <m:e>
+                          <m:r>
+                            <a:rPr lang="en-US" sz="2800" i="1">
+                              <a:latin typeface="Cambria Math" panose="02040503050406030204" pitchFamily="18" charset="0"/>
+                            </a:rPr>
+                            <m:t>𝑛</m:t>
+                          </m:r>
+                        </m:e>
+                      </m:d>
+                      <m:r>
+                        <a:rPr lang="en-US" sz="2800" i="0">
+                          <a:latin typeface="Cambria Math" panose="02040503050406030204" pitchFamily="18" charset="0"/>
+                        </a:rPr>
+                        <m:t>= </m:t>
+                      </m:r>
+                      <m:nary>
+                        <m:naryPr>
+                          <m:chr m:val="∑"/>
+                          <m:limLoc m:val="undOvr"/>
+                          <m:ctrlPr>
+                            <a:rPr lang="en-US" sz="2800" i="1">
+                              <a:latin typeface="Cambria Math" panose="02040503050406030204" pitchFamily="18" charset="0"/>
+                            </a:rPr>
+                          </m:ctrlPr>
+                        </m:naryPr>
+                        <m:sub>
+                          <m:r>
+                            <a:rPr lang="en-US" sz="2800" i="1">
+                              <a:latin typeface="Cambria Math" panose="02040503050406030204" pitchFamily="18" charset="0"/>
+                            </a:rPr>
+                            <m:t>𝑘</m:t>
+                          </m:r>
+                          <m:r>
+                            <a:rPr lang="en-US" sz="2800" i="0">
+                              <a:latin typeface="Cambria Math" panose="02040503050406030204" pitchFamily="18" charset="0"/>
+                            </a:rPr>
+                            <m:t>=</m:t>
+                          </m:r>
+                          <m:r>
+                            <a:rPr lang="en-US" sz="2800" i="0">
+                              <a:latin typeface="Cambria Math" panose="02040503050406030204" pitchFamily="18" charset="0"/>
+                            </a:rPr>
+                            <m:t>1</m:t>
+                          </m:r>
+                        </m:sub>
+                        <m:sup>
+                          <m:r>
+                            <a:rPr lang="en-US" sz="2800" i="1">
+                              <a:latin typeface="Cambria Math" panose="02040503050406030204" pitchFamily="18" charset="0"/>
+                            </a:rPr>
+                            <m:t>𝐾</m:t>
+                          </m:r>
+                        </m:sup>
+                        <m:e>
+                          <m:nary>
+                            <m:naryPr>
+                              <m:chr m:val="∑"/>
+                              <m:limLoc m:val="undOvr"/>
+                              <m:ctrlPr>
+                                <a:rPr lang="en-US" sz="2800" i="1">
+                                  <a:latin typeface="Cambria Math" panose="02040503050406030204" pitchFamily="18" charset="0"/>
+                                </a:rPr>
+                              </m:ctrlPr>
+                            </m:naryPr>
+                            <m:sub>
+                              <m:sSub>
+                                <m:sSubPr>
+                                  <m:ctrlPr>
+                                    <a:rPr lang="en-US" sz="2800" i="1">
+                                      <a:latin typeface="Cambria Math" panose="02040503050406030204" pitchFamily="18" charset="0"/>
+                                    </a:rPr>
+                                  </m:ctrlPr>
+                                </m:sSubPr>
+                                <m:e>
+                                  <m:r>
+                                    <a:rPr lang="en-US" sz="2800" i="1">
+                                      <a:latin typeface="Cambria Math" panose="02040503050406030204" pitchFamily="18" charset="0"/>
+                                    </a:rPr>
+                                    <m:t>𝑚</m:t>
+                                  </m:r>
+                                </m:e>
+                                <m:sub>
+                                  <m:r>
+                                    <a:rPr lang="en-US" sz="2800" i="0">
+                                      <a:latin typeface="Cambria Math" panose="02040503050406030204" pitchFamily="18" charset="0"/>
+                                    </a:rPr>
+                                    <m:t>1</m:t>
+                                  </m:r>
+                                </m:sub>
+                              </m:sSub>
+                            </m:sub>
+                            <m:sup>
+                              <m:r>
+                                <a:rPr lang="en-US" sz="2800" i="1">
+                                  <a:latin typeface="Cambria Math" panose="02040503050406030204" pitchFamily="18" charset="0"/>
+                                </a:rPr>
+                                <m:t>𝑀</m:t>
+                              </m:r>
+                              <m:r>
+                                <a:rPr lang="en-US" sz="2800" i="0">
+                                  <a:latin typeface="Cambria Math" panose="02040503050406030204" pitchFamily="18" charset="0"/>
+                                </a:rPr>
+                                <m:t>−</m:t>
+                              </m:r>
+                              <m:r>
+                                <a:rPr lang="en-US" sz="2800" i="0">
+                                  <a:latin typeface="Cambria Math" panose="02040503050406030204" pitchFamily="18" charset="0"/>
+                                </a:rPr>
+                                <m:t>1</m:t>
+                              </m:r>
+                            </m:sup>
+                            <m:e>
+                              <m:r>
+                                <a:rPr lang="en-US" sz="2800" i="0">
+                                  <a:latin typeface="Cambria Math" panose="02040503050406030204" pitchFamily="18" charset="0"/>
+                                </a:rPr>
+                                <m:t>…</m:t>
+                              </m:r>
+                            </m:e>
+                          </m:nary>
+                          <m:nary>
+                            <m:naryPr>
+                              <m:chr m:val="∑"/>
+                              <m:limLoc m:val="undOvr"/>
+                              <m:ctrlPr>
+                                <a:rPr lang="en-US" sz="2800" i="1">
+                                  <a:latin typeface="Cambria Math" panose="02040503050406030204" pitchFamily="18" charset="0"/>
+                                </a:rPr>
+                              </m:ctrlPr>
+                            </m:naryPr>
+                            <m:sub>
+                              <m:sSub>
+                                <m:sSubPr>
+                                  <m:ctrlPr>
+                                    <a:rPr lang="en-US" sz="2800" i="1">
+                                      <a:latin typeface="Cambria Math" panose="02040503050406030204" pitchFamily="18" charset="0"/>
+                                    </a:rPr>
+                                  </m:ctrlPr>
+                                </m:sSubPr>
+                                <m:e>
+                                  <m:r>
+                                    <a:rPr lang="en-US" sz="2800" i="1">
+                                      <a:latin typeface="Cambria Math" panose="02040503050406030204" pitchFamily="18" charset="0"/>
+                                    </a:rPr>
+                                    <m:t>𝑚</m:t>
+                                  </m:r>
+                                </m:e>
+                                <m:sub>
+                                  <m:r>
+                                    <a:rPr lang="en-US" sz="2800" i="1">
+                                      <a:latin typeface="Cambria Math" panose="02040503050406030204" pitchFamily="18" charset="0"/>
+                                    </a:rPr>
+                                    <m:t>𝑘</m:t>
+                                  </m:r>
+                                </m:sub>
+                              </m:sSub>
+                            </m:sub>
+                            <m:sup>
+                              <m:r>
+                                <a:rPr lang="en-US" sz="2800" i="1">
+                                  <a:latin typeface="Cambria Math" panose="02040503050406030204" pitchFamily="18" charset="0"/>
+                                </a:rPr>
+                                <m:t>𝑀</m:t>
+                              </m:r>
+                              <m:r>
+                                <a:rPr lang="en-US" sz="2800" i="0">
+                                  <a:latin typeface="Cambria Math" panose="02040503050406030204" pitchFamily="18" charset="0"/>
+                                </a:rPr>
+                                <m:t>−</m:t>
+                              </m:r>
+                              <m:r>
+                                <a:rPr lang="en-US" sz="2800" i="0">
+                                  <a:latin typeface="Cambria Math" panose="02040503050406030204" pitchFamily="18" charset="0"/>
+                                </a:rPr>
+                                <m:t>1</m:t>
+                              </m:r>
+                            </m:sup>
+                            <m:e>
+                              <m:sSub>
+                                <m:sSubPr>
+                                  <m:ctrlPr>
+                                    <a:rPr lang="en-US" sz="2800" i="1">
+                                      <a:latin typeface="Cambria Math" panose="02040503050406030204" pitchFamily="18" charset="0"/>
+                                    </a:rPr>
+                                  </m:ctrlPr>
+                                </m:sSubPr>
+                                <m:e>
+                                  <m:r>
+                                    <a:rPr lang="en-US" sz="2800" i="1">
+                                      <a:latin typeface="Cambria Math" panose="02040503050406030204" pitchFamily="18" charset="0"/>
+                                    </a:rPr>
+                                    <m:t>h</m:t>
+                                  </m:r>
+                                </m:e>
+                                <m:sub>
+                                  <m:r>
+                                    <a:rPr lang="en-US" sz="2800" i="1">
+                                      <a:latin typeface="Cambria Math" panose="02040503050406030204" pitchFamily="18" charset="0"/>
+                                    </a:rPr>
+                                    <m:t>𝑘</m:t>
+                                  </m:r>
+                                </m:sub>
+                              </m:sSub>
+                              <m:r>
+                                <a:rPr lang="en-US" sz="2800" i="0">
+                                  <a:latin typeface="Cambria Math" panose="02040503050406030204" pitchFamily="18" charset="0"/>
+                                </a:rPr>
+                                <m:t>(</m:t>
+                              </m:r>
+                              <m:sSub>
+                                <m:sSubPr>
+                                  <m:ctrlPr>
+                                    <a:rPr lang="en-US" sz="2800" i="1">
+                                      <a:latin typeface="Cambria Math" panose="02040503050406030204" pitchFamily="18" charset="0"/>
+                                    </a:rPr>
+                                  </m:ctrlPr>
+                                </m:sSubPr>
+                                <m:e>
+                                  <m:r>
+                                    <a:rPr lang="en-US" sz="2800" i="1">
+                                      <a:latin typeface="Cambria Math" panose="02040503050406030204" pitchFamily="18" charset="0"/>
+                                    </a:rPr>
+                                    <m:t>𝑚</m:t>
+                                  </m:r>
+                                </m:e>
+                                <m:sub>
+                                  <m:r>
+                                    <a:rPr lang="en-US" sz="2800" i="0">
+                                      <a:latin typeface="Cambria Math" panose="02040503050406030204" pitchFamily="18" charset="0"/>
+                                    </a:rPr>
+                                    <m:t>1</m:t>
+                                  </m:r>
+                                </m:sub>
+                              </m:sSub>
+                              <m:r>
+                                <a:rPr lang="en-US" sz="2800" i="0">
+                                  <a:latin typeface="Cambria Math" panose="02040503050406030204" pitchFamily="18" charset="0"/>
+                                </a:rPr>
+                                <m:t>,…,</m:t>
+                              </m:r>
+                              <m:sSub>
+                                <m:sSubPr>
+                                  <m:ctrlPr>
+                                    <a:rPr lang="en-US" sz="2800" i="1">
+                                      <a:latin typeface="Cambria Math" panose="02040503050406030204" pitchFamily="18" charset="0"/>
+                                    </a:rPr>
+                                  </m:ctrlPr>
+                                </m:sSubPr>
+                                <m:e>
+                                  <m:r>
+                                    <a:rPr lang="en-US" sz="2800" i="1">
+                                      <a:latin typeface="Cambria Math" panose="02040503050406030204" pitchFamily="18" charset="0"/>
+                                    </a:rPr>
+                                    <m:t>𝑚</m:t>
+                                  </m:r>
+                                </m:e>
+                                <m:sub>
+                                  <m:r>
+                                    <a:rPr lang="en-US" sz="2800" i="1">
+                                      <a:latin typeface="Cambria Math" panose="02040503050406030204" pitchFamily="18" charset="0"/>
+                                    </a:rPr>
+                                    <m:t>𝑘</m:t>
+                                  </m:r>
+                                </m:sub>
+                              </m:sSub>
+                              <m:r>
+                                <a:rPr lang="en-US" sz="2800" i="0">
+                                  <a:latin typeface="Cambria Math" panose="02040503050406030204" pitchFamily="18" charset="0"/>
+                                </a:rPr>
+                                <m:t>)</m:t>
+                              </m:r>
+                              <m:nary>
+                                <m:naryPr>
+                                  <m:chr m:val="∏"/>
+                                  <m:limLoc m:val="undOvr"/>
+                                  <m:ctrlPr>
+                                    <a:rPr lang="en-US" sz="2800" i="1">
+                                      <a:latin typeface="Cambria Math" panose="02040503050406030204" pitchFamily="18" charset="0"/>
+                                    </a:rPr>
+                                  </m:ctrlPr>
+                                </m:naryPr>
+                                <m:sub>
+                                  <m:r>
+                                    <a:rPr lang="en-US" sz="2800" i="1">
+                                      <a:latin typeface="Cambria Math" panose="02040503050406030204" pitchFamily="18" charset="0"/>
+                                    </a:rPr>
+                                    <m:t>𝑙</m:t>
+                                  </m:r>
+                                  <m:r>
+                                    <a:rPr lang="en-US" sz="2800" i="0">
+                                      <a:latin typeface="Cambria Math" panose="02040503050406030204" pitchFamily="18" charset="0"/>
+                                    </a:rPr>
+                                    <m:t>=</m:t>
+                                  </m:r>
+                                  <m:r>
+                                    <a:rPr lang="en-US" sz="2800" i="0">
+                                      <a:latin typeface="Cambria Math" panose="02040503050406030204" pitchFamily="18" charset="0"/>
+                                    </a:rPr>
+                                    <m:t>1</m:t>
+                                  </m:r>
+                                </m:sub>
+                                <m:sup>
+                                  <m:r>
+                                    <a:rPr lang="en-US" sz="2800" i="1">
+                                      <a:latin typeface="Cambria Math" panose="02040503050406030204" pitchFamily="18" charset="0"/>
+                                    </a:rPr>
+                                    <m:t>𝑘</m:t>
+                                  </m:r>
+                                </m:sup>
+                                <m:e>
+                                  <m:d>
+                                    <m:dPr>
+                                      <m:begChr m:val=""/>
+                                      <m:ctrlPr>
+                                        <a:rPr lang="en-US" sz="2800" i="1">
+                                          <a:latin typeface="Cambria Math" panose="02040503050406030204" pitchFamily="18" charset="0"/>
+                                        </a:rPr>
+                                      </m:ctrlPr>
+                                    </m:dPr>
+                                    <m:e>
+                                      <m:r>
+                                        <a:rPr lang="en-US" sz="2800" i="1">
+                                          <a:latin typeface="Cambria Math" panose="02040503050406030204" pitchFamily="18" charset="0"/>
+                                        </a:rPr>
+                                        <m:t>𝑥</m:t>
+                                      </m:r>
+                                      <m:r>
+                                        <a:rPr lang="en-US" sz="2800" i="0">
+                                          <a:latin typeface="Cambria Math" panose="02040503050406030204" pitchFamily="18" charset="0"/>
+                                        </a:rPr>
+                                        <m:t>(</m:t>
+                                      </m:r>
+                                      <m:r>
+                                        <a:rPr lang="en-US" sz="2800" i="1">
+                                          <a:latin typeface="Cambria Math" panose="02040503050406030204" pitchFamily="18" charset="0"/>
+                                        </a:rPr>
+                                        <m:t>𝑛</m:t>
+                                      </m:r>
+                                      <m:r>
+                                        <a:rPr lang="en-US" sz="2800" i="0">
+                                          <a:latin typeface="Cambria Math" panose="02040503050406030204" pitchFamily="18" charset="0"/>
+                                        </a:rPr>
+                                        <m:t>−</m:t>
+                                      </m:r>
+                                      <m:sSub>
+                                        <m:sSubPr>
+                                          <m:ctrlPr>
+                                            <a:rPr lang="en-US" sz="2800" i="1">
+                                              <a:latin typeface="Cambria Math" panose="02040503050406030204" pitchFamily="18" charset="0"/>
+                                            </a:rPr>
+                                          </m:ctrlPr>
+                                        </m:sSubPr>
+                                        <m:e>
+                                          <m:r>
+                                            <a:rPr lang="en-US" sz="2800" i="1">
+                                              <a:latin typeface="Cambria Math" panose="02040503050406030204" pitchFamily="18" charset="0"/>
+                                            </a:rPr>
+                                            <m:t>𝑚</m:t>
+                                          </m:r>
+                                        </m:e>
+                                        <m:sub>
+                                          <m:r>
+                                            <a:rPr lang="en-US" sz="2800" i="1">
+                                              <a:latin typeface="Cambria Math" panose="02040503050406030204" pitchFamily="18" charset="0"/>
+                                            </a:rPr>
+                                            <m:t>𝑙</m:t>
+                                          </m:r>
+                                        </m:sub>
+                                      </m:sSub>
+                                    </m:e>
+                                  </m:d>
+                                </m:e>
+                              </m:nary>
+                            </m:e>
+                          </m:nary>
+                        </m:e>
+                      </m:nary>
+                      <m:r>
+                        <a:rPr lang="en-US" sz="2800" i="0">
+                          <a:latin typeface="Cambria Math" panose="02040503050406030204" pitchFamily="18" charset="0"/>
+                        </a:rPr>
+                        <m:t> </m:t>
+                      </m:r>
+                    </m:oMath>
+                  </m:oMathPara>
+                </a14:m>
+                <a:endParaRPr lang="en-US" sz="2800" dirty="0"/>
+              </a:p>
+            </p:txBody>
+          </p:sp>
+        </mc:Choice>
+        <mc:Fallback>
+          <p:sp>
+            <p:nvSpPr>
+              <p:cNvPr id="6" name="מלבן 5"/>
+              <p:cNvSpPr>
+                <a:spLocks noRot="1" noChangeAspect="1" noMove="1" noResize="1" noEditPoints="1" noAdjustHandles="1" noChangeArrowheads="1" noChangeShapeType="1" noTextEdit="1"/>
+              </p:cNvSpPr>
+              <p:nvPr/>
+            </p:nvSpPr>
+            <p:spPr>
+              <a:xfrm>
+                <a:off x="1065581" y="4240108"/>
+                <a:ext cx="9515333" cy="1367106"/>
+              </a:xfrm>
+              <a:prstGeom prst="rect">
+                <a:avLst/>
+              </a:prstGeom>
+              <a:blipFill>
+                <a:blip r:embed="rId2"/>
+                <a:stretch>
+                  <a:fillRect/>
+                </a:stretch>
+              </a:blipFill>
+            </p:spPr>
+            <p:txBody>
+              <a:bodyPr/>
+              <a:lstStyle/>
+              <a:p>
+                <a:r>
+                  <a:rPr lang="en-US">
+                    <a:noFill/>
+                  </a:rPr>
+                  <a:t> </a:t>
+                </a:r>
+              </a:p>
+            </p:txBody>
+          </p:sp>
+        </mc:Fallback>
+      </mc:AlternateContent>
+    </p:spTree>
+    <p:extLst>
+      <p:ext uri="{BB962C8B-B14F-4D97-AF65-F5344CB8AC3E}">
+        <p14:creationId xmlns:p14="http://schemas.microsoft.com/office/powerpoint/2010/main" val="4158767598"/>
+      </p:ext>
+    </p:extLst>
+  </p:cSld>
+  <p:clrMapOvr>
+    <a:masterClrMapping/>
+  </p:clrMapOvr>
+</p:sld>
+</file>
+
+<file path=ppt/slides/slide8.xml><?xml version="1.0" encoding="utf-8"?>
+<p:sld xmlns:a="http://schemas.openxmlformats.org/drawingml/2006/main" xmlns:r="http://schemas.openxmlformats.org/officeDocument/2006/relationships" xmlns:p="http://schemas.openxmlformats.org/presentationml/2006/main">
+  <p:cSld>
+    <p:spTree>
+      <p:nvGrpSpPr>
+        <p:cNvPr id="1" name=""/>
+        <p:cNvGrpSpPr/>
+        <p:nvPr/>
+      </p:nvGrpSpPr>
+      <p:grpSpPr>
+        <a:xfrm>
+          <a:off x="0" y="0"/>
+          <a:ext cx="0" cy="0"/>
+          <a:chOff x="0" y="0"/>
+          <a:chExt cx="0" cy="0"/>
+        </a:xfrm>
+      </p:grpSpPr>
+      <p:sp>
+        <p:nvSpPr>
+          <p:cNvPr id="2" name="Title 1"/>
+          <p:cNvSpPr txBox="1">
+            <a:spLocks/>
+          </p:cNvSpPr>
+          <p:nvPr/>
+        </p:nvSpPr>
+        <p:spPr>
+          <a:xfrm>
+            <a:off x="465908" y="457201"/>
+            <a:ext cx="10972800" cy="1143000"/>
+          </a:xfrm>
+          <a:prstGeom prst="rect">
+            <a:avLst/>
+          </a:prstGeom>
+        </p:spPr>
+        <p:txBody>
+          <a:bodyPr>
+            <a:normAutofit/>
+          </a:bodyPr>
+          <a:lstStyle>
+            <a:lvl1pPr algn="r" defTabSz="914400" rtl="1" eaLnBrk="1" latinLnBrk="0" hangingPunct="1">
+              <a:lnSpc>
+                <a:spcPct val="90000"/>
+              </a:lnSpc>
+              <a:spcBef>
+                <a:spcPct val="0"/>
+              </a:spcBef>
+              <a:buNone/>
+              <a:defRPr sz="4400" kern="1200">
+                <a:solidFill>
+                  <a:schemeClr val="tx1"/>
+                </a:solidFill>
+                <a:latin typeface="+mj-lt"/>
+                <a:ea typeface="+mj-ea"/>
+                <a:cs typeface="+mj-cs"/>
+              </a:defRPr>
+            </a:lvl1pPr>
+          </a:lstStyle>
+          <a:p>
+            <a:pPr algn="ctr"/>
+            <a:r>
+              <a:rPr lang="en-US" dirty="0" smtClean="0">
+                <a:solidFill>
+                  <a:srgbClr val="002060"/>
+                </a:solidFill>
+              </a:rPr>
+              <a:t>Memory polynomial</a:t>
+            </a:r>
+            <a:endParaRPr lang="he-IL" dirty="0">
+              <a:solidFill>
+                <a:srgbClr val="002060"/>
+              </a:solidFill>
+            </a:endParaRPr>
+          </a:p>
+        </p:txBody>
+      </p:sp>
+      <p:sp>
+        <p:nvSpPr>
+          <p:cNvPr id="5" name="Content Placeholder 2"/>
+          <p:cNvSpPr txBox="1">
+            <a:spLocks/>
+          </p:cNvSpPr>
+          <p:nvPr/>
+        </p:nvSpPr>
+        <p:spPr>
+          <a:xfrm>
+            <a:off x="570412" y="1600201"/>
+            <a:ext cx="10972800" cy="4525963"/>
+          </a:xfrm>
+          <a:prstGeom prst="rect">
+            <a:avLst/>
+          </a:prstGeom>
+        </p:spPr>
+        <p:txBody>
+          <a:bodyPr/>
+          <a:lstStyle>
+            <a:lvl1pPr marL="228600" indent="-228600" algn="r" defTabSz="914400" rtl="1" eaLnBrk="1" latinLnBrk="0" hangingPunct="1">
+              <a:lnSpc>
+                <a:spcPct val="90000"/>
+              </a:lnSpc>
+              <a:spcBef>
+                <a:spcPts val="1000"/>
+              </a:spcBef>
+              <a:buFont typeface="Arial" panose="020B0604020202020204" pitchFamily="34" charset="0"/>
+              <a:buChar char="•"/>
+              <a:defRPr sz="2800" kern="1200">
+                <a:solidFill>
+                  <a:schemeClr val="tx1"/>
+                </a:solidFill>
+                <a:latin typeface="+mn-lt"/>
+                <a:ea typeface="+mn-ea"/>
+                <a:cs typeface="+mn-cs"/>
+              </a:defRPr>
+            </a:lvl1pPr>
+            <a:lvl2pPr marL="685800" indent="-228600" algn="r" defTabSz="914400" rtl="1" eaLnBrk="1" latinLnBrk="0" hangingPunct="1">
+              <a:lnSpc>
+                <a:spcPct val="90000"/>
+              </a:lnSpc>
+              <a:spcBef>
+                <a:spcPts val="500"/>
+              </a:spcBef>
+              <a:buFont typeface="Arial" panose="020B0604020202020204" pitchFamily="34" charset="0"/>
+              <a:buChar char="•"/>
+              <a:defRPr sz="2400" kern="1200">
+                <a:solidFill>
+                  <a:schemeClr val="tx1"/>
+                </a:solidFill>
+                <a:latin typeface="+mn-lt"/>
+                <a:ea typeface="+mn-ea"/>
+                <a:cs typeface="+mn-cs"/>
+              </a:defRPr>
+            </a:lvl2pPr>
+            <a:lvl3pPr marL="1143000" indent="-228600" algn="r" defTabSz="914400" rtl="1" eaLnBrk="1" latinLnBrk="0" hangingPunct="1">
+              <a:lnSpc>
+                <a:spcPct val="90000"/>
+              </a:lnSpc>
+              <a:spcBef>
+                <a:spcPts val="500"/>
+              </a:spcBef>
+              <a:buFont typeface="Arial" panose="020B0604020202020204" pitchFamily="34" charset="0"/>
+              <a:buChar char="•"/>
+              <a:defRPr sz="2000" kern="1200">
+                <a:solidFill>
+                  <a:schemeClr val="tx1"/>
+                </a:solidFill>
+                <a:latin typeface="+mn-lt"/>
+                <a:ea typeface="+mn-ea"/>
+                <a:cs typeface="+mn-cs"/>
+              </a:defRPr>
+            </a:lvl3pPr>
+            <a:lvl4pPr marL="1600200" indent="-228600" algn="r" defTabSz="914400" rtl="1" eaLnBrk="1" latinLnBrk="0" hangingPunct="1">
+              <a:lnSpc>
+                <a:spcPct val="90000"/>
+              </a:lnSpc>
+              <a:spcBef>
+                <a:spcPts val="500"/>
+              </a:spcBef>
+              <a:buFont typeface="Arial" panose="020B0604020202020204" pitchFamily="34" charset="0"/>
+              <a:buChar char="•"/>
+              <a:defRPr sz="1800" kern="1200">
+                <a:solidFill>
+                  <a:schemeClr val="tx1"/>
+                </a:solidFill>
+                <a:latin typeface="+mn-lt"/>
+                <a:ea typeface="+mn-ea"/>
+                <a:cs typeface="+mn-cs"/>
+              </a:defRPr>
+            </a:lvl4pPr>
+            <a:lvl5pPr marL="2057400" indent="-228600" algn="r" defTabSz="914400" rtl="1" eaLnBrk="1" latinLnBrk="0" hangingPunct="1">
+              <a:lnSpc>
+                <a:spcPct val="90000"/>
+              </a:lnSpc>
+              <a:spcBef>
+                <a:spcPts val="500"/>
+              </a:spcBef>
+              <a:buFont typeface="Arial" panose="020B0604020202020204" pitchFamily="34" charset="0"/>
+              <a:buChar char="•"/>
+              <a:defRPr sz="1800" kern="1200">
+                <a:solidFill>
+                  <a:schemeClr val="tx1"/>
+                </a:solidFill>
+                <a:latin typeface="+mn-lt"/>
+                <a:ea typeface="+mn-ea"/>
+                <a:cs typeface="+mn-cs"/>
+              </a:defRPr>
+            </a:lvl5pPr>
+            <a:lvl6pPr marL="2514600" indent="-228600" algn="r" defTabSz="914400" rtl="1" eaLnBrk="1" latinLnBrk="0" hangingPunct="1">
+              <a:lnSpc>
+                <a:spcPct val="90000"/>
+              </a:lnSpc>
+              <a:spcBef>
+                <a:spcPts val="500"/>
+              </a:spcBef>
+              <a:buFont typeface="Arial" panose="020B0604020202020204" pitchFamily="34" charset="0"/>
+              <a:buChar char="•"/>
+              <a:defRPr sz="1800" kern="1200">
+                <a:solidFill>
+                  <a:schemeClr val="tx1"/>
+                </a:solidFill>
+                <a:latin typeface="+mn-lt"/>
+                <a:ea typeface="+mn-ea"/>
+                <a:cs typeface="+mn-cs"/>
+              </a:defRPr>
+            </a:lvl6pPr>
+            <a:lvl7pPr marL="2971800" indent="-228600" algn="r" defTabSz="914400" rtl="1" eaLnBrk="1" latinLnBrk="0" hangingPunct="1">
+              <a:lnSpc>
+                <a:spcPct val="90000"/>
+              </a:lnSpc>
+              <a:spcBef>
+                <a:spcPts val="500"/>
+              </a:spcBef>
+              <a:buFont typeface="Arial" panose="020B0604020202020204" pitchFamily="34" charset="0"/>
+              <a:buChar char="•"/>
+              <a:defRPr sz="1800" kern="1200">
+                <a:solidFill>
+                  <a:schemeClr val="tx1"/>
+                </a:solidFill>
+                <a:latin typeface="+mn-lt"/>
+                <a:ea typeface="+mn-ea"/>
+                <a:cs typeface="+mn-cs"/>
+              </a:defRPr>
+            </a:lvl7pPr>
+            <a:lvl8pPr marL="3429000" indent="-228600" algn="r" defTabSz="914400" rtl="1" eaLnBrk="1" latinLnBrk="0" hangingPunct="1">
+              <a:lnSpc>
+                <a:spcPct val="90000"/>
+              </a:lnSpc>
+              <a:spcBef>
+                <a:spcPts val="500"/>
+              </a:spcBef>
+              <a:buFont typeface="Arial" panose="020B0604020202020204" pitchFamily="34" charset="0"/>
+              <a:buChar char="•"/>
+              <a:defRPr sz="1800" kern="1200">
+                <a:solidFill>
+                  <a:schemeClr val="tx1"/>
+                </a:solidFill>
+                <a:latin typeface="+mn-lt"/>
+                <a:ea typeface="+mn-ea"/>
+                <a:cs typeface="+mn-cs"/>
+              </a:defRPr>
+            </a:lvl8pPr>
+            <a:lvl9pPr marL="3886200" indent="-228600" algn="r" defTabSz="914400" rtl="1" eaLnBrk="1" latinLnBrk="0" hangingPunct="1">
+              <a:lnSpc>
+                <a:spcPct val="90000"/>
+              </a:lnSpc>
+              <a:spcBef>
+                <a:spcPts val="500"/>
+              </a:spcBef>
+              <a:buFont typeface="Arial" panose="020B0604020202020204" pitchFamily="34" charset="0"/>
+              <a:buChar char="•"/>
+              <a:defRPr sz="1800" kern="1200">
+                <a:solidFill>
+                  <a:schemeClr val="tx1"/>
+                </a:solidFill>
+                <a:latin typeface="+mn-lt"/>
+                <a:ea typeface="+mn-ea"/>
+                <a:cs typeface="+mn-cs"/>
+              </a:defRPr>
+            </a:lvl9pPr>
+          </a:lstStyle>
+          <a:p>
+            <a:pPr algn="l" rtl="0"/>
+            <a:r>
+              <a:rPr lang="en-US" dirty="0"/>
+              <a:t>Memory Polynomial </a:t>
+            </a:r>
+            <a:r>
+              <a:rPr lang="en-US" dirty="0" smtClean="0"/>
+              <a:t>model</a:t>
+            </a:r>
+            <a:r>
+              <a:rPr lang="en-GB" dirty="0" smtClean="0"/>
+              <a:t> is a </a:t>
+            </a:r>
+            <a:r>
+              <a:rPr lang="en-US" dirty="0" smtClean="0"/>
+              <a:t>simplification </a:t>
+            </a:r>
+            <a:r>
+              <a:rPr lang="en-US" dirty="0"/>
+              <a:t>of the full </a:t>
+            </a:r>
+            <a:r>
+              <a:rPr lang="en-US" dirty="0" err="1"/>
+              <a:t>Volterra</a:t>
+            </a:r>
+            <a:r>
+              <a:rPr lang="en-US" dirty="0"/>
+              <a:t> model, with less coefficients</a:t>
+            </a:r>
+            <a:endParaRPr lang="en-US" dirty="0" smtClean="0"/>
+          </a:p>
+          <a:p>
+            <a:pPr marL="0" indent="0" algn="l" rtl="0">
+              <a:buNone/>
+            </a:pPr>
+            <a:endParaRPr lang="en-US" dirty="0" smtClean="0"/>
+          </a:p>
+        </p:txBody>
+      </p:sp>
+      <mc:AlternateContent xmlns:mc="http://schemas.openxmlformats.org/markup-compatibility/2006">
+        <mc:Choice xmlns:a14="http://schemas.microsoft.com/office/drawing/2010/main" Requires="a14">
+          <p:sp>
+            <p:nvSpPr>
+              <p:cNvPr id="3" name="מלבן 2"/>
+              <p:cNvSpPr/>
+              <p:nvPr/>
+            </p:nvSpPr>
+            <p:spPr>
+              <a:xfrm>
+                <a:off x="1577819" y="4064426"/>
+                <a:ext cx="8748977" cy="1304268"/>
+              </a:xfrm>
+              <a:prstGeom prst="rect">
+                <a:avLst/>
+              </a:prstGeom>
+            </p:spPr>
+            <p:txBody>
+              <a:bodyPr wrap="square">
+                <a:spAutoFit/>
+              </a:bodyPr>
+              <a:lstStyle/>
+              <a:p>
+                <a14:m>
+                  <m:oMathPara xmlns:m="http://schemas.openxmlformats.org/officeDocument/2006/math">
+                    <m:oMathParaPr>
+                      <m:jc m:val="centerGroup"/>
+                    </m:oMathParaPr>
+                    <m:oMath xmlns:m="http://schemas.openxmlformats.org/officeDocument/2006/math">
+                      <m:sSub>
+                        <m:sSubPr>
+                          <m:ctrlPr>
+                            <a:rPr lang="en-US" sz="2800">
+                              <a:latin typeface="Cambria Math" panose="02040503050406030204" pitchFamily="18" charset="0"/>
+                            </a:rPr>
+                          </m:ctrlPr>
+                        </m:sSubPr>
+                        <m:e>
+                          <m:r>
+                            <a:rPr lang="en-US" sz="2800" i="1">
+                              <a:latin typeface="Cambria Math" panose="02040503050406030204" pitchFamily="18" charset="0"/>
+                            </a:rPr>
+                            <m:t>𝑦</m:t>
+                          </m:r>
+                        </m:e>
+                        <m:sub>
+                          <m:r>
+                            <a:rPr lang="en-US" sz="2800" i="1">
+                              <a:latin typeface="Cambria Math" panose="02040503050406030204" pitchFamily="18" charset="0"/>
+                            </a:rPr>
+                            <m:t>𝑀𝑃</m:t>
+                          </m:r>
+                        </m:sub>
+                      </m:sSub>
+                      <m:d>
+                        <m:dPr>
+                          <m:ctrlPr>
+                            <a:rPr lang="en-US" sz="2800" i="1">
+                              <a:latin typeface="Cambria Math" panose="02040503050406030204" pitchFamily="18" charset="0"/>
+                            </a:rPr>
+                          </m:ctrlPr>
+                        </m:dPr>
+                        <m:e>
+                          <m:r>
+                            <a:rPr lang="en-US" sz="2800" i="1">
+                              <a:latin typeface="Cambria Math" panose="02040503050406030204" pitchFamily="18" charset="0"/>
+                            </a:rPr>
+                            <m:t>𝑛</m:t>
+                          </m:r>
+                        </m:e>
+                      </m:d>
+                      <m:r>
+                        <a:rPr lang="en-US" sz="2800" i="0">
+                          <a:latin typeface="Cambria Math" panose="02040503050406030204" pitchFamily="18" charset="0"/>
+                        </a:rPr>
+                        <m:t>= </m:t>
+                      </m:r>
+                      <m:nary>
+                        <m:naryPr>
+                          <m:chr m:val="∑"/>
+                          <m:limLoc m:val="undOvr"/>
+                          <m:ctrlPr>
+                            <a:rPr lang="en-US" sz="2800" i="1">
+                              <a:latin typeface="Cambria Math" panose="02040503050406030204" pitchFamily="18" charset="0"/>
+                            </a:rPr>
+                          </m:ctrlPr>
+                        </m:naryPr>
+                        <m:sub>
+                          <m:r>
+                            <a:rPr lang="en-US" sz="2800" i="1">
+                              <a:latin typeface="Cambria Math" panose="02040503050406030204" pitchFamily="18" charset="0"/>
+                            </a:rPr>
+                            <m:t>𝑘</m:t>
+                          </m:r>
+                          <m:r>
+                            <a:rPr lang="en-US" sz="2800" i="0">
+                              <a:latin typeface="Cambria Math" panose="02040503050406030204" pitchFamily="18" charset="0"/>
+                            </a:rPr>
+                            <m:t>=</m:t>
+                          </m:r>
+                          <m:r>
+                            <a:rPr lang="en-US" sz="2800" i="0">
+                              <a:latin typeface="Cambria Math" panose="02040503050406030204" pitchFamily="18" charset="0"/>
+                            </a:rPr>
+                            <m:t>0</m:t>
+                          </m:r>
+                        </m:sub>
+                        <m:sup>
+                          <m:r>
+                            <a:rPr lang="en-US" sz="2800" i="1">
+                              <a:latin typeface="Cambria Math" panose="02040503050406030204" pitchFamily="18" charset="0"/>
+                            </a:rPr>
+                            <m:t>𝐾</m:t>
+                          </m:r>
+                          <m:r>
+                            <a:rPr lang="en-US" sz="2800" i="0">
+                              <a:latin typeface="Cambria Math" panose="02040503050406030204" pitchFamily="18" charset="0"/>
+                            </a:rPr>
+                            <m:t>−</m:t>
+                          </m:r>
+                          <m:r>
+                            <a:rPr lang="en-US" sz="2800" i="0">
+                              <a:latin typeface="Cambria Math" panose="02040503050406030204" pitchFamily="18" charset="0"/>
+                            </a:rPr>
+                            <m:t>1</m:t>
+                          </m:r>
+                        </m:sup>
+                        <m:e>
+                          <m:nary>
+                            <m:naryPr>
+                              <m:chr m:val="∑"/>
+                              <m:limLoc m:val="undOvr"/>
+                              <m:ctrlPr>
+                                <a:rPr lang="en-US" sz="2800" i="1">
+                                  <a:latin typeface="Cambria Math" panose="02040503050406030204" pitchFamily="18" charset="0"/>
+                                </a:rPr>
+                              </m:ctrlPr>
+                            </m:naryPr>
+                            <m:sub>
+                              <m:r>
+                                <a:rPr lang="en-US" sz="2800" i="1">
+                                  <a:latin typeface="Cambria Math" panose="02040503050406030204" pitchFamily="18" charset="0"/>
+                                </a:rPr>
+                                <m:t>𝑚</m:t>
+                              </m:r>
+                              <m:r>
+                                <a:rPr lang="en-US" sz="2800" i="0">
+                                  <a:latin typeface="Cambria Math" panose="02040503050406030204" pitchFamily="18" charset="0"/>
+                                </a:rPr>
+                                <m:t>=</m:t>
+                              </m:r>
+                              <m:r>
+                                <a:rPr lang="en-US" sz="2800" i="0">
+                                  <a:latin typeface="Cambria Math" panose="02040503050406030204" pitchFamily="18" charset="0"/>
+                                </a:rPr>
+                                <m:t>0</m:t>
+                              </m:r>
+                            </m:sub>
+                            <m:sup>
+                              <m:r>
+                                <a:rPr lang="en-US" sz="2800" i="1">
+                                  <a:latin typeface="Cambria Math" panose="02040503050406030204" pitchFamily="18" charset="0"/>
+                                </a:rPr>
+                                <m:t>𝑀</m:t>
+                              </m:r>
+                              <m:r>
+                                <a:rPr lang="en-US" sz="2800" i="0">
+                                  <a:latin typeface="Cambria Math" panose="02040503050406030204" pitchFamily="18" charset="0"/>
+                                </a:rPr>
+                                <m:t>−</m:t>
+                              </m:r>
+                              <m:r>
+                                <a:rPr lang="en-US" sz="2800" i="0">
+                                  <a:latin typeface="Cambria Math" panose="02040503050406030204" pitchFamily="18" charset="0"/>
+                                </a:rPr>
+                                <m:t>1</m:t>
+                              </m:r>
+                            </m:sup>
+                            <m:e>
+                              <m:sSub>
+                                <m:sSubPr>
+                                  <m:ctrlPr>
+                                    <a:rPr lang="en-US" sz="2800" i="1">
+                                      <a:latin typeface="Cambria Math" panose="02040503050406030204" pitchFamily="18" charset="0"/>
+                                    </a:rPr>
+                                  </m:ctrlPr>
+                                </m:sSubPr>
+                                <m:e>
+                                  <m:r>
+                                    <a:rPr lang="en-US" sz="2800" i="1">
+                                      <a:latin typeface="Cambria Math" panose="02040503050406030204" pitchFamily="18" charset="0"/>
+                                    </a:rPr>
+                                    <m:t>h</m:t>
+                                  </m:r>
+                                </m:e>
+                                <m:sub>
+                                  <m:r>
+                                    <a:rPr lang="en-US" sz="2800" i="1">
+                                      <a:latin typeface="Cambria Math" panose="02040503050406030204" pitchFamily="18" charset="0"/>
+                                    </a:rPr>
+                                    <m:t>𝑘𝑚</m:t>
+                                  </m:r>
+                                </m:sub>
+                              </m:sSub>
+                              <m:r>
+                                <a:rPr lang="en-US" sz="2800" i="1">
+                                  <a:latin typeface="Cambria Math" panose="02040503050406030204" pitchFamily="18" charset="0"/>
+                                </a:rPr>
+                                <m:t>𝑥</m:t>
+                              </m:r>
+                              <m:d>
+                                <m:dPr>
+                                  <m:ctrlPr>
+                                    <a:rPr lang="en-US" sz="2800" i="1">
+                                      <a:latin typeface="Cambria Math" panose="02040503050406030204" pitchFamily="18" charset="0"/>
+                                    </a:rPr>
+                                  </m:ctrlPr>
+                                </m:dPr>
+                                <m:e>
+                                  <m:r>
+                                    <a:rPr lang="en-US" sz="2800" i="1">
+                                      <a:latin typeface="Cambria Math" panose="02040503050406030204" pitchFamily="18" charset="0"/>
+                                    </a:rPr>
+                                    <m:t>𝑛</m:t>
+                                  </m:r>
+                                  <m:r>
+                                    <a:rPr lang="en-US" sz="2800" i="0">
+                                      <a:latin typeface="Cambria Math" panose="02040503050406030204" pitchFamily="18" charset="0"/>
+                                    </a:rPr>
+                                    <m:t>−</m:t>
+                                  </m:r>
+                                  <m:r>
+                                    <a:rPr lang="en-US" sz="2800" i="1">
+                                      <a:latin typeface="Cambria Math" panose="02040503050406030204" pitchFamily="18" charset="0"/>
+                                    </a:rPr>
+                                    <m:t>𝑚</m:t>
+                                  </m:r>
+                                </m:e>
+                              </m:d>
+                              <m:sSup>
+                                <m:sSupPr>
+                                  <m:ctrlPr>
+                                    <a:rPr lang="en-US" sz="2800" i="1">
+                                      <a:latin typeface="Cambria Math" panose="02040503050406030204" pitchFamily="18" charset="0"/>
+                                    </a:rPr>
+                                  </m:ctrlPr>
+                                </m:sSupPr>
+                                <m:e>
+                                  <m:d>
+                                    <m:dPr>
+                                      <m:begChr m:val="|"/>
+                                      <m:endChr m:val="|"/>
+                                      <m:ctrlPr>
+                                        <a:rPr lang="en-US" sz="2800" i="1">
+                                          <a:latin typeface="Cambria Math" panose="02040503050406030204" pitchFamily="18" charset="0"/>
+                                        </a:rPr>
+                                      </m:ctrlPr>
+                                    </m:dPr>
+                                    <m:e>
+                                      <m:r>
+                                        <a:rPr lang="en-US" sz="2800" i="1">
+                                          <a:latin typeface="Cambria Math" panose="02040503050406030204" pitchFamily="18" charset="0"/>
+                                        </a:rPr>
+                                        <m:t>𝑥</m:t>
+                                      </m:r>
+                                      <m:d>
+                                        <m:dPr>
+                                          <m:ctrlPr>
+                                            <a:rPr lang="en-US" sz="2800" i="1">
+                                              <a:latin typeface="Cambria Math" panose="02040503050406030204" pitchFamily="18" charset="0"/>
+                                            </a:rPr>
+                                          </m:ctrlPr>
+                                        </m:dPr>
+                                        <m:e>
+                                          <m:r>
+                                            <a:rPr lang="en-US" sz="2800" i="1">
+                                              <a:latin typeface="Cambria Math" panose="02040503050406030204" pitchFamily="18" charset="0"/>
+                                            </a:rPr>
+                                            <m:t>𝑛</m:t>
+                                          </m:r>
+                                          <m:r>
+                                            <a:rPr lang="en-US" sz="2800" i="0">
+                                              <a:latin typeface="Cambria Math" panose="02040503050406030204" pitchFamily="18" charset="0"/>
+                                            </a:rPr>
+                                            <m:t>−</m:t>
+                                          </m:r>
+                                          <m:r>
+                                            <a:rPr lang="en-US" sz="2800" i="1">
+                                              <a:latin typeface="Cambria Math" panose="02040503050406030204" pitchFamily="18" charset="0"/>
+                                            </a:rPr>
+                                            <m:t>𝑚</m:t>
+                                          </m:r>
+                                        </m:e>
+                                      </m:d>
+                                    </m:e>
+                                  </m:d>
+                                </m:e>
+                                <m:sup>
+                                  <m:r>
+                                    <a:rPr lang="en-US" sz="2800" i="1">
+                                      <a:latin typeface="Cambria Math" panose="02040503050406030204" pitchFamily="18" charset="0"/>
+                                    </a:rPr>
+                                    <m:t>𝑘</m:t>
+                                  </m:r>
+                                </m:sup>
+                              </m:sSup>
+                            </m:e>
+                          </m:nary>
+                        </m:e>
+                      </m:nary>
+                    </m:oMath>
+                  </m:oMathPara>
+                </a14:m>
+                <a:endParaRPr lang="en-US" sz="2800" dirty="0"/>
+              </a:p>
+            </p:txBody>
+          </p:sp>
+        </mc:Choice>
+        <mc:Fallback>
+          <p:sp>
+            <p:nvSpPr>
+              <p:cNvPr id="3" name="מלבן 2"/>
+              <p:cNvSpPr>
+                <a:spLocks noRot="1" noChangeAspect="1" noMove="1" noResize="1" noEditPoints="1" noAdjustHandles="1" noChangeArrowheads="1" noChangeShapeType="1" noTextEdit="1"/>
+              </p:cNvSpPr>
+              <p:nvPr/>
+            </p:nvSpPr>
+            <p:spPr>
+              <a:xfrm>
+                <a:off x="1577819" y="4064426"/>
+                <a:ext cx="8748977" cy="1304268"/>
+              </a:xfrm>
+              <a:prstGeom prst="rect">
+                <a:avLst/>
+              </a:prstGeom>
+              <a:blipFill>
+                <a:blip r:embed="rId2"/>
+                <a:stretch>
+                  <a:fillRect/>
+                </a:stretch>
+              </a:blipFill>
+            </p:spPr>
+            <p:txBody>
+              <a:bodyPr/>
+              <a:lstStyle/>
+              <a:p>
+                <a:r>
+                  <a:rPr lang="en-US">
+                    <a:noFill/>
+                  </a:rPr>
+                  <a:t> </a:t>
+                </a:r>
+              </a:p>
+            </p:txBody>
+          </p:sp>
+        </mc:Fallback>
+      </mc:AlternateContent>
+    </p:spTree>
+    <p:extLst>
+      <p:ext uri="{BB962C8B-B14F-4D97-AF65-F5344CB8AC3E}">
+        <p14:creationId xmlns:p14="http://schemas.microsoft.com/office/powerpoint/2010/main" val="3857559619"/>
+      </p:ext>
+    </p:extLst>
+  </p:cSld>
+  <p:clrMapOvr>
+    <a:masterClrMapping/>
+  </p:clrMapOvr>
+</p:sld>
+</file>
+
+<file path=ppt/slides/slide9.xml><?xml version="1.0" encoding="utf-8"?>
+<p:sld xmlns:a="http://schemas.openxmlformats.org/drawingml/2006/main" xmlns:r="http://schemas.openxmlformats.org/officeDocument/2006/relationships" xmlns:p="http://schemas.openxmlformats.org/presentationml/2006/main">
+  <p:cSld>
+    <p:spTree>
+      <p:nvGrpSpPr>
+        <p:cNvPr id="1" name=""/>
+        <p:cNvGrpSpPr/>
+        <p:nvPr/>
+      </p:nvGrpSpPr>
+      <p:grpSpPr>
+        <a:xfrm>
+          <a:off x="0" y="0"/>
+          <a:ext cx="0" cy="0"/>
+          <a:chOff x="0" y="0"/>
+          <a:chExt cx="0" cy="0"/>
+        </a:xfrm>
+      </p:grpSpPr>
+      <p:sp>
+        <p:nvSpPr>
+          <p:cNvPr id="2" name="Title 1"/>
+          <p:cNvSpPr txBox="1">
+            <a:spLocks/>
+          </p:cNvSpPr>
+          <p:nvPr/>
+        </p:nvSpPr>
+        <p:spPr>
+          <a:xfrm>
+            <a:off x="465908" y="457201"/>
+            <a:ext cx="10972800" cy="1143000"/>
+          </a:xfrm>
+          <a:prstGeom prst="rect">
+            <a:avLst/>
+          </a:prstGeom>
+        </p:spPr>
+        <p:txBody>
+          <a:bodyPr>
+            <a:normAutofit/>
+          </a:bodyPr>
+          <a:lstStyle>
+            <a:lvl1pPr algn="r" defTabSz="914400" rtl="1" eaLnBrk="1" latinLnBrk="0" hangingPunct="1">
+              <a:lnSpc>
+                <a:spcPct val="90000"/>
+              </a:lnSpc>
+              <a:spcBef>
+                <a:spcPct val="0"/>
+              </a:spcBef>
+              <a:buNone/>
+              <a:defRPr sz="4400" kern="1200">
+                <a:solidFill>
+                  <a:schemeClr val="tx1"/>
+                </a:solidFill>
+                <a:latin typeface="+mj-lt"/>
+                <a:ea typeface="+mj-ea"/>
+                <a:cs typeface="+mj-cs"/>
+              </a:defRPr>
+            </a:lvl1pPr>
+          </a:lstStyle>
+          <a:p>
+            <a:pPr algn="ctr"/>
+            <a:r>
+              <a:rPr lang="en-US" dirty="0" smtClean="0">
+                <a:solidFill>
+                  <a:srgbClr val="002060"/>
+                </a:solidFill>
+              </a:rPr>
+              <a:t>Matrix form</a:t>
+            </a:r>
+            <a:endParaRPr lang="he-IL" dirty="0">
+              <a:solidFill>
+                <a:srgbClr val="002060"/>
+              </a:solidFill>
+            </a:endParaRPr>
+          </a:p>
+        </p:txBody>
+      </p:sp>
+      <p:sp>
+        <p:nvSpPr>
+          <p:cNvPr id="5" name="Content Placeholder 2"/>
+          <p:cNvSpPr txBox="1">
+            <a:spLocks/>
+          </p:cNvSpPr>
+          <p:nvPr/>
+        </p:nvSpPr>
+        <p:spPr>
+          <a:xfrm>
+            <a:off x="570412" y="1600201"/>
+            <a:ext cx="10972800" cy="4525963"/>
+          </a:xfrm>
+          <a:prstGeom prst="rect">
+            <a:avLst/>
+          </a:prstGeom>
+        </p:spPr>
+        <p:txBody>
+          <a:bodyPr/>
+          <a:lstStyle>
+            <a:lvl1pPr marL="228600" indent="-228600" algn="r" defTabSz="914400" rtl="1" eaLnBrk="1" latinLnBrk="0" hangingPunct="1">
+              <a:lnSpc>
+                <a:spcPct val="90000"/>
+              </a:lnSpc>
+              <a:spcBef>
+                <a:spcPts val="1000"/>
+              </a:spcBef>
+              <a:buFont typeface="Arial" panose="020B0604020202020204" pitchFamily="34" charset="0"/>
+              <a:buChar char="•"/>
+              <a:defRPr sz="2800" kern="1200">
+                <a:solidFill>
+                  <a:schemeClr val="tx1"/>
+                </a:solidFill>
+                <a:latin typeface="+mn-lt"/>
+                <a:ea typeface="+mn-ea"/>
+                <a:cs typeface="+mn-cs"/>
+              </a:defRPr>
+            </a:lvl1pPr>
+            <a:lvl2pPr marL="685800" indent="-228600" algn="r" defTabSz="914400" rtl="1" eaLnBrk="1" latinLnBrk="0" hangingPunct="1">
+              <a:lnSpc>
+                <a:spcPct val="90000"/>
+              </a:lnSpc>
+              <a:spcBef>
+                <a:spcPts val="500"/>
+              </a:spcBef>
+              <a:buFont typeface="Arial" panose="020B0604020202020204" pitchFamily="34" charset="0"/>
+              <a:buChar char="•"/>
+              <a:defRPr sz="2400" kern="1200">
+                <a:solidFill>
+                  <a:schemeClr val="tx1"/>
+                </a:solidFill>
+                <a:latin typeface="+mn-lt"/>
+                <a:ea typeface="+mn-ea"/>
+                <a:cs typeface="+mn-cs"/>
+              </a:defRPr>
+            </a:lvl2pPr>
+            <a:lvl3pPr marL="1143000" indent="-228600" algn="r" defTabSz="914400" rtl="1" eaLnBrk="1" latinLnBrk="0" hangingPunct="1">
+              <a:lnSpc>
+                <a:spcPct val="90000"/>
+              </a:lnSpc>
+              <a:spcBef>
+                <a:spcPts val="500"/>
+              </a:spcBef>
+              <a:buFont typeface="Arial" panose="020B0604020202020204" pitchFamily="34" charset="0"/>
+              <a:buChar char="•"/>
+              <a:defRPr sz="2000" kern="1200">
+                <a:solidFill>
+                  <a:schemeClr val="tx1"/>
+                </a:solidFill>
+                <a:latin typeface="+mn-lt"/>
+                <a:ea typeface="+mn-ea"/>
+                <a:cs typeface="+mn-cs"/>
+              </a:defRPr>
+            </a:lvl3pPr>
+            <a:lvl4pPr marL="1600200" indent="-228600" algn="r" defTabSz="914400" rtl="1" eaLnBrk="1" latinLnBrk="0" hangingPunct="1">
+              <a:lnSpc>
+                <a:spcPct val="90000"/>
+              </a:lnSpc>
+              <a:spcBef>
+                <a:spcPts val="500"/>
+              </a:spcBef>
+              <a:buFont typeface="Arial" panose="020B0604020202020204" pitchFamily="34" charset="0"/>
+              <a:buChar char="•"/>
+              <a:defRPr sz="1800" kern="1200">
+                <a:solidFill>
+                  <a:schemeClr val="tx1"/>
+                </a:solidFill>
+                <a:latin typeface="+mn-lt"/>
+                <a:ea typeface="+mn-ea"/>
+                <a:cs typeface="+mn-cs"/>
+              </a:defRPr>
+            </a:lvl4pPr>
+            <a:lvl5pPr marL="2057400" indent="-228600" algn="r" defTabSz="914400" rtl="1" eaLnBrk="1" latinLnBrk="0" hangingPunct="1">
+              <a:lnSpc>
+                <a:spcPct val="90000"/>
+              </a:lnSpc>
+              <a:spcBef>
+                <a:spcPts val="500"/>
+              </a:spcBef>
+              <a:buFont typeface="Arial" panose="020B0604020202020204" pitchFamily="34" charset="0"/>
+              <a:buChar char="•"/>
+              <a:defRPr sz="1800" kern="1200">
+                <a:solidFill>
+                  <a:schemeClr val="tx1"/>
+                </a:solidFill>
+                <a:latin typeface="+mn-lt"/>
+                <a:ea typeface="+mn-ea"/>
+                <a:cs typeface="+mn-cs"/>
+              </a:defRPr>
+            </a:lvl5pPr>
+            <a:lvl6pPr marL="2514600" indent="-228600" algn="r" defTabSz="914400" rtl="1" eaLnBrk="1" latinLnBrk="0" hangingPunct="1">
+              <a:lnSpc>
+                <a:spcPct val="90000"/>
+              </a:lnSpc>
+              <a:spcBef>
+                <a:spcPts val="500"/>
+              </a:spcBef>
+              <a:buFont typeface="Arial" panose="020B0604020202020204" pitchFamily="34" charset="0"/>
+              <a:buChar char="•"/>
+              <a:defRPr sz="1800" kern="1200">
+                <a:solidFill>
+                  <a:schemeClr val="tx1"/>
+                </a:solidFill>
+                <a:latin typeface="+mn-lt"/>
+                <a:ea typeface="+mn-ea"/>
+                <a:cs typeface="+mn-cs"/>
+              </a:defRPr>
+            </a:lvl6pPr>
+            <a:lvl7pPr marL="2971800" indent="-228600" algn="r" defTabSz="914400" rtl="1" eaLnBrk="1" latinLnBrk="0" hangingPunct="1">
+              <a:lnSpc>
+                <a:spcPct val="90000"/>
+              </a:lnSpc>
+              <a:spcBef>
+                <a:spcPts val="500"/>
+              </a:spcBef>
+              <a:buFont typeface="Arial" panose="020B0604020202020204" pitchFamily="34" charset="0"/>
+              <a:buChar char="•"/>
+              <a:defRPr sz="1800" kern="1200">
+                <a:solidFill>
+                  <a:schemeClr val="tx1"/>
+                </a:solidFill>
+                <a:latin typeface="+mn-lt"/>
+                <a:ea typeface="+mn-ea"/>
+                <a:cs typeface="+mn-cs"/>
+              </a:defRPr>
+            </a:lvl7pPr>
+            <a:lvl8pPr marL="3429000" indent="-228600" algn="r" defTabSz="914400" rtl="1" eaLnBrk="1" latinLnBrk="0" hangingPunct="1">
+              <a:lnSpc>
+                <a:spcPct val="90000"/>
+              </a:lnSpc>
+              <a:spcBef>
+                <a:spcPts val="500"/>
+              </a:spcBef>
+              <a:buFont typeface="Arial" panose="020B0604020202020204" pitchFamily="34" charset="0"/>
+              <a:buChar char="•"/>
+              <a:defRPr sz="1800" kern="1200">
+                <a:solidFill>
+                  <a:schemeClr val="tx1"/>
+                </a:solidFill>
+                <a:latin typeface="+mn-lt"/>
+                <a:ea typeface="+mn-ea"/>
+                <a:cs typeface="+mn-cs"/>
+              </a:defRPr>
+            </a:lvl8pPr>
+            <a:lvl9pPr marL="3886200" indent="-228600" algn="r" defTabSz="914400" rtl="1" eaLnBrk="1" latinLnBrk="0" hangingPunct="1">
+              <a:lnSpc>
+                <a:spcPct val="90000"/>
+              </a:lnSpc>
+              <a:spcBef>
+                <a:spcPts val="500"/>
+              </a:spcBef>
+              <a:buFont typeface="Arial" panose="020B0604020202020204" pitchFamily="34" charset="0"/>
+              <a:buChar char="•"/>
+              <a:defRPr sz="1800" kern="1200">
+                <a:solidFill>
+                  <a:schemeClr val="tx1"/>
+                </a:solidFill>
+                <a:latin typeface="+mn-lt"/>
+                <a:ea typeface="+mn-ea"/>
+                <a:cs typeface="+mn-cs"/>
+              </a:defRPr>
+            </a:lvl9pPr>
+          </a:lstStyle>
+          <a:p>
+            <a:pPr algn="l" rtl="0"/>
+            <a:r>
+              <a:rPr lang="en-US" dirty="0"/>
+              <a:t>This model can be represented efficiently in matrix form as:</a:t>
+            </a:r>
+          </a:p>
+          <a:p>
+            <a:pPr marL="0" indent="0" algn="l" rtl="0">
+              <a:buNone/>
+            </a:pPr>
+            <a:endParaRPr lang="en-US" dirty="0" smtClean="0"/>
+          </a:p>
+        </p:txBody>
+      </p:sp>
+      <mc:AlternateContent xmlns:mc="http://schemas.openxmlformats.org/markup-compatibility/2006">
+        <mc:Choice xmlns:a14="http://schemas.microsoft.com/office/drawing/2010/main" Requires="a14">
+          <p:sp>
+            <p:nvSpPr>
+              <p:cNvPr id="4" name="מלבן 3"/>
+              <p:cNvSpPr/>
+              <p:nvPr/>
+            </p:nvSpPr>
+            <p:spPr>
+              <a:xfrm>
+                <a:off x="4362995" y="2389258"/>
+                <a:ext cx="3683726" cy="707886"/>
+              </a:xfrm>
+              <a:prstGeom prst="rect">
+                <a:avLst/>
+              </a:prstGeom>
+            </p:spPr>
+            <p:txBody>
+              <a:bodyPr wrap="square">
+                <a:spAutoFit/>
+              </a:bodyPr>
+              <a:lstStyle/>
+              <a:p>
+                <a14:m>
+                  <m:oMathPara xmlns:m="http://schemas.openxmlformats.org/officeDocument/2006/math">
+                    <m:oMathParaPr>
+                      <m:jc m:val="centerGroup"/>
+                    </m:oMathParaPr>
+                    <m:oMath xmlns:m="http://schemas.openxmlformats.org/officeDocument/2006/math">
+                      <m:r>
+                        <a:rPr lang="en-US" sz="4000" i="1">
+                          <a:latin typeface="Cambria Math" panose="02040503050406030204" pitchFamily="18" charset="0"/>
+                        </a:rPr>
+                        <m:t>𝑦</m:t>
+                      </m:r>
+                      <m:r>
+                        <a:rPr lang="en-US" sz="4000" i="0">
+                          <a:latin typeface="Cambria Math" panose="02040503050406030204" pitchFamily="18" charset="0"/>
+                        </a:rPr>
+                        <m:t>=</m:t>
+                      </m:r>
+                      <m:r>
+                        <a:rPr lang="en-US" sz="4000" i="1">
+                          <a:latin typeface="Cambria Math" panose="02040503050406030204" pitchFamily="18" charset="0"/>
+                        </a:rPr>
+                        <m:t>𝑋</m:t>
+                      </m:r>
+                      <m:sSub>
+                        <m:sSubPr>
+                          <m:ctrlPr>
+                            <a:rPr lang="en-US" sz="4000" i="1">
+                              <a:latin typeface="Cambria Math" panose="02040503050406030204" pitchFamily="18" charset="0"/>
+                            </a:rPr>
+                          </m:ctrlPr>
+                        </m:sSubPr>
+                        <m:e>
+                          <m:r>
+                            <m:rPr>
+                              <m:sty m:val="p"/>
+                            </m:rPr>
+                            <a:rPr lang="en-US" sz="4000" i="0">
+                              <a:latin typeface="Cambria Math" panose="02040503050406030204" pitchFamily="18" charset="0"/>
+                            </a:rPr>
+                            <m:t>θ</m:t>
+                          </m:r>
+                        </m:e>
+                        <m:sub>
+                          <m:r>
+                            <m:rPr>
+                              <m:sty m:val="p"/>
+                            </m:rPr>
+                            <a:rPr lang="en-US" sz="4000" i="0">
+                              <a:latin typeface="Cambria Math" panose="02040503050406030204" pitchFamily="18" charset="0"/>
+                            </a:rPr>
+                            <m:t>MP</m:t>
+                          </m:r>
+                        </m:sub>
+                      </m:sSub>
+                    </m:oMath>
+                  </m:oMathPara>
+                </a14:m>
+                <a:endParaRPr lang="en-US" sz="4000" dirty="0"/>
+              </a:p>
+            </p:txBody>
+          </p:sp>
+        </mc:Choice>
+        <mc:Fallback>
+          <p:sp>
+            <p:nvSpPr>
+              <p:cNvPr id="4" name="מלבן 3"/>
+              <p:cNvSpPr>
+                <a:spLocks noRot="1" noChangeAspect="1" noMove="1" noResize="1" noEditPoints="1" noAdjustHandles="1" noChangeArrowheads="1" noChangeShapeType="1" noTextEdit="1"/>
+              </p:cNvSpPr>
+              <p:nvPr/>
+            </p:nvSpPr>
+            <p:spPr>
+              <a:xfrm>
+                <a:off x="4362995" y="2389258"/>
+                <a:ext cx="3683726" cy="707886"/>
+              </a:xfrm>
+              <a:prstGeom prst="rect">
+                <a:avLst/>
+              </a:prstGeom>
+              <a:blipFill>
+                <a:blip r:embed="rId2"/>
+                <a:stretch>
+                  <a:fillRect/>
+                </a:stretch>
+              </a:blipFill>
+            </p:spPr>
+            <p:txBody>
+              <a:bodyPr/>
+              <a:lstStyle/>
+              <a:p>
+                <a:r>
+                  <a:rPr lang="en-US">
+                    <a:noFill/>
+                  </a:rPr>
+                  <a:t> </a:t>
+                </a:r>
+              </a:p>
+            </p:txBody>
+          </p:sp>
+        </mc:Fallback>
+      </mc:AlternateContent>
+      <mc:AlternateContent xmlns:mc="http://schemas.openxmlformats.org/markup-compatibility/2006">
+        <mc:Choice xmlns:a14="http://schemas.microsoft.com/office/drawing/2010/main" Requires="a14">
+          <p:sp>
+            <p:nvSpPr>
+              <p:cNvPr id="6" name="מלבן 5"/>
+              <p:cNvSpPr/>
+              <p:nvPr/>
+            </p:nvSpPr>
+            <p:spPr>
+              <a:xfrm>
+                <a:off x="650965" y="3703321"/>
+                <a:ext cx="10811693" cy="1461810"/>
+              </a:xfrm>
+              <a:prstGeom prst="rect">
+                <a:avLst/>
+              </a:prstGeom>
+            </p:spPr>
+            <p:txBody>
+              <a:bodyPr wrap="square">
+                <a:spAutoFit/>
+              </a:bodyPr>
+              <a:lstStyle/>
+              <a:p>
+                <a14:m>
+                  <m:oMathPara xmlns:m="http://schemas.openxmlformats.org/officeDocument/2006/math">
+                    <m:oMathParaPr>
+                      <m:jc m:val="centerGroup"/>
+                    </m:oMathParaPr>
+                    <m:oMath xmlns:m="http://schemas.openxmlformats.org/officeDocument/2006/math">
+                      <m:d>
+                        <m:dPr>
+                          <m:begChr m:val="["/>
+                          <m:endChr m:val="]"/>
+                          <m:ctrlPr>
+                            <a:rPr lang="en-US" sz="2800">
+                              <a:latin typeface="Cambria Math" panose="02040503050406030204" pitchFamily="18" charset="0"/>
+                            </a:rPr>
+                          </m:ctrlPr>
+                        </m:dPr>
+                        <m:e>
+                          <m:m>
+                            <m:mPr>
+                              <m:mcs>
+                                <m:mc>
+                                  <m:mcPr>
+                                    <m:count m:val="1"/>
+                                    <m:mcJc m:val="center"/>
+                                  </m:mcPr>
+                                </m:mc>
+                              </m:mcs>
+                              <m:ctrlPr>
+                                <a:rPr lang="en-US" sz="2800">
+                                  <a:latin typeface="Cambria Math" panose="02040503050406030204" pitchFamily="18" charset="0"/>
+                                </a:rPr>
+                              </m:ctrlPr>
+                            </m:mPr>
+                            <m:mr>
+                              <m:e>
+                                <m:d>
+                                  <m:dPr>
+                                    <m:begChr m:val=""/>
+                                    <m:ctrlPr>
+                                      <a:rPr lang="en-US" sz="2800">
+                                        <a:latin typeface="Cambria Math" panose="02040503050406030204" pitchFamily="18" charset="0"/>
+                                      </a:rPr>
+                                    </m:ctrlPr>
+                                  </m:dPr>
+                                  <m:e>
+                                    <m:r>
+                                      <a:rPr lang="en-US" sz="2800" i="1">
+                                        <a:latin typeface="Cambria Math" panose="02040503050406030204" pitchFamily="18" charset="0"/>
+                                      </a:rPr>
+                                      <m:t>𝑦</m:t>
+                                    </m:r>
+                                    <m:r>
+                                      <a:rPr lang="en-US" sz="2800" i="0">
+                                        <a:latin typeface="Cambria Math" panose="02040503050406030204" pitchFamily="18" charset="0"/>
+                                      </a:rPr>
+                                      <m:t>(</m:t>
+                                    </m:r>
+                                    <m:r>
+                                      <a:rPr lang="en-US" sz="2800" i="1">
+                                        <a:latin typeface="Cambria Math" panose="02040503050406030204" pitchFamily="18" charset="0"/>
+                                      </a:rPr>
+                                      <m:t>𝑛</m:t>
+                                    </m:r>
+                                  </m:e>
+                                </m:d>
+                              </m:e>
+                            </m:mr>
+                            <m:mr>
+                              <m:e>
+                                <m:r>
+                                  <a:rPr lang="en-US" sz="2800" i="0">
+                                    <a:latin typeface="Cambria Math" panose="02040503050406030204" pitchFamily="18" charset="0"/>
+                                  </a:rPr>
+                                  <m:t>⋮</m:t>
+                                </m:r>
+                              </m:e>
+                            </m:mr>
+                            <m:mr>
+                              <m:e>
+                                <m:d>
+                                  <m:dPr>
+                                    <m:begChr m:val=""/>
+                                    <m:ctrlPr>
+                                      <a:rPr lang="en-US" sz="2800" i="1">
+                                        <a:latin typeface="Cambria Math" panose="02040503050406030204" pitchFamily="18" charset="0"/>
+                                      </a:rPr>
+                                    </m:ctrlPr>
+                                  </m:dPr>
+                                  <m:e>
+                                    <m:r>
+                                      <a:rPr lang="en-US" sz="2800" i="1">
+                                        <a:latin typeface="Cambria Math" panose="02040503050406030204" pitchFamily="18" charset="0"/>
+                                      </a:rPr>
+                                      <m:t>𝑦</m:t>
+                                    </m:r>
+                                    <m:r>
+                                      <a:rPr lang="en-US" sz="2800" i="0">
+                                        <a:latin typeface="Cambria Math" panose="02040503050406030204" pitchFamily="18" charset="0"/>
+                                      </a:rPr>
+                                      <m:t>(</m:t>
+                                    </m:r>
+                                    <m:r>
+                                      <a:rPr lang="en-US" sz="2800" i="1">
+                                        <a:latin typeface="Cambria Math" panose="02040503050406030204" pitchFamily="18" charset="0"/>
+                                      </a:rPr>
+                                      <m:t>𝑛</m:t>
+                                    </m:r>
+                                    <m:r>
+                                      <a:rPr lang="en-US" sz="2800" i="0">
+                                        <a:latin typeface="Cambria Math" panose="02040503050406030204" pitchFamily="18" charset="0"/>
+                                      </a:rPr>
+                                      <m:t>+</m:t>
+                                    </m:r>
+                                    <m:r>
+                                      <a:rPr lang="en-US" sz="2800" i="1">
+                                        <a:latin typeface="Cambria Math" panose="02040503050406030204" pitchFamily="18" charset="0"/>
+                                      </a:rPr>
+                                      <m:t>𝑁</m:t>
+                                    </m:r>
+                                  </m:e>
+                                </m:d>
+                              </m:e>
+                            </m:mr>
+                          </m:m>
+                        </m:e>
+                      </m:d>
+                      <m:r>
+                        <a:rPr lang="en-US" sz="2800" i="0">
+                          <a:latin typeface="Cambria Math" panose="02040503050406030204" pitchFamily="18" charset="0"/>
+                        </a:rPr>
+                        <m:t>=</m:t>
+                      </m:r>
+                      <m:d>
+                        <m:dPr>
+                          <m:begChr m:val="["/>
+                          <m:endChr m:val="]"/>
+                          <m:ctrlPr>
+                            <a:rPr lang="en-US" sz="2800" i="1">
+                              <a:latin typeface="Cambria Math" panose="02040503050406030204" pitchFamily="18" charset="0"/>
+                            </a:rPr>
+                          </m:ctrlPr>
+                        </m:dPr>
+                        <m:e>
+                          <m:m>
+                            <m:mPr>
+                              <m:mcs>
+                                <m:mc>
+                                  <m:mcPr>
+                                    <m:count m:val="3"/>
+                                    <m:mcJc m:val="center"/>
+                                  </m:mcPr>
+                                </m:mc>
+                              </m:mcs>
+                              <m:ctrlPr>
+                                <a:rPr lang="en-US" sz="2800" i="1">
+                                  <a:latin typeface="Cambria Math" panose="02040503050406030204" pitchFamily="18" charset="0"/>
+                                </a:rPr>
+                              </m:ctrlPr>
+                            </m:mPr>
+                            <m:mr>
+                              <m:e>
+                                <m:d>
+                                  <m:dPr>
+                                    <m:begChr m:val=""/>
+                                    <m:ctrlPr>
+                                      <a:rPr lang="en-US" sz="2800" i="1">
+                                        <a:latin typeface="Cambria Math" panose="02040503050406030204" pitchFamily="18" charset="0"/>
+                                      </a:rPr>
+                                    </m:ctrlPr>
+                                  </m:dPr>
+                                  <m:e>
+                                    <m:r>
+                                      <a:rPr lang="en-US" sz="2800" i="1">
+                                        <a:latin typeface="Cambria Math" panose="02040503050406030204" pitchFamily="18" charset="0"/>
+                                      </a:rPr>
+                                      <m:t>𝑥</m:t>
+                                    </m:r>
+                                    <m:r>
+                                      <a:rPr lang="en-US" sz="2800" i="0">
+                                        <a:latin typeface="Cambria Math" panose="02040503050406030204" pitchFamily="18" charset="0"/>
+                                      </a:rPr>
+                                      <m:t>(</m:t>
+                                    </m:r>
+                                    <m:r>
+                                      <a:rPr lang="en-US" sz="2800" i="1">
+                                        <a:latin typeface="Cambria Math" panose="02040503050406030204" pitchFamily="18" charset="0"/>
+                                      </a:rPr>
+                                      <m:t>𝑛</m:t>
+                                    </m:r>
+                                  </m:e>
+                                </m:d>
+                              </m:e>
+                              <m:e>
+                                <m:r>
+                                  <a:rPr lang="en-US" sz="2800" i="0">
+                                    <a:latin typeface="Cambria Math" panose="02040503050406030204" pitchFamily="18" charset="0"/>
+                                  </a:rPr>
+                                  <m:t>⋯</m:t>
+                                </m:r>
+                              </m:e>
+                              <m:e>
+                                <m:r>
+                                  <a:rPr lang="en-US" sz="2800" i="1">
+                                    <a:latin typeface="Cambria Math" panose="02040503050406030204" pitchFamily="18" charset="0"/>
+                                  </a:rPr>
+                                  <m:t>𝑥</m:t>
+                                </m:r>
+                                <m:d>
+                                  <m:dPr>
+                                    <m:ctrlPr>
+                                      <a:rPr lang="en-US" sz="2800" i="1">
+                                        <a:latin typeface="Cambria Math" panose="02040503050406030204" pitchFamily="18" charset="0"/>
+                                      </a:rPr>
+                                    </m:ctrlPr>
+                                  </m:dPr>
+                                  <m:e>
+                                    <m:r>
+                                      <a:rPr lang="en-US" sz="2800" i="1">
+                                        <a:latin typeface="Cambria Math" panose="02040503050406030204" pitchFamily="18" charset="0"/>
+                                      </a:rPr>
+                                      <m:t>𝑛</m:t>
+                                    </m:r>
+                                    <m:r>
+                                      <a:rPr lang="en-US" sz="2800" i="0">
+                                        <a:latin typeface="Cambria Math" panose="02040503050406030204" pitchFamily="18" charset="0"/>
+                                      </a:rPr>
+                                      <m:t>−</m:t>
+                                    </m:r>
+                                    <m:r>
+                                      <a:rPr lang="en-US" sz="2800" i="1">
+                                        <a:latin typeface="Cambria Math" panose="02040503050406030204" pitchFamily="18" charset="0"/>
+                                      </a:rPr>
+                                      <m:t>𝑚</m:t>
+                                    </m:r>
+                                  </m:e>
+                                </m:d>
+                                <m:sSup>
+                                  <m:sSupPr>
+                                    <m:ctrlPr>
+                                      <a:rPr lang="en-US" sz="2800" i="1">
+                                        <a:latin typeface="Cambria Math" panose="02040503050406030204" pitchFamily="18" charset="0"/>
+                                      </a:rPr>
+                                    </m:ctrlPr>
+                                  </m:sSupPr>
+                                  <m:e>
+                                    <m:d>
+                                      <m:dPr>
+                                        <m:begChr m:val="|"/>
+                                        <m:endChr m:val="|"/>
+                                        <m:ctrlPr>
+                                          <a:rPr lang="en-US" sz="2800" i="1">
+                                            <a:latin typeface="Cambria Math" panose="02040503050406030204" pitchFamily="18" charset="0"/>
+                                          </a:rPr>
+                                        </m:ctrlPr>
+                                      </m:dPr>
+                                      <m:e>
+                                        <m:r>
+                                          <a:rPr lang="en-US" sz="2800" i="1">
+                                            <a:latin typeface="Cambria Math" panose="02040503050406030204" pitchFamily="18" charset="0"/>
+                                          </a:rPr>
+                                          <m:t>𝑥</m:t>
+                                        </m:r>
+                                        <m:d>
+                                          <m:dPr>
+                                            <m:ctrlPr>
+                                              <a:rPr lang="en-US" sz="2800" i="1">
+                                                <a:latin typeface="Cambria Math" panose="02040503050406030204" pitchFamily="18" charset="0"/>
+                                              </a:rPr>
+                                            </m:ctrlPr>
+                                          </m:dPr>
+                                          <m:e>
+                                            <m:r>
+                                              <a:rPr lang="en-US" sz="2800" i="1">
+                                                <a:latin typeface="Cambria Math" panose="02040503050406030204" pitchFamily="18" charset="0"/>
+                                              </a:rPr>
+                                              <m:t>𝑛</m:t>
+                                            </m:r>
+                                            <m:r>
+                                              <a:rPr lang="en-US" sz="2800" i="0">
+                                                <a:latin typeface="Cambria Math" panose="02040503050406030204" pitchFamily="18" charset="0"/>
+                                              </a:rPr>
+                                              <m:t>−</m:t>
+                                            </m:r>
+                                            <m:r>
+                                              <a:rPr lang="en-US" sz="2800" i="1">
+                                                <a:latin typeface="Cambria Math" panose="02040503050406030204" pitchFamily="18" charset="0"/>
+                                              </a:rPr>
+                                              <m:t>𝑚</m:t>
+                                            </m:r>
+                                          </m:e>
+                                        </m:d>
+                                      </m:e>
+                                    </m:d>
+                                  </m:e>
+                                  <m:sup>
+                                    <m:r>
+                                      <a:rPr lang="en-US" sz="2800" i="1">
+                                        <a:latin typeface="Cambria Math" panose="02040503050406030204" pitchFamily="18" charset="0"/>
+                                      </a:rPr>
+                                      <m:t>𝑘</m:t>
+                                    </m:r>
+                                  </m:sup>
+                                </m:sSup>
+                              </m:e>
+                            </m:mr>
+                            <m:mr>
+                              <m:e>
+                                <m:r>
+                                  <a:rPr lang="en-US" sz="2800" i="0">
+                                    <a:latin typeface="Cambria Math" panose="02040503050406030204" pitchFamily="18" charset="0"/>
+                                  </a:rPr>
+                                  <m:t>⋮</m:t>
+                                </m:r>
+                              </m:e>
+                              <m:e>
+                                <m:r>
+                                  <a:rPr lang="en-US" sz="2800" i="0">
+                                    <a:latin typeface="Cambria Math" panose="02040503050406030204" pitchFamily="18" charset="0"/>
+                                  </a:rPr>
+                                  <m:t>⋱</m:t>
+                                </m:r>
+                              </m:e>
+                              <m:e>
+                                <m:r>
+                                  <a:rPr lang="en-US" sz="2800" i="0">
+                                    <a:latin typeface="Cambria Math" panose="02040503050406030204" pitchFamily="18" charset="0"/>
+                                  </a:rPr>
+                                  <m:t>⋮</m:t>
+                                </m:r>
+                              </m:e>
+                            </m:mr>
+                            <m:mr>
+                              <m:e>
+                                <m:d>
+                                  <m:dPr>
+                                    <m:begChr m:val=""/>
+                                    <m:ctrlPr>
+                                      <a:rPr lang="en-US" sz="2800" i="1">
+                                        <a:latin typeface="Cambria Math" panose="02040503050406030204" pitchFamily="18" charset="0"/>
+                                      </a:rPr>
+                                    </m:ctrlPr>
+                                  </m:dPr>
+                                  <m:e>
+                                    <m:r>
+                                      <a:rPr lang="en-US" sz="2800" i="1">
+                                        <a:latin typeface="Cambria Math" panose="02040503050406030204" pitchFamily="18" charset="0"/>
+                                      </a:rPr>
+                                      <m:t>𝑥</m:t>
+                                    </m:r>
+                                    <m:r>
+                                      <a:rPr lang="en-US" sz="2800" i="0">
+                                        <a:latin typeface="Cambria Math" panose="02040503050406030204" pitchFamily="18" charset="0"/>
+                                      </a:rPr>
+                                      <m:t>(</m:t>
+                                    </m:r>
+                                    <m:r>
+                                      <a:rPr lang="en-US" sz="2800" i="1">
+                                        <a:latin typeface="Cambria Math" panose="02040503050406030204" pitchFamily="18" charset="0"/>
+                                      </a:rPr>
+                                      <m:t>𝑛</m:t>
+                                    </m:r>
+                                    <m:r>
+                                      <a:rPr lang="en-US" sz="2800" i="0">
+                                        <a:latin typeface="Cambria Math" panose="02040503050406030204" pitchFamily="18" charset="0"/>
+                                      </a:rPr>
+                                      <m:t>+</m:t>
+                                    </m:r>
+                                    <m:r>
+                                      <a:rPr lang="en-US" sz="2800" i="1">
+                                        <a:latin typeface="Cambria Math" panose="02040503050406030204" pitchFamily="18" charset="0"/>
+                                      </a:rPr>
+                                      <m:t>𝑁</m:t>
+                                    </m:r>
+                                  </m:e>
+                                </m:d>
+                              </m:e>
+                              <m:e>
+                                <m:r>
+                                  <a:rPr lang="en-US" sz="2800" i="0">
+                                    <a:latin typeface="Cambria Math" panose="02040503050406030204" pitchFamily="18" charset="0"/>
+                                  </a:rPr>
+                                  <m:t>⋯</m:t>
+                                </m:r>
+                              </m:e>
+                              <m:e>
+                                <m:r>
+                                  <a:rPr lang="en-US" sz="2800" i="1">
+                                    <a:latin typeface="Cambria Math" panose="02040503050406030204" pitchFamily="18" charset="0"/>
+                                  </a:rPr>
+                                  <m:t>𝑥</m:t>
+                                </m:r>
+                                <m:d>
+                                  <m:dPr>
+                                    <m:ctrlPr>
+                                      <a:rPr lang="en-US" sz="2800" i="1">
+                                        <a:latin typeface="Cambria Math" panose="02040503050406030204" pitchFamily="18" charset="0"/>
+                                      </a:rPr>
+                                    </m:ctrlPr>
+                                  </m:dPr>
+                                  <m:e>
+                                    <m:r>
+                                      <a:rPr lang="en-US" sz="2800" i="1">
+                                        <a:latin typeface="Cambria Math" panose="02040503050406030204" pitchFamily="18" charset="0"/>
+                                      </a:rPr>
+                                      <m:t>𝑛</m:t>
+                                    </m:r>
+                                    <m:r>
+                                      <a:rPr lang="en-US" sz="2800" i="0">
+                                        <a:latin typeface="Cambria Math" panose="02040503050406030204" pitchFamily="18" charset="0"/>
+                                      </a:rPr>
+                                      <m:t>+</m:t>
+                                    </m:r>
+                                    <m:r>
+                                      <a:rPr lang="en-US" sz="2800" i="1">
+                                        <a:latin typeface="Cambria Math" panose="02040503050406030204" pitchFamily="18" charset="0"/>
+                                      </a:rPr>
+                                      <m:t>𝑁</m:t>
+                                    </m:r>
+                                    <m:r>
+                                      <a:rPr lang="en-US" sz="2800" i="0">
+                                        <a:latin typeface="Cambria Math" panose="02040503050406030204" pitchFamily="18" charset="0"/>
+                                      </a:rPr>
+                                      <m:t>−</m:t>
+                                    </m:r>
+                                    <m:r>
+                                      <a:rPr lang="en-US" sz="2800" i="1">
+                                        <a:latin typeface="Cambria Math" panose="02040503050406030204" pitchFamily="18" charset="0"/>
+                                      </a:rPr>
+                                      <m:t>𝑚</m:t>
+                                    </m:r>
+                                  </m:e>
+                                </m:d>
+                                <m:sSup>
+                                  <m:sSupPr>
+                                    <m:ctrlPr>
+                                      <a:rPr lang="en-US" sz="2800" i="1">
+                                        <a:latin typeface="Cambria Math" panose="02040503050406030204" pitchFamily="18" charset="0"/>
+                                      </a:rPr>
+                                    </m:ctrlPr>
+                                  </m:sSupPr>
+                                  <m:e>
+                                    <m:d>
+                                      <m:dPr>
+                                        <m:begChr m:val="|"/>
+                                        <m:endChr m:val="|"/>
+                                        <m:ctrlPr>
+                                          <a:rPr lang="en-US" sz="2800" i="1">
+                                            <a:latin typeface="Cambria Math" panose="02040503050406030204" pitchFamily="18" charset="0"/>
+                                          </a:rPr>
+                                        </m:ctrlPr>
+                                      </m:dPr>
+                                      <m:e>
+                                        <m:r>
+                                          <a:rPr lang="en-US" sz="2800" i="1">
+                                            <a:latin typeface="Cambria Math" panose="02040503050406030204" pitchFamily="18" charset="0"/>
+                                          </a:rPr>
+                                          <m:t>𝑥</m:t>
+                                        </m:r>
+                                        <m:d>
+                                          <m:dPr>
+                                            <m:ctrlPr>
+                                              <a:rPr lang="en-US" sz="2800" i="1">
+                                                <a:latin typeface="Cambria Math" panose="02040503050406030204" pitchFamily="18" charset="0"/>
+                                              </a:rPr>
+                                            </m:ctrlPr>
+                                          </m:dPr>
+                                          <m:e>
+                                            <m:r>
+                                              <a:rPr lang="en-US" sz="2800" i="1">
+                                                <a:latin typeface="Cambria Math" panose="02040503050406030204" pitchFamily="18" charset="0"/>
+                                              </a:rPr>
+                                              <m:t>𝑛</m:t>
+                                            </m:r>
+                                            <m:r>
+                                              <a:rPr lang="en-US" sz="2800" i="0">
+                                                <a:latin typeface="Cambria Math" panose="02040503050406030204" pitchFamily="18" charset="0"/>
+                                              </a:rPr>
+                                              <m:t>+</m:t>
+                                            </m:r>
+                                            <m:r>
+                                              <a:rPr lang="en-US" sz="2800" i="1">
+                                                <a:latin typeface="Cambria Math" panose="02040503050406030204" pitchFamily="18" charset="0"/>
+                                              </a:rPr>
+                                              <m:t>𝑁</m:t>
+                                            </m:r>
+                                            <m:r>
+                                              <a:rPr lang="en-US" sz="2800" i="0">
+                                                <a:latin typeface="Cambria Math" panose="02040503050406030204" pitchFamily="18" charset="0"/>
+                                              </a:rPr>
+                                              <m:t>−</m:t>
+                                            </m:r>
+                                            <m:r>
+                                              <a:rPr lang="en-US" sz="2800" i="1">
+                                                <a:latin typeface="Cambria Math" panose="02040503050406030204" pitchFamily="18" charset="0"/>
+                                              </a:rPr>
+                                              <m:t>𝑚</m:t>
+                                            </m:r>
+                                          </m:e>
+                                        </m:d>
+                                      </m:e>
+                                    </m:d>
+                                  </m:e>
+                                  <m:sup>
+                                    <m:r>
+                                      <a:rPr lang="en-US" sz="2800" i="1">
+                                        <a:latin typeface="Cambria Math" panose="02040503050406030204" pitchFamily="18" charset="0"/>
+                                      </a:rPr>
+                                      <m:t>𝑘</m:t>
+                                    </m:r>
+                                  </m:sup>
+                                </m:sSup>
+                              </m:e>
+                            </m:mr>
+                          </m:m>
+                        </m:e>
+                      </m:d>
+                      <m:d>
+                        <m:dPr>
+                          <m:begChr m:val="["/>
+                          <m:endChr m:val="]"/>
+                          <m:ctrlPr>
+                            <a:rPr lang="en-US" sz="2800" i="1">
+                              <a:latin typeface="Cambria Math" panose="02040503050406030204" pitchFamily="18" charset="0"/>
+                            </a:rPr>
+                          </m:ctrlPr>
+                        </m:dPr>
+                        <m:e>
+                          <m:m>
+                            <m:mPr>
+                              <m:mcs>
+                                <m:mc>
+                                  <m:mcPr>
+                                    <m:count m:val="1"/>
+                                    <m:mcJc m:val="center"/>
+                                  </m:mcPr>
+                                </m:mc>
+                              </m:mcs>
+                              <m:ctrlPr>
+                                <a:rPr lang="en-US" sz="2800" i="1">
+                                  <a:latin typeface="Cambria Math" panose="02040503050406030204" pitchFamily="18" charset="0"/>
+                                </a:rPr>
+                              </m:ctrlPr>
+                            </m:mPr>
+                            <m:mr>
+                              <m:e>
+                                <m:sSub>
+                                  <m:sSubPr>
+                                    <m:ctrlPr>
+                                      <a:rPr lang="en-US" sz="2800" i="1">
+                                        <a:latin typeface="Cambria Math" panose="02040503050406030204" pitchFamily="18" charset="0"/>
+                                      </a:rPr>
+                                    </m:ctrlPr>
+                                  </m:sSubPr>
+                                  <m:e>
+                                    <m:r>
+                                      <a:rPr lang="en-US" sz="2800" i="1">
+                                        <a:latin typeface="Cambria Math" panose="02040503050406030204" pitchFamily="18" charset="0"/>
+                                      </a:rPr>
+                                      <m:t>h</m:t>
+                                    </m:r>
+                                  </m:e>
+                                  <m:sub>
+                                    <m:r>
+                                      <a:rPr lang="en-US" sz="2800" i="0">
+                                        <a:latin typeface="Cambria Math" panose="02040503050406030204" pitchFamily="18" charset="0"/>
+                                      </a:rPr>
+                                      <m:t>00</m:t>
+                                    </m:r>
+                                  </m:sub>
+                                </m:sSub>
+                              </m:e>
+                            </m:mr>
+                            <m:mr>
+                              <m:e>
+                                <m:r>
+                                  <a:rPr lang="en-US" sz="2800" i="0">
+                                    <a:latin typeface="Cambria Math" panose="02040503050406030204" pitchFamily="18" charset="0"/>
+                                  </a:rPr>
+                                  <m:t>⋮</m:t>
+                                </m:r>
+                              </m:e>
+                            </m:mr>
+                            <m:mr>
+                              <m:e>
+                                <m:sSub>
+                                  <m:sSubPr>
+                                    <m:ctrlPr>
+                                      <a:rPr lang="en-US" sz="2800" i="1">
+                                        <a:latin typeface="Cambria Math" panose="02040503050406030204" pitchFamily="18" charset="0"/>
+                                      </a:rPr>
+                                    </m:ctrlPr>
+                                  </m:sSubPr>
+                                  <m:e>
+                                    <m:r>
+                                      <a:rPr lang="en-US" sz="2800" i="1">
+                                        <a:latin typeface="Cambria Math" panose="02040503050406030204" pitchFamily="18" charset="0"/>
+                                      </a:rPr>
+                                      <m:t>h</m:t>
+                                    </m:r>
+                                  </m:e>
+                                  <m:sub>
+                                    <m:r>
+                                      <a:rPr lang="en-US" sz="2800" i="1">
+                                        <a:latin typeface="Cambria Math" panose="02040503050406030204" pitchFamily="18" charset="0"/>
+                                      </a:rPr>
+                                      <m:t>𝑘𝑚</m:t>
+                                    </m:r>
+                                  </m:sub>
+                                </m:sSub>
+                              </m:e>
+                            </m:mr>
+                          </m:m>
+                        </m:e>
+                      </m:d>
+                    </m:oMath>
+                  </m:oMathPara>
+                </a14:m>
+                <a:endParaRPr lang="en-US" sz="2800" dirty="0"/>
+              </a:p>
+            </p:txBody>
+          </p:sp>
+        </mc:Choice>
+        <mc:Fallback>
+          <p:sp>
+            <p:nvSpPr>
+              <p:cNvPr id="6" name="מלבן 5"/>
+              <p:cNvSpPr>
+                <a:spLocks noRot="1" noChangeAspect="1" noMove="1" noResize="1" noEditPoints="1" noAdjustHandles="1" noChangeArrowheads="1" noChangeShapeType="1" noTextEdit="1"/>
+              </p:cNvSpPr>
+              <p:nvPr/>
+            </p:nvSpPr>
+            <p:spPr>
+              <a:xfrm>
+                <a:off x="650965" y="3703321"/>
+                <a:ext cx="10811693" cy="1461810"/>
+              </a:xfrm>
+              <a:prstGeom prst="rect">
+                <a:avLst/>
+              </a:prstGeom>
+              <a:blipFill>
+                <a:blip r:embed="rId3"/>
+                <a:stretch>
+                  <a:fillRect/>
+                </a:stretch>
+              </a:blipFill>
+            </p:spPr>
+            <p:txBody>
+              <a:bodyPr/>
+              <a:lstStyle/>
+              <a:p>
+                <a:r>
+                  <a:rPr lang="en-US">
+                    <a:noFill/>
+                  </a:rPr>
+                  <a:t> </a:t>
+                </a:r>
+              </a:p>
+            </p:txBody>
+          </p:sp>
+        </mc:Fallback>
+      </mc:AlternateContent>
+    </p:spTree>
+    <p:extLst>
+      <p:ext uri="{BB962C8B-B14F-4D97-AF65-F5344CB8AC3E}">
+        <p14:creationId xmlns:p14="http://schemas.microsoft.com/office/powerpoint/2010/main" val="976081146"/>
       </p:ext>
     </p:extLst>
   </p:cSld>

--- a/documents/Final Presentation.pptx
+++ b/documents/Final Presentation.pptx
@@ -3609,18 +3609,24 @@
                     <m:sSub>
                       <m:sSubPr>
                         <m:ctrlPr>
-                          <a:rPr lang="en-US" i="1"/>
+                          <a:rPr lang="en-US" i="1">
+                            <a:latin typeface="Cambria Math" panose="02040503050406030204" pitchFamily="18" charset="0"/>
+                          </a:rPr>
                         </m:ctrlPr>
                       </m:sSubPr>
                       <m:e>
                         <m:r>
-                          <a:rPr lang="en-US" i="1"/>
+                          <a:rPr lang="en-US" i="1">
+                            <a:latin typeface="Cambria Math" panose="02040503050406030204" pitchFamily="18" charset="0"/>
+                          </a:rPr>
                           <m:t>𝜃</m:t>
                         </m:r>
                       </m:e>
                       <m:sub>
                         <m:r>
-                          <a:rPr lang="en-US" i="1"/>
+                          <a:rPr lang="en-US" i="1">
+                            <a:latin typeface="Cambria Math" panose="02040503050406030204" pitchFamily="18" charset="0"/>
+                          </a:rPr>
                           <m:t>𝑀𝑃</m:t>
                         </m:r>
                       </m:sub>
@@ -3637,7 +3643,15 @@
                 </a:r>
                 <a:r>
                   <a:rPr lang="en-US" dirty="0"/>
-                  <a:t>the well-known method of minimizing the least squares error between the calculated output and measured output. </a:t>
+                  <a:t>the well-known method of </a:t>
+                </a:r>
+                <a:r>
+                  <a:rPr lang="en-US" b="1" dirty="0"/>
+                  <a:t>minimizing the least squares error </a:t>
+                </a:r>
+                <a:r>
+                  <a:rPr lang="en-US" dirty="0"/>
+                  <a:t>between the calculated output and measured output. </a:t>
                 </a:r>
                 <a:endParaRPr lang="en-US" dirty="0" smtClean="0"/>
               </a:p>
@@ -3664,7 +3678,7 @@
               <a:blipFill>
                 <a:blip r:embed="rId2"/>
                 <a:stretch>
-                  <a:fillRect l="-1000" t="-2144" r="-778"/>
+                  <a:fillRect l="-1000" t="-2144" r="-1833"/>
                 </a:stretch>
               </a:blipFill>
             </p:spPr>
@@ -3693,7 +3707,7 @@
             </p:nvSpPr>
             <p:spPr>
               <a:xfrm>
-                <a:off x="3103388" y="5308266"/>
+                <a:off x="3585145" y="5269077"/>
                 <a:ext cx="4734325" cy="584775"/>
               </a:xfrm>
               <a:prstGeom prst="rect">
@@ -3706,6 +3720,7 @@
               </a:bodyPr>
               <a:lstStyle/>
               <a:p>
+                <a:pPr/>
                 <a14:m>
                   <m:oMathPara xmlns:m="http://schemas.openxmlformats.org/officeDocument/2006/math">
                     <m:oMathParaPr>
@@ -3715,7 +3730,7 @@
                       <m:sSub>
                         <m:sSubPr>
                           <m:ctrlPr>
-                            <a:rPr lang="en-US" sz="3200">
+                            <a:rPr lang="en-US" sz="3200" i="1">
                               <a:latin typeface="Cambria Math" panose="02040503050406030204" pitchFamily="18" charset="0"/>
                             </a:rPr>
                           </m:ctrlPr>
@@ -3841,7 +3856,7 @@
             </p:nvSpPr>
             <p:spPr>
               <a:xfrm>
-                <a:off x="3103388" y="5308266"/>
+                <a:off x="3585145" y="5269077"/>
                 <a:ext cx="4734325" cy="584775"/>
               </a:xfrm>
               <a:prstGeom prst="rect">
@@ -4152,8 +4167,20 @@
             </a:r>
             <a:r>
               <a:rPr lang="en-US" dirty="0" smtClean="0"/>
-              <a:t>error is using SGD.</a:t>
-            </a:r>
+              <a:t>error is using SGD</a:t>
+            </a:r>
+            <a:r>
+              <a:rPr lang="en-US" dirty="0" smtClean="0"/>
+              <a:t>.</a:t>
+            </a:r>
+          </a:p>
+          <a:p>
+            <a:pPr algn="l" rtl="0"/>
+            <a:r>
+              <a:rPr lang="en-US" dirty="0" smtClean="0"/>
+              <a:t>**Normalized</a:t>
+            </a:r>
+            <a:endParaRPr lang="en-US" dirty="0" smtClean="0"/>
           </a:p>
           <a:p>
             <a:pPr marL="0" indent="0" algn="l" rtl="0">
@@ -4186,6 +4213,7 @@
               </a:bodyPr>
               <a:lstStyle/>
               <a:p>
+                <a:pPr/>
                 <a14:m>
                   <m:oMathPara xmlns:m="http://schemas.openxmlformats.org/officeDocument/2006/math">
                     <m:oMathParaPr>
@@ -4193,7 +4221,7 @@
                     </m:oMathParaPr>
                     <m:oMath xmlns:m="http://schemas.openxmlformats.org/officeDocument/2006/math">
                       <m:r>
-                        <a:rPr lang="en-US" sz="3200" i="1">
+                        <a:rPr lang="en-US" sz="3200" i="1" smtClean="0">
                           <a:latin typeface="Cambria Math" panose="02040503050406030204" pitchFamily="18" charset="0"/>
                         </a:rPr>
                         <m:t>𝜇</m:t>
@@ -4266,7 +4294,7 @@
                                 <m:t>𝑋</m:t>
                               </m:r>
                               <m:r>
-                                <a:rPr lang="en-US" sz="3200" i="0">
+                                <a:rPr lang="en-US" sz="3200">
                                   <a:latin typeface="Cambria Math" panose="02040503050406030204" pitchFamily="18" charset="0"/>
                                 </a:rPr>
                                 <m:t>+</m:t>
@@ -4277,18 +4305,24 @@
                                 </a:rPr>
                                 <m:t>𝜖</m:t>
                               </m:r>
+                              <m:r>
+                                <a:rPr lang="en-US" sz="3200" b="0" i="1" smtClean="0">
+                                  <a:latin typeface="Cambria Math" panose="02040503050406030204" pitchFamily="18" charset="0"/>
+                                </a:rPr>
+                                <m:t>𝐼</m:t>
+                              </m:r>
                             </m:e>
                           </m:d>
                         </m:e>
                         <m:sup>
                           <m:r>
-                            <a:rPr lang="en-US" sz="3200" i="0">
+                            <a:rPr lang="en-US" sz="3200">
                               <a:latin typeface="Cambria Math" panose="02040503050406030204" pitchFamily="18" charset="0"/>
                             </a:rPr>
                             <m:t>−</m:t>
                           </m:r>
                           <m:r>
-                            <a:rPr lang="en-US" sz="3200" i="0">
+                            <a:rPr lang="en-US" sz="3200">
                               <a:latin typeface="Cambria Math" panose="02040503050406030204" pitchFamily="18" charset="0"/>
                             </a:rPr>
                             <m:t>1</m:t>
@@ -4342,8 +4376,8 @@
           </p:sp>
         </mc:Fallback>
       </mc:AlternateContent>
-      <mc:AlternateContent xmlns:mc="http://schemas.openxmlformats.org/markup-compatibility/2006">
-        <mc:Choice xmlns:a14="http://schemas.microsoft.com/office/drawing/2010/main" Requires="a14">
+      <mc:AlternateContent xmlns:mc="http://schemas.openxmlformats.org/markup-compatibility/2006" xmlns:a14="http://schemas.microsoft.com/office/drawing/2010/main">
+        <mc:Choice Requires="a14">
           <p:sp>
             <p:nvSpPr>
               <p:cNvPr id="6" name="מלבן 5"/>
@@ -4365,6 +4399,7 @@
               </a:bodyPr>
               <a:lstStyle/>
               <a:p>
+                <a:pPr/>
                 <a14:m>
                   <m:oMathPara xmlns:m="http://schemas.openxmlformats.org/officeDocument/2006/math">
                     <m:oMathParaPr>
@@ -4374,7 +4409,7 @@
                       <m:sSup>
                         <m:sSupPr>
                           <m:ctrlPr>
-                            <a:rPr lang="en-US" sz="2800">
+                            <a:rPr lang="en-US" sz="2800" i="1">
                               <a:latin typeface="Cambria Math" panose="02040503050406030204" pitchFamily="18" charset="0"/>
                             </a:rPr>
                           </m:ctrlPr>
@@ -4577,7 +4612,7 @@
             </p:txBody>
           </p:sp>
         </mc:Choice>
-        <mc:Fallback>
+        <mc:Fallback xmlns="">
           <p:sp>
             <p:nvSpPr>
               <p:cNvPr id="6" name="מלבן 5"/>
@@ -4646,8 +4681,8 @@
           <a:chExt cx="0" cy="0"/>
         </a:xfrm>
       </p:grpSpPr>
-      <mc:AlternateContent xmlns:mc="http://schemas.openxmlformats.org/markup-compatibility/2006">
-        <mc:Choice xmlns:a14="http://schemas.microsoft.com/office/drawing/2010/main" Requires="a14">
+      <mc:AlternateContent xmlns:mc="http://schemas.openxmlformats.org/markup-compatibility/2006" xmlns:a14="http://schemas.microsoft.com/office/drawing/2010/main">
+        <mc:Choice Requires="a14">
           <p:sp>
             <p:nvSpPr>
               <p:cNvPr id="5" name="Content Placeholder 2"/>
@@ -4869,18 +4904,24 @@
                     <m:sSub>
                       <m:sSubPr>
                         <m:ctrlPr>
-                          <a:rPr lang="en-US" i="1"/>
+                          <a:rPr lang="en-US" i="1">
+                            <a:latin typeface="Cambria Math" panose="02040503050406030204" pitchFamily="18" charset="0"/>
+                          </a:rPr>
                         </m:ctrlPr>
                       </m:sSubPr>
                       <m:e>
                         <m:r>
-                          <a:rPr lang="en-US" i="1"/>
+                          <a:rPr lang="en-US" i="1">
+                            <a:latin typeface="Cambria Math" panose="02040503050406030204" pitchFamily="18" charset="0"/>
+                          </a:rPr>
                           <m:t>Ѳ</m:t>
                         </m:r>
                       </m:e>
                       <m:sub>
                         <m:r>
-                          <a:rPr lang="en-US" i="1"/>
+                          <a:rPr lang="en-US" i="1">
+                            <a:latin typeface="Cambria Math" panose="02040503050406030204" pitchFamily="18" charset="0"/>
+                          </a:rPr>
                           <m:t>𝑃𝐷</m:t>
                         </m:r>
                       </m:sub>
@@ -4905,7 +4946,7 @@
             </p:txBody>
           </p:sp>
         </mc:Choice>
-        <mc:Fallback>
+        <mc:Fallback xmlns="">
           <p:sp>
             <p:nvSpPr>
               <p:cNvPr id="5" name="Content Placeholder 2"/>
@@ -5018,8 +5059,8 @@
           </a:p>
         </p:txBody>
       </p:sp>
-      <mc:AlternateContent xmlns:mc="http://schemas.openxmlformats.org/markup-compatibility/2006">
-        <mc:Choice xmlns:a14="http://schemas.microsoft.com/office/drawing/2010/main" Requires="a14">
+      <mc:AlternateContent xmlns:mc="http://schemas.openxmlformats.org/markup-compatibility/2006" xmlns:a14="http://schemas.microsoft.com/office/drawing/2010/main">
+        <mc:Choice Requires="a14">
           <p:sp>
             <p:nvSpPr>
               <p:cNvPr id="3" name="מלבן 2"/>
@@ -5041,6 +5082,7 @@
               </a:bodyPr>
               <a:lstStyle/>
               <a:p>
+                <a:pPr/>
                 <a14:m>
                   <m:oMathPara xmlns:m="http://schemas.openxmlformats.org/officeDocument/2006/math">
                     <m:oMathParaPr>
@@ -5098,7 +5140,7 @@
             </p:txBody>
           </p:sp>
         </mc:Choice>
-        <mc:Fallback>
+        <mc:Fallback xmlns="">
           <p:sp>
             <p:nvSpPr>
               <p:cNvPr id="3" name="מלבן 2"/>
@@ -5137,8 +5179,8 @@
           </p:sp>
         </mc:Fallback>
       </mc:AlternateContent>
-      <mc:AlternateContent xmlns:mc="http://schemas.openxmlformats.org/markup-compatibility/2006">
-        <mc:Choice xmlns:a14="http://schemas.microsoft.com/office/drawing/2010/main" Requires="a14">
+      <mc:AlternateContent xmlns:mc="http://schemas.openxmlformats.org/markup-compatibility/2006" xmlns:a14="http://schemas.microsoft.com/office/drawing/2010/main">
+        <mc:Choice Requires="a14">
           <p:sp>
             <p:nvSpPr>
               <p:cNvPr id="9" name="מלבן 8"/>
@@ -5160,6 +5202,7 @@
               </a:bodyPr>
               <a:lstStyle/>
               <a:p>
+                <a:pPr/>
                 <a14:m>
                   <m:oMathPara xmlns:m="http://schemas.openxmlformats.org/officeDocument/2006/math">
                     <m:oMathParaPr>
@@ -5169,7 +5212,7 @@
                       <m:sSub>
                         <m:sSubPr>
                           <m:ctrlPr>
-                            <a:rPr lang="en-US" sz="2800">
+                            <a:rPr lang="en-US" sz="2800" i="1">
                               <a:latin typeface="Cambria Math" panose="02040503050406030204" pitchFamily="18" charset="0"/>
                             </a:rPr>
                           </m:ctrlPr>
@@ -5368,7 +5411,7 @@
             </p:txBody>
           </p:sp>
         </mc:Choice>
-        <mc:Fallback>
+        <mc:Fallback xmlns="">
           <p:sp>
             <p:nvSpPr>
               <p:cNvPr id="9" name="מלבן 8"/>
@@ -5495,8 +5538,8 @@
           </a:p>
         </p:txBody>
       </p:sp>
-      <mc:AlternateContent xmlns:mc="http://schemas.openxmlformats.org/markup-compatibility/2006">
-        <mc:Choice xmlns:a14="http://schemas.microsoft.com/office/drawing/2010/main" Requires="a14">
+      <mc:AlternateContent xmlns:mc="http://schemas.openxmlformats.org/markup-compatibility/2006" xmlns:a14="http://schemas.microsoft.com/office/drawing/2010/main">
+        <mc:Choice Requires="a14">
           <p:sp>
             <p:nvSpPr>
               <p:cNvPr id="5" name="Content Placeholder 2"/>
@@ -5705,18 +5748,24 @@
                     <m:sSub>
                       <m:sSubPr>
                         <m:ctrlPr>
-                          <a:rPr lang="en-US" i="1"/>
+                          <a:rPr lang="en-US" i="1">
+                            <a:latin typeface="Cambria Math" panose="02040503050406030204" pitchFamily="18" charset="0"/>
+                          </a:rPr>
                         </m:ctrlPr>
                       </m:sSubPr>
                       <m:e>
                         <m:r>
-                          <a:rPr lang="en-US" i="1"/>
+                          <a:rPr lang="en-US" i="1">
+                            <a:latin typeface="Cambria Math" panose="02040503050406030204" pitchFamily="18" charset="0"/>
+                          </a:rPr>
                           <m:t>𝜃</m:t>
                         </m:r>
                       </m:e>
                       <m:sub>
                         <m:r>
-                          <a:rPr lang="en-US" i="1"/>
+                          <a:rPr lang="en-US" i="1">
+                            <a:latin typeface="Cambria Math" panose="02040503050406030204" pitchFamily="18" charset="0"/>
+                          </a:rPr>
                           <m:t>𝑀𝑃</m:t>
                         </m:r>
                       </m:sub>
@@ -5743,7 +5792,7 @@
             </p:txBody>
           </p:sp>
         </mc:Choice>
-        <mc:Fallback>
+        <mc:Fallback xmlns="">
           <p:sp>
             <p:nvSpPr>
               <p:cNvPr id="5" name="Content Placeholder 2"/>
@@ -5782,8 +5831,8 @@
           </p:sp>
         </mc:Fallback>
       </mc:AlternateContent>
-      <mc:AlternateContent xmlns:mc="http://schemas.openxmlformats.org/markup-compatibility/2006">
-        <mc:Choice xmlns:a14="http://schemas.microsoft.com/office/drawing/2010/main" Requires="a14">
+      <mc:AlternateContent xmlns:mc="http://schemas.openxmlformats.org/markup-compatibility/2006" xmlns:a14="http://schemas.microsoft.com/office/drawing/2010/main">
+        <mc:Choice Requires="a14">
           <p:sp>
             <p:nvSpPr>
               <p:cNvPr id="3" name="מלבן 2"/>
@@ -5805,6 +5854,7 @@
               </a:bodyPr>
               <a:lstStyle/>
               <a:p>
+                <a:pPr/>
                 <a14:m>
                   <m:oMathPara xmlns:m="http://schemas.openxmlformats.org/officeDocument/2006/math">
                     <m:oMathParaPr>
@@ -5814,61 +5864,81 @@
                       <m:sSub>
                         <m:sSubPr>
                           <m:ctrlPr>
-                            <a:rPr lang="en-US" sz="3600" i="1"/>
+                            <a:rPr lang="en-US" sz="3600" i="1">
+                              <a:latin typeface="Cambria Math" panose="02040503050406030204" pitchFamily="18" charset="0"/>
+                            </a:rPr>
                           </m:ctrlPr>
                         </m:sSubPr>
                         <m:e>
                           <m:r>
-                            <a:rPr lang="en-US" sz="3600" i="1"/>
+                            <a:rPr lang="en-US" sz="3600" i="1">
+                              <a:latin typeface="Cambria Math" panose="02040503050406030204" pitchFamily="18" charset="0"/>
+                            </a:rPr>
                             <m:t>𝜃</m:t>
                           </m:r>
                         </m:e>
                         <m:sub>
                           <m:r>
-                            <a:rPr lang="en-US" sz="3600" i="1"/>
+                            <a:rPr lang="en-US" sz="3600" i="1">
+                              <a:latin typeface="Cambria Math" panose="02040503050406030204" pitchFamily="18" charset="0"/>
+                            </a:rPr>
                             <m:t>𝑃𝐷</m:t>
                           </m:r>
                         </m:sub>
                       </m:sSub>
                       <m:r>
-                        <a:rPr lang="en-US" sz="3600" i="1"/>
+                        <a:rPr lang="en-US" sz="3600" i="1">
+                          <a:latin typeface="Cambria Math" panose="02040503050406030204" pitchFamily="18" charset="0"/>
+                        </a:rPr>
                         <m:t>=</m:t>
                       </m:r>
                       <m:sSup>
                         <m:sSupPr>
                           <m:ctrlPr>
-                            <a:rPr lang="en-US" sz="3600" i="1"/>
+                            <a:rPr lang="en-US" sz="3600" i="1">
+                              <a:latin typeface="Cambria Math" panose="02040503050406030204" pitchFamily="18" charset="0"/>
+                            </a:rPr>
                           </m:ctrlPr>
                         </m:sSupPr>
                         <m:e>
                           <m:d>
                             <m:dPr>
                               <m:ctrlPr>
-                                <a:rPr lang="en-US" sz="3600" i="1"/>
+                                <a:rPr lang="en-US" sz="3600" i="1">
+                                  <a:latin typeface="Cambria Math" panose="02040503050406030204" pitchFamily="18" charset="0"/>
+                                </a:rPr>
                               </m:ctrlPr>
                             </m:dPr>
                             <m:e>
                               <m:sSup>
                                 <m:sSupPr>
                                   <m:ctrlPr>
-                                    <a:rPr lang="en-US" sz="3600" i="1"/>
+                                    <a:rPr lang="en-US" sz="3600" i="1">
+                                      <a:latin typeface="Cambria Math" panose="02040503050406030204" pitchFamily="18" charset="0"/>
+                                    </a:rPr>
                                   </m:ctrlPr>
                                 </m:sSupPr>
                                 <m:e>
                                   <m:r>
-                                    <a:rPr lang="en-US" sz="3600" i="1"/>
+                                    <a:rPr lang="en-US" sz="3600" i="1">
+                                      <a:latin typeface="Cambria Math" panose="02040503050406030204" pitchFamily="18" charset="0"/>
+                                    </a:rPr>
                                     <m:t>𝑌</m:t>
                                   </m:r>
                                 </m:e>
                                 <m:sup>
                                   <m:r>
-                                    <a:rPr lang="en-US" sz="3600" i="1"/>
+                                    <a:rPr lang="en-US" sz="3600" i="1">
+                                      <a:latin typeface="Cambria Math" panose="02040503050406030204" pitchFamily="18" charset="0"/>
+                                    </a:rPr>
                                     <m:t>𝐻</m:t>
                                   </m:r>
                                 </m:sup>
                               </m:sSup>
                               <m:r>
-                                <a:rPr lang="en-US" sz="3600" i="1"/>
+                                <a:rPr lang="en-US" sz="3600" i="1">
+                                  <a:latin typeface="Cambria Math" panose="02040503050406030204" pitchFamily="18" charset="0"/>
+                                </a:rPr>
                                 <m:t>𝑌</m:t>
                               </m:r>
                             </m:e>
@@ -5876,11 +5946,15 @@
                         </m:e>
                         <m:sup>
                           <m:r>
-                            <a:rPr lang="en-US" sz="3600" i="1"/>
+                            <a:rPr lang="en-US" sz="3600" i="1">
+                              <a:latin typeface="Cambria Math" panose="02040503050406030204" pitchFamily="18" charset="0"/>
+                            </a:rPr>
                             <m:t>−</m:t>
                           </m:r>
                           <m:r>
-                            <a:rPr lang="en-US" sz="3600" i="1"/>
+                            <a:rPr lang="en-US" sz="3600" i="1">
+                              <a:latin typeface="Cambria Math" panose="02040503050406030204" pitchFamily="18" charset="0"/>
+                            </a:rPr>
                             <m:t>1</m:t>
                           </m:r>
                         </m:sup>
@@ -5888,24 +5962,32 @@
                       <m:sSup>
                         <m:sSupPr>
                           <m:ctrlPr>
-                            <a:rPr lang="en-US" sz="3600" i="1"/>
+                            <a:rPr lang="en-US" sz="3600" i="1">
+                              <a:latin typeface="Cambria Math" panose="02040503050406030204" pitchFamily="18" charset="0"/>
+                            </a:rPr>
                           </m:ctrlPr>
                         </m:sSupPr>
                         <m:e>
                           <m:r>
-                            <a:rPr lang="en-US" sz="3600" i="1"/>
+                            <a:rPr lang="en-US" sz="3600" i="1">
+                              <a:latin typeface="Cambria Math" panose="02040503050406030204" pitchFamily="18" charset="0"/>
+                            </a:rPr>
                             <m:t>𝑌</m:t>
                           </m:r>
                         </m:e>
                         <m:sup>
                           <m:r>
-                            <a:rPr lang="en-US" sz="3600" i="1"/>
+                            <a:rPr lang="en-US" sz="3600" i="1">
+                              <a:latin typeface="Cambria Math" panose="02040503050406030204" pitchFamily="18" charset="0"/>
+                            </a:rPr>
                             <m:t>𝐻</m:t>
                           </m:r>
                         </m:sup>
                       </m:sSup>
                       <m:r>
-                        <a:rPr lang="en-US" sz="3600" i="1"/>
+                        <a:rPr lang="en-US" sz="3600" i="1">
+                          <a:latin typeface="Cambria Math" panose="02040503050406030204" pitchFamily="18" charset="0"/>
+                        </a:rPr>
                         <m:t>𝑥</m:t>
                       </m:r>
                     </m:oMath>
@@ -5916,7 +5998,7 @@
             </p:txBody>
           </p:sp>
         </mc:Choice>
-        <mc:Fallback>
+        <mc:Fallback xmlns="">
           <p:sp>
             <p:nvSpPr>
               <p:cNvPr id="3" name="מלבן 2"/>
@@ -9601,11 +9683,7 @@
             </a:pPr>
             <a:r>
               <a:rPr lang="en-US" sz="2800" dirty="0" smtClean="0"/>
-              <a:t>The </a:t>
-            </a:r>
-            <a:r>
-              <a:rPr lang="en-US" sz="2800" dirty="0" smtClean="0"/>
-              <a:t>role of the Digital </a:t>
+              <a:t>The role of the Digital </a:t>
             </a:r>
             <a:r>
               <a:rPr lang="en-US" sz="2800" dirty="0"/>
@@ -11010,8 +11088,8 @@
           </a:p>
         </p:txBody>
       </p:sp>
-      <mc:AlternateContent xmlns:mc="http://schemas.openxmlformats.org/markup-compatibility/2006">
-        <mc:Choice xmlns:a14="http://schemas.microsoft.com/office/drawing/2010/main" Requires="a14">
+      <mc:AlternateContent xmlns:mc="http://schemas.openxmlformats.org/markup-compatibility/2006" xmlns:a14="http://schemas.microsoft.com/office/drawing/2010/main">
+        <mc:Choice Requires="a14">
           <p:sp>
             <p:nvSpPr>
               <p:cNvPr id="6" name="מלבן 5"/>
@@ -11033,6 +11111,7 @@
               </a:bodyPr>
               <a:lstStyle/>
               <a:p>
+                <a:pPr/>
                 <a14:m>
                   <m:oMathPara xmlns:m="http://schemas.openxmlformats.org/officeDocument/2006/math">
                     <m:oMathParaPr>
@@ -11444,7 +11523,7 @@
             </p:txBody>
           </p:sp>
         </mc:Choice>
-        <mc:Fallback>
+        <mc:Fallback xmlns="">
           <p:sp>
             <p:nvSpPr>
               <p:cNvPr id="6" name="מלבן 5"/>
@@ -11794,8 +11873,8 @@
           </a:p>
         </p:txBody>
       </p:sp>
-      <mc:AlternateContent xmlns:mc="http://schemas.openxmlformats.org/markup-compatibility/2006">
-        <mc:Choice xmlns:a14="http://schemas.microsoft.com/office/drawing/2010/main" Requires="a14">
+      <mc:AlternateContent xmlns:mc="http://schemas.openxmlformats.org/markup-compatibility/2006" xmlns:a14="http://schemas.microsoft.com/office/drawing/2010/main">
+        <mc:Choice Requires="a14">
           <p:sp>
             <p:nvSpPr>
               <p:cNvPr id="3" name="מלבן 2"/>
@@ -11817,6 +11896,7 @@
               </a:bodyPr>
               <a:lstStyle/>
               <a:p>
+                <a:pPr/>
                 <a14:m>
                   <m:oMathPara xmlns:m="http://schemas.openxmlformats.org/officeDocument/2006/math">
                     <m:oMathParaPr>
@@ -11826,7 +11906,7 @@
                       <m:sSub>
                         <m:sSubPr>
                           <m:ctrlPr>
-                            <a:rPr lang="en-US" sz="2800">
+                            <a:rPr lang="en-US" sz="2800" i="1">
                               <a:latin typeface="Cambria Math" panose="02040503050406030204" pitchFamily="18" charset="0"/>
                             </a:rPr>
                           </m:ctrlPr>
@@ -12112,7 +12192,7 @@
             </p:txBody>
           </p:sp>
         </mc:Choice>
-        <mc:Fallback>
+        <mc:Fallback xmlns="">
           <p:sp>
             <p:nvSpPr>
               <p:cNvPr id="3" name="מלבן 2"/>
@@ -12437,8 +12517,8 @@
           </a:p>
         </p:txBody>
       </p:sp>
-      <mc:AlternateContent xmlns:mc="http://schemas.openxmlformats.org/markup-compatibility/2006">
-        <mc:Choice xmlns:a14="http://schemas.microsoft.com/office/drawing/2010/main" Requires="a14">
+      <mc:AlternateContent xmlns:mc="http://schemas.openxmlformats.org/markup-compatibility/2006" xmlns:a14="http://schemas.microsoft.com/office/drawing/2010/main">
+        <mc:Choice Requires="a14">
           <p:sp>
             <p:nvSpPr>
               <p:cNvPr id="4" name="מלבן 3"/>
@@ -12460,6 +12540,7 @@
               </a:bodyPr>
               <a:lstStyle/>
               <a:p>
+                <a:pPr/>
                 <a14:m>
                   <m:oMathPara xmlns:m="http://schemas.openxmlformats.org/officeDocument/2006/math">
                     <m:oMathParaPr>
@@ -12523,7 +12604,7 @@
             </p:txBody>
           </p:sp>
         </mc:Choice>
-        <mc:Fallback>
+        <mc:Fallback xmlns="">
           <p:sp>
             <p:nvSpPr>
               <p:cNvPr id="4" name="מלבן 3"/>
@@ -12562,8 +12643,8 @@
           </p:sp>
         </mc:Fallback>
       </mc:AlternateContent>
-      <mc:AlternateContent xmlns:mc="http://schemas.openxmlformats.org/markup-compatibility/2006">
-        <mc:Choice xmlns:a14="http://schemas.microsoft.com/office/drawing/2010/main" Requires="a14">
+      <mc:AlternateContent xmlns:mc="http://schemas.openxmlformats.org/markup-compatibility/2006" xmlns:a14="http://schemas.microsoft.com/office/drawing/2010/main">
+        <mc:Choice Requires="a14">
           <p:sp>
             <p:nvSpPr>
               <p:cNvPr id="6" name="מלבן 5"/>
@@ -12585,6 +12666,7 @@
               </a:bodyPr>
               <a:lstStyle/>
               <a:p>
+                <a:pPr/>
                 <a14:m>
                   <m:oMathPara xmlns:m="http://schemas.openxmlformats.org/officeDocument/2006/math">
                     <m:oMathParaPr>
@@ -12596,7 +12678,7 @@
                           <m:begChr m:val="["/>
                           <m:endChr m:val="]"/>
                           <m:ctrlPr>
-                            <a:rPr lang="en-US" sz="2800">
+                            <a:rPr lang="en-US" sz="2800" i="1">
                               <a:latin typeface="Cambria Math" panose="02040503050406030204" pitchFamily="18" charset="0"/>
                             </a:rPr>
                           </m:ctrlPr>
@@ -12613,7 +12695,7 @@
                                 </m:mc>
                               </m:mcs>
                               <m:ctrlPr>
-                                <a:rPr lang="en-US" sz="2800">
+                                <a:rPr lang="en-US" sz="2800" i="1">
                                   <a:latin typeface="Cambria Math" panose="02040503050406030204" pitchFamily="18" charset="0"/>
                                 </a:rPr>
                               </m:ctrlPr>
@@ -12624,7 +12706,7 @@
                                   <m:dPr>
                                     <m:begChr m:val=""/>
                                     <m:ctrlPr>
-                                      <a:rPr lang="en-US" sz="2800">
+                                      <a:rPr lang="en-US" sz="2800" i="1">
                                         <a:latin typeface="Cambria Math" panose="02040503050406030204" pitchFamily="18" charset="0"/>
                                       </a:rPr>
                                     </m:ctrlPr>
@@ -13207,7 +13289,7 @@
             </p:txBody>
           </p:sp>
         </mc:Choice>
-        <mc:Fallback>
+        <mc:Fallback xmlns="">
           <p:sp>
             <p:nvSpPr>
               <p:cNvPr id="6" name="מלבן 5"/>

--- a/documents/Final Presentation.pptx
+++ b/documents/Final Presentation.pptx
@@ -12,57 +12,58 @@
     <p:sldId id="291" r:id="rId6"/>
     <p:sldId id="259" r:id="rId7"/>
     <p:sldId id="312" r:id="rId8"/>
-    <p:sldId id="313" r:id="rId9"/>
-    <p:sldId id="314" r:id="rId10"/>
-    <p:sldId id="315" r:id="rId11"/>
-    <p:sldId id="316" r:id="rId12"/>
-    <p:sldId id="311" r:id="rId13"/>
-    <p:sldId id="317" r:id="rId14"/>
-    <p:sldId id="275" r:id="rId15"/>
-    <p:sldId id="277" r:id="rId16"/>
-    <p:sldId id="278" r:id="rId17"/>
-    <p:sldId id="279" r:id="rId18"/>
-    <p:sldId id="281" r:id="rId19"/>
-    <p:sldId id="295" r:id="rId20"/>
-    <p:sldId id="296" r:id="rId21"/>
-    <p:sldId id="282" r:id="rId22"/>
-    <p:sldId id="283" r:id="rId23"/>
-    <p:sldId id="297" r:id="rId24"/>
-    <p:sldId id="284" r:id="rId25"/>
-    <p:sldId id="308" r:id="rId26"/>
-    <p:sldId id="286" r:id="rId27"/>
-    <p:sldId id="287" r:id="rId28"/>
-    <p:sldId id="288" r:id="rId29"/>
-    <p:sldId id="289" r:id="rId30"/>
-    <p:sldId id="261" r:id="rId31"/>
-    <p:sldId id="292" r:id="rId32"/>
-    <p:sldId id="290" r:id="rId33"/>
-    <p:sldId id="293" r:id="rId34"/>
-    <p:sldId id="294" r:id="rId35"/>
-    <p:sldId id="310" r:id="rId36"/>
-    <p:sldId id="262" r:id="rId37"/>
-    <p:sldId id="265" r:id="rId38"/>
-    <p:sldId id="266" r:id="rId39"/>
-    <p:sldId id="298" r:id="rId40"/>
-    <p:sldId id="267" r:id="rId41"/>
-    <p:sldId id="268" r:id="rId42"/>
-    <p:sldId id="272" r:id="rId43"/>
-    <p:sldId id="299" r:id="rId44"/>
-    <p:sldId id="300" r:id="rId45"/>
-    <p:sldId id="301" r:id="rId46"/>
-    <p:sldId id="269" r:id="rId47"/>
-    <p:sldId id="270" r:id="rId48"/>
-    <p:sldId id="271" r:id="rId49"/>
-    <p:sldId id="273" r:id="rId50"/>
-    <p:sldId id="302" r:id="rId51"/>
-    <p:sldId id="303" r:id="rId52"/>
-    <p:sldId id="304" r:id="rId53"/>
-    <p:sldId id="305" r:id="rId54"/>
-    <p:sldId id="306" r:id="rId55"/>
-    <p:sldId id="307" r:id="rId56"/>
-    <p:sldId id="263" r:id="rId57"/>
-    <p:sldId id="318" r:id="rId58"/>
-    <p:sldId id="264" r:id="rId59"/>
+    <p:sldId id="310" r:id="rId9"/>
+    <p:sldId id="319" r:id="rId10"/>
+    <p:sldId id="313" r:id="rId11"/>
+    <p:sldId id="314" r:id="rId12"/>
+    <p:sldId id="315" r:id="rId13"/>
+    <p:sldId id="316" r:id="rId14"/>
+    <p:sldId id="311" r:id="rId15"/>
+    <p:sldId id="317" r:id="rId16"/>
+    <p:sldId id="275" r:id="rId17"/>
+    <p:sldId id="277" r:id="rId18"/>
+    <p:sldId id="278" r:id="rId19"/>
+    <p:sldId id="279" r:id="rId20"/>
+    <p:sldId id="281" r:id="rId21"/>
+    <p:sldId id="295" r:id="rId22"/>
+    <p:sldId id="296" r:id="rId23"/>
+    <p:sldId id="282" r:id="rId24"/>
+    <p:sldId id="283" r:id="rId25"/>
+    <p:sldId id="297" r:id="rId26"/>
+    <p:sldId id="284" r:id="rId27"/>
+    <p:sldId id="308" r:id="rId28"/>
+    <p:sldId id="286" r:id="rId29"/>
+    <p:sldId id="287" r:id="rId30"/>
+    <p:sldId id="288" r:id="rId31"/>
+    <p:sldId id="289" r:id="rId32"/>
+    <p:sldId id="261" r:id="rId33"/>
+    <p:sldId id="292" r:id="rId34"/>
+    <p:sldId id="290" r:id="rId35"/>
+    <p:sldId id="293" r:id="rId36"/>
+    <p:sldId id="294" r:id="rId37"/>
+    <p:sldId id="262" r:id="rId38"/>
+    <p:sldId id="265" r:id="rId39"/>
+    <p:sldId id="266" r:id="rId40"/>
+    <p:sldId id="298" r:id="rId41"/>
+    <p:sldId id="267" r:id="rId42"/>
+    <p:sldId id="268" r:id="rId43"/>
+    <p:sldId id="272" r:id="rId44"/>
+    <p:sldId id="299" r:id="rId45"/>
+    <p:sldId id="300" r:id="rId46"/>
+    <p:sldId id="301" r:id="rId47"/>
+    <p:sldId id="269" r:id="rId48"/>
+    <p:sldId id="270" r:id="rId49"/>
+    <p:sldId id="271" r:id="rId50"/>
+    <p:sldId id="273" r:id="rId51"/>
+    <p:sldId id="302" r:id="rId52"/>
+    <p:sldId id="303" r:id="rId53"/>
+    <p:sldId id="304" r:id="rId54"/>
+    <p:sldId id="305" r:id="rId55"/>
+    <p:sldId id="306" r:id="rId56"/>
+    <p:sldId id="307" r:id="rId57"/>
+    <p:sldId id="263" r:id="rId58"/>
+    <p:sldId id="318" r:id="rId59"/>
+    <p:sldId id="264" r:id="rId60"/>
   </p:sldIdLst>
   <p:sldSz cx="12192000" cy="6858000"/>
   <p:notesSz cx="6858000" cy="9144000"/>
@@ -300,7 +301,7 @@
           <a:p>
             <a:fld id="{9FEBE435-90A8-453D-A692-E5D5F0B9EC14}" type="datetimeFigureOut">
               <a:rPr lang="en-US" smtClean="0"/>
-              <a:t>4/27/2023</a:t>
+              <a:t>5/1/2023</a:t>
             </a:fld>
             <a:endParaRPr lang="en-US"/>
           </a:p>
@@ -470,7 +471,7 @@
           <a:p>
             <a:fld id="{9FEBE435-90A8-453D-A692-E5D5F0B9EC14}" type="datetimeFigureOut">
               <a:rPr lang="en-US" smtClean="0"/>
-              <a:t>4/27/2023</a:t>
+              <a:t>5/1/2023</a:t>
             </a:fld>
             <a:endParaRPr lang="en-US"/>
           </a:p>
@@ -650,7 +651,7 @@
           <a:p>
             <a:fld id="{9FEBE435-90A8-453D-A692-E5D5F0B9EC14}" type="datetimeFigureOut">
               <a:rPr lang="en-US" smtClean="0"/>
-              <a:t>4/27/2023</a:t>
+              <a:t>5/1/2023</a:t>
             </a:fld>
             <a:endParaRPr lang="en-US"/>
           </a:p>
@@ -820,7 +821,7 @@
           <a:p>
             <a:fld id="{9FEBE435-90A8-453D-A692-E5D5F0B9EC14}" type="datetimeFigureOut">
               <a:rPr lang="en-US" smtClean="0"/>
-              <a:t>4/27/2023</a:t>
+              <a:t>5/1/2023</a:t>
             </a:fld>
             <a:endParaRPr lang="en-US"/>
           </a:p>
@@ -1066,7 +1067,7 @@
           <a:p>
             <a:fld id="{9FEBE435-90A8-453D-A692-E5D5F0B9EC14}" type="datetimeFigureOut">
               <a:rPr lang="en-US" smtClean="0"/>
-              <a:t>4/27/2023</a:t>
+              <a:t>5/1/2023</a:t>
             </a:fld>
             <a:endParaRPr lang="en-US"/>
           </a:p>
@@ -1298,7 +1299,7 @@
           <a:p>
             <a:fld id="{9FEBE435-90A8-453D-A692-E5D5F0B9EC14}" type="datetimeFigureOut">
               <a:rPr lang="en-US" smtClean="0"/>
-              <a:t>4/27/2023</a:t>
+              <a:t>5/1/2023</a:t>
             </a:fld>
             <a:endParaRPr lang="en-US"/>
           </a:p>
@@ -1665,7 +1666,7 @@
           <a:p>
             <a:fld id="{9FEBE435-90A8-453D-A692-E5D5F0B9EC14}" type="datetimeFigureOut">
               <a:rPr lang="en-US" smtClean="0"/>
-              <a:t>4/27/2023</a:t>
+              <a:t>5/1/2023</a:t>
             </a:fld>
             <a:endParaRPr lang="en-US"/>
           </a:p>
@@ -1783,7 +1784,7 @@
           <a:p>
             <a:fld id="{9FEBE435-90A8-453D-A692-E5D5F0B9EC14}" type="datetimeFigureOut">
               <a:rPr lang="en-US" smtClean="0"/>
-              <a:t>4/27/2023</a:t>
+              <a:t>5/1/2023</a:t>
             </a:fld>
             <a:endParaRPr lang="en-US"/>
           </a:p>
@@ -1878,7 +1879,7 @@
           <a:p>
             <a:fld id="{9FEBE435-90A8-453D-A692-E5D5F0B9EC14}" type="datetimeFigureOut">
               <a:rPr lang="en-US" smtClean="0"/>
-              <a:t>4/27/2023</a:t>
+              <a:t>5/1/2023</a:t>
             </a:fld>
             <a:endParaRPr lang="en-US"/>
           </a:p>
@@ -2155,7 +2156,7 @@
           <a:p>
             <a:fld id="{9FEBE435-90A8-453D-A692-E5D5F0B9EC14}" type="datetimeFigureOut">
               <a:rPr lang="en-US" smtClean="0"/>
-              <a:t>4/27/2023</a:t>
+              <a:t>5/1/2023</a:t>
             </a:fld>
             <a:endParaRPr lang="en-US"/>
           </a:p>
@@ -2408,7 +2409,7 @@
           <a:p>
             <a:fld id="{9FEBE435-90A8-453D-A692-E5D5F0B9EC14}" type="datetimeFigureOut">
               <a:rPr lang="en-US" smtClean="0"/>
-              <a:t>4/27/2023</a:t>
+              <a:t>5/1/2023</a:t>
             </a:fld>
             <a:endParaRPr lang="en-US"/>
           </a:p>
@@ -2621,7 +2622,7 @@
           <a:p>
             <a:fld id="{9FEBE435-90A8-453D-A692-E5D5F0B9EC14}" type="datetimeFigureOut">
               <a:rPr lang="en-US" smtClean="0"/>
-              <a:t>4/27/2023</a:t>
+              <a:t>5/1/2023</a:t>
             </a:fld>
             <a:endParaRPr lang="en-US"/>
           </a:p>
@@ -3026,6 +3027,47 @@
           <a:chExt cx="0" cy="0"/>
         </a:xfrm>
       </p:grpSpPr>
+      <p:pic>
+        <p:nvPicPr>
+          <p:cNvPr id="2" name="Picture 2" descr="Technion"/>
+          <p:cNvPicPr>
+            <a:picLocks noChangeAspect="1" noChangeArrowheads="1"/>
+          </p:cNvPicPr>
+          <p:nvPr/>
+        </p:nvPicPr>
+        <p:blipFill>
+          <a:blip r:embed="rId2">
+            <a:extLst>
+              <a:ext uri="{28A0092B-C50C-407E-A947-70E740481C1C}">
+                <a14:useLocalDpi xmlns:a14="http://schemas.microsoft.com/office/drawing/2010/main" val="0"/>
+              </a:ext>
+            </a:extLst>
+          </a:blip>
+          <a:srcRect/>
+          <a:stretch>
+            <a:fillRect/>
+          </a:stretch>
+        </p:blipFill>
+        <p:spPr bwMode="auto">
+          <a:xfrm>
+            <a:off x="304800" y="122734"/>
+            <a:ext cx="10896600" cy="1457326"/>
+          </a:xfrm>
+          <a:prstGeom prst="rect">
+            <a:avLst/>
+          </a:prstGeom>
+          <a:noFill/>
+          <a:extLst>
+            <a:ext uri="{909E8E84-426E-40DD-AFC4-6F175D3DCCD1}">
+              <a14:hiddenFill xmlns:a14="http://schemas.microsoft.com/office/drawing/2010/main">
+                <a:solidFill>
+                  <a:srgbClr val="FFFFFF"/>
+                </a:solidFill>
+              </a14:hiddenFill>
+            </a:ext>
+          </a:extLst>
+        </p:spPr>
+      </p:pic>
       <p:sp>
         <p:nvSpPr>
           <p:cNvPr id="4" name="Title 1"/>
@@ -3058,20 +3100,13 @@
               <a:t>Final </a:t>
             </a:r>
             <a:r>
-              <a:rPr lang="en-US" sz="2400" dirty="0">
+              <a:rPr lang="en-US" sz="2400" dirty="0" smtClean="0">
                 <a:solidFill>
                   <a:srgbClr val="002060"/>
                 </a:solidFill>
               </a:rPr>
               <a:t>Presentation</a:t>
             </a:r>
-            <a:br>
-              <a:rPr lang="en-US" sz="2400" dirty="0">
-                <a:solidFill>
-                  <a:srgbClr val="002060"/>
-                </a:solidFill>
-              </a:rPr>
-            </a:br>
             <a:r>
               <a:rPr lang="en-US" sz="2000" dirty="0">
                 <a:solidFill>
@@ -3345,7 +3380,7 @@
           <p:nvPr/>
         </p:nvPicPr>
         <p:blipFill rotWithShape="1">
-          <a:blip r:embed="rId2">
+          <a:blip r:embed="rId3">
             <a:extLst>
               <a:ext uri="{28A0092B-C50C-407E-A947-70E740481C1C}">
                 <a14:useLocalDpi xmlns:a14="http://schemas.microsoft.com/office/drawing/2010/main" val="0"/>
@@ -3396,6 +3431,594 @@
 </file>
 
 <file path=ppt/slides/slide10.xml><?xml version="1.0" encoding="utf-8"?>
+<p:sld xmlns:a="http://schemas.openxmlformats.org/drawingml/2006/main" xmlns:r="http://schemas.openxmlformats.org/officeDocument/2006/relationships" xmlns:p="http://schemas.openxmlformats.org/presentationml/2006/main">
+  <p:cSld>
+    <p:spTree>
+      <p:nvGrpSpPr>
+        <p:cNvPr id="1" name=""/>
+        <p:cNvGrpSpPr/>
+        <p:nvPr/>
+      </p:nvGrpSpPr>
+      <p:grpSpPr>
+        <a:xfrm>
+          <a:off x="0" y="0"/>
+          <a:ext cx="0" cy="0"/>
+          <a:chOff x="0" y="0"/>
+          <a:chExt cx="0" cy="0"/>
+        </a:xfrm>
+      </p:grpSpPr>
+      <p:sp>
+        <p:nvSpPr>
+          <p:cNvPr id="2" name="Title 1"/>
+          <p:cNvSpPr txBox="1">
+            <a:spLocks/>
+          </p:cNvSpPr>
+          <p:nvPr/>
+        </p:nvSpPr>
+        <p:spPr>
+          <a:xfrm>
+            <a:off x="609600" y="274638"/>
+            <a:ext cx="10972800" cy="1143000"/>
+          </a:xfrm>
+          <a:prstGeom prst="rect">
+            <a:avLst/>
+          </a:prstGeom>
+        </p:spPr>
+        <p:txBody>
+          <a:bodyPr/>
+          <a:lstStyle>
+            <a:lvl1pPr algn="r" defTabSz="914400" rtl="1" eaLnBrk="1" latinLnBrk="0" hangingPunct="1">
+              <a:lnSpc>
+                <a:spcPct val="90000"/>
+              </a:lnSpc>
+              <a:spcBef>
+                <a:spcPct val="0"/>
+              </a:spcBef>
+              <a:buNone/>
+              <a:defRPr sz="4400" kern="1200">
+                <a:solidFill>
+                  <a:schemeClr val="tx1"/>
+                </a:solidFill>
+                <a:latin typeface="+mj-lt"/>
+                <a:ea typeface="+mj-ea"/>
+                <a:cs typeface="+mj-cs"/>
+              </a:defRPr>
+            </a:lvl1pPr>
+          </a:lstStyle>
+          <a:p>
+            <a:pPr algn="ctr"/>
+            <a:r>
+              <a:rPr lang="en-US" dirty="0" smtClean="0">
+                <a:solidFill>
+                  <a:srgbClr val="002060"/>
+                </a:solidFill>
+              </a:rPr>
+              <a:t>AM/AM distortion</a:t>
+            </a:r>
+            <a:endParaRPr lang="he-IL" dirty="0">
+              <a:solidFill>
+                <a:srgbClr val="002060"/>
+              </a:solidFill>
+            </a:endParaRPr>
+          </a:p>
+        </p:txBody>
+      </p:sp>
+      <p:sp>
+        <p:nvSpPr>
+          <p:cNvPr id="3" name="Content Placeholder 2"/>
+          <p:cNvSpPr txBox="1">
+            <a:spLocks/>
+          </p:cNvSpPr>
+          <p:nvPr/>
+        </p:nvSpPr>
+        <p:spPr>
+          <a:xfrm>
+            <a:off x="609600" y="1318360"/>
+            <a:ext cx="10972800" cy="5205548"/>
+          </a:xfrm>
+          <a:prstGeom prst="rect">
+            <a:avLst/>
+          </a:prstGeom>
+        </p:spPr>
+        <p:txBody>
+          <a:bodyPr/>
+          <a:lstStyle>
+            <a:lvl1pPr marL="228600" indent="-228600" algn="r" defTabSz="914400" rtl="1" eaLnBrk="1" latinLnBrk="0" hangingPunct="1">
+              <a:lnSpc>
+                <a:spcPct val="90000"/>
+              </a:lnSpc>
+              <a:spcBef>
+                <a:spcPts val="1000"/>
+              </a:spcBef>
+              <a:buFont typeface="Arial" panose="020B0604020202020204" pitchFamily="34" charset="0"/>
+              <a:buChar char="•"/>
+              <a:defRPr sz="2800" kern="1200">
+                <a:solidFill>
+                  <a:schemeClr val="tx1"/>
+                </a:solidFill>
+                <a:latin typeface="+mn-lt"/>
+                <a:ea typeface="+mn-ea"/>
+                <a:cs typeface="+mn-cs"/>
+              </a:defRPr>
+            </a:lvl1pPr>
+            <a:lvl2pPr marL="685800" indent="-228600" algn="r" defTabSz="914400" rtl="1" eaLnBrk="1" latinLnBrk="0" hangingPunct="1">
+              <a:lnSpc>
+                <a:spcPct val="90000"/>
+              </a:lnSpc>
+              <a:spcBef>
+                <a:spcPts val="500"/>
+              </a:spcBef>
+              <a:buFont typeface="Arial" panose="020B0604020202020204" pitchFamily="34" charset="0"/>
+              <a:buChar char="•"/>
+              <a:defRPr sz="2400" kern="1200">
+                <a:solidFill>
+                  <a:schemeClr val="tx1"/>
+                </a:solidFill>
+                <a:latin typeface="+mn-lt"/>
+                <a:ea typeface="+mn-ea"/>
+                <a:cs typeface="+mn-cs"/>
+              </a:defRPr>
+            </a:lvl2pPr>
+            <a:lvl3pPr marL="1143000" indent="-228600" algn="r" defTabSz="914400" rtl="1" eaLnBrk="1" latinLnBrk="0" hangingPunct="1">
+              <a:lnSpc>
+                <a:spcPct val="90000"/>
+              </a:lnSpc>
+              <a:spcBef>
+                <a:spcPts val="500"/>
+              </a:spcBef>
+              <a:buFont typeface="Arial" panose="020B0604020202020204" pitchFamily="34" charset="0"/>
+              <a:buChar char="•"/>
+              <a:defRPr sz="2000" kern="1200">
+                <a:solidFill>
+                  <a:schemeClr val="tx1"/>
+                </a:solidFill>
+                <a:latin typeface="+mn-lt"/>
+                <a:ea typeface="+mn-ea"/>
+                <a:cs typeface="+mn-cs"/>
+              </a:defRPr>
+            </a:lvl3pPr>
+            <a:lvl4pPr marL="1600200" indent="-228600" algn="r" defTabSz="914400" rtl="1" eaLnBrk="1" latinLnBrk="0" hangingPunct="1">
+              <a:lnSpc>
+                <a:spcPct val="90000"/>
+              </a:lnSpc>
+              <a:spcBef>
+                <a:spcPts val="500"/>
+              </a:spcBef>
+              <a:buFont typeface="Arial" panose="020B0604020202020204" pitchFamily="34" charset="0"/>
+              <a:buChar char="•"/>
+              <a:defRPr sz="1800" kern="1200">
+                <a:solidFill>
+                  <a:schemeClr val="tx1"/>
+                </a:solidFill>
+                <a:latin typeface="+mn-lt"/>
+                <a:ea typeface="+mn-ea"/>
+                <a:cs typeface="+mn-cs"/>
+              </a:defRPr>
+            </a:lvl4pPr>
+            <a:lvl5pPr marL="2057400" indent="-228600" algn="r" defTabSz="914400" rtl="1" eaLnBrk="1" latinLnBrk="0" hangingPunct="1">
+              <a:lnSpc>
+                <a:spcPct val="90000"/>
+              </a:lnSpc>
+              <a:spcBef>
+                <a:spcPts val="500"/>
+              </a:spcBef>
+              <a:buFont typeface="Arial" panose="020B0604020202020204" pitchFamily="34" charset="0"/>
+              <a:buChar char="•"/>
+              <a:defRPr sz="1800" kern="1200">
+                <a:solidFill>
+                  <a:schemeClr val="tx1"/>
+                </a:solidFill>
+                <a:latin typeface="+mn-lt"/>
+                <a:ea typeface="+mn-ea"/>
+                <a:cs typeface="+mn-cs"/>
+              </a:defRPr>
+            </a:lvl5pPr>
+            <a:lvl6pPr marL="2514600" indent="-228600" algn="r" defTabSz="914400" rtl="1" eaLnBrk="1" latinLnBrk="0" hangingPunct="1">
+              <a:lnSpc>
+                <a:spcPct val="90000"/>
+              </a:lnSpc>
+              <a:spcBef>
+                <a:spcPts val="500"/>
+              </a:spcBef>
+              <a:buFont typeface="Arial" panose="020B0604020202020204" pitchFamily="34" charset="0"/>
+              <a:buChar char="•"/>
+              <a:defRPr sz="1800" kern="1200">
+                <a:solidFill>
+                  <a:schemeClr val="tx1"/>
+                </a:solidFill>
+                <a:latin typeface="+mn-lt"/>
+                <a:ea typeface="+mn-ea"/>
+                <a:cs typeface="+mn-cs"/>
+              </a:defRPr>
+            </a:lvl6pPr>
+            <a:lvl7pPr marL="2971800" indent="-228600" algn="r" defTabSz="914400" rtl="1" eaLnBrk="1" latinLnBrk="0" hangingPunct="1">
+              <a:lnSpc>
+                <a:spcPct val="90000"/>
+              </a:lnSpc>
+              <a:spcBef>
+                <a:spcPts val="500"/>
+              </a:spcBef>
+              <a:buFont typeface="Arial" panose="020B0604020202020204" pitchFamily="34" charset="0"/>
+              <a:buChar char="•"/>
+              <a:defRPr sz="1800" kern="1200">
+                <a:solidFill>
+                  <a:schemeClr val="tx1"/>
+                </a:solidFill>
+                <a:latin typeface="+mn-lt"/>
+                <a:ea typeface="+mn-ea"/>
+                <a:cs typeface="+mn-cs"/>
+              </a:defRPr>
+            </a:lvl7pPr>
+            <a:lvl8pPr marL="3429000" indent="-228600" algn="r" defTabSz="914400" rtl="1" eaLnBrk="1" latinLnBrk="0" hangingPunct="1">
+              <a:lnSpc>
+                <a:spcPct val="90000"/>
+              </a:lnSpc>
+              <a:spcBef>
+                <a:spcPts val="500"/>
+              </a:spcBef>
+              <a:buFont typeface="Arial" panose="020B0604020202020204" pitchFamily="34" charset="0"/>
+              <a:buChar char="•"/>
+              <a:defRPr sz="1800" kern="1200">
+                <a:solidFill>
+                  <a:schemeClr val="tx1"/>
+                </a:solidFill>
+                <a:latin typeface="+mn-lt"/>
+                <a:ea typeface="+mn-ea"/>
+                <a:cs typeface="+mn-cs"/>
+              </a:defRPr>
+            </a:lvl8pPr>
+            <a:lvl9pPr marL="3886200" indent="-228600" algn="r" defTabSz="914400" rtl="1" eaLnBrk="1" latinLnBrk="0" hangingPunct="1">
+              <a:lnSpc>
+                <a:spcPct val="90000"/>
+              </a:lnSpc>
+              <a:spcBef>
+                <a:spcPts val="500"/>
+              </a:spcBef>
+              <a:buFont typeface="Arial" panose="020B0604020202020204" pitchFamily="34" charset="0"/>
+              <a:buChar char="•"/>
+              <a:defRPr sz="1800" kern="1200">
+                <a:solidFill>
+                  <a:schemeClr val="tx1"/>
+                </a:solidFill>
+                <a:latin typeface="+mn-lt"/>
+                <a:ea typeface="+mn-ea"/>
+                <a:cs typeface="+mn-cs"/>
+              </a:defRPr>
+            </a:lvl9pPr>
+          </a:lstStyle>
+          <a:p>
+            <a:pPr algn="l" rtl="0"/>
+            <a:r>
+              <a:rPr lang="en-US" dirty="0"/>
+              <a:t>AM/AM is the relation between the amplitude of the input signal and the amplitude of the output </a:t>
+            </a:r>
+            <a:r>
+              <a:rPr lang="en-US" dirty="0" smtClean="0"/>
+              <a:t>signal.</a:t>
+            </a:r>
+          </a:p>
+          <a:p>
+            <a:pPr algn="l" rtl="0"/>
+            <a:endParaRPr lang="en-US" dirty="0"/>
+          </a:p>
+          <a:p>
+            <a:pPr algn="l" rtl="0"/>
+            <a:endParaRPr lang="en-US" dirty="0" smtClean="0"/>
+          </a:p>
+          <a:p>
+            <a:pPr algn="l" rtl="0"/>
+            <a:r>
+              <a:rPr lang="en-US" dirty="0" smtClean="0"/>
+              <a:t>Ideally, this relation </a:t>
+            </a:r>
+            <a:r>
+              <a:rPr lang="en-US" dirty="0"/>
+              <a:t>should be </a:t>
+            </a:r>
+            <a:r>
+              <a:rPr lang="en-US" dirty="0" smtClean="0"/>
+              <a:t>linear, </a:t>
+            </a:r>
+            <a:r>
+              <a:rPr lang="en-US" dirty="0"/>
+              <a:t>but due to non-linear components in the PA, is usually nonlinear</a:t>
+            </a:r>
+            <a:endParaRPr lang="en-US" dirty="0" smtClean="0"/>
+          </a:p>
+        </p:txBody>
+      </p:sp>
+    </p:spTree>
+    <p:extLst>
+      <p:ext uri="{BB962C8B-B14F-4D97-AF65-F5344CB8AC3E}">
+        <p14:creationId xmlns:p14="http://schemas.microsoft.com/office/powerpoint/2010/main" val="2586690049"/>
+      </p:ext>
+    </p:extLst>
+  </p:cSld>
+  <p:clrMapOvr>
+    <a:masterClrMapping/>
+  </p:clrMapOvr>
+  <p:timing>
+    <p:tnLst>
+      <p:par>
+        <p:cTn id="1" dur="indefinite" restart="never" nodeType="tmRoot">
+          <p:childTnLst>
+            <p:seq concurrent="1" nextAc="seek">
+              <p:cTn id="2" dur="indefinite" nodeType="mainSeq">
+                <p:childTnLst>
+                  <p:par>
+                    <p:cTn id="3" fill="hold">
+                      <p:stCondLst>
+                        <p:cond delay="indefinite"/>
+                      </p:stCondLst>
+                      <p:childTnLst>
+                        <p:par>
+                          <p:cTn id="4" fill="hold">
+                            <p:stCondLst>
+                              <p:cond delay="0"/>
+                            </p:stCondLst>
+                            <p:childTnLst>
+                              <p:par>
+                                <p:cTn id="5" presetID="10" presetClass="entr" presetSubtype="0" fill="hold" nodeType="clickEffect">
+                                  <p:stCondLst>
+                                    <p:cond delay="0"/>
+                                  </p:stCondLst>
+                                  <p:childTnLst>
+                                    <p:set>
+                                      <p:cBhvr>
+                                        <p:cTn id="6" dur="1" fill="hold">
+                                          <p:stCondLst>
+                                            <p:cond delay="0"/>
+                                          </p:stCondLst>
+                                        </p:cTn>
+                                        <p:tgtEl>
+                                          <p:spTgt spid="3">
+                                            <p:txEl>
+                                              <p:pRg st="0" end="0"/>
+                                            </p:txEl>
+                                          </p:spTgt>
+                                        </p:tgtEl>
+                                        <p:attrNameLst>
+                                          <p:attrName>style.visibility</p:attrName>
+                                        </p:attrNameLst>
+                                      </p:cBhvr>
+                                      <p:to>
+                                        <p:strVal val="visible"/>
+                                      </p:to>
+                                    </p:set>
+                                    <p:animEffect transition="in" filter="fade">
+                                      <p:cBhvr>
+                                        <p:cTn id="7" dur="500"/>
+                                        <p:tgtEl>
+                                          <p:spTgt spid="3">
+                                            <p:txEl>
+                                              <p:pRg st="0" end="0"/>
+                                            </p:txEl>
+                                          </p:spTgt>
+                                        </p:tgtEl>
+                                      </p:cBhvr>
+                                    </p:animEffect>
+                                  </p:childTnLst>
+                                </p:cTn>
+                              </p:par>
+                            </p:childTnLst>
+                          </p:cTn>
+                        </p:par>
+                      </p:childTnLst>
+                    </p:cTn>
+                  </p:par>
+                  <p:par>
+                    <p:cTn id="8" fill="hold">
+                      <p:stCondLst>
+                        <p:cond delay="indefinite"/>
+                      </p:stCondLst>
+                      <p:childTnLst>
+                        <p:par>
+                          <p:cTn id="9" fill="hold">
+                            <p:stCondLst>
+                              <p:cond delay="0"/>
+                            </p:stCondLst>
+                            <p:childTnLst>
+                              <p:par>
+                                <p:cTn id="10" presetID="10" presetClass="entr" presetSubtype="0" fill="hold" nodeType="clickEffect">
+                                  <p:stCondLst>
+                                    <p:cond delay="0"/>
+                                  </p:stCondLst>
+                                  <p:childTnLst>
+                                    <p:set>
+                                      <p:cBhvr>
+                                        <p:cTn id="11" dur="1" fill="hold">
+                                          <p:stCondLst>
+                                            <p:cond delay="0"/>
+                                          </p:stCondLst>
+                                        </p:cTn>
+                                        <p:tgtEl>
+                                          <p:spTgt spid="3">
+                                            <p:txEl>
+                                              <p:pRg st="3" end="3"/>
+                                            </p:txEl>
+                                          </p:spTgt>
+                                        </p:tgtEl>
+                                        <p:attrNameLst>
+                                          <p:attrName>style.visibility</p:attrName>
+                                        </p:attrNameLst>
+                                      </p:cBhvr>
+                                      <p:to>
+                                        <p:strVal val="visible"/>
+                                      </p:to>
+                                    </p:set>
+                                    <p:animEffect transition="in" filter="fade">
+                                      <p:cBhvr>
+                                        <p:cTn id="12" dur="500"/>
+                                        <p:tgtEl>
+                                          <p:spTgt spid="3">
+                                            <p:txEl>
+                                              <p:pRg st="3" end="3"/>
+                                            </p:txEl>
+                                          </p:spTgt>
+                                        </p:tgtEl>
+                                      </p:cBhvr>
+                                    </p:animEffect>
+                                  </p:childTnLst>
+                                </p:cTn>
+                              </p:par>
+                            </p:childTnLst>
+                          </p:cTn>
+                        </p:par>
+                      </p:childTnLst>
+                    </p:cTn>
+                  </p:par>
+                </p:childTnLst>
+              </p:cTn>
+              <p:prevCondLst>
+                <p:cond evt="onPrev" delay="0">
+                  <p:tgtEl>
+                    <p:sldTgt/>
+                  </p:tgtEl>
+                </p:cond>
+              </p:prevCondLst>
+              <p:nextCondLst>
+                <p:cond evt="onNext" delay="0">
+                  <p:tgtEl>
+                    <p:sldTgt/>
+                  </p:tgtEl>
+                </p:cond>
+              </p:nextCondLst>
+            </p:seq>
+          </p:childTnLst>
+        </p:cTn>
+      </p:par>
+    </p:tnLst>
+  </p:timing>
+</p:sld>
+</file>
+
+<file path=ppt/slides/slide11.xml><?xml version="1.0" encoding="utf-8"?>
+<p:sld xmlns:a="http://schemas.openxmlformats.org/drawingml/2006/main" xmlns:r="http://schemas.openxmlformats.org/officeDocument/2006/relationships" xmlns:p="http://schemas.openxmlformats.org/presentationml/2006/main">
+  <p:cSld>
+    <p:spTree>
+      <p:nvGrpSpPr>
+        <p:cNvPr id="1" name=""/>
+        <p:cNvGrpSpPr/>
+        <p:nvPr/>
+      </p:nvGrpSpPr>
+      <p:grpSpPr>
+        <a:xfrm>
+          <a:off x="0" y="0"/>
+          <a:ext cx="0" cy="0"/>
+          <a:chOff x="0" y="0"/>
+          <a:chExt cx="0" cy="0"/>
+        </a:xfrm>
+      </p:grpSpPr>
+      <p:sp>
+        <p:nvSpPr>
+          <p:cNvPr id="2" name="Title 1"/>
+          <p:cNvSpPr txBox="1">
+            <a:spLocks/>
+          </p:cNvSpPr>
+          <p:nvPr/>
+        </p:nvSpPr>
+        <p:spPr>
+          <a:xfrm>
+            <a:off x="609600" y="274638"/>
+            <a:ext cx="10972800" cy="1143000"/>
+          </a:xfrm>
+          <a:prstGeom prst="rect">
+            <a:avLst/>
+          </a:prstGeom>
+        </p:spPr>
+        <p:txBody>
+          <a:bodyPr/>
+          <a:lstStyle>
+            <a:lvl1pPr algn="r" defTabSz="914400" rtl="1" eaLnBrk="1" latinLnBrk="0" hangingPunct="1">
+              <a:lnSpc>
+                <a:spcPct val="90000"/>
+              </a:lnSpc>
+              <a:spcBef>
+                <a:spcPct val="0"/>
+              </a:spcBef>
+              <a:buNone/>
+              <a:defRPr sz="4400" kern="1200">
+                <a:solidFill>
+                  <a:schemeClr val="tx1"/>
+                </a:solidFill>
+                <a:latin typeface="+mj-lt"/>
+                <a:ea typeface="+mj-ea"/>
+                <a:cs typeface="+mj-cs"/>
+              </a:defRPr>
+            </a:lvl1pPr>
+          </a:lstStyle>
+          <a:p>
+            <a:pPr algn="ctr"/>
+            <a:r>
+              <a:rPr lang="en-US" dirty="0" smtClean="0">
+                <a:solidFill>
+                  <a:srgbClr val="002060"/>
+                </a:solidFill>
+              </a:rPr>
+              <a:t>AM/AM distortion</a:t>
+            </a:r>
+            <a:endParaRPr lang="he-IL" dirty="0">
+              <a:solidFill>
+                <a:srgbClr val="002060"/>
+              </a:solidFill>
+            </a:endParaRPr>
+          </a:p>
+        </p:txBody>
+      </p:sp>
+      <p:pic>
+        <p:nvPicPr>
+          <p:cNvPr id="4" name="תמונה 3" descr="https://lh5.googleusercontent.com/Mfulv0SRR996B-z0QHMTf7xGdK9kvM_KBwx4mhsBKGnv_8B6qWlY6lU0EW_sPDsaavwaoC14CBXFLDz4EhX9bIMODB-6gjREE3knWcb4_2O9HfHglTaMq32kUGx66pJPEkSosPfC-eFZfO0dUQ"/>
+          <p:cNvPicPr/>
+          <p:nvPr/>
+        </p:nvPicPr>
+        <p:blipFill>
+          <a:blip r:embed="rId2" cstate="print">
+            <a:extLst>
+              <a:ext uri="{28A0092B-C50C-407E-A947-70E740481C1C}">
+                <a14:useLocalDpi xmlns:a14="http://schemas.microsoft.com/office/drawing/2010/main" val="0"/>
+              </a:ext>
+            </a:extLst>
+          </a:blip>
+          <a:srcRect/>
+          <a:stretch>
+            <a:fillRect/>
+          </a:stretch>
+        </p:blipFill>
+        <p:spPr bwMode="auto">
+          <a:xfrm>
+            <a:off x="2226192" y="804573"/>
+            <a:ext cx="7804496" cy="5847343"/>
+          </a:xfrm>
+          <a:prstGeom prst="rect">
+            <a:avLst/>
+          </a:prstGeom>
+          <a:noFill/>
+          <a:ln>
+            <a:noFill/>
+          </a:ln>
+        </p:spPr>
+      </p:pic>
+    </p:spTree>
+    <p:extLst>
+      <p:ext uri="{BB962C8B-B14F-4D97-AF65-F5344CB8AC3E}">
+        <p14:creationId xmlns:p14="http://schemas.microsoft.com/office/powerpoint/2010/main" val="1604469197"/>
+      </p:ext>
+    </p:extLst>
+  </p:cSld>
+  <p:clrMapOvr>
+    <a:masterClrMapping/>
+  </p:clrMapOvr>
+  <p:timing>
+    <p:tnLst>
+      <p:par>
+        <p:cTn id="1" dur="indefinite" restart="never" nodeType="tmRoot"/>
+      </p:par>
+    </p:tnLst>
+  </p:timing>
+</p:sld>
+</file>
+
+<file path=ppt/slides/slide12.xml><?xml version="1.0" encoding="utf-8"?>
 <p:sld xmlns:a="http://schemas.openxmlformats.org/drawingml/2006/main" xmlns:r="http://schemas.openxmlformats.org/officeDocument/2006/relationships" xmlns:p="http://schemas.openxmlformats.org/presentationml/2006/main">
   <p:cSld>
     <p:spTree>
@@ -3860,7 +4483,7 @@
                                         <p:tgtEl>
                                           <p:spTgt spid="3">
                                             <p:txEl>
-                                              <p:charRg st="220" end="323"/>
+                                              <p:pRg st="4" end="4"/>
                                             </p:txEl>
                                           </p:spTgt>
                                         </p:tgtEl>
@@ -3878,7 +4501,7 @@
                                         <p:tgtEl>
                                           <p:spTgt spid="3">
                                             <p:txEl>
-                                              <p:charRg st="220" end="323"/>
+                                              <p:pRg st="4" end="4"/>
                                             </p:txEl>
                                           </p:spTgt>
                                         </p:tgtEl>
@@ -3918,7 +4541,7 @@
 </p:sld>
 </file>
 
-<file path=ppt/slides/slide11.xml><?xml version="1.0" encoding="utf-8"?>
+<file path=ppt/slides/slide13.xml><?xml version="1.0" encoding="utf-8"?>
 <p:sld xmlns:a="http://schemas.openxmlformats.org/drawingml/2006/main" xmlns:r="http://schemas.openxmlformats.org/officeDocument/2006/relationships" xmlns:p="http://schemas.openxmlformats.org/presentationml/2006/main">
   <p:cSld>
     <p:spTree>
@@ -4206,7 +4829,7 @@
 </p:sld>
 </file>
 
-<file path=ppt/slides/slide12.xml><?xml version="1.0" encoding="utf-8"?>
+<file path=ppt/slides/slide14.xml><?xml version="1.0" encoding="utf-8"?>
 <p:sld xmlns:a="http://schemas.openxmlformats.org/drawingml/2006/main" xmlns:r="http://schemas.openxmlformats.org/officeDocument/2006/relationships" xmlns:p="http://schemas.openxmlformats.org/presentationml/2006/main">
   <p:cSld>
     <p:spTree>
@@ -4733,7 +5356,7 @@
 </p:sld>
 </file>
 
-<file path=ppt/slides/slide13.xml><?xml version="1.0" encoding="utf-8"?>
+<file path=ppt/slides/slide15.xml><?xml version="1.0" encoding="utf-8"?>
 <p:sld xmlns:a="http://schemas.openxmlformats.org/drawingml/2006/main" xmlns:r="http://schemas.openxmlformats.org/officeDocument/2006/relationships" xmlns:p="http://schemas.openxmlformats.org/presentationml/2006/main">
   <p:cSld>
     <p:spTree>
@@ -5021,7 +5644,7 @@
 </p:sld>
 </file>
 
-<file path=ppt/slides/slide14.xml><?xml version="1.0" encoding="utf-8"?>
+<file path=ppt/slides/slide16.xml><?xml version="1.0" encoding="utf-8"?>
 <p:sld xmlns:a="http://schemas.openxmlformats.org/drawingml/2006/main" xmlns:r="http://schemas.openxmlformats.org/officeDocument/2006/relationships" xmlns:p="http://schemas.openxmlformats.org/presentationml/2006/main">
   <p:cSld>
     <p:spTree>
@@ -5965,7 +6588,7 @@
 </p:sld>
 </file>
 
-<file path=ppt/slides/slide15.xml><?xml version="1.0" encoding="utf-8"?>
+<file path=ppt/slides/slide17.xml><?xml version="1.0" encoding="utf-8"?>
 <p:sld xmlns:a="http://schemas.openxmlformats.org/drawingml/2006/main" xmlns:r="http://schemas.openxmlformats.org/officeDocument/2006/relationships" xmlns:p="http://schemas.openxmlformats.org/presentationml/2006/main">
   <p:cSld>
     <p:spTree>
@@ -6030,15 +6653,7 @@
                   <a:srgbClr val="002060"/>
                 </a:solidFill>
               </a:rPr>
-              <a:t>Memory </a:t>
-            </a:r>
-            <a:r>
-              <a:rPr lang="en-US" dirty="0" smtClean="0">
-                <a:solidFill>
-                  <a:srgbClr val="002060"/>
-                </a:solidFill>
-              </a:rPr>
-              <a:t>Polynomial</a:t>
+              <a:t>Memory Polynomial</a:t>
             </a:r>
             <a:endParaRPr lang="he-IL" dirty="0">
               <a:solidFill>
@@ -6792,7 +7407,7 @@
 </p:sld>
 </file>
 
-<file path=ppt/slides/slide16.xml><?xml version="1.0" encoding="utf-8"?>
+<file path=ppt/slides/slide18.xml><?xml version="1.0" encoding="utf-8"?>
 <p:sld xmlns:a="http://schemas.openxmlformats.org/drawingml/2006/main" xmlns:r="http://schemas.openxmlformats.org/officeDocument/2006/relationships" xmlns:p="http://schemas.openxmlformats.org/presentationml/2006/main">
   <p:cSld>
     <p:spTree>
@@ -8095,7 +8710,7 @@
 </p:sld>
 </file>
 
-<file path=ppt/slides/slide17.xml><?xml version="1.0" encoding="utf-8"?>
+<file path=ppt/slides/slide19.xml><?xml version="1.0" encoding="utf-8"?>
 <p:sld xmlns:a="http://schemas.openxmlformats.org/drawingml/2006/main" xmlns:r="http://schemas.openxmlformats.org/officeDocument/2006/relationships" xmlns:p="http://schemas.openxmlformats.org/presentationml/2006/main">
   <p:cSld>
     <p:spTree>
@@ -8890,7 +9505,1149 @@
 </p:sld>
 </file>
 
-<file path=ppt/slides/slide18.xml><?xml version="1.0" encoding="utf-8"?>
+<file path=ppt/slides/slide2.xml><?xml version="1.0" encoding="utf-8"?>
+<p:sld xmlns:a="http://schemas.openxmlformats.org/drawingml/2006/main" xmlns:r="http://schemas.openxmlformats.org/officeDocument/2006/relationships" xmlns:p="http://schemas.openxmlformats.org/presentationml/2006/main">
+  <p:cSld>
+    <p:spTree>
+      <p:nvGrpSpPr>
+        <p:cNvPr id="1" name=""/>
+        <p:cNvGrpSpPr/>
+        <p:nvPr/>
+      </p:nvGrpSpPr>
+      <p:grpSpPr>
+        <a:xfrm>
+          <a:off x="0" y="0"/>
+          <a:ext cx="0" cy="0"/>
+          <a:chOff x="0" y="0"/>
+          <a:chExt cx="0" cy="0"/>
+        </a:xfrm>
+      </p:grpSpPr>
+      <p:sp>
+        <p:nvSpPr>
+          <p:cNvPr id="6" name="Title 1"/>
+          <p:cNvSpPr txBox="1">
+            <a:spLocks/>
+          </p:cNvSpPr>
+          <p:nvPr/>
+        </p:nvSpPr>
+        <p:spPr>
+          <a:xfrm>
+            <a:off x="609600" y="274638"/>
+            <a:ext cx="10972800" cy="1143000"/>
+          </a:xfrm>
+          <a:prstGeom prst="rect">
+            <a:avLst/>
+          </a:prstGeom>
+        </p:spPr>
+        <p:txBody>
+          <a:bodyPr vert="horz" lIns="91440" tIns="45720" rIns="91440" bIns="45720" rtlCol="1" anchor="b">
+            <a:normAutofit/>
+          </a:bodyPr>
+          <a:lstStyle>
+            <a:lvl1pPr algn="ctr" defTabSz="914400" rtl="1" eaLnBrk="1" latinLnBrk="0" hangingPunct="1">
+              <a:lnSpc>
+                <a:spcPct val="90000"/>
+              </a:lnSpc>
+              <a:spcBef>
+                <a:spcPct val="0"/>
+              </a:spcBef>
+              <a:buNone/>
+              <a:defRPr sz="6000" kern="1200">
+                <a:solidFill>
+                  <a:schemeClr val="tx1"/>
+                </a:solidFill>
+                <a:latin typeface="+mj-lt"/>
+                <a:ea typeface="+mj-ea"/>
+                <a:cs typeface="+mj-cs"/>
+              </a:defRPr>
+            </a:lvl1pPr>
+          </a:lstStyle>
+          <a:p>
+            <a:r>
+              <a:rPr lang="en-US" smtClean="0">
+                <a:solidFill>
+                  <a:srgbClr val="002060"/>
+                </a:solidFill>
+              </a:rPr>
+              <a:t>Outline</a:t>
+            </a:r>
+            <a:endParaRPr lang="he-IL" dirty="0">
+              <a:solidFill>
+                <a:srgbClr val="002060"/>
+              </a:solidFill>
+            </a:endParaRPr>
+          </a:p>
+        </p:txBody>
+      </p:sp>
+      <p:sp>
+        <p:nvSpPr>
+          <p:cNvPr id="7" name="Content Placeholder 2"/>
+          <p:cNvSpPr txBox="1">
+            <a:spLocks/>
+          </p:cNvSpPr>
+          <p:nvPr/>
+        </p:nvSpPr>
+        <p:spPr>
+          <a:xfrm>
+            <a:off x="609600" y="1600201"/>
+            <a:ext cx="10972800" cy="4525963"/>
+          </a:xfrm>
+          <a:prstGeom prst="rect">
+            <a:avLst/>
+          </a:prstGeom>
+        </p:spPr>
+        <p:txBody>
+          <a:bodyPr vert="horz" lIns="91440" tIns="45720" rIns="91440" bIns="45720" rtlCol="1">
+            <a:normAutofit/>
+          </a:bodyPr>
+          <a:lstStyle>
+            <a:lvl1pPr marL="0" indent="0" algn="ctr" defTabSz="914400" rtl="1" eaLnBrk="1" latinLnBrk="0" hangingPunct="1">
+              <a:lnSpc>
+                <a:spcPct val="90000"/>
+              </a:lnSpc>
+              <a:spcBef>
+                <a:spcPts val="1000"/>
+              </a:spcBef>
+              <a:buFont typeface="Arial" panose="020B0604020202020204" pitchFamily="34" charset="0"/>
+              <a:buNone/>
+              <a:defRPr sz="2400" kern="1200">
+                <a:solidFill>
+                  <a:schemeClr val="tx1"/>
+                </a:solidFill>
+                <a:latin typeface="+mn-lt"/>
+                <a:ea typeface="+mn-ea"/>
+                <a:cs typeface="+mn-cs"/>
+              </a:defRPr>
+            </a:lvl1pPr>
+            <a:lvl2pPr marL="457200" indent="0" algn="ctr" defTabSz="914400" rtl="1" eaLnBrk="1" latinLnBrk="0" hangingPunct="1">
+              <a:lnSpc>
+                <a:spcPct val="90000"/>
+              </a:lnSpc>
+              <a:spcBef>
+                <a:spcPts val="500"/>
+              </a:spcBef>
+              <a:buFont typeface="Arial" panose="020B0604020202020204" pitchFamily="34" charset="0"/>
+              <a:buNone/>
+              <a:defRPr sz="2000" kern="1200">
+                <a:solidFill>
+                  <a:schemeClr val="tx1"/>
+                </a:solidFill>
+                <a:latin typeface="+mn-lt"/>
+                <a:ea typeface="+mn-ea"/>
+                <a:cs typeface="+mn-cs"/>
+              </a:defRPr>
+            </a:lvl2pPr>
+            <a:lvl3pPr marL="914400" indent="0" algn="ctr" defTabSz="914400" rtl="1" eaLnBrk="1" latinLnBrk="0" hangingPunct="1">
+              <a:lnSpc>
+                <a:spcPct val="90000"/>
+              </a:lnSpc>
+              <a:spcBef>
+                <a:spcPts val="500"/>
+              </a:spcBef>
+              <a:buFont typeface="Arial" panose="020B0604020202020204" pitchFamily="34" charset="0"/>
+              <a:buNone/>
+              <a:defRPr sz="1800" kern="1200">
+                <a:solidFill>
+                  <a:schemeClr val="tx1"/>
+                </a:solidFill>
+                <a:latin typeface="+mn-lt"/>
+                <a:ea typeface="+mn-ea"/>
+                <a:cs typeface="+mn-cs"/>
+              </a:defRPr>
+            </a:lvl3pPr>
+            <a:lvl4pPr marL="1371600" indent="0" algn="ctr" defTabSz="914400" rtl="1" eaLnBrk="1" latinLnBrk="0" hangingPunct="1">
+              <a:lnSpc>
+                <a:spcPct val="90000"/>
+              </a:lnSpc>
+              <a:spcBef>
+                <a:spcPts val="500"/>
+              </a:spcBef>
+              <a:buFont typeface="Arial" panose="020B0604020202020204" pitchFamily="34" charset="0"/>
+              <a:buNone/>
+              <a:defRPr sz="1600" kern="1200">
+                <a:solidFill>
+                  <a:schemeClr val="tx1"/>
+                </a:solidFill>
+                <a:latin typeface="+mn-lt"/>
+                <a:ea typeface="+mn-ea"/>
+                <a:cs typeface="+mn-cs"/>
+              </a:defRPr>
+            </a:lvl4pPr>
+            <a:lvl5pPr marL="1828800" indent="0" algn="ctr" defTabSz="914400" rtl="1" eaLnBrk="1" latinLnBrk="0" hangingPunct="1">
+              <a:lnSpc>
+                <a:spcPct val="90000"/>
+              </a:lnSpc>
+              <a:spcBef>
+                <a:spcPts val="500"/>
+              </a:spcBef>
+              <a:buFont typeface="Arial" panose="020B0604020202020204" pitchFamily="34" charset="0"/>
+              <a:buNone/>
+              <a:defRPr sz="1600" kern="1200">
+                <a:solidFill>
+                  <a:schemeClr val="tx1"/>
+                </a:solidFill>
+                <a:latin typeface="+mn-lt"/>
+                <a:ea typeface="+mn-ea"/>
+                <a:cs typeface="+mn-cs"/>
+              </a:defRPr>
+            </a:lvl5pPr>
+            <a:lvl6pPr marL="2286000" indent="0" algn="ctr" defTabSz="914400" rtl="1" eaLnBrk="1" latinLnBrk="0" hangingPunct="1">
+              <a:lnSpc>
+                <a:spcPct val="90000"/>
+              </a:lnSpc>
+              <a:spcBef>
+                <a:spcPts val="500"/>
+              </a:spcBef>
+              <a:buFont typeface="Arial" panose="020B0604020202020204" pitchFamily="34" charset="0"/>
+              <a:buNone/>
+              <a:defRPr sz="1600" kern="1200">
+                <a:solidFill>
+                  <a:schemeClr val="tx1"/>
+                </a:solidFill>
+                <a:latin typeface="+mn-lt"/>
+                <a:ea typeface="+mn-ea"/>
+                <a:cs typeface="+mn-cs"/>
+              </a:defRPr>
+            </a:lvl6pPr>
+            <a:lvl7pPr marL="2743200" indent="0" algn="ctr" defTabSz="914400" rtl="1" eaLnBrk="1" latinLnBrk="0" hangingPunct="1">
+              <a:lnSpc>
+                <a:spcPct val="90000"/>
+              </a:lnSpc>
+              <a:spcBef>
+                <a:spcPts val="500"/>
+              </a:spcBef>
+              <a:buFont typeface="Arial" panose="020B0604020202020204" pitchFamily="34" charset="0"/>
+              <a:buNone/>
+              <a:defRPr sz="1600" kern="1200">
+                <a:solidFill>
+                  <a:schemeClr val="tx1"/>
+                </a:solidFill>
+                <a:latin typeface="+mn-lt"/>
+                <a:ea typeface="+mn-ea"/>
+                <a:cs typeface="+mn-cs"/>
+              </a:defRPr>
+            </a:lvl7pPr>
+            <a:lvl8pPr marL="3200400" indent="0" algn="ctr" defTabSz="914400" rtl="1" eaLnBrk="1" latinLnBrk="0" hangingPunct="1">
+              <a:lnSpc>
+                <a:spcPct val="90000"/>
+              </a:lnSpc>
+              <a:spcBef>
+                <a:spcPts val="500"/>
+              </a:spcBef>
+              <a:buFont typeface="Arial" panose="020B0604020202020204" pitchFamily="34" charset="0"/>
+              <a:buNone/>
+              <a:defRPr sz="1600" kern="1200">
+                <a:solidFill>
+                  <a:schemeClr val="tx1"/>
+                </a:solidFill>
+                <a:latin typeface="+mn-lt"/>
+                <a:ea typeface="+mn-ea"/>
+                <a:cs typeface="+mn-cs"/>
+              </a:defRPr>
+            </a:lvl8pPr>
+            <a:lvl9pPr marL="3657600" indent="0" algn="ctr" defTabSz="914400" rtl="1" eaLnBrk="1" latinLnBrk="0" hangingPunct="1">
+              <a:lnSpc>
+                <a:spcPct val="90000"/>
+              </a:lnSpc>
+              <a:spcBef>
+                <a:spcPts val="500"/>
+              </a:spcBef>
+              <a:buFont typeface="Arial" panose="020B0604020202020204" pitchFamily="34" charset="0"/>
+              <a:buNone/>
+              <a:defRPr sz="1600" kern="1200">
+                <a:solidFill>
+                  <a:schemeClr val="tx1"/>
+                </a:solidFill>
+                <a:latin typeface="+mn-lt"/>
+                <a:ea typeface="+mn-ea"/>
+                <a:cs typeface="+mn-cs"/>
+              </a:defRPr>
+            </a:lvl9pPr>
+          </a:lstStyle>
+          <a:p>
+            <a:pPr marL="857250" lvl="1" indent="-457200" algn="l"/>
+            <a:endParaRPr lang="he-IL" dirty="0">
+              <a:solidFill>
+                <a:srgbClr val="002060"/>
+              </a:solidFill>
+            </a:endParaRPr>
+          </a:p>
+        </p:txBody>
+      </p:sp>
+      <p:sp>
+        <p:nvSpPr>
+          <p:cNvPr id="8" name="Slide Number Placeholder 4"/>
+          <p:cNvSpPr>
+            <a:spLocks noGrp="1"/>
+          </p:cNvSpPr>
+          <p:nvPr>
+            <p:ph type="sldNum" sz="quarter" idx="12"/>
+          </p:nvPr>
+        </p:nvSpPr>
+        <p:spPr>
+          <a:xfrm>
+            <a:off x="8737600" y="6400799"/>
+            <a:ext cx="2844800" cy="365125"/>
+          </a:xfrm>
+        </p:spPr>
+        <p:txBody>
+          <a:bodyPr/>
+          <a:lstStyle/>
+          <a:p>
+            <a:fld id="{B01D9778-10B4-40FB-B4E4-44FA89A86639}" type="slidenum">
+              <a:rPr lang="en-US" smtClean="0"/>
+              <a:pPr/>
+              <a:t>2</a:t>
+            </a:fld>
+            <a:endParaRPr lang="en-US"/>
+          </a:p>
+        </p:txBody>
+      </p:sp>
+      <p:sp>
+        <p:nvSpPr>
+          <p:cNvPr id="5" name="Content Placeholder 2"/>
+          <p:cNvSpPr txBox="1">
+            <a:spLocks/>
+          </p:cNvSpPr>
+          <p:nvPr/>
+        </p:nvSpPr>
+        <p:spPr>
+          <a:xfrm>
+            <a:off x="233546" y="1363231"/>
+            <a:ext cx="12083144" cy="5309734"/>
+          </a:xfrm>
+          <a:prstGeom prst="rect">
+            <a:avLst/>
+          </a:prstGeom>
+        </p:spPr>
+        <p:txBody>
+          <a:bodyPr/>
+          <a:lstStyle>
+            <a:lvl1pPr marL="228600" indent="-228600" algn="r" defTabSz="914400" rtl="1" eaLnBrk="1" latinLnBrk="0" hangingPunct="1">
+              <a:lnSpc>
+                <a:spcPct val="90000"/>
+              </a:lnSpc>
+              <a:spcBef>
+                <a:spcPts val="1000"/>
+              </a:spcBef>
+              <a:buFont typeface="Arial" panose="020B0604020202020204" pitchFamily="34" charset="0"/>
+              <a:buChar char="•"/>
+              <a:defRPr sz="2800" kern="1200">
+                <a:solidFill>
+                  <a:schemeClr val="tx1"/>
+                </a:solidFill>
+                <a:latin typeface="+mn-lt"/>
+                <a:ea typeface="+mn-ea"/>
+                <a:cs typeface="+mn-cs"/>
+              </a:defRPr>
+            </a:lvl1pPr>
+            <a:lvl2pPr marL="685800" indent="-228600" algn="r" defTabSz="914400" rtl="1" eaLnBrk="1" latinLnBrk="0" hangingPunct="1">
+              <a:lnSpc>
+                <a:spcPct val="90000"/>
+              </a:lnSpc>
+              <a:spcBef>
+                <a:spcPts val="500"/>
+              </a:spcBef>
+              <a:buFont typeface="Arial" panose="020B0604020202020204" pitchFamily="34" charset="0"/>
+              <a:buChar char="•"/>
+              <a:defRPr sz="2400" kern="1200">
+                <a:solidFill>
+                  <a:schemeClr val="tx1"/>
+                </a:solidFill>
+                <a:latin typeface="+mn-lt"/>
+                <a:ea typeface="+mn-ea"/>
+                <a:cs typeface="+mn-cs"/>
+              </a:defRPr>
+            </a:lvl2pPr>
+            <a:lvl3pPr marL="1143000" indent="-228600" algn="r" defTabSz="914400" rtl="1" eaLnBrk="1" latinLnBrk="0" hangingPunct="1">
+              <a:lnSpc>
+                <a:spcPct val="90000"/>
+              </a:lnSpc>
+              <a:spcBef>
+                <a:spcPts val="500"/>
+              </a:spcBef>
+              <a:buFont typeface="Arial" panose="020B0604020202020204" pitchFamily="34" charset="0"/>
+              <a:buChar char="•"/>
+              <a:defRPr sz="2000" kern="1200">
+                <a:solidFill>
+                  <a:schemeClr val="tx1"/>
+                </a:solidFill>
+                <a:latin typeface="+mn-lt"/>
+                <a:ea typeface="+mn-ea"/>
+                <a:cs typeface="+mn-cs"/>
+              </a:defRPr>
+            </a:lvl3pPr>
+            <a:lvl4pPr marL="1600200" indent="-228600" algn="r" defTabSz="914400" rtl="1" eaLnBrk="1" latinLnBrk="0" hangingPunct="1">
+              <a:lnSpc>
+                <a:spcPct val="90000"/>
+              </a:lnSpc>
+              <a:spcBef>
+                <a:spcPts val="500"/>
+              </a:spcBef>
+              <a:buFont typeface="Arial" panose="020B0604020202020204" pitchFamily="34" charset="0"/>
+              <a:buChar char="•"/>
+              <a:defRPr sz="1800" kern="1200">
+                <a:solidFill>
+                  <a:schemeClr val="tx1"/>
+                </a:solidFill>
+                <a:latin typeface="+mn-lt"/>
+                <a:ea typeface="+mn-ea"/>
+                <a:cs typeface="+mn-cs"/>
+              </a:defRPr>
+            </a:lvl4pPr>
+            <a:lvl5pPr marL="2057400" indent="-228600" algn="r" defTabSz="914400" rtl="1" eaLnBrk="1" latinLnBrk="0" hangingPunct="1">
+              <a:lnSpc>
+                <a:spcPct val="90000"/>
+              </a:lnSpc>
+              <a:spcBef>
+                <a:spcPts val="500"/>
+              </a:spcBef>
+              <a:buFont typeface="Arial" panose="020B0604020202020204" pitchFamily="34" charset="0"/>
+              <a:buChar char="•"/>
+              <a:defRPr sz="1800" kern="1200">
+                <a:solidFill>
+                  <a:schemeClr val="tx1"/>
+                </a:solidFill>
+                <a:latin typeface="+mn-lt"/>
+                <a:ea typeface="+mn-ea"/>
+                <a:cs typeface="+mn-cs"/>
+              </a:defRPr>
+            </a:lvl5pPr>
+            <a:lvl6pPr marL="2514600" indent="-228600" algn="r" defTabSz="914400" rtl="1" eaLnBrk="1" latinLnBrk="0" hangingPunct="1">
+              <a:lnSpc>
+                <a:spcPct val="90000"/>
+              </a:lnSpc>
+              <a:spcBef>
+                <a:spcPts val="500"/>
+              </a:spcBef>
+              <a:buFont typeface="Arial" panose="020B0604020202020204" pitchFamily="34" charset="0"/>
+              <a:buChar char="•"/>
+              <a:defRPr sz="1800" kern="1200">
+                <a:solidFill>
+                  <a:schemeClr val="tx1"/>
+                </a:solidFill>
+                <a:latin typeface="+mn-lt"/>
+                <a:ea typeface="+mn-ea"/>
+                <a:cs typeface="+mn-cs"/>
+              </a:defRPr>
+            </a:lvl6pPr>
+            <a:lvl7pPr marL="2971800" indent="-228600" algn="r" defTabSz="914400" rtl="1" eaLnBrk="1" latinLnBrk="0" hangingPunct="1">
+              <a:lnSpc>
+                <a:spcPct val="90000"/>
+              </a:lnSpc>
+              <a:spcBef>
+                <a:spcPts val="500"/>
+              </a:spcBef>
+              <a:buFont typeface="Arial" panose="020B0604020202020204" pitchFamily="34" charset="0"/>
+              <a:buChar char="•"/>
+              <a:defRPr sz="1800" kern="1200">
+                <a:solidFill>
+                  <a:schemeClr val="tx1"/>
+                </a:solidFill>
+                <a:latin typeface="+mn-lt"/>
+                <a:ea typeface="+mn-ea"/>
+                <a:cs typeface="+mn-cs"/>
+              </a:defRPr>
+            </a:lvl7pPr>
+            <a:lvl8pPr marL="3429000" indent="-228600" algn="r" defTabSz="914400" rtl="1" eaLnBrk="1" latinLnBrk="0" hangingPunct="1">
+              <a:lnSpc>
+                <a:spcPct val="90000"/>
+              </a:lnSpc>
+              <a:spcBef>
+                <a:spcPts val="500"/>
+              </a:spcBef>
+              <a:buFont typeface="Arial" panose="020B0604020202020204" pitchFamily="34" charset="0"/>
+              <a:buChar char="•"/>
+              <a:defRPr sz="1800" kern="1200">
+                <a:solidFill>
+                  <a:schemeClr val="tx1"/>
+                </a:solidFill>
+                <a:latin typeface="+mn-lt"/>
+                <a:ea typeface="+mn-ea"/>
+                <a:cs typeface="+mn-cs"/>
+              </a:defRPr>
+            </a:lvl8pPr>
+            <a:lvl9pPr marL="3886200" indent="-228600" algn="r" defTabSz="914400" rtl="1" eaLnBrk="1" latinLnBrk="0" hangingPunct="1">
+              <a:lnSpc>
+                <a:spcPct val="90000"/>
+              </a:lnSpc>
+              <a:spcBef>
+                <a:spcPts val="500"/>
+              </a:spcBef>
+              <a:buFont typeface="Arial" panose="020B0604020202020204" pitchFamily="34" charset="0"/>
+              <a:buChar char="•"/>
+              <a:defRPr sz="1800" kern="1200">
+                <a:solidFill>
+                  <a:schemeClr val="tx1"/>
+                </a:solidFill>
+                <a:latin typeface="+mn-lt"/>
+                <a:ea typeface="+mn-ea"/>
+                <a:cs typeface="+mn-cs"/>
+              </a:defRPr>
+            </a:lvl9pPr>
+          </a:lstStyle>
+          <a:p>
+            <a:pPr lvl="1" algn="l" rtl="0">
+              <a:lnSpc>
+                <a:spcPct val="100000"/>
+              </a:lnSpc>
+            </a:pPr>
+            <a:r>
+              <a:rPr lang="en-US" sz="2800" dirty="0" smtClean="0"/>
+              <a:t>Project Goal</a:t>
+            </a:r>
+          </a:p>
+          <a:p>
+            <a:pPr lvl="1" algn="l" rtl="0">
+              <a:lnSpc>
+                <a:spcPct val="100000"/>
+              </a:lnSpc>
+            </a:pPr>
+            <a:endParaRPr lang="en-US" sz="2800" dirty="0"/>
+          </a:p>
+          <a:p>
+            <a:pPr lvl="1" algn="l" rtl="0">
+              <a:lnSpc>
+                <a:spcPct val="100000"/>
+              </a:lnSpc>
+            </a:pPr>
+            <a:r>
+              <a:rPr lang="en-US" sz="2800" dirty="0" smtClean="0"/>
+              <a:t>Theoretical background</a:t>
+            </a:r>
+          </a:p>
+          <a:p>
+            <a:pPr lvl="2" algn="l" rtl="0">
+              <a:lnSpc>
+                <a:spcPct val="100000"/>
+              </a:lnSpc>
+              <a:buFontTx/>
+              <a:buChar char="-"/>
+            </a:pPr>
+            <a:r>
+              <a:rPr lang="en-US" sz="2400" dirty="0" smtClean="0"/>
+              <a:t>Digital Pre Distortion</a:t>
+            </a:r>
+          </a:p>
+          <a:p>
+            <a:pPr lvl="2" algn="l" rtl="0">
+              <a:lnSpc>
+                <a:spcPct val="100000"/>
+              </a:lnSpc>
+              <a:buFontTx/>
+              <a:buChar char="-"/>
+            </a:pPr>
+            <a:r>
+              <a:rPr lang="en-US" sz="2400" dirty="0" smtClean="0"/>
+              <a:t>Classical methods</a:t>
+            </a:r>
+          </a:p>
+          <a:p>
+            <a:pPr lvl="2" algn="l" rtl="0">
+              <a:lnSpc>
+                <a:spcPct val="100000"/>
+              </a:lnSpc>
+              <a:buFontTx/>
+              <a:buChar char="-"/>
+            </a:pPr>
+            <a:r>
+              <a:rPr lang="en-US" sz="2400" dirty="0" smtClean="0"/>
+              <a:t>Neural Networks </a:t>
+            </a:r>
+          </a:p>
+          <a:p>
+            <a:pPr lvl="2" algn="l" rtl="0">
+              <a:lnSpc>
+                <a:spcPct val="100000"/>
+              </a:lnSpc>
+              <a:buFontTx/>
+              <a:buChar char="-"/>
+            </a:pPr>
+            <a:endParaRPr lang="en-US" sz="2400" dirty="0"/>
+          </a:p>
+          <a:p>
+            <a:pPr lvl="1" algn="l" rtl="0">
+              <a:lnSpc>
+                <a:spcPct val="100000"/>
+              </a:lnSpc>
+            </a:pPr>
+            <a:r>
+              <a:rPr lang="en-US" sz="2800" dirty="0" smtClean="0"/>
+              <a:t>Results</a:t>
+            </a:r>
+          </a:p>
+          <a:p>
+            <a:pPr lvl="1" algn="l" rtl="0">
+              <a:lnSpc>
+                <a:spcPct val="100000"/>
+              </a:lnSpc>
+            </a:pPr>
+            <a:r>
+              <a:rPr lang="en-US" sz="2800" dirty="0" smtClean="0"/>
+              <a:t>Discussion</a:t>
+            </a:r>
+          </a:p>
+          <a:p>
+            <a:pPr lvl="1" algn="l" rtl="0">
+              <a:lnSpc>
+                <a:spcPct val="100000"/>
+              </a:lnSpc>
+            </a:pPr>
+            <a:r>
+              <a:rPr lang="en-US" sz="2800" dirty="0" smtClean="0"/>
+              <a:t>Conclusions</a:t>
+            </a:r>
+          </a:p>
+          <a:p>
+            <a:pPr lvl="1" algn="l" rtl="0">
+              <a:lnSpc>
+                <a:spcPct val="100000"/>
+              </a:lnSpc>
+            </a:pPr>
+            <a:endParaRPr lang="en-US" sz="2800" dirty="0"/>
+          </a:p>
+          <a:p>
+            <a:pPr lvl="1" algn="l" rtl="0">
+              <a:lnSpc>
+                <a:spcPct val="100000"/>
+              </a:lnSpc>
+            </a:pPr>
+            <a:endParaRPr lang="en-US" sz="2800" dirty="0" smtClean="0"/>
+          </a:p>
+        </p:txBody>
+      </p:sp>
+    </p:spTree>
+    <p:extLst>
+      <p:ext uri="{BB962C8B-B14F-4D97-AF65-F5344CB8AC3E}">
+        <p14:creationId xmlns:p14="http://schemas.microsoft.com/office/powerpoint/2010/main" val="716307291"/>
+      </p:ext>
+    </p:extLst>
+  </p:cSld>
+  <p:clrMapOvr>
+    <a:masterClrMapping/>
+  </p:clrMapOvr>
+  <p:timing>
+    <p:tnLst>
+      <p:par>
+        <p:cTn id="1" dur="indefinite" restart="never" nodeType="tmRoot">
+          <p:childTnLst>
+            <p:seq concurrent="1" nextAc="seek">
+              <p:cTn id="2" dur="indefinite" nodeType="mainSeq">
+                <p:childTnLst>
+                  <p:par>
+                    <p:cTn id="3" fill="hold">
+                      <p:stCondLst>
+                        <p:cond delay="indefinite"/>
+                      </p:stCondLst>
+                      <p:childTnLst>
+                        <p:par>
+                          <p:cTn id="4" fill="hold">
+                            <p:stCondLst>
+                              <p:cond delay="0"/>
+                            </p:stCondLst>
+                            <p:childTnLst>
+                              <p:par>
+                                <p:cTn id="5" presetID="10" presetClass="entr" presetSubtype="0" fill="hold" nodeType="clickEffect">
+                                  <p:stCondLst>
+                                    <p:cond delay="0"/>
+                                  </p:stCondLst>
+                                  <p:childTnLst>
+                                    <p:set>
+                                      <p:cBhvr>
+                                        <p:cTn id="6" dur="1" fill="hold">
+                                          <p:stCondLst>
+                                            <p:cond delay="0"/>
+                                          </p:stCondLst>
+                                        </p:cTn>
+                                        <p:tgtEl>
+                                          <p:spTgt spid="5">
+                                            <p:txEl>
+                                              <p:pRg st="0" end="0"/>
+                                            </p:txEl>
+                                          </p:spTgt>
+                                        </p:tgtEl>
+                                        <p:attrNameLst>
+                                          <p:attrName>style.visibility</p:attrName>
+                                        </p:attrNameLst>
+                                      </p:cBhvr>
+                                      <p:to>
+                                        <p:strVal val="visible"/>
+                                      </p:to>
+                                    </p:set>
+                                    <p:animEffect transition="in" filter="fade">
+                                      <p:cBhvr>
+                                        <p:cTn id="7" dur="500"/>
+                                        <p:tgtEl>
+                                          <p:spTgt spid="5">
+                                            <p:txEl>
+                                              <p:pRg st="0" end="0"/>
+                                            </p:txEl>
+                                          </p:spTgt>
+                                        </p:tgtEl>
+                                      </p:cBhvr>
+                                    </p:animEffect>
+                                  </p:childTnLst>
+                                </p:cTn>
+                              </p:par>
+                            </p:childTnLst>
+                          </p:cTn>
+                        </p:par>
+                      </p:childTnLst>
+                    </p:cTn>
+                  </p:par>
+                  <p:par>
+                    <p:cTn id="8" fill="hold">
+                      <p:stCondLst>
+                        <p:cond delay="indefinite"/>
+                      </p:stCondLst>
+                      <p:childTnLst>
+                        <p:par>
+                          <p:cTn id="9" fill="hold">
+                            <p:stCondLst>
+                              <p:cond delay="0"/>
+                            </p:stCondLst>
+                            <p:childTnLst>
+                              <p:par>
+                                <p:cTn id="10" presetID="10" presetClass="entr" presetSubtype="0" fill="hold" nodeType="clickEffect">
+                                  <p:stCondLst>
+                                    <p:cond delay="0"/>
+                                  </p:stCondLst>
+                                  <p:childTnLst>
+                                    <p:set>
+                                      <p:cBhvr>
+                                        <p:cTn id="11" dur="1" fill="hold">
+                                          <p:stCondLst>
+                                            <p:cond delay="0"/>
+                                          </p:stCondLst>
+                                        </p:cTn>
+                                        <p:tgtEl>
+                                          <p:spTgt spid="5">
+                                            <p:txEl>
+                                              <p:pRg st="2" end="2"/>
+                                            </p:txEl>
+                                          </p:spTgt>
+                                        </p:tgtEl>
+                                        <p:attrNameLst>
+                                          <p:attrName>style.visibility</p:attrName>
+                                        </p:attrNameLst>
+                                      </p:cBhvr>
+                                      <p:to>
+                                        <p:strVal val="visible"/>
+                                      </p:to>
+                                    </p:set>
+                                    <p:animEffect transition="in" filter="fade">
+                                      <p:cBhvr>
+                                        <p:cTn id="12" dur="500"/>
+                                        <p:tgtEl>
+                                          <p:spTgt spid="5">
+                                            <p:txEl>
+                                              <p:pRg st="2" end="2"/>
+                                            </p:txEl>
+                                          </p:spTgt>
+                                        </p:tgtEl>
+                                      </p:cBhvr>
+                                    </p:animEffect>
+                                  </p:childTnLst>
+                                </p:cTn>
+                              </p:par>
+                            </p:childTnLst>
+                          </p:cTn>
+                        </p:par>
+                      </p:childTnLst>
+                    </p:cTn>
+                  </p:par>
+                  <p:par>
+                    <p:cTn id="13" fill="hold">
+                      <p:stCondLst>
+                        <p:cond delay="indefinite"/>
+                      </p:stCondLst>
+                      <p:childTnLst>
+                        <p:par>
+                          <p:cTn id="14" fill="hold">
+                            <p:stCondLst>
+                              <p:cond delay="0"/>
+                            </p:stCondLst>
+                            <p:childTnLst>
+                              <p:par>
+                                <p:cTn id="15" presetID="10" presetClass="entr" presetSubtype="0" fill="hold" nodeType="clickEffect">
+                                  <p:stCondLst>
+                                    <p:cond delay="0"/>
+                                  </p:stCondLst>
+                                  <p:childTnLst>
+                                    <p:set>
+                                      <p:cBhvr>
+                                        <p:cTn id="16" dur="1" fill="hold">
+                                          <p:stCondLst>
+                                            <p:cond delay="0"/>
+                                          </p:stCondLst>
+                                        </p:cTn>
+                                        <p:tgtEl>
+                                          <p:spTgt spid="5">
+                                            <p:txEl>
+                                              <p:pRg st="3" end="3"/>
+                                            </p:txEl>
+                                          </p:spTgt>
+                                        </p:tgtEl>
+                                        <p:attrNameLst>
+                                          <p:attrName>style.visibility</p:attrName>
+                                        </p:attrNameLst>
+                                      </p:cBhvr>
+                                      <p:to>
+                                        <p:strVal val="visible"/>
+                                      </p:to>
+                                    </p:set>
+                                    <p:animEffect transition="in" filter="fade">
+                                      <p:cBhvr>
+                                        <p:cTn id="17" dur="500"/>
+                                        <p:tgtEl>
+                                          <p:spTgt spid="5">
+                                            <p:txEl>
+                                              <p:pRg st="3" end="3"/>
+                                            </p:txEl>
+                                          </p:spTgt>
+                                        </p:tgtEl>
+                                      </p:cBhvr>
+                                    </p:animEffect>
+                                  </p:childTnLst>
+                                </p:cTn>
+                              </p:par>
+                            </p:childTnLst>
+                          </p:cTn>
+                        </p:par>
+                      </p:childTnLst>
+                    </p:cTn>
+                  </p:par>
+                  <p:par>
+                    <p:cTn id="18" fill="hold">
+                      <p:stCondLst>
+                        <p:cond delay="indefinite"/>
+                      </p:stCondLst>
+                      <p:childTnLst>
+                        <p:par>
+                          <p:cTn id="19" fill="hold">
+                            <p:stCondLst>
+                              <p:cond delay="0"/>
+                            </p:stCondLst>
+                            <p:childTnLst>
+                              <p:par>
+                                <p:cTn id="20" presetID="10" presetClass="entr" presetSubtype="0" fill="hold" nodeType="clickEffect">
+                                  <p:stCondLst>
+                                    <p:cond delay="0"/>
+                                  </p:stCondLst>
+                                  <p:childTnLst>
+                                    <p:set>
+                                      <p:cBhvr>
+                                        <p:cTn id="21" dur="1" fill="hold">
+                                          <p:stCondLst>
+                                            <p:cond delay="0"/>
+                                          </p:stCondLst>
+                                        </p:cTn>
+                                        <p:tgtEl>
+                                          <p:spTgt spid="5">
+                                            <p:txEl>
+                                              <p:pRg st="4" end="4"/>
+                                            </p:txEl>
+                                          </p:spTgt>
+                                        </p:tgtEl>
+                                        <p:attrNameLst>
+                                          <p:attrName>style.visibility</p:attrName>
+                                        </p:attrNameLst>
+                                      </p:cBhvr>
+                                      <p:to>
+                                        <p:strVal val="visible"/>
+                                      </p:to>
+                                    </p:set>
+                                    <p:animEffect transition="in" filter="fade">
+                                      <p:cBhvr>
+                                        <p:cTn id="22" dur="500"/>
+                                        <p:tgtEl>
+                                          <p:spTgt spid="5">
+                                            <p:txEl>
+                                              <p:pRg st="4" end="4"/>
+                                            </p:txEl>
+                                          </p:spTgt>
+                                        </p:tgtEl>
+                                      </p:cBhvr>
+                                    </p:animEffect>
+                                  </p:childTnLst>
+                                </p:cTn>
+                              </p:par>
+                            </p:childTnLst>
+                          </p:cTn>
+                        </p:par>
+                      </p:childTnLst>
+                    </p:cTn>
+                  </p:par>
+                  <p:par>
+                    <p:cTn id="23" fill="hold">
+                      <p:stCondLst>
+                        <p:cond delay="indefinite"/>
+                      </p:stCondLst>
+                      <p:childTnLst>
+                        <p:par>
+                          <p:cTn id="24" fill="hold">
+                            <p:stCondLst>
+                              <p:cond delay="0"/>
+                            </p:stCondLst>
+                            <p:childTnLst>
+                              <p:par>
+                                <p:cTn id="25" presetID="10" presetClass="entr" presetSubtype="0" fill="hold" nodeType="clickEffect">
+                                  <p:stCondLst>
+                                    <p:cond delay="0"/>
+                                  </p:stCondLst>
+                                  <p:childTnLst>
+                                    <p:set>
+                                      <p:cBhvr>
+                                        <p:cTn id="26" dur="1" fill="hold">
+                                          <p:stCondLst>
+                                            <p:cond delay="0"/>
+                                          </p:stCondLst>
+                                        </p:cTn>
+                                        <p:tgtEl>
+                                          <p:spTgt spid="5">
+                                            <p:txEl>
+                                              <p:pRg st="5" end="5"/>
+                                            </p:txEl>
+                                          </p:spTgt>
+                                        </p:tgtEl>
+                                        <p:attrNameLst>
+                                          <p:attrName>style.visibility</p:attrName>
+                                        </p:attrNameLst>
+                                      </p:cBhvr>
+                                      <p:to>
+                                        <p:strVal val="visible"/>
+                                      </p:to>
+                                    </p:set>
+                                    <p:animEffect transition="in" filter="fade">
+                                      <p:cBhvr>
+                                        <p:cTn id="27" dur="500"/>
+                                        <p:tgtEl>
+                                          <p:spTgt spid="5">
+                                            <p:txEl>
+                                              <p:pRg st="5" end="5"/>
+                                            </p:txEl>
+                                          </p:spTgt>
+                                        </p:tgtEl>
+                                      </p:cBhvr>
+                                    </p:animEffect>
+                                  </p:childTnLst>
+                                </p:cTn>
+                              </p:par>
+                            </p:childTnLst>
+                          </p:cTn>
+                        </p:par>
+                      </p:childTnLst>
+                    </p:cTn>
+                  </p:par>
+                  <p:par>
+                    <p:cTn id="28" fill="hold">
+                      <p:stCondLst>
+                        <p:cond delay="indefinite"/>
+                      </p:stCondLst>
+                      <p:childTnLst>
+                        <p:par>
+                          <p:cTn id="29" fill="hold">
+                            <p:stCondLst>
+                              <p:cond delay="0"/>
+                            </p:stCondLst>
+                            <p:childTnLst>
+                              <p:par>
+                                <p:cTn id="30" presetID="10" presetClass="entr" presetSubtype="0" fill="hold" nodeType="clickEffect">
+                                  <p:stCondLst>
+                                    <p:cond delay="0"/>
+                                  </p:stCondLst>
+                                  <p:childTnLst>
+                                    <p:set>
+                                      <p:cBhvr>
+                                        <p:cTn id="31" dur="1" fill="hold">
+                                          <p:stCondLst>
+                                            <p:cond delay="0"/>
+                                          </p:stCondLst>
+                                        </p:cTn>
+                                        <p:tgtEl>
+                                          <p:spTgt spid="5">
+                                            <p:txEl>
+                                              <p:pRg st="7" end="7"/>
+                                            </p:txEl>
+                                          </p:spTgt>
+                                        </p:tgtEl>
+                                        <p:attrNameLst>
+                                          <p:attrName>style.visibility</p:attrName>
+                                        </p:attrNameLst>
+                                      </p:cBhvr>
+                                      <p:to>
+                                        <p:strVal val="visible"/>
+                                      </p:to>
+                                    </p:set>
+                                    <p:animEffect transition="in" filter="fade">
+                                      <p:cBhvr>
+                                        <p:cTn id="32" dur="500"/>
+                                        <p:tgtEl>
+                                          <p:spTgt spid="5">
+                                            <p:txEl>
+                                              <p:pRg st="7" end="7"/>
+                                            </p:txEl>
+                                          </p:spTgt>
+                                        </p:tgtEl>
+                                      </p:cBhvr>
+                                    </p:animEffect>
+                                  </p:childTnLst>
+                                </p:cTn>
+                              </p:par>
+                            </p:childTnLst>
+                          </p:cTn>
+                        </p:par>
+                      </p:childTnLst>
+                    </p:cTn>
+                  </p:par>
+                  <p:par>
+                    <p:cTn id="33" fill="hold">
+                      <p:stCondLst>
+                        <p:cond delay="indefinite"/>
+                      </p:stCondLst>
+                      <p:childTnLst>
+                        <p:par>
+                          <p:cTn id="34" fill="hold">
+                            <p:stCondLst>
+                              <p:cond delay="0"/>
+                            </p:stCondLst>
+                            <p:childTnLst>
+                              <p:par>
+                                <p:cTn id="35" presetID="10" presetClass="entr" presetSubtype="0" fill="hold" nodeType="clickEffect">
+                                  <p:stCondLst>
+                                    <p:cond delay="0"/>
+                                  </p:stCondLst>
+                                  <p:childTnLst>
+                                    <p:set>
+                                      <p:cBhvr>
+                                        <p:cTn id="36" dur="1" fill="hold">
+                                          <p:stCondLst>
+                                            <p:cond delay="0"/>
+                                          </p:stCondLst>
+                                        </p:cTn>
+                                        <p:tgtEl>
+                                          <p:spTgt spid="5">
+                                            <p:txEl>
+                                              <p:pRg st="8" end="8"/>
+                                            </p:txEl>
+                                          </p:spTgt>
+                                        </p:tgtEl>
+                                        <p:attrNameLst>
+                                          <p:attrName>style.visibility</p:attrName>
+                                        </p:attrNameLst>
+                                      </p:cBhvr>
+                                      <p:to>
+                                        <p:strVal val="visible"/>
+                                      </p:to>
+                                    </p:set>
+                                    <p:animEffect transition="in" filter="fade">
+                                      <p:cBhvr>
+                                        <p:cTn id="37" dur="500"/>
+                                        <p:tgtEl>
+                                          <p:spTgt spid="5">
+                                            <p:txEl>
+                                              <p:pRg st="8" end="8"/>
+                                            </p:txEl>
+                                          </p:spTgt>
+                                        </p:tgtEl>
+                                      </p:cBhvr>
+                                    </p:animEffect>
+                                  </p:childTnLst>
+                                </p:cTn>
+                              </p:par>
+                            </p:childTnLst>
+                          </p:cTn>
+                        </p:par>
+                      </p:childTnLst>
+                    </p:cTn>
+                  </p:par>
+                  <p:par>
+                    <p:cTn id="38" fill="hold">
+                      <p:stCondLst>
+                        <p:cond delay="indefinite"/>
+                      </p:stCondLst>
+                      <p:childTnLst>
+                        <p:par>
+                          <p:cTn id="39" fill="hold">
+                            <p:stCondLst>
+                              <p:cond delay="0"/>
+                            </p:stCondLst>
+                            <p:childTnLst>
+                              <p:par>
+                                <p:cTn id="40" presetID="10" presetClass="entr" presetSubtype="0" fill="hold" nodeType="clickEffect">
+                                  <p:stCondLst>
+                                    <p:cond delay="0"/>
+                                  </p:stCondLst>
+                                  <p:childTnLst>
+                                    <p:set>
+                                      <p:cBhvr>
+                                        <p:cTn id="41" dur="1" fill="hold">
+                                          <p:stCondLst>
+                                            <p:cond delay="0"/>
+                                          </p:stCondLst>
+                                        </p:cTn>
+                                        <p:tgtEl>
+                                          <p:spTgt spid="5">
+                                            <p:txEl>
+                                              <p:pRg st="9" end="9"/>
+                                            </p:txEl>
+                                          </p:spTgt>
+                                        </p:tgtEl>
+                                        <p:attrNameLst>
+                                          <p:attrName>style.visibility</p:attrName>
+                                        </p:attrNameLst>
+                                      </p:cBhvr>
+                                      <p:to>
+                                        <p:strVal val="visible"/>
+                                      </p:to>
+                                    </p:set>
+                                    <p:animEffect transition="in" filter="fade">
+                                      <p:cBhvr>
+                                        <p:cTn id="42" dur="500"/>
+                                        <p:tgtEl>
+                                          <p:spTgt spid="5">
+                                            <p:txEl>
+                                              <p:pRg st="9" end="9"/>
+                                            </p:txEl>
+                                          </p:spTgt>
+                                        </p:tgtEl>
+                                      </p:cBhvr>
+                                    </p:animEffect>
+                                  </p:childTnLst>
+                                </p:cTn>
+                              </p:par>
+                            </p:childTnLst>
+                          </p:cTn>
+                        </p:par>
+                      </p:childTnLst>
+                    </p:cTn>
+                  </p:par>
+                </p:childTnLst>
+              </p:cTn>
+              <p:prevCondLst>
+                <p:cond evt="onPrev" delay="0">
+                  <p:tgtEl>
+                    <p:sldTgt/>
+                  </p:tgtEl>
+                </p:cond>
+              </p:prevCondLst>
+              <p:nextCondLst>
+                <p:cond evt="onNext" delay="0">
+                  <p:tgtEl>
+                    <p:sldTgt/>
+                  </p:tgtEl>
+                </p:cond>
+              </p:nextCondLst>
+            </p:seq>
+          </p:childTnLst>
+        </p:cTn>
+      </p:par>
+    </p:tnLst>
+  </p:timing>
+</p:sld>
+</file>
+
+<file path=ppt/slides/slide20.xml><?xml version="1.0" encoding="utf-8"?>
 <p:sld xmlns:a="http://schemas.openxmlformats.org/drawingml/2006/main" xmlns:r="http://schemas.openxmlformats.org/officeDocument/2006/relationships" xmlns:p="http://schemas.openxmlformats.org/presentationml/2006/main">
   <p:cSld>
     <p:spTree>
@@ -9849,7 +11606,7 @@
 </p:sld>
 </file>
 
-<file path=ppt/slides/slide19.xml><?xml version="1.0" encoding="utf-8"?>
+<file path=ppt/slides/slide21.xml><?xml version="1.0" encoding="utf-8"?>
 <p:sld xmlns:a="http://schemas.openxmlformats.org/drawingml/2006/main" xmlns:r="http://schemas.openxmlformats.org/officeDocument/2006/relationships" xmlns:p="http://schemas.openxmlformats.org/presentationml/2006/main">
   <p:cSld>
     <p:spTree>
@@ -10317,1149 +12074,7 @@
 </p:sld>
 </file>
 
-<file path=ppt/slides/slide2.xml><?xml version="1.0" encoding="utf-8"?>
-<p:sld xmlns:a="http://schemas.openxmlformats.org/drawingml/2006/main" xmlns:r="http://schemas.openxmlformats.org/officeDocument/2006/relationships" xmlns:p="http://schemas.openxmlformats.org/presentationml/2006/main">
-  <p:cSld>
-    <p:spTree>
-      <p:nvGrpSpPr>
-        <p:cNvPr id="1" name=""/>
-        <p:cNvGrpSpPr/>
-        <p:nvPr/>
-      </p:nvGrpSpPr>
-      <p:grpSpPr>
-        <a:xfrm>
-          <a:off x="0" y="0"/>
-          <a:ext cx="0" cy="0"/>
-          <a:chOff x="0" y="0"/>
-          <a:chExt cx="0" cy="0"/>
-        </a:xfrm>
-      </p:grpSpPr>
-      <p:sp>
-        <p:nvSpPr>
-          <p:cNvPr id="6" name="Title 1"/>
-          <p:cNvSpPr txBox="1">
-            <a:spLocks/>
-          </p:cNvSpPr>
-          <p:nvPr/>
-        </p:nvSpPr>
-        <p:spPr>
-          <a:xfrm>
-            <a:off x="609600" y="274638"/>
-            <a:ext cx="10972800" cy="1143000"/>
-          </a:xfrm>
-          <a:prstGeom prst="rect">
-            <a:avLst/>
-          </a:prstGeom>
-        </p:spPr>
-        <p:txBody>
-          <a:bodyPr vert="horz" lIns="91440" tIns="45720" rIns="91440" bIns="45720" rtlCol="1" anchor="b">
-            <a:normAutofit/>
-          </a:bodyPr>
-          <a:lstStyle>
-            <a:lvl1pPr algn="ctr" defTabSz="914400" rtl="1" eaLnBrk="1" latinLnBrk="0" hangingPunct="1">
-              <a:lnSpc>
-                <a:spcPct val="90000"/>
-              </a:lnSpc>
-              <a:spcBef>
-                <a:spcPct val="0"/>
-              </a:spcBef>
-              <a:buNone/>
-              <a:defRPr sz="6000" kern="1200">
-                <a:solidFill>
-                  <a:schemeClr val="tx1"/>
-                </a:solidFill>
-                <a:latin typeface="+mj-lt"/>
-                <a:ea typeface="+mj-ea"/>
-                <a:cs typeface="+mj-cs"/>
-              </a:defRPr>
-            </a:lvl1pPr>
-          </a:lstStyle>
-          <a:p>
-            <a:r>
-              <a:rPr lang="en-US" smtClean="0">
-                <a:solidFill>
-                  <a:srgbClr val="002060"/>
-                </a:solidFill>
-              </a:rPr>
-              <a:t>Outline</a:t>
-            </a:r>
-            <a:endParaRPr lang="he-IL" dirty="0">
-              <a:solidFill>
-                <a:srgbClr val="002060"/>
-              </a:solidFill>
-            </a:endParaRPr>
-          </a:p>
-        </p:txBody>
-      </p:sp>
-      <p:sp>
-        <p:nvSpPr>
-          <p:cNvPr id="7" name="Content Placeholder 2"/>
-          <p:cNvSpPr txBox="1">
-            <a:spLocks/>
-          </p:cNvSpPr>
-          <p:nvPr/>
-        </p:nvSpPr>
-        <p:spPr>
-          <a:xfrm>
-            <a:off x="609600" y="1600201"/>
-            <a:ext cx="10972800" cy="4525963"/>
-          </a:xfrm>
-          <a:prstGeom prst="rect">
-            <a:avLst/>
-          </a:prstGeom>
-        </p:spPr>
-        <p:txBody>
-          <a:bodyPr vert="horz" lIns="91440" tIns="45720" rIns="91440" bIns="45720" rtlCol="1">
-            <a:normAutofit/>
-          </a:bodyPr>
-          <a:lstStyle>
-            <a:lvl1pPr marL="0" indent="0" algn="ctr" defTabSz="914400" rtl="1" eaLnBrk="1" latinLnBrk="0" hangingPunct="1">
-              <a:lnSpc>
-                <a:spcPct val="90000"/>
-              </a:lnSpc>
-              <a:spcBef>
-                <a:spcPts val="1000"/>
-              </a:spcBef>
-              <a:buFont typeface="Arial" panose="020B0604020202020204" pitchFamily="34" charset="0"/>
-              <a:buNone/>
-              <a:defRPr sz="2400" kern="1200">
-                <a:solidFill>
-                  <a:schemeClr val="tx1"/>
-                </a:solidFill>
-                <a:latin typeface="+mn-lt"/>
-                <a:ea typeface="+mn-ea"/>
-                <a:cs typeface="+mn-cs"/>
-              </a:defRPr>
-            </a:lvl1pPr>
-            <a:lvl2pPr marL="457200" indent="0" algn="ctr" defTabSz="914400" rtl="1" eaLnBrk="1" latinLnBrk="0" hangingPunct="1">
-              <a:lnSpc>
-                <a:spcPct val="90000"/>
-              </a:lnSpc>
-              <a:spcBef>
-                <a:spcPts val="500"/>
-              </a:spcBef>
-              <a:buFont typeface="Arial" panose="020B0604020202020204" pitchFamily="34" charset="0"/>
-              <a:buNone/>
-              <a:defRPr sz="2000" kern="1200">
-                <a:solidFill>
-                  <a:schemeClr val="tx1"/>
-                </a:solidFill>
-                <a:latin typeface="+mn-lt"/>
-                <a:ea typeface="+mn-ea"/>
-                <a:cs typeface="+mn-cs"/>
-              </a:defRPr>
-            </a:lvl2pPr>
-            <a:lvl3pPr marL="914400" indent="0" algn="ctr" defTabSz="914400" rtl="1" eaLnBrk="1" latinLnBrk="0" hangingPunct="1">
-              <a:lnSpc>
-                <a:spcPct val="90000"/>
-              </a:lnSpc>
-              <a:spcBef>
-                <a:spcPts val="500"/>
-              </a:spcBef>
-              <a:buFont typeface="Arial" panose="020B0604020202020204" pitchFamily="34" charset="0"/>
-              <a:buNone/>
-              <a:defRPr sz="1800" kern="1200">
-                <a:solidFill>
-                  <a:schemeClr val="tx1"/>
-                </a:solidFill>
-                <a:latin typeface="+mn-lt"/>
-                <a:ea typeface="+mn-ea"/>
-                <a:cs typeface="+mn-cs"/>
-              </a:defRPr>
-            </a:lvl3pPr>
-            <a:lvl4pPr marL="1371600" indent="0" algn="ctr" defTabSz="914400" rtl="1" eaLnBrk="1" latinLnBrk="0" hangingPunct="1">
-              <a:lnSpc>
-                <a:spcPct val="90000"/>
-              </a:lnSpc>
-              <a:spcBef>
-                <a:spcPts val="500"/>
-              </a:spcBef>
-              <a:buFont typeface="Arial" panose="020B0604020202020204" pitchFamily="34" charset="0"/>
-              <a:buNone/>
-              <a:defRPr sz="1600" kern="1200">
-                <a:solidFill>
-                  <a:schemeClr val="tx1"/>
-                </a:solidFill>
-                <a:latin typeface="+mn-lt"/>
-                <a:ea typeface="+mn-ea"/>
-                <a:cs typeface="+mn-cs"/>
-              </a:defRPr>
-            </a:lvl4pPr>
-            <a:lvl5pPr marL="1828800" indent="0" algn="ctr" defTabSz="914400" rtl="1" eaLnBrk="1" latinLnBrk="0" hangingPunct="1">
-              <a:lnSpc>
-                <a:spcPct val="90000"/>
-              </a:lnSpc>
-              <a:spcBef>
-                <a:spcPts val="500"/>
-              </a:spcBef>
-              <a:buFont typeface="Arial" panose="020B0604020202020204" pitchFamily="34" charset="0"/>
-              <a:buNone/>
-              <a:defRPr sz="1600" kern="1200">
-                <a:solidFill>
-                  <a:schemeClr val="tx1"/>
-                </a:solidFill>
-                <a:latin typeface="+mn-lt"/>
-                <a:ea typeface="+mn-ea"/>
-                <a:cs typeface="+mn-cs"/>
-              </a:defRPr>
-            </a:lvl5pPr>
-            <a:lvl6pPr marL="2286000" indent="0" algn="ctr" defTabSz="914400" rtl="1" eaLnBrk="1" latinLnBrk="0" hangingPunct="1">
-              <a:lnSpc>
-                <a:spcPct val="90000"/>
-              </a:lnSpc>
-              <a:spcBef>
-                <a:spcPts val="500"/>
-              </a:spcBef>
-              <a:buFont typeface="Arial" panose="020B0604020202020204" pitchFamily="34" charset="0"/>
-              <a:buNone/>
-              <a:defRPr sz="1600" kern="1200">
-                <a:solidFill>
-                  <a:schemeClr val="tx1"/>
-                </a:solidFill>
-                <a:latin typeface="+mn-lt"/>
-                <a:ea typeface="+mn-ea"/>
-                <a:cs typeface="+mn-cs"/>
-              </a:defRPr>
-            </a:lvl6pPr>
-            <a:lvl7pPr marL="2743200" indent="0" algn="ctr" defTabSz="914400" rtl="1" eaLnBrk="1" latinLnBrk="0" hangingPunct="1">
-              <a:lnSpc>
-                <a:spcPct val="90000"/>
-              </a:lnSpc>
-              <a:spcBef>
-                <a:spcPts val="500"/>
-              </a:spcBef>
-              <a:buFont typeface="Arial" panose="020B0604020202020204" pitchFamily="34" charset="0"/>
-              <a:buNone/>
-              <a:defRPr sz="1600" kern="1200">
-                <a:solidFill>
-                  <a:schemeClr val="tx1"/>
-                </a:solidFill>
-                <a:latin typeface="+mn-lt"/>
-                <a:ea typeface="+mn-ea"/>
-                <a:cs typeface="+mn-cs"/>
-              </a:defRPr>
-            </a:lvl7pPr>
-            <a:lvl8pPr marL="3200400" indent="0" algn="ctr" defTabSz="914400" rtl="1" eaLnBrk="1" latinLnBrk="0" hangingPunct="1">
-              <a:lnSpc>
-                <a:spcPct val="90000"/>
-              </a:lnSpc>
-              <a:spcBef>
-                <a:spcPts val="500"/>
-              </a:spcBef>
-              <a:buFont typeface="Arial" panose="020B0604020202020204" pitchFamily="34" charset="0"/>
-              <a:buNone/>
-              <a:defRPr sz="1600" kern="1200">
-                <a:solidFill>
-                  <a:schemeClr val="tx1"/>
-                </a:solidFill>
-                <a:latin typeface="+mn-lt"/>
-                <a:ea typeface="+mn-ea"/>
-                <a:cs typeface="+mn-cs"/>
-              </a:defRPr>
-            </a:lvl8pPr>
-            <a:lvl9pPr marL="3657600" indent="0" algn="ctr" defTabSz="914400" rtl="1" eaLnBrk="1" latinLnBrk="0" hangingPunct="1">
-              <a:lnSpc>
-                <a:spcPct val="90000"/>
-              </a:lnSpc>
-              <a:spcBef>
-                <a:spcPts val="500"/>
-              </a:spcBef>
-              <a:buFont typeface="Arial" panose="020B0604020202020204" pitchFamily="34" charset="0"/>
-              <a:buNone/>
-              <a:defRPr sz="1600" kern="1200">
-                <a:solidFill>
-                  <a:schemeClr val="tx1"/>
-                </a:solidFill>
-                <a:latin typeface="+mn-lt"/>
-                <a:ea typeface="+mn-ea"/>
-                <a:cs typeface="+mn-cs"/>
-              </a:defRPr>
-            </a:lvl9pPr>
-          </a:lstStyle>
-          <a:p>
-            <a:pPr marL="857250" lvl="1" indent="-457200" algn="l"/>
-            <a:endParaRPr lang="he-IL" dirty="0">
-              <a:solidFill>
-                <a:srgbClr val="002060"/>
-              </a:solidFill>
-            </a:endParaRPr>
-          </a:p>
-        </p:txBody>
-      </p:sp>
-      <p:sp>
-        <p:nvSpPr>
-          <p:cNvPr id="8" name="Slide Number Placeholder 4"/>
-          <p:cNvSpPr>
-            <a:spLocks noGrp="1"/>
-          </p:cNvSpPr>
-          <p:nvPr>
-            <p:ph type="sldNum" sz="quarter" idx="12"/>
-          </p:nvPr>
-        </p:nvSpPr>
-        <p:spPr>
-          <a:xfrm>
-            <a:off x="8737600" y="6400799"/>
-            <a:ext cx="2844800" cy="365125"/>
-          </a:xfrm>
-        </p:spPr>
-        <p:txBody>
-          <a:bodyPr/>
-          <a:lstStyle/>
-          <a:p>
-            <a:fld id="{B01D9778-10B4-40FB-B4E4-44FA89A86639}" type="slidenum">
-              <a:rPr lang="en-US" smtClean="0"/>
-              <a:pPr/>
-              <a:t>2</a:t>
-            </a:fld>
-            <a:endParaRPr lang="en-US"/>
-          </a:p>
-        </p:txBody>
-      </p:sp>
-      <p:sp>
-        <p:nvSpPr>
-          <p:cNvPr id="5" name="Content Placeholder 2"/>
-          <p:cNvSpPr txBox="1">
-            <a:spLocks/>
-          </p:cNvSpPr>
-          <p:nvPr/>
-        </p:nvSpPr>
-        <p:spPr>
-          <a:xfrm>
-            <a:off x="233546" y="1363231"/>
-            <a:ext cx="12083144" cy="5309734"/>
-          </a:xfrm>
-          <a:prstGeom prst="rect">
-            <a:avLst/>
-          </a:prstGeom>
-        </p:spPr>
-        <p:txBody>
-          <a:bodyPr/>
-          <a:lstStyle>
-            <a:lvl1pPr marL="228600" indent="-228600" algn="r" defTabSz="914400" rtl="1" eaLnBrk="1" latinLnBrk="0" hangingPunct="1">
-              <a:lnSpc>
-                <a:spcPct val="90000"/>
-              </a:lnSpc>
-              <a:spcBef>
-                <a:spcPts val="1000"/>
-              </a:spcBef>
-              <a:buFont typeface="Arial" panose="020B0604020202020204" pitchFamily="34" charset="0"/>
-              <a:buChar char="•"/>
-              <a:defRPr sz="2800" kern="1200">
-                <a:solidFill>
-                  <a:schemeClr val="tx1"/>
-                </a:solidFill>
-                <a:latin typeface="+mn-lt"/>
-                <a:ea typeface="+mn-ea"/>
-                <a:cs typeface="+mn-cs"/>
-              </a:defRPr>
-            </a:lvl1pPr>
-            <a:lvl2pPr marL="685800" indent="-228600" algn="r" defTabSz="914400" rtl="1" eaLnBrk="1" latinLnBrk="0" hangingPunct="1">
-              <a:lnSpc>
-                <a:spcPct val="90000"/>
-              </a:lnSpc>
-              <a:spcBef>
-                <a:spcPts val="500"/>
-              </a:spcBef>
-              <a:buFont typeface="Arial" panose="020B0604020202020204" pitchFamily="34" charset="0"/>
-              <a:buChar char="•"/>
-              <a:defRPr sz="2400" kern="1200">
-                <a:solidFill>
-                  <a:schemeClr val="tx1"/>
-                </a:solidFill>
-                <a:latin typeface="+mn-lt"/>
-                <a:ea typeface="+mn-ea"/>
-                <a:cs typeface="+mn-cs"/>
-              </a:defRPr>
-            </a:lvl2pPr>
-            <a:lvl3pPr marL="1143000" indent="-228600" algn="r" defTabSz="914400" rtl="1" eaLnBrk="1" latinLnBrk="0" hangingPunct="1">
-              <a:lnSpc>
-                <a:spcPct val="90000"/>
-              </a:lnSpc>
-              <a:spcBef>
-                <a:spcPts val="500"/>
-              </a:spcBef>
-              <a:buFont typeface="Arial" panose="020B0604020202020204" pitchFamily="34" charset="0"/>
-              <a:buChar char="•"/>
-              <a:defRPr sz="2000" kern="1200">
-                <a:solidFill>
-                  <a:schemeClr val="tx1"/>
-                </a:solidFill>
-                <a:latin typeface="+mn-lt"/>
-                <a:ea typeface="+mn-ea"/>
-                <a:cs typeface="+mn-cs"/>
-              </a:defRPr>
-            </a:lvl3pPr>
-            <a:lvl4pPr marL="1600200" indent="-228600" algn="r" defTabSz="914400" rtl="1" eaLnBrk="1" latinLnBrk="0" hangingPunct="1">
-              <a:lnSpc>
-                <a:spcPct val="90000"/>
-              </a:lnSpc>
-              <a:spcBef>
-                <a:spcPts val="500"/>
-              </a:spcBef>
-              <a:buFont typeface="Arial" panose="020B0604020202020204" pitchFamily="34" charset="0"/>
-              <a:buChar char="•"/>
-              <a:defRPr sz="1800" kern="1200">
-                <a:solidFill>
-                  <a:schemeClr val="tx1"/>
-                </a:solidFill>
-                <a:latin typeface="+mn-lt"/>
-                <a:ea typeface="+mn-ea"/>
-                <a:cs typeface="+mn-cs"/>
-              </a:defRPr>
-            </a:lvl4pPr>
-            <a:lvl5pPr marL="2057400" indent="-228600" algn="r" defTabSz="914400" rtl="1" eaLnBrk="1" latinLnBrk="0" hangingPunct="1">
-              <a:lnSpc>
-                <a:spcPct val="90000"/>
-              </a:lnSpc>
-              <a:spcBef>
-                <a:spcPts val="500"/>
-              </a:spcBef>
-              <a:buFont typeface="Arial" panose="020B0604020202020204" pitchFamily="34" charset="0"/>
-              <a:buChar char="•"/>
-              <a:defRPr sz="1800" kern="1200">
-                <a:solidFill>
-                  <a:schemeClr val="tx1"/>
-                </a:solidFill>
-                <a:latin typeface="+mn-lt"/>
-                <a:ea typeface="+mn-ea"/>
-                <a:cs typeface="+mn-cs"/>
-              </a:defRPr>
-            </a:lvl5pPr>
-            <a:lvl6pPr marL="2514600" indent="-228600" algn="r" defTabSz="914400" rtl="1" eaLnBrk="1" latinLnBrk="0" hangingPunct="1">
-              <a:lnSpc>
-                <a:spcPct val="90000"/>
-              </a:lnSpc>
-              <a:spcBef>
-                <a:spcPts val="500"/>
-              </a:spcBef>
-              <a:buFont typeface="Arial" panose="020B0604020202020204" pitchFamily="34" charset="0"/>
-              <a:buChar char="•"/>
-              <a:defRPr sz="1800" kern="1200">
-                <a:solidFill>
-                  <a:schemeClr val="tx1"/>
-                </a:solidFill>
-                <a:latin typeface="+mn-lt"/>
-                <a:ea typeface="+mn-ea"/>
-                <a:cs typeface="+mn-cs"/>
-              </a:defRPr>
-            </a:lvl6pPr>
-            <a:lvl7pPr marL="2971800" indent="-228600" algn="r" defTabSz="914400" rtl="1" eaLnBrk="1" latinLnBrk="0" hangingPunct="1">
-              <a:lnSpc>
-                <a:spcPct val="90000"/>
-              </a:lnSpc>
-              <a:spcBef>
-                <a:spcPts val="500"/>
-              </a:spcBef>
-              <a:buFont typeface="Arial" panose="020B0604020202020204" pitchFamily="34" charset="0"/>
-              <a:buChar char="•"/>
-              <a:defRPr sz="1800" kern="1200">
-                <a:solidFill>
-                  <a:schemeClr val="tx1"/>
-                </a:solidFill>
-                <a:latin typeface="+mn-lt"/>
-                <a:ea typeface="+mn-ea"/>
-                <a:cs typeface="+mn-cs"/>
-              </a:defRPr>
-            </a:lvl7pPr>
-            <a:lvl8pPr marL="3429000" indent="-228600" algn="r" defTabSz="914400" rtl="1" eaLnBrk="1" latinLnBrk="0" hangingPunct="1">
-              <a:lnSpc>
-                <a:spcPct val="90000"/>
-              </a:lnSpc>
-              <a:spcBef>
-                <a:spcPts val="500"/>
-              </a:spcBef>
-              <a:buFont typeface="Arial" panose="020B0604020202020204" pitchFamily="34" charset="0"/>
-              <a:buChar char="•"/>
-              <a:defRPr sz="1800" kern="1200">
-                <a:solidFill>
-                  <a:schemeClr val="tx1"/>
-                </a:solidFill>
-                <a:latin typeface="+mn-lt"/>
-                <a:ea typeface="+mn-ea"/>
-                <a:cs typeface="+mn-cs"/>
-              </a:defRPr>
-            </a:lvl8pPr>
-            <a:lvl9pPr marL="3886200" indent="-228600" algn="r" defTabSz="914400" rtl="1" eaLnBrk="1" latinLnBrk="0" hangingPunct="1">
-              <a:lnSpc>
-                <a:spcPct val="90000"/>
-              </a:lnSpc>
-              <a:spcBef>
-                <a:spcPts val="500"/>
-              </a:spcBef>
-              <a:buFont typeface="Arial" panose="020B0604020202020204" pitchFamily="34" charset="0"/>
-              <a:buChar char="•"/>
-              <a:defRPr sz="1800" kern="1200">
-                <a:solidFill>
-                  <a:schemeClr val="tx1"/>
-                </a:solidFill>
-                <a:latin typeface="+mn-lt"/>
-                <a:ea typeface="+mn-ea"/>
-                <a:cs typeface="+mn-cs"/>
-              </a:defRPr>
-            </a:lvl9pPr>
-          </a:lstStyle>
-          <a:p>
-            <a:pPr lvl="1" algn="l" rtl="0">
-              <a:lnSpc>
-                <a:spcPct val="100000"/>
-              </a:lnSpc>
-            </a:pPr>
-            <a:r>
-              <a:rPr lang="en-US" sz="2800" dirty="0" smtClean="0"/>
-              <a:t>Project Goal</a:t>
-            </a:r>
-          </a:p>
-          <a:p>
-            <a:pPr lvl="1" algn="l" rtl="0">
-              <a:lnSpc>
-                <a:spcPct val="100000"/>
-              </a:lnSpc>
-            </a:pPr>
-            <a:endParaRPr lang="en-US" sz="2800" dirty="0"/>
-          </a:p>
-          <a:p>
-            <a:pPr lvl="1" algn="l" rtl="0">
-              <a:lnSpc>
-                <a:spcPct val="100000"/>
-              </a:lnSpc>
-            </a:pPr>
-            <a:r>
-              <a:rPr lang="en-US" sz="2800" dirty="0" smtClean="0"/>
-              <a:t>Theoretical background</a:t>
-            </a:r>
-          </a:p>
-          <a:p>
-            <a:pPr lvl="2" algn="l" rtl="0">
-              <a:lnSpc>
-                <a:spcPct val="100000"/>
-              </a:lnSpc>
-              <a:buFontTx/>
-              <a:buChar char="-"/>
-            </a:pPr>
-            <a:r>
-              <a:rPr lang="en-US" sz="2400" dirty="0" smtClean="0"/>
-              <a:t>Digital Pre Distortion</a:t>
-            </a:r>
-          </a:p>
-          <a:p>
-            <a:pPr lvl="2" algn="l" rtl="0">
-              <a:lnSpc>
-                <a:spcPct val="100000"/>
-              </a:lnSpc>
-              <a:buFontTx/>
-              <a:buChar char="-"/>
-            </a:pPr>
-            <a:r>
-              <a:rPr lang="en-US" sz="2400" dirty="0" smtClean="0"/>
-              <a:t>Classical methods</a:t>
-            </a:r>
-          </a:p>
-          <a:p>
-            <a:pPr lvl="2" algn="l" rtl="0">
-              <a:lnSpc>
-                <a:spcPct val="100000"/>
-              </a:lnSpc>
-              <a:buFontTx/>
-              <a:buChar char="-"/>
-            </a:pPr>
-            <a:r>
-              <a:rPr lang="en-US" sz="2400" dirty="0" smtClean="0"/>
-              <a:t>Neural Networks </a:t>
-            </a:r>
-          </a:p>
-          <a:p>
-            <a:pPr lvl="2" algn="l" rtl="0">
-              <a:lnSpc>
-                <a:spcPct val="100000"/>
-              </a:lnSpc>
-              <a:buFontTx/>
-              <a:buChar char="-"/>
-            </a:pPr>
-            <a:endParaRPr lang="en-US" sz="2400" dirty="0"/>
-          </a:p>
-          <a:p>
-            <a:pPr lvl="1" algn="l" rtl="0">
-              <a:lnSpc>
-                <a:spcPct val="100000"/>
-              </a:lnSpc>
-            </a:pPr>
-            <a:r>
-              <a:rPr lang="en-US" sz="2800" dirty="0" smtClean="0"/>
-              <a:t>Results</a:t>
-            </a:r>
-          </a:p>
-          <a:p>
-            <a:pPr lvl="1" algn="l" rtl="0">
-              <a:lnSpc>
-                <a:spcPct val="100000"/>
-              </a:lnSpc>
-            </a:pPr>
-            <a:r>
-              <a:rPr lang="en-US" sz="2800" dirty="0" smtClean="0"/>
-              <a:t>Discussion</a:t>
-            </a:r>
-          </a:p>
-          <a:p>
-            <a:pPr lvl="1" algn="l" rtl="0">
-              <a:lnSpc>
-                <a:spcPct val="100000"/>
-              </a:lnSpc>
-            </a:pPr>
-            <a:r>
-              <a:rPr lang="en-US" sz="2800" dirty="0" smtClean="0"/>
-              <a:t>Conclusions</a:t>
-            </a:r>
-          </a:p>
-          <a:p>
-            <a:pPr lvl="1" algn="l" rtl="0">
-              <a:lnSpc>
-                <a:spcPct val="100000"/>
-              </a:lnSpc>
-            </a:pPr>
-            <a:endParaRPr lang="en-US" sz="2800" dirty="0"/>
-          </a:p>
-          <a:p>
-            <a:pPr lvl="1" algn="l" rtl="0">
-              <a:lnSpc>
-                <a:spcPct val="100000"/>
-              </a:lnSpc>
-            </a:pPr>
-            <a:endParaRPr lang="en-US" sz="2800" dirty="0" smtClean="0"/>
-          </a:p>
-        </p:txBody>
-      </p:sp>
-    </p:spTree>
-    <p:extLst>
-      <p:ext uri="{BB962C8B-B14F-4D97-AF65-F5344CB8AC3E}">
-        <p14:creationId xmlns:p14="http://schemas.microsoft.com/office/powerpoint/2010/main" val="716307291"/>
-      </p:ext>
-    </p:extLst>
-  </p:cSld>
-  <p:clrMapOvr>
-    <a:masterClrMapping/>
-  </p:clrMapOvr>
-  <p:timing>
-    <p:tnLst>
-      <p:par>
-        <p:cTn id="1" dur="indefinite" restart="never" nodeType="tmRoot">
-          <p:childTnLst>
-            <p:seq concurrent="1" nextAc="seek">
-              <p:cTn id="2" dur="indefinite" nodeType="mainSeq">
-                <p:childTnLst>
-                  <p:par>
-                    <p:cTn id="3" fill="hold">
-                      <p:stCondLst>
-                        <p:cond delay="indefinite"/>
-                      </p:stCondLst>
-                      <p:childTnLst>
-                        <p:par>
-                          <p:cTn id="4" fill="hold">
-                            <p:stCondLst>
-                              <p:cond delay="0"/>
-                            </p:stCondLst>
-                            <p:childTnLst>
-                              <p:par>
-                                <p:cTn id="5" presetID="10" presetClass="entr" presetSubtype="0" fill="hold" nodeType="clickEffect">
-                                  <p:stCondLst>
-                                    <p:cond delay="0"/>
-                                  </p:stCondLst>
-                                  <p:childTnLst>
-                                    <p:set>
-                                      <p:cBhvr>
-                                        <p:cTn id="6" dur="1" fill="hold">
-                                          <p:stCondLst>
-                                            <p:cond delay="0"/>
-                                          </p:stCondLst>
-                                        </p:cTn>
-                                        <p:tgtEl>
-                                          <p:spTgt spid="5">
-                                            <p:txEl>
-                                              <p:pRg st="0" end="0"/>
-                                            </p:txEl>
-                                          </p:spTgt>
-                                        </p:tgtEl>
-                                        <p:attrNameLst>
-                                          <p:attrName>style.visibility</p:attrName>
-                                        </p:attrNameLst>
-                                      </p:cBhvr>
-                                      <p:to>
-                                        <p:strVal val="visible"/>
-                                      </p:to>
-                                    </p:set>
-                                    <p:animEffect transition="in" filter="fade">
-                                      <p:cBhvr>
-                                        <p:cTn id="7" dur="500"/>
-                                        <p:tgtEl>
-                                          <p:spTgt spid="5">
-                                            <p:txEl>
-                                              <p:pRg st="0" end="0"/>
-                                            </p:txEl>
-                                          </p:spTgt>
-                                        </p:tgtEl>
-                                      </p:cBhvr>
-                                    </p:animEffect>
-                                  </p:childTnLst>
-                                </p:cTn>
-                              </p:par>
-                            </p:childTnLst>
-                          </p:cTn>
-                        </p:par>
-                      </p:childTnLst>
-                    </p:cTn>
-                  </p:par>
-                  <p:par>
-                    <p:cTn id="8" fill="hold">
-                      <p:stCondLst>
-                        <p:cond delay="indefinite"/>
-                      </p:stCondLst>
-                      <p:childTnLst>
-                        <p:par>
-                          <p:cTn id="9" fill="hold">
-                            <p:stCondLst>
-                              <p:cond delay="0"/>
-                            </p:stCondLst>
-                            <p:childTnLst>
-                              <p:par>
-                                <p:cTn id="10" presetID="10" presetClass="entr" presetSubtype="0" fill="hold" nodeType="clickEffect">
-                                  <p:stCondLst>
-                                    <p:cond delay="0"/>
-                                  </p:stCondLst>
-                                  <p:childTnLst>
-                                    <p:set>
-                                      <p:cBhvr>
-                                        <p:cTn id="11" dur="1" fill="hold">
-                                          <p:stCondLst>
-                                            <p:cond delay="0"/>
-                                          </p:stCondLst>
-                                        </p:cTn>
-                                        <p:tgtEl>
-                                          <p:spTgt spid="5">
-                                            <p:txEl>
-                                              <p:pRg st="2" end="2"/>
-                                            </p:txEl>
-                                          </p:spTgt>
-                                        </p:tgtEl>
-                                        <p:attrNameLst>
-                                          <p:attrName>style.visibility</p:attrName>
-                                        </p:attrNameLst>
-                                      </p:cBhvr>
-                                      <p:to>
-                                        <p:strVal val="visible"/>
-                                      </p:to>
-                                    </p:set>
-                                    <p:animEffect transition="in" filter="fade">
-                                      <p:cBhvr>
-                                        <p:cTn id="12" dur="500"/>
-                                        <p:tgtEl>
-                                          <p:spTgt spid="5">
-                                            <p:txEl>
-                                              <p:pRg st="2" end="2"/>
-                                            </p:txEl>
-                                          </p:spTgt>
-                                        </p:tgtEl>
-                                      </p:cBhvr>
-                                    </p:animEffect>
-                                  </p:childTnLst>
-                                </p:cTn>
-                              </p:par>
-                            </p:childTnLst>
-                          </p:cTn>
-                        </p:par>
-                      </p:childTnLst>
-                    </p:cTn>
-                  </p:par>
-                  <p:par>
-                    <p:cTn id="13" fill="hold">
-                      <p:stCondLst>
-                        <p:cond delay="indefinite"/>
-                      </p:stCondLst>
-                      <p:childTnLst>
-                        <p:par>
-                          <p:cTn id="14" fill="hold">
-                            <p:stCondLst>
-                              <p:cond delay="0"/>
-                            </p:stCondLst>
-                            <p:childTnLst>
-                              <p:par>
-                                <p:cTn id="15" presetID="10" presetClass="entr" presetSubtype="0" fill="hold" nodeType="clickEffect">
-                                  <p:stCondLst>
-                                    <p:cond delay="0"/>
-                                  </p:stCondLst>
-                                  <p:childTnLst>
-                                    <p:set>
-                                      <p:cBhvr>
-                                        <p:cTn id="16" dur="1" fill="hold">
-                                          <p:stCondLst>
-                                            <p:cond delay="0"/>
-                                          </p:stCondLst>
-                                        </p:cTn>
-                                        <p:tgtEl>
-                                          <p:spTgt spid="5">
-                                            <p:txEl>
-                                              <p:pRg st="3" end="3"/>
-                                            </p:txEl>
-                                          </p:spTgt>
-                                        </p:tgtEl>
-                                        <p:attrNameLst>
-                                          <p:attrName>style.visibility</p:attrName>
-                                        </p:attrNameLst>
-                                      </p:cBhvr>
-                                      <p:to>
-                                        <p:strVal val="visible"/>
-                                      </p:to>
-                                    </p:set>
-                                    <p:animEffect transition="in" filter="fade">
-                                      <p:cBhvr>
-                                        <p:cTn id="17" dur="500"/>
-                                        <p:tgtEl>
-                                          <p:spTgt spid="5">
-                                            <p:txEl>
-                                              <p:pRg st="3" end="3"/>
-                                            </p:txEl>
-                                          </p:spTgt>
-                                        </p:tgtEl>
-                                      </p:cBhvr>
-                                    </p:animEffect>
-                                  </p:childTnLst>
-                                </p:cTn>
-                              </p:par>
-                            </p:childTnLst>
-                          </p:cTn>
-                        </p:par>
-                      </p:childTnLst>
-                    </p:cTn>
-                  </p:par>
-                  <p:par>
-                    <p:cTn id="18" fill="hold">
-                      <p:stCondLst>
-                        <p:cond delay="indefinite"/>
-                      </p:stCondLst>
-                      <p:childTnLst>
-                        <p:par>
-                          <p:cTn id="19" fill="hold">
-                            <p:stCondLst>
-                              <p:cond delay="0"/>
-                            </p:stCondLst>
-                            <p:childTnLst>
-                              <p:par>
-                                <p:cTn id="20" presetID="10" presetClass="entr" presetSubtype="0" fill="hold" nodeType="clickEffect">
-                                  <p:stCondLst>
-                                    <p:cond delay="0"/>
-                                  </p:stCondLst>
-                                  <p:childTnLst>
-                                    <p:set>
-                                      <p:cBhvr>
-                                        <p:cTn id="21" dur="1" fill="hold">
-                                          <p:stCondLst>
-                                            <p:cond delay="0"/>
-                                          </p:stCondLst>
-                                        </p:cTn>
-                                        <p:tgtEl>
-                                          <p:spTgt spid="5">
-                                            <p:txEl>
-                                              <p:pRg st="4" end="4"/>
-                                            </p:txEl>
-                                          </p:spTgt>
-                                        </p:tgtEl>
-                                        <p:attrNameLst>
-                                          <p:attrName>style.visibility</p:attrName>
-                                        </p:attrNameLst>
-                                      </p:cBhvr>
-                                      <p:to>
-                                        <p:strVal val="visible"/>
-                                      </p:to>
-                                    </p:set>
-                                    <p:animEffect transition="in" filter="fade">
-                                      <p:cBhvr>
-                                        <p:cTn id="22" dur="500"/>
-                                        <p:tgtEl>
-                                          <p:spTgt spid="5">
-                                            <p:txEl>
-                                              <p:pRg st="4" end="4"/>
-                                            </p:txEl>
-                                          </p:spTgt>
-                                        </p:tgtEl>
-                                      </p:cBhvr>
-                                    </p:animEffect>
-                                  </p:childTnLst>
-                                </p:cTn>
-                              </p:par>
-                            </p:childTnLst>
-                          </p:cTn>
-                        </p:par>
-                      </p:childTnLst>
-                    </p:cTn>
-                  </p:par>
-                  <p:par>
-                    <p:cTn id="23" fill="hold">
-                      <p:stCondLst>
-                        <p:cond delay="indefinite"/>
-                      </p:stCondLst>
-                      <p:childTnLst>
-                        <p:par>
-                          <p:cTn id="24" fill="hold">
-                            <p:stCondLst>
-                              <p:cond delay="0"/>
-                            </p:stCondLst>
-                            <p:childTnLst>
-                              <p:par>
-                                <p:cTn id="25" presetID="10" presetClass="entr" presetSubtype="0" fill="hold" nodeType="clickEffect">
-                                  <p:stCondLst>
-                                    <p:cond delay="0"/>
-                                  </p:stCondLst>
-                                  <p:childTnLst>
-                                    <p:set>
-                                      <p:cBhvr>
-                                        <p:cTn id="26" dur="1" fill="hold">
-                                          <p:stCondLst>
-                                            <p:cond delay="0"/>
-                                          </p:stCondLst>
-                                        </p:cTn>
-                                        <p:tgtEl>
-                                          <p:spTgt spid="5">
-                                            <p:txEl>
-                                              <p:pRg st="5" end="5"/>
-                                            </p:txEl>
-                                          </p:spTgt>
-                                        </p:tgtEl>
-                                        <p:attrNameLst>
-                                          <p:attrName>style.visibility</p:attrName>
-                                        </p:attrNameLst>
-                                      </p:cBhvr>
-                                      <p:to>
-                                        <p:strVal val="visible"/>
-                                      </p:to>
-                                    </p:set>
-                                    <p:animEffect transition="in" filter="fade">
-                                      <p:cBhvr>
-                                        <p:cTn id="27" dur="500"/>
-                                        <p:tgtEl>
-                                          <p:spTgt spid="5">
-                                            <p:txEl>
-                                              <p:pRg st="5" end="5"/>
-                                            </p:txEl>
-                                          </p:spTgt>
-                                        </p:tgtEl>
-                                      </p:cBhvr>
-                                    </p:animEffect>
-                                  </p:childTnLst>
-                                </p:cTn>
-                              </p:par>
-                            </p:childTnLst>
-                          </p:cTn>
-                        </p:par>
-                      </p:childTnLst>
-                    </p:cTn>
-                  </p:par>
-                  <p:par>
-                    <p:cTn id="28" fill="hold">
-                      <p:stCondLst>
-                        <p:cond delay="indefinite"/>
-                      </p:stCondLst>
-                      <p:childTnLst>
-                        <p:par>
-                          <p:cTn id="29" fill="hold">
-                            <p:stCondLst>
-                              <p:cond delay="0"/>
-                            </p:stCondLst>
-                            <p:childTnLst>
-                              <p:par>
-                                <p:cTn id="30" presetID="10" presetClass="entr" presetSubtype="0" fill="hold" nodeType="clickEffect">
-                                  <p:stCondLst>
-                                    <p:cond delay="0"/>
-                                  </p:stCondLst>
-                                  <p:childTnLst>
-                                    <p:set>
-                                      <p:cBhvr>
-                                        <p:cTn id="31" dur="1" fill="hold">
-                                          <p:stCondLst>
-                                            <p:cond delay="0"/>
-                                          </p:stCondLst>
-                                        </p:cTn>
-                                        <p:tgtEl>
-                                          <p:spTgt spid="5">
-                                            <p:txEl>
-                                              <p:pRg st="7" end="7"/>
-                                            </p:txEl>
-                                          </p:spTgt>
-                                        </p:tgtEl>
-                                        <p:attrNameLst>
-                                          <p:attrName>style.visibility</p:attrName>
-                                        </p:attrNameLst>
-                                      </p:cBhvr>
-                                      <p:to>
-                                        <p:strVal val="visible"/>
-                                      </p:to>
-                                    </p:set>
-                                    <p:animEffect transition="in" filter="fade">
-                                      <p:cBhvr>
-                                        <p:cTn id="32" dur="500"/>
-                                        <p:tgtEl>
-                                          <p:spTgt spid="5">
-                                            <p:txEl>
-                                              <p:pRg st="7" end="7"/>
-                                            </p:txEl>
-                                          </p:spTgt>
-                                        </p:tgtEl>
-                                      </p:cBhvr>
-                                    </p:animEffect>
-                                  </p:childTnLst>
-                                </p:cTn>
-                              </p:par>
-                            </p:childTnLst>
-                          </p:cTn>
-                        </p:par>
-                      </p:childTnLst>
-                    </p:cTn>
-                  </p:par>
-                  <p:par>
-                    <p:cTn id="33" fill="hold">
-                      <p:stCondLst>
-                        <p:cond delay="indefinite"/>
-                      </p:stCondLst>
-                      <p:childTnLst>
-                        <p:par>
-                          <p:cTn id="34" fill="hold">
-                            <p:stCondLst>
-                              <p:cond delay="0"/>
-                            </p:stCondLst>
-                            <p:childTnLst>
-                              <p:par>
-                                <p:cTn id="35" presetID="10" presetClass="entr" presetSubtype="0" fill="hold" nodeType="clickEffect">
-                                  <p:stCondLst>
-                                    <p:cond delay="0"/>
-                                  </p:stCondLst>
-                                  <p:childTnLst>
-                                    <p:set>
-                                      <p:cBhvr>
-                                        <p:cTn id="36" dur="1" fill="hold">
-                                          <p:stCondLst>
-                                            <p:cond delay="0"/>
-                                          </p:stCondLst>
-                                        </p:cTn>
-                                        <p:tgtEl>
-                                          <p:spTgt spid="5">
-                                            <p:txEl>
-                                              <p:pRg st="8" end="8"/>
-                                            </p:txEl>
-                                          </p:spTgt>
-                                        </p:tgtEl>
-                                        <p:attrNameLst>
-                                          <p:attrName>style.visibility</p:attrName>
-                                        </p:attrNameLst>
-                                      </p:cBhvr>
-                                      <p:to>
-                                        <p:strVal val="visible"/>
-                                      </p:to>
-                                    </p:set>
-                                    <p:animEffect transition="in" filter="fade">
-                                      <p:cBhvr>
-                                        <p:cTn id="37" dur="500"/>
-                                        <p:tgtEl>
-                                          <p:spTgt spid="5">
-                                            <p:txEl>
-                                              <p:pRg st="8" end="8"/>
-                                            </p:txEl>
-                                          </p:spTgt>
-                                        </p:tgtEl>
-                                      </p:cBhvr>
-                                    </p:animEffect>
-                                  </p:childTnLst>
-                                </p:cTn>
-                              </p:par>
-                            </p:childTnLst>
-                          </p:cTn>
-                        </p:par>
-                      </p:childTnLst>
-                    </p:cTn>
-                  </p:par>
-                  <p:par>
-                    <p:cTn id="38" fill="hold">
-                      <p:stCondLst>
-                        <p:cond delay="indefinite"/>
-                      </p:stCondLst>
-                      <p:childTnLst>
-                        <p:par>
-                          <p:cTn id="39" fill="hold">
-                            <p:stCondLst>
-                              <p:cond delay="0"/>
-                            </p:stCondLst>
-                            <p:childTnLst>
-                              <p:par>
-                                <p:cTn id="40" presetID="10" presetClass="entr" presetSubtype="0" fill="hold" nodeType="clickEffect">
-                                  <p:stCondLst>
-                                    <p:cond delay="0"/>
-                                  </p:stCondLst>
-                                  <p:childTnLst>
-                                    <p:set>
-                                      <p:cBhvr>
-                                        <p:cTn id="41" dur="1" fill="hold">
-                                          <p:stCondLst>
-                                            <p:cond delay="0"/>
-                                          </p:stCondLst>
-                                        </p:cTn>
-                                        <p:tgtEl>
-                                          <p:spTgt spid="5">
-                                            <p:txEl>
-                                              <p:pRg st="9" end="9"/>
-                                            </p:txEl>
-                                          </p:spTgt>
-                                        </p:tgtEl>
-                                        <p:attrNameLst>
-                                          <p:attrName>style.visibility</p:attrName>
-                                        </p:attrNameLst>
-                                      </p:cBhvr>
-                                      <p:to>
-                                        <p:strVal val="visible"/>
-                                      </p:to>
-                                    </p:set>
-                                    <p:animEffect transition="in" filter="fade">
-                                      <p:cBhvr>
-                                        <p:cTn id="42" dur="500"/>
-                                        <p:tgtEl>
-                                          <p:spTgt spid="5">
-                                            <p:txEl>
-                                              <p:pRg st="9" end="9"/>
-                                            </p:txEl>
-                                          </p:spTgt>
-                                        </p:tgtEl>
-                                      </p:cBhvr>
-                                    </p:animEffect>
-                                  </p:childTnLst>
-                                </p:cTn>
-                              </p:par>
-                            </p:childTnLst>
-                          </p:cTn>
-                        </p:par>
-                      </p:childTnLst>
-                    </p:cTn>
-                  </p:par>
-                </p:childTnLst>
-              </p:cTn>
-              <p:prevCondLst>
-                <p:cond evt="onPrev" delay="0">
-                  <p:tgtEl>
-                    <p:sldTgt/>
-                  </p:tgtEl>
-                </p:cond>
-              </p:prevCondLst>
-              <p:nextCondLst>
-                <p:cond evt="onNext" delay="0">
-                  <p:tgtEl>
-                    <p:sldTgt/>
-                  </p:tgtEl>
-                </p:cond>
-              </p:nextCondLst>
-            </p:seq>
-          </p:childTnLst>
-        </p:cTn>
-      </p:par>
-    </p:tnLst>
-  </p:timing>
-</p:sld>
-</file>
-
-<file path=ppt/slides/slide20.xml><?xml version="1.0" encoding="utf-8"?>
+<file path=ppt/slides/slide22.xml><?xml version="1.0" encoding="utf-8"?>
 <p:sld xmlns:a="http://schemas.openxmlformats.org/drawingml/2006/main" xmlns:r="http://schemas.openxmlformats.org/officeDocument/2006/relationships" xmlns:p="http://schemas.openxmlformats.org/presentationml/2006/main">
   <p:cSld>
     <p:spTree>
@@ -11740,7 +12355,7 @@
 </p:sld>
 </file>
 
-<file path=ppt/slides/slide21.xml><?xml version="1.0" encoding="utf-8"?>
+<file path=ppt/slides/slide23.xml><?xml version="1.0" encoding="utf-8"?>
 <p:sld xmlns:a="http://schemas.openxmlformats.org/drawingml/2006/main" xmlns:r="http://schemas.openxmlformats.org/officeDocument/2006/relationships" xmlns:p="http://schemas.openxmlformats.org/presentationml/2006/main">
   <p:cSld>
     <p:spTree>
@@ -12820,7 +13435,7 @@
 </p:sld>
 </file>
 
-<file path=ppt/slides/slide22.xml><?xml version="1.0" encoding="utf-8"?>
+<file path=ppt/slides/slide24.xml><?xml version="1.0" encoding="utf-8"?>
 <p:sld xmlns:a="http://schemas.openxmlformats.org/drawingml/2006/main" xmlns:r="http://schemas.openxmlformats.org/officeDocument/2006/relationships" xmlns:p="http://schemas.openxmlformats.org/presentationml/2006/main">
   <p:cSld>
     <p:spTree>
@@ -13646,7 +14261,7 @@
 </p:sld>
 </file>
 
-<file path=ppt/slides/slide23.xml><?xml version="1.0" encoding="utf-8"?>
+<file path=ppt/slides/slide25.xml><?xml version="1.0" encoding="utf-8"?>
 <p:sld xmlns:a="http://schemas.openxmlformats.org/drawingml/2006/main" xmlns:r="http://schemas.openxmlformats.org/officeDocument/2006/relationships" xmlns:p="http://schemas.openxmlformats.org/presentationml/2006/main">
   <p:cSld>
     <p:spTree>
@@ -13927,7 +14542,7 @@
 </p:sld>
 </file>
 
-<file path=ppt/slides/slide24.xml><?xml version="1.0" encoding="utf-8"?>
+<file path=ppt/slides/slide26.xml><?xml version="1.0" encoding="utf-8"?>
 <p:sld xmlns:a="http://schemas.openxmlformats.org/drawingml/2006/main" xmlns:r="http://schemas.openxmlformats.org/officeDocument/2006/relationships" xmlns:p="http://schemas.openxmlformats.org/presentationml/2006/main">
   <p:cSld>
     <p:spTree>
@@ -14885,7 +15500,7 @@
 </p:sld>
 </file>
 
-<file path=ppt/slides/slide25.xml><?xml version="1.0" encoding="utf-8"?>
+<file path=ppt/slides/slide27.xml><?xml version="1.0" encoding="utf-8"?>
 <p:sld xmlns:a="http://schemas.openxmlformats.org/drawingml/2006/main" xmlns:r="http://schemas.openxmlformats.org/officeDocument/2006/relationships" xmlns:p="http://schemas.openxmlformats.org/presentationml/2006/main">
   <p:cSld>
     <p:spTree>
@@ -15004,7 +15619,7 @@
 </p:sld>
 </file>
 
-<file path=ppt/slides/slide26.xml><?xml version="1.0" encoding="utf-8"?>
+<file path=ppt/slides/slide28.xml><?xml version="1.0" encoding="utf-8"?>
 <p:sld xmlns:a="http://schemas.openxmlformats.org/drawingml/2006/main" xmlns:r="http://schemas.openxmlformats.org/officeDocument/2006/relationships" xmlns:p="http://schemas.openxmlformats.org/presentationml/2006/main">
   <p:cSld>
     <p:spTree>
@@ -15626,7 +16241,7 @@
 </p:sld>
 </file>
 
-<file path=ppt/slides/slide27.xml><?xml version="1.0" encoding="utf-8"?>
+<file path=ppt/slides/slide29.xml><?xml version="1.0" encoding="utf-8"?>
 <p:sld xmlns:a="http://schemas.openxmlformats.org/drawingml/2006/main" xmlns:r="http://schemas.openxmlformats.org/officeDocument/2006/relationships" xmlns:p="http://schemas.openxmlformats.org/presentationml/2006/main">
   <p:cSld>
     <p:spTree>
@@ -16262,7 +16877,612 @@
 </p:sld>
 </file>
 
-<file path=ppt/slides/slide28.xml><?xml version="1.0" encoding="utf-8"?>
+<file path=ppt/slides/slide3.xml><?xml version="1.0" encoding="utf-8"?>
+<p:sld xmlns:a="http://schemas.openxmlformats.org/drawingml/2006/main" xmlns:r="http://schemas.openxmlformats.org/officeDocument/2006/relationships" xmlns:p="http://schemas.openxmlformats.org/presentationml/2006/main">
+  <p:cSld>
+    <p:spTree>
+      <p:nvGrpSpPr>
+        <p:cNvPr id="1" name=""/>
+        <p:cNvGrpSpPr/>
+        <p:nvPr/>
+      </p:nvGrpSpPr>
+      <p:grpSpPr>
+        <a:xfrm>
+          <a:off x="0" y="0"/>
+          <a:ext cx="0" cy="0"/>
+          <a:chOff x="0" y="0"/>
+          <a:chExt cx="0" cy="0"/>
+        </a:xfrm>
+      </p:grpSpPr>
+      <p:sp>
+        <p:nvSpPr>
+          <p:cNvPr id="2" name="Title 1"/>
+          <p:cNvSpPr txBox="1">
+            <a:spLocks/>
+          </p:cNvSpPr>
+          <p:nvPr/>
+        </p:nvSpPr>
+        <p:spPr>
+          <a:xfrm>
+            <a:off x="609600" y="274638"/>
+            <a:ext cx="10972800" cy="1143000"/>
+          </a:xfrm>
+          <a:prstGeom prst="rect">
+            <a:avLst/>
+          </a:prstGeom>
+        </p:spPr>
+        <p:txBody>
+          <a:bodyPr/>
+          <a:lstStyle>
+            <a:lvl1pPr algn="r" defTabSz="914400" rtl="1" eaLnBrk="1" latinLnBrk="0" hangingPunct="1">
+              <a:lnSpc>
+                <a:spcPct val="90000"/>
+              </a:lnSpc>
+              <a:spcBef>
+                <a:spcPct val="0"/>
+              </a:spcBef>
+              <a:buNone/>
+              <a:defRPr sz="4400" kern="1200">
+                <a:solidFill>
+                  <a:schemeClr val="tx1"/>
+                </a:solidFill>
+                <a:latin typeface="+mj-lt"/>
+                <a:ea typeface="+mj-ea"/>
+                <a:cs typeface="+mj-cs"/>
+              </a:defRPr>
+            </a:lvl1pPr>
+          </a:lstStyle>
+          <a:p>
+            <a:pPr algn="ctr"/>
+            <a:r>
+              <a:rPr lang="en-US" smtClean="0">
+                <a:solidFill>
+                  <a:srgbClr val="002060"/>
+                </a:solidFill>
+              </a:rPr>
+              <a:t>Project Goal</a:t>
+            </a:r>
+            <a:endParaRPr lang="he-IL" dirty="0">
+              <a:solidFill>
+                <a:srgbClr val="002060"/>
+              </a:solidFill>
+            </a:endParaRPr>
+          </a:p>
+        </p:txBody>
+      </p:sp>
+      <p:sp>
+        <p:nvSpPr>
+          <p:cNvPr id="3" name="Content Placeholder 2"/>
+          <p:cNvSpPr txBox="1">
+            <a:spLocks/>
+          </p:cNvSpPr>
+          <p:nvPr/>
+        </p:nvSpPr>
+        <p:spPr>
+          <a:xfrm>
+            <a:off x="41365" y="1417319"/>
+            <a:ext cx="12083144" cy="5309734"/>
+          </a:xfrm>
+          <a:prstGeom prst="rect">
+            <a:avLst/>
+          </a:prstGeom>
+        </p:spPr>
+        <p:txBody>
+          <a:bodyPr/>
+          <a:lstStyle>
+            <a:lvl1pPr marL="228600" indent="-228600" algn="r" defTabSz="914400" rtl="1" eaLnBrk="1" latinLnBrk="0" hangingPunct="1">
+              <a:lnSpc>
+                <a:spcPct val="90000"/>
+              </a:lnSpc>
+              <a:spcBef>
+                <a:spcPts val="1000"/>
+              </a:spcBef>
+              <a:buFont typeface="Arial" panose="020B0604020202020204" pitchFamily="34" charset="0"/>
+              <a:buChar char="•"/>
+              <a:defRPr sz="2800" kern="1200">
+                <a:solidFill>
+                  <a:schemeClr val="tx1"/>
+                </a:solidFill>
+                <a:latin typeface="+mn-lt"/>
+                <a:ea typeface="+mn-ea"/>
+                <a:cs typeface="+mn-cs"/>
+              </a:defRPr>
+            </a:lvl1pPr>
+            <a:lvl2pPr marL="685800" indent="-228600" algn="r" defTabSz="914400" rtl="1" eaLnBrk="1" latinLnBrk="0" hangingPunct="1">
+              <a:lnSpc>
+                <a:spcPct val="90000"/>
+              </a:lnSpc>
+              <a:spcBef>
+                <a:spcPts val="500"/>
+              </a:spcBef>
+              <a:buFont typeface="Arial" panose="020B0604020202020204" pitchFamily="34" charset="0"/>
+              <a:buChar char="•"/>
+              <a:defRPr sz="2400" kern="1200">
+                <a:solidFill>
+                  <a:schemeClr val="tx1"/>
+                </a:solidFill>
+                <a:latin typeface="+mn-lt"/>
+                <a:ea typeface="+mn-ea"/>
+                <a:cs typeface="+mn-cs"/>
+              </a:defRPr>
+            </a:lvl2pPr>
+            <a:lvl3pPr marL="1143000" indent="-228600" algn="r" defTabSz="914400" rtl="1" eaLnBrk="1" latinLnBrk="0" hangingPunct="1">
+              <a:lnSpc>
+                <a:spcPct val="90000"/>
+              </a:lnSpc>
+              <a:spcBef>
+                <a:spcPts val="500"/>
+              </a:spcBef>
+              <a:buFont typeface="Arial" panose="020B0604020202020204" pitchFamily="34" charset="0"/>
+              <a:buChar char="•"/>
+              <a:defRPr sz="2000" kern="1200">
+                <a:solidFill>
+                  <a:schemeClr val="tx1"/>
+                </a:solidFill>
+                <a:latin typeface="+mn-lt"/>
+                <a:ea typeface="+mn-ea"/>
+                <a:cs typeface="+mn-cs"/>
+              </a:defRPr>
+            </a:lvl3pPr>
+            <a:lvl4pPr marL="1600200" indent="-228600" algn="r" defTabSz="914400" rtl="1" eaLnBrk="1" latinLnBrk="0" hangingPunct="1">
+              <a:lnSpc>
+                <a:spcPct val="90000"/>
+              </a:lnSpc>
+              <a:spcBef>
+                <a:spcPts val="500"/>
+              </a:spcBef>
+              <a:buFont typeface="Arial" panose="020B0604020202020204" pitchFamily="34" charset="0"/>
+              <a:buChar char="•"/>
+              <a:defRPr sz="1800" kern="1200">
+                <a:solidFill>
+                  <a:schemeClr val="tx1"/>
+                </a:solidFill>
+                <a:latin typeface="+mn-lt"/>
+                <a:ea typeface="+mn-ea"/>
+                <a:cs typeface="+mn-cs"/>
+              </a:defRPr>
+            </a:lvl4pPr>
+            <a:lvl5pPr marL="2057400" indent="-228600" algn="r" defTabSz="914400" rtl="1" eaLnBrk="1" latinLnBrk="0" hangingPunct="1">
+              <a:lnSpc>
+                <a:spcPct val="90000"/>
+              </a:lnSpc>
+              <a:spcBef>
+                <a:spcPts val="500"/>
+              </a:spcBef>
+              <a:buFont typeface="Arial" panose="020B0604020202020204" pitchFamily="34" charset="0"/>
+              <a:buChar char="•"/>
+              <a:defRPr sz="1800" kern="1200">
+                <a:solidFill>
+                  <a:schemeClr val="tx1"/>
+                </a:solidFill>
+                <a:latin typeface="+mn-lt"/>
+                <a:ea typeface="+mn-ea"/>
+                <a:cs typeface="+mn-cs"/>
+              </a:defRPr>
+            </a:lvl5pPr>
+            <a:lvl6pPr marL="2514600" indent="-228600" algn="r" defTabSz="914400" rtl="1" eaLnBrk="1" latinLnBrk="0" hangingPunct="1">
+              <a:lnSpc>
+                <a:spcPct val="90000"/>
+              </a:lnSpc>
+              <a:spcBef>
+                <a:spcPts val="500"/>
+              </a:spcBef>
+              <a:buFont typeface="Arial" panose="020B0604020202020204" pitchFamily="34" charset="0"/>
+              <a:buChar char="•"/>
+              <a:defRPr sz="1800" kern="1200">
+                <a:solidFill>
+                  <a:schemeClr val="tx1"/>
+                </a:solidFill>
+                <a:latin typeface="+mn-lt"/>
+                <a:ea typeface="+mn-ea"/>
+                <a:cs typeface="+mn-cs"/>
+              </a:defRPr>
+            </a:lvl6pPr>
+            <a:lvl7pPr marL="2971800" indent="-228600" algn="r" defTabSz="914400" rtl="1" eaLnBrk="1" latinLnBrk="0" hangingPunct="1">
+              <a:lnSpc>
+                <a:spcPct val="90000"/>
+              </a:lnSpc>
+              <a:spcBef>
+                <a:spcPts val="500"/>
+              </a:spcBef>
+              <a:buFont typeface="Arial" panose="020B0604020202020204" pitchFamily="34" charset="0"/>
+              <a:buChar char="•"/>
+              <a:defRPr sz="1800" kern="1200">
+                <a:solidFill>
+                  <a:schemeClr val="tx1"/>
+                </a:solidFill>
+                <a:latin typeface="+mn-lt"/>
+                <a:ea typeface="+mn-ea"/>
+                <a:cs typeface="+mn-cs"/>
+              </a:defRPr>
+            </a:lvl7pPr>
+            <a:lvl8pPr marL="3429000" indent="-228600" algn="r" defTabSz="914400" rtl="1" eaLnBrk="1" latinLnBrk="0" hangingPunct="1">
+              <a:lnSpc>
+                <a:spcPct val="90000"/>
+              </a:lnSpc>
+              <a:spcBef>
+                <a:spcPts val="500"/>
+              </a:spcBef>
+              <a:buFont typeface="Arial" panose="020B0604020202020204" pitchFamily="34" charset="0"/>
+              <a:buChar char="•"/>
+              <a:defRPr sz="1800" kern="1200">
+                <a:solidFill>
+                  <a:schemeClr val="tx1"/>
+                </a:solidFill>
+                <a:latin typeface="+mn-lt"/>
+                <a:ea typeface="+mn-ea"/>
+                <a:cs typeface="+mn-cs"/>
+              </a:defRPr>
+            </a:lvl8pPr>
+            <a:lvl9pPr marL="3886200" indent="-228600" algn="r" defTabSz="914400" rtl="1" eaLnBrk="1" latinLnBrk="0" hangingPunct="1">
+              <a:lnSpc>
+                <a:spcPct val="90000"/>
+              </a:lnSpc>
+              <a:spcBef>
+                <a:spcPts val="500"/>
+              </a:spcBef>
+              <a:buFont typeface="Arial" panose="020B0604020202020204" pitchFamily="34" charset="0"/>
+              <a:buChar char="•"/>
+              <a:defRPr sz="1800" kern="1200">
+                <a:solidFill>
+                  <a:schemeClr val="tx1"/>
+                </a:solidFill>
+                <a:latin typeface="+mn-lt"/>
+                <a:ea typeface="+mn-ea"/>
+                <a:cs typeface="+mn-cs"/>
+              </a:defRPr>
+            </a:lvl9pPr>
+          </a:lstStyle>
+          <a:p>
+            <a:pPr lvl="1" algn="l" rtl="0">
+              <a:lnSpc>
+                <a:spcPct val="100000"/>
+              </a:lnSpc>
+            </a:pPr>
+            <a:r>
+              <a:rPr lang="en-US" sz="2800" dirty="0" smtClean="0"/>
+              <a:t>Power amplifiers (PAs), are inherently nonlinear systems.</a:t>
+            </a:r>
+          </a:p>
+          <a:p>
+            <a:pPr marL="457200" lvl="1" indent="0" algn="l" rtl="0">
+              <a:lnSpc>
+                <a:spcPct val="100000"/>
+              </a:lnSpc>
+              <a:buNone/>
+            </a:pPr>
+            <a:endParaRPr lang="en-US" sz="2800" dirty="0" smtClean="0"/>
+          </a:p>
+          <a:p>
+            <a:pPr lvl="1" algn="l" rtl="0">
+              <a:lnSpc>
+                <a:spcPct val="100000"/>
+              </a:lnSpc>
+            </a:pPr>
+            <a:endParaRPr lang="en-US" sz="2800" dirty="0" smtClean="0"/>
+          </a:p>
+          <a:p>
+            <a:pPr lvl="1" algn="l" rtl="0">
+              <a:lnSpc>
+                <a:spcPct val="100000"/>
+              </a:lnSpc>
+            </a:pPr>
+            <a:r>
+              <a:rPr lang="en-US" sz="2800" dirty="0" smtClean="0"/>
+              <a:t>nonlinearity </a:t>
+            </a:r>
+            <a:r>
+              <a:rPr lang="en-US" sz="2800" dirty="0"/>
+              <a:t>causes in-band distortion and a spectral </a:t>
+            </a:r>
+            <a:r>
+              <a:rPr lang="en-US" sz="2800" dirty="0" smtClean="0"/>
+              <a:t>regrowth.</a:t>
+            </a:r>
+          </a:p>
+          <a:p>
+            <a:pPr marL="457200" lvl="1" indent="0" algn="l" rtl="0">
+              <a:lnSpc>
+                <a:spcPct val="100000"/>
+              </a:lnSpc>
+              <a:buNone/>
+            </a:pPr>
+            <a:endParaRPr lang="en-US" sz="2800" dirty="0" smtClean="0"/>
+          </a:p>
+          <a:p>
+            <a:pPr lvl="1" algn="l" rtl="0">
+              <a:lnSpc>
+                <a:spcPct val="100000"/>
+              </a:lnSpc>
+            </a:pPr>
+            <a:endParaRPr lang="en-US" sz="2800" dirty="0"/>
+          </a:p>
+          <a:p>
+            <a:pPr lvl="1" algn="l" rtl="0">
+              <a:lnSpc>
+                <a:spcPct val="100000"/>
+              </a:lnSpc>
+            </a:pPr>
+            <a:r>
+              <a:rPr lang="en-US" sz="2800" dirty="0" smtClean="0"/>
+              <a:t>The role of the Digital </a:t>
+            </a:r>
+            <a:r>
+              <a:rPr lang="en-US" sz="2800" dirty="0"/>
+              <a:t>Pre Distortion (DPD) </a:t>
+            </a:r>
+            <a:r>
+              <a:rPr lang="en-US" sz="2800" dirty="0" smtClean="0"/>
+              <a:t>is to distort the signal in a way that will be, in turn, compensated by the PA.</a:t>
+            </a:r>
+          </a:p>
+          <a:p>
+            <a:pPr lvl="1" algn="l" rtl="0">
+              <a:lnSpc>
+                <a:spcPct val="100000"/>
+              </a:lnSpc>
+            </a:pPr>
+            <a:endParaRPr lang="en-US" sz="2800" dirty="0"/>
+          </a:p>
+        </p:txBody>
+      </p:sp>
+      <p:sp>
+        <p:nvSpPr>
+          <p:cNvPr id="4" name="Slide Number Placeholder 4"/>
+          <p:cNvSpPr>
+            <a:spLocks noGrp="1"/>
+          </p:cNvSpPr>
+          <p:nvPr>
+            <p:ph type="sldNum" sz="quarter" idx="12"/>
+          </p:nvPr>
+        </p:nvSpPr>
+        <p:spPr>
+          <a:xfrm>
+            <a:off x="8737600" y="6400799"/>
+            <a:ext cx="2844800" cy="365125"/>
+          </a:xfrm>
+        </p:spPr>
+        <p:txBody>
+          <a:bodyPr/>
+          <a:lstStyle/>
+          <a:p>
+            <a:pPr algn="ctr"/>
+            <a:fld id="{B01D9778-10B4-40FB-B4E4-44FA89A86639}" type="slidenum">
+              <a:rPr lang="en-US" smtClean="0"/>
+              <a:pPr algn="ctr"/>
+              <a:t>3</a:t>
+            </a:fld>
+            <a:endParaRPr lang="en-US"/>
+          </a:p>
+        </p:txBody>
+      </p:sp>
+    </p:spTree>
+    <p:extLst>
+      <p:ext uri="{BB962C8B-B14F-4D97-AF65-F5344CB8AC3E}">
+        <p14:creationId xmlns:p14="http://schemas.microsoft.com/office/powerpoint/2010/main" val="1222951253"/>
+      </p:ext>
+    </p:extLst>
+  </p:cSld>
+  <p:clrMapOvr>
+    <a:masterClrMapping/>
+  </p:clrMapOvr>
+  <p:timing>
+    <p:tnLst>
+      <p:par>
+        <p:cTn id="1" dur="indefinite" restart="never" nodeType="tmRoot">
+          <p:childTnLst>
+            <p:seq concurrent="1" nextAc="seek">
+              <p:cTn id="2" dur="indefinite" nodeType="mainSeq">
+                <p:childTnLst>
+                  <p:par>
+                    <p:cTn id="3" fill="hold">
+                      <p:stCondLst>
+                        <p:cond delay="indefinite"/>
+                      </p:stCondLst>
+                      <p:childTnLst>
+                        <p:par>
+                          <p:cTn id="4" fill="hold">
+                            <p:stCondLst>
+                              <p:cond delay="0"/>
+                            </p:stCondLst>
+                            <p:childTnLst>
+                              <p:par>
+                                <p:cTn id="5" presetID="10" presetClass="entr" presetSubtype="0" fill="hold" nodeType="clickEffect">
+                                  <p:stCondLst>
+                                    <p:cond delay="0"/>
+                                  </p:stCondLst>
+                                  <p:childTnLst>
+                                    <p:set>
+                                      <p:cBhvr>
+                                        <p:cTn id="6" dur="1" fill="hold">
+                                          <p:stCondLst>
+                                            <p:cond delay="0"/>
+                                          </p:stCondLst>
+                                        </p:cTn>
+                                        <p:tgtEl>
+                                          <p:spTgt spid="3">
+                                            <p:txEl>
+                                              <p:pRg st="0" end="0"/>
+                                            </p:txEl>
+                                          </p:spTgt>
+                                        </p:tgtEl>
+                                        <p:attrNameLst>
+                                          <p:attrName>style.visibility</p:attrName>
+                                        </p:attrNameLst>
+                                      </p:cBhvr>
+                                      <p:to>
+                                        <p:strVal val="visible"/>
+                                      </p:to>
+                                    </p:set>
+                                    <p:animEffect transition="in" filter="fade">
+                                      <p:cBhvr>
+                                        <p:cTn id="7" dur="500"/>
+                                        <p:tgtEl>
+                                          <p:spTgt spid="3">
+                                            <p:txEl>
+                                              <p:pRg st="0" end="0"/>
+                                            </p:txEl>
+                                          </p:spTgt>
+                                        </p:tgtEl>
+                                      </p:cBhvr>
+                                    </p:animEffect>
+                                  </p:childTnLst>
+                                </p:cTn>
+                              </p:par>
+                            </p:childTnLst>
+                          </p:cTn>
+                        </p:par>
+                      </p:childTnLst>
+                    </p:cTn>
+                  </p:par>
+                  <p:par>
+                    <p:cTn id="8" fill="hold">
+                      <p:stCondLst>
+                        <p:cond delay="indefinite"/>
+                      </p:stCondLst>
+                      <p:childTnLst>
+                        <p:par>
+                          <p:cTn id="9" fill="hold">
+                            <p:stCondLst>
+                              <p:cond delay="0"/>
+                            </p:stCondLst>
+                            <p:childTnLst>
+                              <p:par>
+                                <p:cTn id="10" presetID="10" presetClass="entr" presetSubtype="0" fill="hold" nodeType="clickEffect">
+                                  <p:stCondLst>
+                                    <p:cond delay="0"/>
+                                  </p:stCondLst>
+                                  <p:childTnLst>
+                                    <p:set>
+                                      <p:cBhvr>
+                                        <p:cTn id="11" dur="1" fill="hold">
+                                          <p:stCondLst>
+                                            <p:cond delay="0"/>
+                                          </p:stCondLst>
+                                        </p:cTn>
+                                        <p:tgtEl>
+                                          <p:spTgt spid="3">
+                                            <p:txEl>
+                                              <p:pRg st="3" end="3"/>
+                                            </p:txEl>
+                                          </p:spTgt>
+                                        </p:tgtEl>
+                                        <p:attrNameLst>
+                                          <p:attrName>style.visibility</p:attrName>
+                                        </p:attrNameLst>
+                                      </p:cBhvr>
+                                      <p:to>
+                                        <p:strVal val="visible"/>
+                                      </p:to>
+                                    </p:set>
+                                    <p:animEffect transition="in" filter="fade">
+                                      <p:cBhvr>
+                                        <p:cTn id="12" dur="500"/>
+                                        <p:tgtEl>
+                                          <p:spTgt spid="3">
+                                            <p:txEl>
+                                              <p:pRg st="3" end="3"/>
+                                            </p:txEl>
+                                          </p:spTgt>
+                                        </p:tgtEl>
+                                      </p:cBhvr>
+                                    </p:animEffect>
+                                  </p:childTnLst>
+                                </p:cTn>
+                              </p:par>
+                            </p:childTnLst>
+                          </p:cTn>
+                        </p:par>
+                      </p:childTnLst>
+                    </p:cTn>
+                  </p:par>
+                  <p:par>
+                    <p:cTn id="13" fill="hold">
+                      <p:stCondLst>
+                        <p:cond delay="indefinite"/>
+                      </p:stCondLst>
+                      <p:childTnLst>
+                        <p:par>
+                          <p:cTn id="14" fill="hold">
+                            <p:stCondLst>
+                              <p:cond delay="0"/>
+                            </p:stCondLst>
+                            <p:childTnLst>
+                              <p:par>
+                                <p:cTn id="15" presetID="10" presetClass="entr" presetSubtype="0" fill="hold" nodeType="clickEffect">
+                                  <p:stCondLst>
+                                    <p:cond delay="0"/>
+                                  </p:stCondLst>
+                                  <p:childTnLst>
+                                    <p:set>
+                                      <p:cBhvr>
+                                        <p:cTn id="16" dur="1" fill="hold">
+                                          <p:stCondLst>
+                                            <p:cond delay="0"/>
+                                          </p:stCondLst>
+                                        </p:cTn>
+                                        <p:tgtEl>
+                                          <p:spTgt spid="3">
+                                            <p:txEl>
+                                              <p:pRg st="6" end="6"/>
+                                            </p:txEl>
+                                          </p:spTgt>
+                                        </p:tgtEl>
+                                        <p:attrNameLst>
+                                          <p:attrName>style.visibility</p:attrName>
+                                        </p:attrNameLst>
+                                      </p:cBhvr>
+                                      <p:to>
+                                        <p:strVal val="visible"/>
+                                      </p:to>
+                                    </p:set>
+                                    <p:animEffect transition="in" filter="fade">
+                                      <p:cBhvr>
+                                        <p:cTn id="17" dur="500"/>
+                                        <p:tgtEl>
+                                          <p:spTgt spid="3">
+                                            <p:txEl>
+                                              <p:pRg st="6" end="6"/>
+                                            </p:txEl>
+                                          </p:spTgt>
+                                        </p:tgtEl>
+                                      </p:cBhvr>
+                                    </p:animEffect>
+                                  </p:childTnLst>
+                                </p:cTn>
+                              </p:par>
+                            </p:childTnLst>
+                          </p:cTn>
+                        </p:par>
+                      </p:childTnLst>
+                    </p:cTn>
+                  </p:par>
+                </p:childTnLst>
+              </p:cTn>
+              <p:prevCondLst>
+                <p:cond evt="onPrev" delay="0">
+                  <p:tgtEl>
+                    <p:sldTgt/>
+                  </p:tgtEl>
+                </p:cond>
+              </p:prevCondLst>
+              <p:nextCondLst>
+                <p:cond evt="onNext" delay="0">
+                  <p:tgtEl>
+                    <p:sldTgt/>
+                  </p:tgtEl>
+                </p:cond>
+              </p:nextCondLst>
+            </p:seq>
+          </p:childTnLst>
+        </p:cTn>
+      </p:par>
+    </p:tnLst>
+  </p:timing>
+</p:sld>
+</file>
+
+<file path=ppt/slides/slide30.xml><?xml version="1.0" encoding="utf-8"?>
 <p:sld xmlns:a="http://schemas.openxmlformats.org/drawingml/2006/main" xmlns:r="http://schemas.openxmlformats.org/officeDocument/2006/relationships" xmlns:p="http://schemas.openxmlformats.org/presentationml/2006/main">
   <p:cSld>
     <p:spTree>
@@ -16588,18 +17808,22 @@
             </a:r>
             <a:r>
               <a:rPr lang="en-US" dirty="0"/>
-              <a:t>the two NN branches in this design usually cannot converge at the same time, resulting in overtraining or </a:t>
+              <a:t>the two NN branches in this design usually cannot converge at the same </a:t>
             </a:r>
             <a:r>
               <a:rPr lang="en-US" dirty="0" smtClean="0"/>
-              <a:t>undertraining</a:t>
+              <a:t>time</a:t>
             </a:r>
           </a:p>
           <a:p>
             <a:pPr algn="l" rtl="0"/>
             <a:r>
               <a:rPr lang="en-US" dirty="0" smtClean="0"/>
-              <a:t>[4] </a:t>
+              <a:t> [</a:t>
+            </a:r>
+            <a:r>
+              <a:rPr lang="en-US" dirty="0" smtClean="0"/>
+              <a:t>4] </a:t>
             </a:r>
             <a:endParaRPr lang="en-US" dirty="0"/>
           </a:p>
@@ -16900,7 +18124,7 @@
 </p:sld>
 </file>
 
-<file path=ppt/slides/slide29.xml><?xml version="1.0" encoding="utf-8"?>
+<file path=ppt/slides/slide31.xml><?xml version="1.0" encoding="utf-8"?>
 <p:sld xmlns:a="http://schemas.openxmlformats.org/drawingml/2006/main" xmlns:r="http://schemas.openxmlformats.org/officeDocument/2006/relationships" xmlns:p="http://schemas.openxmlformats.org/presentationml/2006/main">
   <p:cSld>
     <p:spTree>
@@ -17551,612 +18775,7 @@
 </p:sld>
 </file>
 
-<file path=ppt/slides/slide3.xml><?xml version="1.0" encoding="utf-8"?>
-<p:sld xmlns:a="http://schemas.openxmlformats.org/drawingml/2006/main" xmlns:r="http://schemas.openxmlformats.org/officeDocument/2006/relationships" xmlns:p="http://schemas.openxmlformats.org/presentationml/2006/main">
-  <p:cSld>
-    <p:spTree>
-      <p:nvGrpSpPr>
-        <p:cNvPr id="1" name=""/>
-        <p:cNvGrpSpPr/>
-        <p:nvPr/>
-      </p:nvGrpSpPr>
-      <p:grpSpPr>
-        <a:xfrm>
-          <a:off x="0" y="0"/>
-          <a:ext cx="0" cy="0"/>
-          <a:chOff x="0" y="0"/>
-          <a:chExt cx="0" cy="0"/>
-        </a:xfrm>
-      </p:grpSpPr>
-      <p:sp>
-        <p:nvSpPr>
-          <p:cNvPr id="2" name="Title 1"/>
-          <p:cNvSpPr txBox="1">
-            <a:spLocks/>
-          </p:cNvSpPr>
-          <p:nvPr/>
-        </p:nvSpPr>
-        <p:spPr>
-          <a:xfrm>
-            <a:off x="609600" y="274638"/>
-            <a:ext cx="10972800" cy="1143000"/>
-          </a:xfrm>
-          <a:prstGeom prst="rect">
-            <a:avLst/>
-          </a:prstGeom>
-        </p:spPr>
-        <p:txBody>
-          <a:bodyPr/>
-          <a:lstStyle>
-            <a:lvl1pPr algn="r" defTabSz="914400" rtl="1" eaLnBrk="1" latinLnBrk="0" hangingPunct="1">
-              <a:lnSpc>
-                <a:spcPct val="90000"/>
-              </a:lnSpc>
-              <a:spcBef>
-                <a:spcPct val="0"/>
-              </a:spcBef>
-              <a:buNone/>
-              <a:defRPr sz="4400" kern="1200">
-                <a:solidFill>
-                  <a:schemeClr val="tx1"/>
-                </a:solidFill>
-                <a:latin typeface="+mj-lt"/>
-                <a:ea typeface="+mj-ea"/>
-                <a:cs typeface="+mj-cs"/>
-              </a:defRPr>
-            </a:lvl1pPr>
-          </a:lstStyle>
-          <a:p>
-            <a:pPr algn="ctr"/>
-            <a:r>
-              <a:rPr lang="en-US" smtClean="0">
-                <a:solidFill>
-                  <a:srgbClr val="002060"/>
-                </a:solidFill>
-              </a:rPr>
-              <a:t>Project Goal</a:t>
-            </a:r>
-            <a:endParaRPr lang="he-IL" dirty="0">
-              <a:solidFill>
-                <a:srgbClr val="002060"/>
-              </a:solidFill>
-            </a:endParaRPr>
-          </a:p>
-        </p:txBody>
-      </p:sp>
-      <p:sp>
-        <p:nvSpPr>
-          <p:cNvPr id="3" name="Content Placeholder 2"/>
-          <p:cNvSpPr txBox="1">
-            <a:spLocks/>
-          </p:cNvSpPr>
-          <p:nvPr/>
-        </p:nvSpPr>
-        <p:spPr>
-          <a:xfrm>
-            <a:off x="41365" y="1417319"/>
-            <a:ext cx="12083144" cy="5309734"/>
-          </a:xfrm>
-          <a:prstGeom prst="rect">
-            <a:avLst/>
-          </a:prstGeom>
-        </p:spPr>
-        <p:txBody>
-          <a:bodyPr/>
-          <a:lstStyle>
-            <a:lvl1pPr marL="228600" indent="-228600" algn="r" defTabSz="914400" rtl="1" eaLnBrk="1" latinLnBrk="0" hangingPunct="1">
-              <a:lnSpc>
-                <a:spcPct val="90000"/>
-              </a:lnSpc>
-              <a:spcBef>
-                <a:spcPts val="1000"/>
-              </a:spcBef>
-              <a:buFont typeface="Arial" panose="020B0604020202020204" pitchFamily="34" charset="0"/>
-              <a:buChar char="•"/>
-              <a:defRPr sz="2800" kern="1200">
-                <a:solidFill>
-                  <a:schemeClr val="tx1"/>
-                </a:solidFill>
-                <a:latin typeface="+mn-lt"/>
-                <a:ea typeface="+mn-ea"/>
-                <a:cs typeface="+mn-cs"/>
-              </a:defRPr>
-            </a:lvl1pPr>
-            <a:lvl2pPr marL="685800" indent="-228600" algn="r" defTabSz="914400" rtl="1" eaLnBrk="1" latinLnBrk="0" hangingPunct="1">
-              <a:lnSpc>
-                <a:spcPct val="90000"/>
-              </a:lnSpc>
-              <a:spcBef>
-                <a:spcPts val="500"/>
-              </a:spcBef>
-              <a:buFont typeface="Arial" panose="020B0604020202020204" pitchFamily="34" charset="0"/>
-              <a:buChar char="•"/>
-              <a:defRPr sz="2400" kern="1200">
-                <a:solidFill>
-                  <a:schemeClr val="tx1"/>
-                </a:solidFill>
-                <a:latin typeface="+mn-lt"/>
-                <a:ea typeface="+mn-ea"/>
-                <a:cs typeface="+mn-cs"/>
-              </a:defRPr>
-            </a:lvl2pPr>
-            <a:lvl3pPr marL="1143000" indent="-228600" algn="r" defTabSz="914400" rtl="1" eaLnBrk="1" latinLnBrk="0" hangingPunct="1">
-              <a:lnSpc>
-                <a:spcPct val="90000"/>
-              </a:lnSpc>
-              <a:spcBef>
-                <a:spcPts val="500"/>
-              </a:spcBef>
-              <a:buFont typeface="Arial" panose="020B0604020202020204" pitchFamily="34" charset="0"/>
-              <a:buChar char="•"/>
-              <a:defRPr sz="2000" kern="1200">
-                <a:solidFill>
-                  <a:schemeClr val="tx1"/>
-                </a:solidFill>
-                <a:latin typeface="+mn-lt"/>
-                <a:ea typeface="+mn-ea"/>
-                <a:cs typeface="+mn-cs"/>
-              </a:defRPr>
-            </a:lvl3pPr>
-            <a:lvl4pPr marL="1600200" indent="-228600" algn="r" defTabSz="914400" rtl="1" eaLnBrk="1" latinLnBrk="0" hangingPunct="1">
-              <a:lnSpc>
-                <a:spcPct val="90000"/>
-              </a:lnSpc>
-              <a:spcBef>
-                <a:spcPts val="500"/>
-              </a:spcBef>
-              <a:buFont typeface="Arial" panose="020B0604020202020204" pitchFamily="34" charset="0"/>
-              <a:buChar char="•"/>
-              <a:defRPr sz="1800" kern="1200">
-                <a:solidFill>
-                  <a:schemeClr val="tx1"/>
-                </a:solidFill>
-                <a:latin typeface="+mn-lt"/>
-                <a:ea typeface="+mn-ea"/>
-                <a:cs typeface="+mn-cs"/>
-              </a:defRPr>
-            </a:lvl4pPr>
-            <a:lvl5pPr marL="2057400" indent="-228600" algn="r" defTabSz="914400" rtl="1" eaLnBrk="1" latinLnBrk="0" hangingPunct="1">
-              <a:lnSpc>
-                <a:spcPct val="90000"/>
-              </a:lnSpc>
-              <a:spcBef>
-                <a:spcPts val="500"/>
-              </a:spcBef>
-              <a:buFont typeface="Arial" panose="020B0604020202020204" pitchFamily="34" charset="0"/>
-              <a:buChar char="•"/>
-              <a:defRPr sz="1800" kern="1200">
-                <a:solidFill>
-                  <a:schemeClr val="tx1"/>
-                </a:solidFill>
-                <a:latin typeface="+mn-lt"/>
-                <a:ea typeface="+mn-ea"/>
-                <a:cs typeface="+mn-cs"/>
-              </a:defRPr>
-            </a:lvl5pPr>
-            <a:lvl6pPr marL="2514600" indent="-228600" algn="r" defTabSz="914400" rtl="1" eaLnBrk="1" latinLnBrk="0" hangingPunct="1">
-              <a:lnSpc>
-                <a:spcPct val="90000"/>
-              </a:lnSpc>
-              <a:spcBef>
-                <a:spcPts val="500"/>
-              </a:spcBef>
-              <a:buFont typeface="Arial" panose="020B0604020202020204" pitchFamily="34" charset="0"/>
-              <a:buChar char="•"/>
-              <a:defRPr sz="1800" kern="1200">
-                <a:solidFill>
-                  <a:schemeClr val="tx1"/>
-                </a:solidFill>
-                <a:latin typeface="+mn-lt"/>
-                <a:ea typeface="+mn-ea"/>
-                <a:cs typeface="+mn-cs"/>
-              </a:defRPr>
-            </a:lvl6pPr>
-            <a:lvl7pPr marL="2971800" indent="-228600" algn="r" defTabSz="914400" rtl="1" eaLnBrk="1" latinLnBrk="0" hangingPunct="1">
-              <a:lnSpc>
-                <a:spcPct val="90000"/>
-              </a:lnSpc>
-              <a:spcBef>
-                <a:spcPts val="500"/>
-              </a:spcBef>
-              <a:buFont typeface="Arial" panose="020B0604020202020204" pitchFamily="34" charset="0"/>
-              <a:buChar char="•"/>
-              <a:defRPr sz="1800" kern="1200">
-                <a:solidFill>
-                  <a:schemeClr val="tx1"/>
-                </a:solidFill>
-                <a:latin typeface="+mn-lt"/>
-                <a:ea typeface="+mn-ea"/>
-                <a:cs typeface="+mn-cs"/>
-              </a:defRPr>
-            </a:lvl7pPr>
-            <a:lvl8pPr marL="3429000" indent="-228600" algn="r" defTabSz="914400" rtl="1" eaLnBrk="1" latinLnBrk="0" hangingPunct="1">
-              <a:lnSpc>
-                <a:spcPct val="90000"/>
-              </a:lnSpc>
-              <a:spcBef>
-                <a:spcPts val="500"/>
-              </a:spcBef>
-              <a:buFont typeface="Arial" panose="020B0604020202020204" pitchFamily="34" charset="0"/>
-              <a:buChar char="•"/>
-              <a:defRPr sz="1800" kern="1200">
-                <a:solidFill>
-                  <a:schemeClr val="tx1"/>
-                </a:solidFill>
-                <a:latin typeface="+mn-lt"/>
-                <a:ea typeface="+mn-ea"/>
-                <a:cs typeface="+mn-cs"/>
-              </a:defRPr>
-            </a:lvl8pPr>
-            <a:lvl9pPr marL="3886200" indent="-228600" algn="r" defTabSz="914400" rtl="1" eaLnBrk="1" latinLnBrk="0" hangingPunct="1">
-              <a:lnSpc>
-                <a:spcPct val="90000"/>
-              </a:lnSpc>
-              <a:spcBef>
-                <a:spcPts val="500"/>
-              </a:spcBef>
-              <a:buFont typeface="Arial" panose="020B0604020202020204" pitchFamily="34" charset="0"/>
-              <a:buChar char="•"/>
-              <a:defRPr sz="1800" kern="1200">
-                <a:solidFill>
-                  <a:schemeClr val="tx1"/>
-                </a:solidFill>
-                <a:latin typeface="+mn-lt"/>
-                <a:ea typeface="+mn-ea"/>
-                <a:cs typeface="+mn-cs"/>
-              </a:defRPr>
-            </a:lvl9pPr>
-          </a:lstStyle>
-          <a:p>
-            <a:pPr lvl="1" algn="l" rtl="0">
-              <a:lnSpc>
-                <a:spcPct val="100000"/>
-              </a:lnSpc>
-            </a:pPr>
-            <a:r>
-              <a:rPr lang="en-US" sz="2800" dirty="0" smtClean="0"/>
-              <a:t>Power amplifiers (PAs), are inherently nonlinear systems.</a:t>
-            </a:r>
-          </a:p>
-          <a:p>
-            <a:pPr marL="457200" lvl="1" indent="0" algn="l" rtl="0">
-              <a:lnSpc>
-                <a:spcPct val="100000"/>
-              </a:lnSpc>
-              <a:buNone/>
-            </a:pPr>
-            <a:endParaRPr lang="en-US" sz="2800" dirty="0" smtClean="0"/>
-          </a:p>
-          <a:p>
-            <a:pPr lvl="1" algn="l" rtl="0">
-              <a:lnSpc>
-                <a:spcPct val="100000"/>
-              </a:lnSpc>
-            </a:pPr>
-            <a:endParaRPr lang="en-US" sz="2800" dirty="0" smtClean="0"/>
-          </a:p>
-          <a:p>
-            <a:pPr lvl="1" algn="l" rtl="0">
-              <a:lnSpc>
-                <a:spcPct val="100000"/>
-              </a:lnSpc>
-            </a:pPr>
-            <a:r>
-              <a:rPr lang="en-US" sz="2800" dirty="0" smtClean="0"/>
-              <a:t>nonlinearity </a:t>
-            </a:r>
-            <a:r>
-              <a:rPr lang="en-US" sz="2800" dirty="0"/>
-              <a:t>causes in-band distortion and a spectral </a:t>
-            </a:r>
-            <a:r>
-              <a:rPr lang="en-US" sz="2800" dirty="0" smtClean="0"/>
-              <a:t>regrowth.</a:t>
-            </a:r>
-          </a:p>
-          <a:p>
-            <a:pPr marL="457200" lvl="1" indent="0" algn="l" rtl="0">
-              <a:lnSpc>
-                <a:spcPct val="100000"/>
-              </a:lnSpc>
-              <a:buNone/>
-            </a:pPr>
-            <a:endParaRPr lang="en-US" sz="2800" dirty="0" smtClean="0"/>
-          </a:p>
-          <a:p>
-            <a:pPr lvl="1" algn="l" rtl="0">
-              <a:lnSpc>
-                <a:spcPct val="100000"/>
-              </a:lnSpc>
-            </a:pPr>
-            <a:endParaRPr lang="en-US" sz="2800" dirty="0"/>
-          </a:p>
-          <a:p>
-            <a:pPr lvl="1" algn="l" rtl="0">
-              <a:lnSpc>
-                <a:spcPct val="100000"/>
-              </a:lnSpc>
-            </a:pPr>
-            <a:r>
-              <a:rPr lang="en-US" sz="2800" dirty="0" smtClean="0"/>
-              <a:t>The role of the Digital </a:t>
-            </a:r>
-            <a:r>
-              <a:rPr lang="en-US" sz="2800" dirty="0"/>
-              <a:t>Pre Distortion (DPD) </a:t>
-            </a:r>
-            <a:r>
-              <a:rPr lang="en-US" sz="2800" dirty="0" smtClean="0"/>
-              <a:t>is to distort the signal in a way that will be, in turn, compensated by the PA.</a:t>
-            </a:r>
-          </a:p>
-          <a:p>
-            <a:pPr lvl="1" algn="l" rtl="0">
-              <a:lnSpc>
-                <a:spcPct val="100000"/>
-              </a:lnSpc>
-            </a:pPr>
-            <a:endParaRPr lang="en-US" sz="2800" dirty="0"/>
-          </a:p>
-        </p:txBody>
-      </p:sp>
-      <p:sp>
-        <p:nvSpPr>
-          <p:cNvPr id="4" name="Slide Number Placeholder 4"/>
-          <p:cNvSpPr>
-            <a:spLocks noGrp="1"/>
-          </p:cNvSpPr>
-          <p:nvPr>
-            <p:ph type="sldNum" sz="quarter" idx="12"/>
-          </p:nvPr>
-        </p:nvSpPr>
-        <p:spPr>
-          <a:xfrm>
-            <a:off x="8737600" y="6400799"/>
-            <a:ext cx="2844800" cy="365125"/>
-          </a:xfrm>
-        </p:spPr>
-        <p:txBody>
-          <a:bodyPr/>
-          <a:lstStyle/>
-          <a:p>
-            <a:pPr algn="ctr"/>
-            <a:fld id="{B01D9778-10B4-40FB-B4E4-44FA89A86639}" type="slidenum">
-              <a:rPr lang="en-US" smtClean="0"/>
-              <a:pPr algn="ctr"/>
-              <a:t>3</a:t>
-            </a:fld>
-            <a:endParaRPr lang="en-US"/>
-          </a:p>
-        </p:txBody>
-      </p:sp>
-    </p:spTree>
-    <p:extLst>
-      <p:ext uri="{BB962C8B-B14F-4D97-AF65-F5344CB8AC3E}">
-        <p14:creationId xmlns:p14="http://schemas.microsoft.com/office/powerpoint/2010/main" val="1222951253"/>
-      </p:ext>
-    </p:extLst>
-  </p:cSld>
-  <p:clrMapOvr>
-    <a:masterClrMapping/>
-  </p:clrMapOvr>
-  <p:timing>
-    <p:tnLst>
-      <p:par>
-        <p:cTn id="1" dur="indefinite" restart="never" nodeType="tmRoot">
-          <p:childTnLst>
-            <p:seq concurrent="1" nextAc="seek">
-              <p:cTn id="2" dur="indefinite" nodeType="mainSeq">
-                <p:childTnLst>
-                  <p:par>
-                    <p:cTn id="3" fill="hold">
-                      <p:stCondLst>
-                        <p:cond delay="indefinite"/>
-                      </p:stCondLst>
-                      <p:childTnLst>
-                        <p:par>
-                          <p:cTn id="4" fill="hold">
-                            <p:stCondLst>
-                              <p:cond delay="0"/>
-                            </p:stCondLst>
-                            <p:childTnLst>
-                              <p:par>
-                                <p:cTn id="5" presetID="10" presetClass="entr" presetSubtype="0" fill="hold" nodeType="clickEffect">
-                                  <p:stCondLst>
-                                    <p:cond delay="0"/>
-                                  </p:stCondLst>
-                                  <p:childTnLst>
-                                    <p:set>
-                                      <p:cBhvr>
-                                        <p:cTn id="6" dur="1" fill="hold">
-                                          <p:stCondLst>
-                                            <p:cond delay="0"/>
-                                          </p:stCondLst>
-                                        </p:cTn>
-                                        <p:tgtEl>
-                                          <p:spTgt spid="3">
-                                            <p:txEl>
-                                              <p:pRg st="0" end="0"/>
-                                            </p:txEl>
-                                          </p:spTgt>
-                                        </p:tgtEl>
-                                        <p:attrNameLst>
-                                          <p:attrName>style.visibility</p:attrName>
-                                        </p:attrNameLst>
-                                      </p:cBhvr>
-                                      <p:to>
-                                        <p:strVal val="visible"/>
-                                      </p:to>
-                                    </p:set>
-                                    <p:animEffect transition="in" filter="fade">
-                                      <p:cBhvr>
-                                        <p:cTn id="7" dur="500"/>
-                                        <p:tgtEl>
-                                          <p:spTgt spid="3">
-                                            <p:txEl>
-                                              <p:pRg st="0" end="0"/>
-                                            </p:txEl>
-                                          </p:spTgt>
-                                        </p:tgtEl>
-                                      </p:cBhvr>
-                                    </p:animEffect>
-                                  </p:childTnLst>
-                                </p:cTn>
-                              </p:par>
-                            </p:childTnLst>
-                          </p:cTn>
-                        </p:par>
-                      </p:childTnLst>
-                    </p:cTn>
-                  </p:par>
-                  <p:par>
-                    <p:cTn id="8" fill="hold">
-                      <p:stCondLst>
-                        <p:cond delay="indefinite"/>
-                      </p:stCondLst>
-                      <p:childTnLst>
-                        <p:par>
-                          <p:cTn id="9" fill="hold">
-                            <p:stCondLst>
-                              <p:cond delay="0"/>
-                            </p:stCondLst>
-                            <p:childTnLst>
-                              <p:par>
-                                <p:cTn id="10" presetID="10" presetClass="entr" presetSubtype="0" fill="hold" nodeType="clickEffect">
-                                  <p:stCondLst>
-                                    <p:cond delay="0"/>
-                                  </p:stCondLst>
-                                  <p:childTnLst>
-                                    <p:set>
-                                      <p:cBhvr>
-                                        <p:cTn id="11" dur="1" fill="hold">
-                                          <p:stCondLst>
-                                            <p:cond delay="0"/>
-                                          </p:stCondLst>
-                                        </p:cTn>
-                                        <p:tgtEl>
-                                          <p:spTgt spid="3">
-                                            <p:txEl>
-                                              <p:pRg st="3" end="3"/>
-                                            </p:txEl>
-                                          </p:spTgt>
-                                        </p:tgtEl>
-                                        <p:attrNameLst>
-                                          <p:attrName>style.visibility</p:attrName>
-                                        </p:attrNameLst>
-                                      </p:cBhvr>
-                                      <p:to>
-                                        <p:strVal val="visible"/>
-                                      </p:to>
-                                    </p:set>
-                                    <p:animEffect transition="in" filter="fade">
-                                      <p:cBhvr>
-                                        <p:cTn id="12" dur="500"/>
-                                        <p:tgtEl>
-                                          <p:spTgt spid="3">
-                                            <p:txEl>
-                                              <p:pRg st="3" end="3"/>
-                                            </p:txEl>
-                                          </p:spTgt>
-                                        </p:tgtEl>
-                                      </p:cBhvr>
-                                    </p:animEffect>
-                                  </p:childTnLst>
-                                </p:cTn>
-                              </p:par>
-                            </p:childTnLst>
-                          </p:cTn>
-                        </p:par>
-                      </p:childTnLst>
-                    </p:cTn>
-                  </p:par>
-                  <p:par>
-                    <p:cTn id="13" fill="hold">
-                      <p:stCondLst>
-                        <p:cond delay="indefinite"/>
-                      </p:stCondLst>
-                      <p:childTnLst>
-                        <p:par>
-                          <p:cTn id="14" fill="hold">
-                            <p:stCondLst>
-                              <p:cond delay="0"/>
-                            </p:stCondLst>
-                            <p:childTnLst>
-                              <p:par>
-                                <p:cTn id="15" presetID="10" presetClass="entr" presetSubtype="0" fill="hold" nodeType="clickEffect">
-                                  <p:stCondLst>
-                                    <p:cond delay="0"/>
-                                  </p:stCondLst>
-                                  <p:childTnLst>
-                                    <p:set>
-                                      <p:cBhvr>
-                                        <p:cTn id="16" dur="1" fill="hold">
-                                          <p:stCondLst>
-                                            <p:cond delay="0"/>
-                                          </p:stCondLst>
-                                        </p:cTn>
-                                        <p:tgtEl>
-                                          <p:spTgt spid="3">
-                                            <p:txEl>
-                                              <p:pRg st="6" end="6"/>
-                                            </p:txEl>
-                                          </p:spTgt>
-                                        </p:tgtEl>
-                                        <p:attrNameLst>
-                                          <p:attrName>style.visibility</p:attrName>
-                                        </p:attrNameLst>
-                                      </p:cBhvr>
-                                      <p:to>
-                                        <p:strVal val="visible"/>
-                                      </p:to>
-                                    </p:set>
-                                    <p:animEffect transition="in" filter="fade">
-                                      <p:cBhvr>
-                                        <p:cTn id="17" dur="500"/>
-                                        <p:tgtEl>
-                                          <p:spTgt spid="3">
-                                            <p:txEl>
-                                              <p:pRg st="6" end="6"/>
-                                            </p:txEl>
-                                          </p:spTgt>
-                                        </p:tgtEl>
-                                      </p:cBhvr>
-                                    </p:animEffect>
-                                  </p:childTnLst>
-                                </p:cTn>
-                              </p:par>
-                            </p:childTnLst>
-                          </p:cTn>
-                        </p:par>
-                      </p:childTnLst>
-                    </p:cTn>
-                  </p:par>
-                </p:childTnLst>
-              </p:cTn>
-              <p:prevCondLst>
-                <p:cond evt="onPrev" delay="0">
-                  <p:tgtEl>
-                    <p:sldTgt/>
-                  </p:tgtEl>
-                </p:cond>
-              </p:prevCondLst>
-              <p:nextCondLst>
-                <p:cond evt="onNext" delay="0">
-                  <p:tgtEl>
-                    <p:sldTgt/>
-                  </p:tgtEl>
-                </p:cond>
-              </p:nextCondLst>
-            </p:seq>
-          </p:childTnLst>
-        </p:cTn>
-      </p:par>
-    </p:tnLst>
-  </p:timing>
-</p:sld>
-</file>
-
-<file path=ppt/slides/slide30.xml><?xml version="1.0" encoding="utf-8"?>
+<file path=ppt/slides/slide32.xml><?xml version="1.0" encoding="utf-8"?>
 <p:sld xmlns:a="http://schemas.openxmlformats.org/drawingml/2006/main" xmlns:r="http://schemas.openxmlformats.org/officeDocument/2006/relationships" xmlns:p="http://schemas.openxmlformats.org/presentationml/2006/main">
   <p:cSld>
     <p:spTree>
@@ -18631,7 +19250,7 @@
 </p:sld>
 </file>
 
-<file path=ppt/slides/slide31.xml><?xml version="1.0" encoding="utf-8"?>
+<file path=ppt/slides/slide33.xml><?xml version="1.0" encoding="utf-8"?>
 <p:sld xmlns:a="http://schemas.openxmlformats.org/drawingml/2006/main" xmlns:r="http://schemas.openxmlformats.org/officeDocument/2006/relationships" xmlns:p="http://schemas.openxmlformats.org/presentationml/2006/main">
   <p:cSld>
     <p:spTree>
@@ -19977,7 +20596,7 @@
 </p:sld>
 </file>
 
-<file path=ppt/slides/slide32.xml><?xml version="1.0" encoding="utf-8"?>
+<file path=ppt/slides/slide34.xml><?xml version="1.0" encoding="utf-8"?>
 <p:sld xmlns:a="http://schemas.openxmlformats.org/drawingml/2006/main" xmlns:r="http://schemas.openxmlformats.org/officeDocument/2006/relationships" xmlns:p="http://schemas.openxmlformats.org/presentationml/2006/main">
   <p:cSld>
     <p:spTree>
@@ -20612,7 +21231,7 @@
 </p:sld>
 </file>
 
-<file path=ppt/slides/slide33.xml><?xml version="1.0" encoding="utf-8"?>
+<file path=ppt/slides/slide35.xml><?xml version="1.0" encoding="utf-8"?>
 <p:sld xmlns:a="http://schemas.openxmlformats.org/drawingml/2006/main" xmlns:r="http://schemas.openxmlformats.org/officeDocument/2006/relationships" xmlns:p="http://schemas.openxmlformats.org/presentationml/2006/main">
   <p:cSld>
     <p:spTree>
@@ -20803,7 +21422,7 @@
 </p:sld>
 </file>
 
-<file path=ppt/slides/slide34.xml><?xml version="1.0" encoding="utf-8"?>
+<file path=ppt/slides/slide36.xml><?xml version="1.0" encoding="utf-8"?>
 <p:sld xmlns:a="http://schemas.openxmlformats.org/drawingml/2006/main" xmlns:r="http://schemas.openxmlformats.org/officeDocument/2006/relationships" xmlns:p="http://schemas.openxmlformats.org/presentationml/2006/main">
   <p:cSld>
     <p:spTree>
@@ -21049,372 +21668,7 @@
 </p:sld>
 </file>
 
-<file path=ppt/slides/slide35.xml><?xml version="1.0" encoding="utf-8"?>
-<p:sld xmlns:a="http://schemas.openxmlformats.org/drawingml/2006/main" xmlns:r="http://schemas.openxmlformats.org/officeDocument/2006/relationships" xmlns:p="http://schemas.openxmlformats.org/presentationml/2006/main">
-  <p:cSld>
-    <p:spTree>
-      <p:nvGrpSpPr>
-        <p:cNvPr id="1" name=""/>
-        <p:cNvGrpSpPr/>
-        <p:nvPr/>
-      </p:nvGrpSpPr>
-      <p:grpSpPr>
-        <a:xfrm>
-          <a:off x="0" y="0"/>
-          <a:ext cx="0" cy="0"/>
-          <a:chOff x="0" y="0"/>
-          <a:chExt cx="0" cy="0"/>
-        </a:xfrm>
-      </p:grpSpPr>
-      <p:sp>
-        <p:nvSpPr>
-          <p:cNvPr id="3" name="Title 1"/>
-          <p:cNvSpPr txBox="1">
-            <a:spLocks/>
-          </p:cNvSpPr>
-          <p:nvPr/>
-        </p:nvSpPr>
-        <p:spPr>
-          <a:xfrm>
-            <a:off x="609600" y="274638"/>
-            <a:ext cx="10972800" cy="1143000"/>
-          </a:xfrm>
-          <a:prstGeom prst="rect">
-            <a:avLst/>
-          </a:prstGeom>
-        </p:spPr>
-        <p:txBody>
-          <a:bodyPr/>
-          <a:lstStyle>
-            <a:lvl1pPr algn="r" defTabSz="914400" rtl="1" eaLnBrk="1" latinLnBrk="0" hangingPunct="1">
-              <a:lnSpc>
-                <a:spcPct val="90000"/>
-              </a:lnSpc>
-              <a:spcBef>
-                <a:spcPct val="0"/>
-              </a:spcBef>
-              <a:buNone/>
-              <a:defRPr sz="4400" kern="1200">
-                <a:solidFill>
-                  <a:schemeClr val="tx1"/>
-                </a:solidFill>
-                <a:latin typeface="+mj-lt"/>
-                <a:ea typeface="+mj-ea"/>
-                <a:cs typeface="+mj-cs"/>
-              </a:defRPr>
-            </a:lvl1pPr>
-          </a:lstStyle>
-          <a:p>
-            <a:pPr algn="ctr"/>
-            <a:r>
-              <a:rPr lang="en-US" dirty="0" smtClean="0">
-                <a:solidFill>
-                  <a:srgbClr val="002060"/>
-                </a:solidFill>
-              </a:rPr>
-              <a:t>Methodology</a:t>
-            </a:r>
-            <a:endParaRPr lang="he-IL" dirty="0">
-              <a:solidFill>
-                <a:srgbClr val="002060"/>
-              </a:solidFill>
-            </a:endParaRPr>
-          </a:p>
-        </p:txBody>
-      </p:sp>
-      <p:sp>
-        <p:nvSpPr>
-          <p:cNvPr id="4" name="Content Placeholder 2"/>
-          <p:cNvSpPr txBox="1">
-            <a:spLocks/>
-          </p:cNvSpPr>
-          <p:nvPr/>
-        </p:nvSpPr>
-        <p:spPr>
-          <a:xfrm>
-            <a:off x="452846" y="846138"/>
-            <a:ext cx="10972800" cy="5512526"/>
-          </a:xfrm>
-          <a:prstGeom prst="rect">
-            <a:avLst/>
-          </a:prstGeom>
-        </p:spPr>
-        <p:txBody>
-          <a:bodyPr/>
-          <a:lstStyle>
-            <a:lvl1pPr marL="228600" indent="-228600" algn="r" defTabSz="914400" rtl="1" eaLnBrk="1" latinLnBrk="0" hangingPunct="1">
-              <a:lnSpc>
-                <a:spcPct val="90000"/>
-              </a:lnSpc>
-              <a:spcBef>
-                <a:spcPts val="1000"/>
-              </a:spcBef>
-              <a:buFont typeface="Arial" panose="020B0604020202020204" pitchFamily="34" charset="0"/>
-              <a:buChar char="•"/>
-              <a:defRPr sz="2800" kern="1200">
-                <a:solidFill>
-                  <a:schemeClr val="tx1"/>
-                </a:solidFill>
-                <a:latin typeface="+mn-lt"/>
-                <a:ea typeface="+mn-ea"/>
-                <a:cs typeface="+mn-cs"/>
-              </a:defRPr>
-            </a:lvl1pPr>
-            <a:lvl2pPr marL="685800" indent="-228600" algn="r" defTabSz="914400" rtl="1" eaLnBrk="1" latinLnBrk="0" hangingPunct="1">
-              <a:lnSpc>
-                <a:spcPct val="90000"/>
-              </a:lnSpc>
-              <a:spcBef>
-                <a:spcPts val="500"/>
-              </a:spcBef>
-              <a:buFont typeface="Arial" panose="020B0604020202020204" pitchFamily="34" charset="0"/>
-              <a:buChar char="•"/>
-              <a:defRPr sz="2400" kern="1200">
-                <a:solidFill>
-                  <a:schemeClr val="tx1"/>
-                </a:solidFill>
-                <a:latin typeface="+mn-lt"/>
-                <a:ea typeface="+mn-ea"/>
-                <a:cs typeface="+mn-cs"/>
-              </a:defRPr>
-            </a:lvl2pPr>
-            <a:lvl3pPr marL="1143000" indent="-228600" algn="r" defTabSz="914400" rtl="1" eaLnBrk="1" latinLnBrk="0" hangingPunct="1">
-              <a:lnSpc>
-                <a:spcPct val="90000"/>
-              </a:lnSpc>
-              <a:spcBef>
-                <a:spcPts val="500"/>
-              </a:spcBef>
-              <a:buFont typeface="Arial" panose="020B0604020202020204" pitchFamily="34" charset="0"/>
-              <a:buChar char="•"/>
-              <a:defRPr sz="2000" kern="1200">
-                <a:solidFill>
-                  <a:schemeClr val="tx1"/>
-                </a:solidFill>
-                <a:latin typeface="+mn-lt"/>
-                <a:ea typeface="+mn-ea"/>
-                <a:cs typeface="+mn-cs"/>
-              </a:defRPr>
-            </a:lvl3pPr>
-            <a:lvl4pPr marL="1600200" indent="-228600" algn="r" defTabSz="914400" rtl="1" eaLnBrk="1" latinLnBrk="0" hangingPunct="1">
-              <a:lnSpc>
-                <a:spcPct val="90000"/>
-              </a:lnSpc>
-              <a:spcBef>
-                <a:spcPts val="500"/>
-              </a:spcBef>
-              <a:buFont typeface="Arial" panose="020B0604020202020204" pitchFamily="34" charset="0"/>
-              <a:buChar char="•"/>
-              <a:defRPr sz="1800" kern="1200">
-                <a:solidFill>
-                  <a:schemeClr val="tx1"/>
-                </a:solidFill>
-                <a:latin typeface="+mn-lt"/>
-                <a:ea typeface="+mn-ea"/>
-                <a:cs typeface="+mn-cs"/>
-              </a:defRPr>
-            </a:lvl4pPr>
-            <a:lvl5pPr marL="2057400" indent="-228600" algn="r" defTabSz="914400" rtl="1" eaLnBrk="1" latinLnBrk="0" hangingPunct="1">
-              <a:lnSpc>
-                <a:spcPct val="90000"/>
-              </a:lnSpc>
-              <a:spcBef>
-                <a:spcPts val="500"/>
-              </a:spcBef>
-              <a:buFont typeface="Arial" panose="020B0604020202020204" pitchFamily="34" charset="0"/>
-              <a:buChar char="•"/>
-              <a:defRPr sz="1800" kern="1200">
-                <a:solidFill>
-                  <a:schemeClr val="tx1"/>
-                </a:solidFill>
-                <a:latin typeface="+mn-lt"/>
-                <a:ea typeface="+mn-ea"/>
-                <a:cs typeface="+mn-cs"/>
-              </a:defRPr>
-            </a:lvl5pPr>
-            <a:lvl6pPr marL="2514600" indent="-228600" algn="r" defTabSz="914400" rtl="1" eaLnBrk="1" latinLnBrk="0" hangingPunct="1">
-              <a:lnSpc>
-                <a:spcPct val="90000"/>
-              </a:lnSpc>
-              <a:spcBef>
-                <a:spcPts val="500"/>
-              </a:spcBef>
-              <a:buFont typeface="Arial" panose="020B0604020202020204" pitchFamily="34" charset="0"/>
-              <a:buChar char="•"/>
-              <a:defRPr sz="1800" kern="1200">
-                <a:solidFill>
-                  <a:schemeClr val="tx1"/>
-                </a:solidFill>
-                <a:latin typeface="+mn-lt"/>
-                <a:ea typeface="+mn-ea"/>
-                <a:cs typeface="+mn-cs"/>
-              </a:defRPr>
-            </a:lvl6pPr>
-            <a:lvl7pPr marL="2971800" indent="-228600" algn="r" defTabSz="914400" rtl="1" eaLnBrk="1" latinLnBrk="0" hangingPunct="1">
-              <a:lnSpc>
-                <a:spcPct val="90000"/>
-              </a:lnSpc>
-              <a:spcBef>
-                <a:spcPts val="500"/>
-              </a:spcBef>
-              <a:buFont typeface="Arial" panose="020B0604020202020204" pitchFamily="34" charset="0"/>
-              <a:buChar char="•"/>
-              <a:defRPr sz="1800" kern="1200">
-                <a:solidFill>
-                  <a:schemeClr val="tx1"/>
-                </a:solidFill>
-                <a:latin typeface="+mn-lt"/>
-                <a:ea typeface="+mn-ea"/>
-                <a:cs typeface="+mn-cs"/>
-              </a:defRPr>
-            </a:lvl7pPr>
-            <a:lvl8pPr marL="3429000" indent="-228600" algn="r" defTabSz="914400" rtl="1" eaLnBrk="1" latinLnBrk="0" hangingPunct="1">
-              <a:lnSpc>
-                <a:spcPct val="90000"/>
-              </a:lnSpc>
-              <a:spcBef>
-                <a:spcPts val="500"/>
-              </a:spcBef>
-              <a:buFont typeface="Arial" panose="020B0604020202020204" pitchFamily="34" charset="0"/>
-              <a:buChar char="•"/>
-              <a:defRPr sz="1800" kern="1200">
-                <a:solidFill>
-                  <a:schemeClr val="tx1"/>
-                </a:solidFill>
-                <a:latin typeface="+mn-lt"/>
-                <a:ea typeface="+mn-ea"/>
-                <a:cs typeface="+mn-cs"/>
-              </a:defRPr>
-            </a:lvl8pPr>
-            <a:lvl9pPr marL="3886200" indent="-228600" algn="r" defTabSz="914400" rtl="1" eaLnBrk="1" latinLnBrk="0" hangingPunct="1">
-              <a:lnSpc>
-                <a:spcPct val="90000"/>
-              </a:lnSpc>
-              <a:spcBef>
-                <a:spcPts val="500"/>
-              </a:spcBef>
-              <a:buFont typeface="Arial" panose="020B0604020202020204" pitchFamily="34" charset="0"/>
-              <a:buChar char="•"/>
-              <a:defRPr sz="1800" kern="1200">
-                <a:solidFill>
-                  <a:schemeClr val="tx1"/>
-                </a:solidFill>
-                <a:latin typeface="+mn-lt"/>
-                <a:ea typeface="+mn-ea"/>
-                <a:cs typeface="+mn-cs"/>
-              </a:defRPr>
-            </a:lvl9pPr>
-          </a:lstStyle>
-          <a:p>
-            <a:pPr marL="0" indent="0" algn="l" rtl="0">
-              <a:buNone/>
-            </a:pPr>
-            <a:endParaRPr lang="en-US" dirty="0" smtClean="0"/>
-          </a:p>
-          <a:p>
-            <a:pPr marL="365760" marR="0" algn="l" rtl="0">
-              <a:lnSpc>
-                <a:spcPct val="110000"/>
-              </a:lnSpc>
-              <a:spcBef>
-                <a:spcPts val="0"/>
-              </a:spcBef>
-              <a:spcAft>
-                <a:spcPts val="800"/>
-              </a:spcAft>
-            </a:pPr>
-            <a:r>
-              <a:rPr lang="en-US" dirty="0">
-                <a:latin typeface="Times New Roman" panose="02020603050405020304" pitchFamily="18" charset="0"/>
-                <a:ea typeface="Times New Roman" panose="02020603050405020304" pitchFamily="18" charset="0"/>
-              </a:rPr>
-              <a:t>In order to model a real PA, we used data recorded in our lab’s </a:t>
-            </a:r>
-            <a:r>
-              <a:rPr lang="en-US" dirty="0" smtClean="0">
-                <a:latin typeface="Times New Roman" panose="02020603050405020304" pitchFamily="18" charset="0"/>
-                <a:ea typeface="Times New Roman" panose="02020603050405020304" pitchFamily="18" charset="0"/>
-              </a:rPr>
-              <a:t>PA.</a:t>
-            </a:r>
-          </a:p>
-          <a:p>
-            <a:pPr marL="365760" marR="0" algn="l" rtl="0">
-              <a:lnSpc>
-                <a:spcPct val="110000"/>
-              </a:lnSpc>
-              <a:spcBef>
-                <a:spcPts val="0"/>
-              </a:spcBef>
-              <a:spcAft>
-                <a:spcPts val="800"/>
-              </a:spcAft>
-            </a:pPr>
-            <a:endParaRPr lang="en-US" dirty="0">
-              <a:latin typeface="Times New Roman" panose="02020603050405020304" pitchFamily="18" charset="0"/>
-              <a:ea typeface="Times New Roman" panose="02020603050405020304" pitchFamily="18" charset="0"/>
-            </a:endParaRPr>
-          </a:p>
-          <a:p>
-            <a:pPr marL="365760" marR="0" algn="l" rtl="0">
-              <a:lnSpc>
-                <a:spcPct val="110000"/>
-              </a:lnSpc>
-              <a:spcBef>
-                <a:spcPts val="0"/>
-              </a:spcBef>
-              <a:spcAft>
-                <a:spcPts val="800"/>
-              </a:spcAft>
-            </a:pPr>
-            <a:r>
-              <a:rPr lang="en-US" dirty="0" smtClean="0">
-                <a:latin typeface="Times New Roman" panose="02020603050405020304" pitchFamily="18" charset="0"/>
-                <a:ea typeface="Times New Roman" panose="02020603050405020304" pitchFamily="18" charset="0"/>
-              </a:rPr>
-              <a:t>We </a:t>
-            </a:r>
-            <a:r>
-              <a:rPr lang="en-US" dirty="0">
-                <a:latin typeface="Times New Roman" panose="02020603050405020304" pitchFamily="18" charset="0"/>
-                <a:ea typeface="Times New Roman" panose="02020603050405020304" pitchFamily="18" charset="0"/>
-              </a:rPr>
-              <a:t>took sampling rate of 10MHz, of about 60 tones, from a bandwidth of about 1MHz.</a:t>
-            </a:r>
-          </a:p>
-          <a:p>
-            <a:pPr algn="l" rtl="0"/>
-            <a:endParaRPr lang="en-US" dirty="0" smtClean="0"/>
-          </a:p>
-          <a:p>
-            <a:pPr marL="0" indent="0" algn="l" rtl="0">
-              <a:buNone/>
-            </a:pPr>
-            <a:endParaRPr lang="en-US" dirty="0" smtClean="0"/>
-          </a:p>
-        </p:txBody>
-      </p:sp>
-    </p:spTree>
-    <p:extLst>
-      <p:ext uri="{BB962C8B-B14F-4D97-AF65-F5344CB8AC3E}">
-        <p14:creationId xmlns:p14="http://schemas.microsoft.com/office/powerpoint/2010/main" val="4158129969"/>
-      </p:ext>
-    </p:extLst>
-  </p:cSld>
-  <p:clrMapOvr>
-    <a:masterClrMapping/>
-  </p:clrMapOvr>
-  <p:timing>
-    <p:tnLst>
-      <p:par>
-        <p:cTn id="1" dur="indefinite" restart="never" nodeType="tmRoot"/>
-      </p:par>
-    </p:tnLst>
-  </p:timing>
-</p:sld>
-</file>
-
-<file path=ppt/slides/slide36.xml><?xml version="1.0" encoding="utf-8"?>
+<file path=ppt/slides/slide37.xml><?xml version="1.0" encoding="utf-8"?>
 <p:sld xmlns:a="http://schemas.openxmlformats.org/drawingml/2006/main" xmlns:r="http://schemas.openxmlformats.org/officeDocument/2006/relationships" xmlns:p="http://schemas.openxmlformats.org/presentationml/2006/main">
   <p:cSld>
     <p:spTree>
@@ -21526,7 +21780,7 @@
 </p:sld>
 </file>
 
-<file path=ppt/slides/slide37.xml><?xml version="1.0" encoding="utf-8"?>
+<file path=ppt/slides/slide38.xml><?xml version="1.0" encoding="utf-8"?>
 <p:sld xmlns:a="http://schemas.openxmlformats.org/drawingml/2006/main" xmlns:r="http://schemas.openxmlformats.org/officeDocument/2006/relationships" xmlns:p="http://schemas.openxmlformats.org/presentationml/2006/main">
   <p:cSld>
     <p:spTree>
@@ -21835,7 +22089,7 @@
 </p:sld>
 </file>
 
-<file path=ppt/slides/slide38.xml><?xml version="1.0" encoding="utf-8"?>
+<file path=ppt/slides/slide39.xml><?xml version="1.0" encoding="utf-8"?>
 <p:sld xmlns:a="http://schemas.openxmlformats.org/drawingml/2006/main" xmlns:r="http://schemas.openxmlformats.org/officeDocument/2006/relationships" xmlns:p="http://schemas.openxmlformats.org/presentationml/2006/main">
   <p:cSld>
     <p:spTree>
@@ -22032,280 +22286,6 @@
     <p:extLst>
       <p:ext uri="{BB962C8B-B14F-4D97-AF65-F5344CB8AC3E}">
         <p14:creationId xmlns:p14="http://schemas.microsoft.com/office/powerpoint/2010/main" val="1743858099"/>
-      </p:ext>
-    </p:extLst>
-  </p:cSld>
-  <p:clrMapOvr>
-    <a:masterClrMapping/>
-  </p:clrMapOvr>
-  <p:timing>
-    <p:tnLst>
-      <p:par>
-        <p:cTn id="1" dur="indefinite" restart="never" nodeType="tmRoot">
-          <p:childTnLst>
-            <p:seq concurrent="1" nextAc="seek">
-              <p:cTn id="2" dur="indefinite" nodeType="mainSeq">
-                <p:childTnLst>
-                  <p:par>
-                    <p:cTn id="3" fill="hold">
-                      <p:stCondLst>
-                        <p:cond delay="indefinite"/>
-                      </p:stCondLst>
-                      <p:childTnLst>
-                        <p:par>
-                          <p:cTn id="4" fill="hold">
-                            <p:stCondLst>
-                              <p:cond delay="0"/>
-                            </p:stCondLst>
-                            <p:childTnLst>
-                              <p:par>
-                                <p:cTn id="5" presetID="10" presetClass="entr" presetSubtype="0" fill="hold" nodeType="clickEffect">
-                                  <p:stCondLst>
-                                    <p:cond delay="0"/>
-                                  </p:stCondLst>
-                                  <p:childTnLst>
-                                    <p:set>
-                                      <p:cBhvr>
-                                        <p:cTn id="6" dur="1" fill="hold">
-                                          <p:stCondLst>
-                                            <p:cond delay="0"/>
-                                          </p:stCondLst>
-                                        </p:cTn>
-                                        <p:tgtEl>
-                                          <p:spTgt spid="5"/>
-                                        </p:tgtEl>
-                                        <p:attrNameLst>
-                                          <p:attrName>style.visibility</p:attrName>
-                                        </p:attrNameLst>
-                                      </p:cBhvr>
-                                      <p:to>
-                                        <p:strVal val="visible"/>
-                                      </p:to>
-                                    </p:set>
-                                    <p:animEffect transition="in" filter="fade">
-                                      <p:cBhvr>
-                                        <p:cTn id="7" dur="500"/>
-                                        <p:tgtEl>
-                                          <p:spTgt spid="5"/>
-                                        </p:tgtEl>
-                                      </p:cBhvr>
-                                    </p:animEffect>
-                                  </p:childTnLst>
-                                </p:cTn>
-                              </p:par>
-                              <p:par>
-                                <p:cTn id="8" presetID="10" presetClass="entr" presetSubtype="0" fill="hold" grpId="0" nodeType="withEffect">
-                                  <p:stCondLst>
-                                    <p:cond delay="0"/>
-                                  </p:stCondLst>
-                                  <p:childTnLst>
-                                    <p:set>
-                                      <p:cBhvr>
-                                        <p:cTn id="9" dur="1" fill="hold">
-                                          <p:stCondLst>
-                                            <p:cond delay="0"/>
-                                          </p:stCondLst>
-                                        </p:cTn>
-                                        <p:tgtEl>
-                                          <p:spTgt spid="2"/>
-                                        </p:tgtEl>
-                                        <p:attrNameLst>
-                                          <p:attrName>style.visibility</p:attrName>
-                                        </p:attrNameLst>
-                                      </p:cBhvr>
-                                      <p:to>
-                                        <p:strVal val="visible"/>
-                                      </p:to>
-                                    </p:set>
-                                    <p:animEffect transition="in" filter="fade">
-                                      <p:cBhvr>
-                                        <p:cTn id="10" dur="500"/>
-                                        <p:tgtEl>
-                                          <p:spTgt spid="2"/>
-                                        </p:tgtEl>
-                                      </p:cBhvr>
-                                    </p:animEffect>
-                                  </p:childTnLst>
-                                </p:cTn>
-                              </p:par>
-                            </p:childTnLst>
-                          </p:cTn>
-                        </p:par>
-                      </p:childTnLst>
-                    </p:cTn>
-                  </p:par>
-                </p:childTnLst>
-              </p:cTn>
-              <p:prevCondLst>
-                <p:cond evt="onPrev" delay="0">
-                  <p:tgtEl>
-                    <p:sldTgt/>
-                  </p:tgtEl>
-                </p:cond>
-              </p:prevCondLst>
-              <p:nextCondLst>
-                <p:cond evt="onNext" delay="0">
-                  <p:tgtEl>
-                    <p:sldTgt/>
-                  </p:tgtEl>
-                </p:cond>
-              </p:nextCondLst>
-            </p:seq>
-          </p:childTnLst>
-        </p:cTn>
-      </p:par>
-    </p:tnLst>
-    <p:bldLst>
-      <p:bldP spid="2" grpId="0"/>
-    </p:bldLst>
-  </p:timing>
-</p:sld>
-</file>
-
-<file path=ppt/slides/slide39.xml><?xml version="1.0" encoding="utf-8"?>
-<p:sld xmlns:a="http://schemas.openxmlformats.org/drawingml/2006/main" xmlns:r="http://schemas.openxmlformats.org/officeDocument/2006/relationships" xmlns:p="http://schemas.openxmlformats.org/presentationml/2006/main">
-  <p:cSld>
-    <p:spTree>
-      <p:nvGrpSpPr>
-        <p:cNvPr id="1" name=""/>
-        <p:cNvGrpSpPr/>
-        <p:nvPr/>
-      </p:nvGrpSpPr>
-      <p:grpSpPr>
-        <a:xfrm>
-          <a:off x="0" y="0"/>
-          <a:ext cx="0" cy="0"/>
-          <a:chOff x="0" y="0"/>
-          <a:chExt cx="0" cy="0"/>
-        </a:xfrm>
-      </p:grpSpPr>
-      <p:sp>
-        <p:nvSpPr>
-          <p:cNvPr id="3" name="Title 1"/>
-          <p:cNvSpPr txBox="1">
-            <a:spLocks/>
-          </p:cNvSpPr>
-          <p:nvPr/>
-        </p:nvSpPr>
-        <p:spPr>
-          <a:xfrm>
-            <a:off x="762000" y="427038"/>
-            <a:ext cx="10972800" cy="1143000"/>
-          </a:xfrm>
-          <a:prstGeom prst="rect">
-            <a:avLst/>
-          </a:prstGeom>
-        </p:spPr>
-        <p:txBody>
-          <a:bodyPr/>
-          <a:lstStyle>
-            <a:lvl1pPr algn="r" defTabSz="914400" rtl="1" eaLnBrk="1" latinLnBrk="0" hangingPunct="1">
-              <a:lnSpc>
-                <a:spcPct val="90000"/>
-              </a:lnSpc>
-              <a:spcBef>
-                <a:spcPct val="0"/>
-              </a:spcBef>
-              <a:buNone/>
-              <a:defRPr sz="4400" kern="1200">
-                <a:solidFill>
-                  <a:schemeClr val="tx1"/>
-                </a:solidFill>
-                <a:latin typeface="+mj-lt"/>
-                <a:ea typeface="+mj-ea"/>
-                <a:cs typeface="+mj-cs"/>
-              </a:defRPr>
-            </a:lvl1pPr>
-          </a:lstStyle>
-          <a:p>
-            <a:pPr algn="ctr"/>
-            <a:r>
-              <a:rPr lang="en-US" dirty="0">
-                <a:solidFill>
-                  <a:srgbClr val="002060"/>
-                </a:solidFill>
-              </a:rPr>
-              <a:t>Classical </a:t>
-            </a:r>
-            <a:r>
-              <a:rPr lang="en-US" dirty="0" smtClean="0">
-                <a:solidFill>
-                  <a:srgbClr val="002060"/>
-                </a:solidFill>
-              </a:rPr>
-              <a:t> - PA modeling </a:t>
-            </a:r>
-            <a:endParaRPr lang="he-IL" dirty="0">
-              <a:solidFill>
-                <a:srgbClr val="002060"/>
-              </a:solidFill>
-            </a:endParaRPr>
-          </a:p>
-        </p:txBody>
-      </p:sp>
-      <p:sp>
-        <p:nvSpPr>
-          <p:cNvPr id="2" name="מלבן 1"/>
-          <p:cNvSpPr/>
-          <p:nvPr/>
-        </p:nvSpPr>
-        <p:spPr>
-          <a:xfrm>
-            <a:off x="1378130" y="5933097"/>
-            <a:ext cx="9196251" cy="461665"/>
-          </a:xfrm>
-          <a:prstGeom prst="rect">
-            <a:avLst/>
-          </a:prstGeom>
-        </p:spPr>
-        <p:txBody>
-          <a:bodyPr wrap="square">
-            <a:spAutoFit/>
-          </a:bodyPr>
-          <a:lstStyle/>
-          <a:p>
-            <a:pPr algn="ctr"/>
-            <a:r>
-              <a:rPr lang="en-GB" sz="2400" dirty="0">
-                <a:latin typeface="Calibri Light" panose="020F0302020204030204" pitchFamily="34" charset="0"/>
-                <a:ea typeface="Times New Roman" panose="02020603050405020304" pitchFamily="18" charset="0"/>
-              </a:rPr>
-              <a:t>illustration of input signal spectrum</a:t>
-            </a:r>
-            <a:endParaRPr lang="en-US" sz="2800" b="1" dirty="0">
-              <a:solidFill>
-                <a:srgbClr val="FF861C"/>
-              </a:solidFill>
-            </a:endParaRPr>
-          </a:p>
-        </p:txBody>
-      </p:sp>
-      <p:pic>
-        <p:nvPicPr>
-          <p:cNvPr id="5" name="תמונה 4"/>
-          <p:cNvPicPr/>
-          <p:nvPr/>
-        </p:nvPicPr>
-        <p:blipFill>
-          <a:blip r:embed="rId2"/>
-          <a:stretch>
-            <a:fillRect/>
-          </a:stretch>
-        </p:blipFill>
-        <p:spPr>
-          <a:xfrm>
-            <a:off x="1062445" y="1100318"/>
-            <a:ext cx="10054046" cy="4832779"/>
-          </a:xfrm>
-          <a:prstGeom prst="rect">
-            <a:avLst/>
-          </a:prstGeom>
-        </p:spPr>
-      </p:pic>
-    </p:spTree>
-    <p:extLst>
-      <p:ext uri="{BB962C8B-B14F-4D97-AF65-F5344CB8AC3E}">
-        <p14:creationId xmlns:p14="http://schemas.microsoft.com/office/powerpoint/2010/main" val="4135667988"/>
       </p:ext>
     </p:extLst>
   </p:cSld>
@@ -23040,6 +23020,280 @@
           </a:p>
         </p:txBody>
       </p:sp>
+      <p:sp>
+        <p:nvSpPr>
+          <p:cNvPr id="2" name="מלבן 1"/>
+          <p:cNvSpPr/>
+          <p:nvPr/>
+        </p:nvSpPr>
+        <p:spPr>
+          <a:xfrm>
+            <a:off x="1378130" y="5933097"/>
+            <a:ext cx="9196251" cy="461665"/>
+          </a:xfrm>
+          <a:prstGeom prst="rect">
+            <a:avLst/>
+          </a:prstGeom>
+        </p:spPr>
+        <p:txBody>
+          <a:bodyPr wrap="square">
+            <a:spAutoFit/>
+          </a:bodyPr>
+          <a:lstStyle/>
+          <a:p>
+            <a:pPr algn="ctr"/>
+            <a:r>
+              <a:rPr lang="en-GB" sz="2400" dirty="0">
+                <a:latin typeface="Calibri Light" panose="020F0302020204030204" pitchFamily="34" charset="0"/>
+                <a:ea typeface="Times New Roman" panose="02020603050405020304" pitchFamily="18" charset="0"/>
+              </a:rPr>
+              <a:t>illustration of input signal spectrum</a:t>
+            </a:r>
+            <a:endParaRPr lang="en-US" sz="2800" b="1" dirty="0">
+              <a:solidFill>
+                <a:srgbClr val="FF861C"/>
+              </a:solidFill>
+            </a:endParaRPr>
+          </a:p>
+        </p:txBody>
+      </p:sp>
+      <p:pic>
+        <p:nvPicPr>
+          <p:cNvPr id="5" name="תמונה 4"/>
+          <p:cNvPicPr/>
+          <p:nvPr/>
+        </p:nvPicPr>
+        <p:blipFill>
+          <a:blip r:embed="rId2"/>
+          <a:stretch>
+            <a:fillRect/>
+          </a:stretch>
+        </p:blipFill>
+        <p:spPr>
+          <a:xfrm>
+            <a:off x="1062445" y="1100318"/>
+            <a:ext cx="10054046" cy="4832779"/>
+          </a:xfrm>
+          <a:prstGeom prst="rect">
+            <a:avLst/>
+          </a:prstGeom>
+        </p:spPr>
+      </p:pic>
+    </p:spTree>
+    <p:extLst>
+      <p:ext uri="{BB962C8B-B14F-4D97-AF65-F5344CB8AC3E}">
+        <p14:creationId xmlns:p14="http://schemas.microsoft.com/office/powerpoint/2010/main" val="4135667988"/>
+      </p:ext>
+    </p:extLst>
+  </p:cSld>
+  <p:clrMapOvr>
+    <a:masterClrMapping/>
+  </p:clrMapOvr>
+  <p:timing>
+    <p:tnLst>
+      <p:par>
+        <p:cTn id="1" dur="indefinite" restart="never" nodeType="tmRoot">
+          <p:childTnLst>
+            <p:seq concurrent="1" nextAc="seek">
+              <p:cTn id="2" dur="indefinite" nodeType="mainSeq">
+                <p:childTnLst>
+                  <p:par>
+                    <p:cTn id="3" fill="hold">
+                      <p:stCondLst>
+                        <p:cond delay="indefinite"/>
+                      </p:stCondLst>
+                      <p:childTnLst>
+                        <p:par>
+                          <p:cTn id="4" fill="hold">
+                            <p:stCondLst>
+                              <p:cond delay="0"/>
+                            </p:stCondLst>
+                            <p:childTnLst>
+                              <p:par>
+                                <p:cTn id="5" presetID="10" presetClass="entr" presetSubtype="0" fill="hold" nodeType="clickEffect">
+                                  <p:stCondLst>
+                                    <p:cond delay="0"/>
+                                  </p:stCondLst>
+                                  <p:childTnLst>
+                                    <p:set>
+                                      <p:cBhvr>
+                                        <p:cTn id="6" dur="1" fill="hold">
+                                          <p:stCondLst>
+                                            <p:cond delay="0"/>
+                                          </p:stCondLst>
+                                        </p:cTn>
+                                        <p:tgtEl>
+                                          <p:spTgt spid="5"/>
+                                        </p:tgtEl>
+                                        <p:attrNameLst>
+                                          <p:attrName>style.visibility</p:attrName>
+                                        </p:attrNameLst>
+                                      </p:cBhvr>
+                                      <p:to>
+                                        <p:strVal val="visible"/>
+                                      </p:to>
+                                    </p:set>
+                                    <p:animEffect transition="in" filter="fade">
+                                      <p:cBhvr>
+                                        <p:cTn id="7" dur="500"/>
+                                        <p:tgtEl>
+                                          <p:spTgt spid="5"/>
+                                        </p:tgtEl>
+                                      </p:cBhvr>
+                                    </p:animEffect>
+                                  </p:childTnLst>
+                                </p:cTn>
+                              </p:par>
+                              <p:par>
+                                <p:cTn id="8" presetID="10" presetClass="entr" presetSubtype="0" fill="hold" grpId="0" nodeType="withEffect">
+                                  <p:stCondLst>
+                                    <p:cond delay="0"/>
+                                  </p:stCondLst>
+                                  <p:childTnLst>
+                                    <p:set>
+                                      <p:cBhvr>
+                                        <p:cTn id="9" dur="1" fill="hold">
+                                          <p:stCondLst>
+                                            <p:cond delay="0"/>
+                                          </p:stCondLst>
+                                        </p:cTn>
+                                        <p:tgtEl>
+                                          <p:spTgt spid="2"/>
+                                        </p:tgtEl>
+                                        <p:attrNameLst>
+                                          <p:attrName>style.visibility</p:attrName>
+                                        </p:attrNameLst>
+                                      </p:cBhvr>
+                                      <p:to>
+                                        <p:strVal val="visible"/>
+                                      </p:to>
+                                    </p:set>
+                                    <p:animEffect transition="in" filter="fade">
+                                      <p:cBhvr>
+                                        <p:cTn id="10" dur="500"/>
+                                        <p:tgtEl>
+                                          <p:spTgt spid="2"/>
+                                        </p:tgtEl>
+                                      </p:cBhvr>
+                                    </p:animEffect>
+                                  </p:childTnLst>
+                                </p:cTn>
+                              </p:par>
+                            </p:childTnLst>
+                          </p:cTn>
+                        </p:par>
+                      </p:childTnLst>
+                    </p:cTn>
+                  </p:par>
+                </p:childTnLst>
+              </p:cTn>
+              <p:prevCondLst>
+                <p:cond evt="onPrev" delay="0">
+                  <p:tgtEl>
+                    <p:sldTgt/>
+                  </p:tgtEl>
+                </p:cond>
+              </p:prevCondLst>
+              <p:nextCondLst>
+                <p:cond evt="onNext" delay="0">
+                  <p:tgtEl>
+                    <p:sldTgt/>
+                  </p:tgtEl>
+                </p:cond>
+              </p:nextCondLst>
+            </p:seq>
+          </p:childTnLst>
+        </p:cTn>
+      </p:par>
+    </p:tnLst>
+    <p:bldLst>
+      <p:bldP spid="2" grpId="0"/>
+    </p:bldLst>
+  </p:timing>
+</p:sld>
+</file>
+
+<file path=ppt/slides/slide41.xml><?xml version="1.0" encoding="utf-8"?>
+<p:sld xmlns:a="http://schemas.openxmlformats.org/drawingml/2006/main" xmlns:r="http://schemas.openxmlformats.org/officeDocument/2006/relationships" xmlns:p="http://schemas.openxmlformats.org/presentationml/2006/main">
+  <p:cSld>
+    <p:spTree>
+      <p:nvGrpSpPr>
+        <p:cNvPr id="1" name=""/>
+        <p:cNvGrpSpPr/>
+        <p:nvPr/>
+      </p:nvGrpSpPr>
+      <p:grpSpPr>
+        <a:xfrm>
+          <a:off x="0" y="0"/>
+          <a:ext cx="0" cy="0"/>
+          <a:chOff x="0" y="0"/>
+          <a:chExt cx="0" cy="0"/>
+        </a:xfrm>
+      </p:grpSpPr>
+      <p:sp>
+        <p:nvSpPr>
+          <p:cNvPr id="3" name="Title 1"/>
+          <p:cNvSpPr txBox="1">
+            <a:spLocks/>
+          </p:cNvSpPr>
+          <p:nvPr/>
+        </p:nvSpPr>
+        <p:spPr>
+          <a:xfrm>
+            <a:off x="762000" y="427038"/>
+            <a:ext cx="10972800" cy="1143000"/>
+          </a:xfrm>
+          <a:prstGeom prst="rect">
+            <a:avLst/>
+          </a:prstGeom>
+        </p:spPr>
+        <p:txBody>
+          <a:bodyPr/>
+          <a:lstStyle>
+            <a:lvl1pPr algn="r" defTabSz="914400" rtl="1" eaLnBrk="1" latinLnBrk="0" hangingPunct="1">
+              <a:lnSpc>
+                <a:spcPct val="90000"/>
+              </a:lnSpc>
+              <a:spcBef>
+                <a:spcPct val="0"/>
+              </a:spcBef>
+              <a:buNone/>
+              <a:defRPr sz="4400" kern="1200">
+                <a:solidFill>
+                  <a:schemeClr val="tx1"/>
+                </a:solidFill>
+                <a:latin typeface="+mj-lt"/>
+                <a:ea typeface="+mj-ea"/>
+                <a:cs typeface="+mj-cs"/>
+              </a:defRPr>
+            </a:lvl1pPr>
+          </a:lstStyle>
+          <a:p>
+            <a:pPr algn="ctr"/>
+            <a:r>
+              <a:rPr lang="en-US" dirty="0">
+                <a:solidFill>
+                  <a:srgbClr val="002060"/>
+                </a:solidFill>
+              </a:rPr>
+              <a:t>Classical </a:t>
+            </a:r>
+            <a:r>
+              <a:rPr lang="en-US" dirty="0" smtClean="0">
+                <a:solidFill>
+                  <a:srgbClr val="002060"/>
+                </a:solidFill>
+              </a:rPr>
+              <a:t> - PA modeling </a:t>
+            </a:r>
+            <a:endParaRPr lang="he-IL" dirty="0">
+              <a:solidFill>
+                <a:srgbClr val="002060"/>
+              </a:solidFill>
+            </a:endParaRPr>
+          </a:p>
+        </p:txBody>
+      </p:sp>
       <p:pic>
         <p:nvPicPr>
           <p:cNvPr id="4" name="תמונה 3"/>
@@ -23286,7 +23540,7 @@
 </p:sld>
 </file>
 
-<file path=ppt/slides/slide41.xml><?xml version="1.0" encoding="utf-8"?>
+<file path=ppt/slides/slide42.xml><?xml version="1.0" encoding="utf-8"?>
 <p:sld xmlns:a="http://schemas.openxmlformats.org/drawingml/2006/main" xmlns:r="http://schemas.openxmlformats.org/officeDocument/2006/relationships" xmlns:p="http://schemas.openxmlformats.org/presentationml/2006/main">
   <p:cSld>
     <p:spTree>
@@ -23559,7 +23813,7 @@
 </p:sld>
 </file>
 
-<file path=ppt/slides/slide42.xml><?xml version="1.0" encoding="utf-8"?>
+<file path=ppt/slides/slide43.xml><?xml version="1.0" encoding="utf-8"?>
 <p:sld xmlns:a="http://schemas.openxmlformats.org/drawingml/2006/main" xmlns:r="http://schemas.openxmlformats.org/officeDocument/2006/relationships" xmlns:p="http://schemas.openxmlformats.org/presentationml/2006/main">
   <p:cSld>
     <p:spTree>
@@ -23873,7 +24127,7 @@
 </p:sld>
 </file>
 
-<file path=ppt/slides/slide43.xml><?xml version="1.0" encoding="utf-8"?>
+<file path=ppt/slides/slide44.xml><?xml version="1.0" encoding="utf-8"?>
 <p:sld xmlns:a="http://schemas.openxmlformats.org/drawingml/2006/main" xmlns:r="http://schemas.openxmlformats.org/officeDocument/2006/relationships" xmlns:p="http://schemas.openxmlformats.org/presentationml/2006/main">
   <p:cSld>
     <p:spTree>
@@ -24180,7 +24434,7 @@
 </p:sld>
 </file>
 
-<file path=ppt/slides/slide44.xml><?xml version="1.0" encoding="utf-8"?>
+<file path=ppt/slides/slide45.xml><?xml version="1.0" encoding="utf-8"?>
 <p:sld xmlns:a="http://schemas.openxmlformats.org/drawingml/2006/main" xmlns:r="http://schemas.openxmlformats.org/officeDocument/2006/relationships" xmlns:p="http://schemas.openxmlformats.org/presentationml/2006/main">
   <p:cSld>
     <p:spTree>
@@ -24494,7 +24748,7 @@
 </p:sld>
 </file>
 
-<file path=ppt/slides/slide45.xml><?xml version="1.0" encoding="utf-8"?>
+<file path=ppt/slides/slide46.xml><?xml version="1.0" encoding="utf-8"?>
 <p:sld xmlns:a="http://schemas.openxmlformats.org/drawingml/2006/main" xmlns:r="http://schemas.openxmlformats.org/officeDocument/2006/relationships" xmlns:p="http://schemas.openxmlformats.org/presentationml/2006/main">
   <p:cSld>
     <p:spTree>
@@ -24606,7 +24860,7 @@
 </p:sld>
 </file>
 
-<file path=ppt/slides/slide46.xml><?xml version="1.0" encoding="utf-8"?>
+<file path=ppt/slides/slide47.xml><?xml version="1.0" encoding="utf-8"?>
 <p:sld xmlns:a="http://schemas.openxmlformats.org/drawingml/2006/main" xmlns:r="http://schemas.openxmlformats.org/officeDocument/2006/relationships" xmlns:p="http://schemas.openxmlformats.org/presentationml/2006/main">
   <p:cSld>
     <p:spTree>
@@ -24909,7 +25163,7 @@
 </p:sld>
 </file>
 
-<file path=ppt/slides/slide47.xml><?xml version="1.0" encoding="utf-8"?>
+<file path=ppt/slides/slide48.xml><?xml version="1.0" encoding="utf-8"?>
 <p:sld xmlns:a="http://schemas.openxmlformats.org/drawingml/2006/main" xmlns:r="http://schemas.openxmlformats.org/officeDocument/2006/relationships" xmlns:p="http://schemas.openxmlformats.org/presentationml/2006/main">
   <p:cSld>
     <p:spTree>
@@ -25226,7 +25480,7 @@
 </p:sld>
 </file>
 
-<file path=ppt/slides/slide48.xml><?xml version="1.0" encoding="utf-8"?>
+<file path=ppt/slides/slide49.xml><?xml version="1.0" encoding="utf-8"?>
 <p:sld xmlns:a="http://schemas.openxmlformats.org/drawingml/2006/main" xmlns:r="http://schemas.openxmlformats.org/officeDocument/2006/relationships" xmlns:p="http://schemas.openxmlformats.org/presentationml/2006/main">
   <p:cSld>
     <p:spTree>
@@ -25538,324 +25792,6 @@
     </p:tnLst>
     <p:bldLst>
       <p:bldP spid="6" grpId="0"/>
-    </p:bldLst>
-  </p:timing>
-</p:sld>
-</file>
-
-<file path=ppt/slides/slide49.xml><?xml version="1.0" encoding="utf-8"?>
-<p:sld xmlns:a="http://schemas.openxmlformats.org/drawingml/2006/main" xmlns:r="http://schemas.openxmlformats.org/officeDocument/2006/relationships" xmlns:p="http://schemas.openxmlformats.org/presentationml/2006/main">
-  <p:cSld>
-    <p:spTree>
-      <p:nvGrpSpPr>
-        <p:cNvPr id="1" name=""/>
-        <p:cNvGrpSpPr/>
-        <p:nvPr/>
-      </p:nvGrpSpPr>
-      <p:grpSpPr>
-        <a:xfrm>
-          <a:off x="0" y="0"/>
-          <a:ext cx="0" cy="0"/>
-          <a:chOff x="0" y="0"/>
-          <a:chExt cx="0" cy="0"/>
-        </a:xfrm>
-      </p:grpSpPr>
-      <p:sp>
-        <p:nvSpPr>
-          <p:cNvPr id="2" name="Title 1"/>
-          <p:cNvSpPr txBox="1">
-            <a:spLocks/>
-          </p:cNvSpPr>
-          <p:nvPr/>
-        </p:nvSpPr>
-        <p:spPr>
-          <a:xfrm>
-            <a:off x="762000" y="427038"/>
-            <a:ext cx="10972800" cy="1143000"/>
-          </a:xfrm>
-          <a:prstGeom prst="rect">
-            <a:avLst/>
-          </a:prstGeom>
-        </p:spPr>
-        <p:txBody>
-          <a:bodyPr/>
-          <a:lstStyle>
-            <a:lvl1pPr algn="r" defTabSz="914400" rtl="1" eaLnBrk="1" latinLnBrk="0" hangingPunct="1">
-              <a:lnSpc>
-                <a:spcPct val="90000"/>
-              </a:lnSpc>
-              <a:spcBef>
-                <a:spcPct val="0"/>
-              </a:spcBef>
-              <a:buNone/>
-              <a:defRPr sz="4400" kern="1200">
-                <a:solidFill>
-                  <a:schemeClr val="tx1"/>
-                </a:solidFill>
-                <a:latin typeface="+mj-lt"/>
-                <a:ea typeface="+mj-ea"/>
-                <a:cs typeface="+mj-cs"/>
-              </a:defRPr>
-            </a:lvl1pPr>
-          </a:lstStyle>
-          <a:p>
-            <a:pPr algn="ctr"/>
-            <a:r>
-              <a:rPr lang="en-US" dirty="0" smtClean="0">
-                <a:solidFill>
-                  <a:srgbClr val="002060"/>
-                </a:solidFill>
-              </a:rPr>
-              <a:t>NN  - DPD</a:t>
-            </a:r>
-            <a:endParaRPr lang="he-IL" dirty="0">
-              <a:solidFill>
-                <a:srgbClr val="002060"/>
-              </a:solidFill>
-            </a:endParaRPr>
-          </a:p>
-        </p:txBody>
-      </p:sp>
-      <p:pic>
-        <p:nvPicPr>
-          <p:cNvPr id="3" name="תמונה 2"/>
-          <p:cNvPicPr/>
-          <p:nvPr/>
-        </p:nvPicPr>
-        <p:blipFill>
-          <a:blip r:embed="rId2"/>
-          <a:stretch>
-            <a:fillRect/>
-          </a:stretch>
-        </p:blipFill>
-        <p:spPr>
-          <a:xfrm>
-            <a:off x="1094921" y="998538"/>
-            <a:ext cx="10073822" cy="5149661"/>
-          </a:xfrm>
-          <a:prstGeom prst="rect">
-            <a:avLst/>
-          </a:prstGeom>
-        </p:spPr>
-      </p:pic>
-      <p:sp>
-        <p:nvSpPr>
-          <p:cNvPr id="4" name="מלבן 3"/>
-          <p:cNvSpPr/>
-          <p:nvPr/>
-        </p:nvSpPr>
-        <p:spPr>
-          <a:xfrm>
-            <a:off x="0" y="6079202"/>
-            <a:ext cx="11499273" cy="830997"/>
-          </a:xfrm>
-          <a:prstGeom prst="rect">
-            <a:avLst/>
-          </a:prstGeom>
-        </p:spPr>
-        <p:txBody>
-          <a:bodyPr wrap="square">
-            <a:spAutoFit/>
-          </a:bodyPr>
-          <a:lstStyle/>
-          <a:p>
-            <a:r>
-              <a:rPr lang="en-GB" sz="2400" dirty="0">
-                <a:latin typeface="Calibri Light" panose="020F0302020204030204" pitchFamily="34" charset="0"/>
-                <a:ea typeface="Times New Roman" panose="02020603050405020304" pitchFamily="18" charset="0"/>
-              </a:rPr>
-              <a:t>illustration of AM/AM distortion of input signal, </a:t>
-            </a:r>
-            <a:r>
-              <a:rPr lang="en-GB" sz="2400" b="1" dirty="0">
-                <a:solidFill>
-                  <a:srgbClr val="FC7D0E"/>
-                </a:solidFill>
-                <a:latin typeface="Calibri Light" panose="020F0302020204030204" pitchFamily="34" charset="0"/>
-                <a:ea typeface="Times New Roman" panose="02020603050405020304" pitchFamily="18" charset="0"/>
-              </a:rPr>
-              <a:t>with</a:t>
-            </a:r>
-            <a:r>
-              <a:rPr lang="en-GB" sz="2400" dirty="0">
-                <a:latin typeface="Calibri Light" panose="020F0302020204030204" pitchFamily="34" charset="0"/>
-                <a:ea typeface="Times New Roman" panose="02020603050405020304" pitchFamily="18" charset="0"/>
-              </a:rPr>
-              <a:t> (orange) and </a:t>
-            </a:r>
-            <a:r>
-              <a:rPr lang="en-GB" sz="2400" b="1" dirty="0">
-                <a:solidFill>
-                  <a:srgbClr val="002060"/>
-                </a:solidFill>
-                <a:latin typeface="Calibri Light" panose="020F0302020204030204" pitchFamily="34" charset="0"/>
-                <a:ea typeface="Times New Roman" panose="02020603050405020304" pitchFamily="18" charset="0"/>
-              </a:rPr>
-              <a:t>without</a:t>
-            </a:r>
-            <a:r>
-              <a:rPr lang="en-GB" sz="2400" dirty="0">
-                <a:latin typeface="Calibri Light" panose="020F0302020204030204" pitchFamily="34" charset="0"/>
-                <a:ea typeface="Times New Roman" panose="02020603050405020304" pitchFamily="18" charset="0"/>
-              </a:rPr>
-              <a:t> (blue) </a:t>
-            </a:r>
-          </a:p>
-          <a:p>
-            <a:pPr algn="ctr"/>
-            <a:r>
-              <a:rPr lang="en-GB" sz="2400" dirty="0">
-                <a:latin typeface="Calibri Light" panose="020F0302020204030204" pitchFamily="34" charset="0"/>
-                <a:ea typeface="Times New Roman" panose="02020603050405020304" pitchFamily="18" charset="0"/>
-              </a:rPr>
-              <a:t>feedforward (22-30-40-30-20-10-2) NN </a:t>
-            </a:r>
-            <a:r>
-              <a:rPr lang="en-GB" sz="2400" dirty="0" smtClean="0">
-                <a:latin typeface="Calibri Light" panose="020F0302020204030204" pitchFamily="34" charset="0"/>
-                <a:ea typeface="Times New Roman" panose="02020603050405020304" pitchFamily="18" charset="0"/>
-              </a:rPr>
-              <a:t>modelled </a:t>
-            </a:r>
-            <a:r>
-              <a:rPr lang="en-GB" sz="2400" dirty="0">
-                <a:latin typeface="Calibri Light" panose="020F0302020204030204" pitchFamily="34" charset="0"/>
-                <a:ea typeface="Times New Roman" panose="02020603050405020304" pitchFamily="18" charset="0"/>
-              </a:rPr>
-              <a:t>DPD</a:t>
-            </a:r>
-          </a:p>
-        </p:txBody>
-      </p:sp>
-    </p:spTree>
-    <p:extLst>
-      <p:ext uri="{BB962C8B-B14F-4D97-AF65-F5344CB8AC3E}">
-        <p14:creationId xmlns:p14="http://schemas.microsoft.com/office/powerpoint/2010/main" val="1237576724"/>
-      </p:ext>
-    </p:extLst>
-  </p:cSld>
-  <p:clrMapOvr>
-    <a:masterClrMapping/>
-  </p:clrMapOvr>
-  <p:timing>
-    <p:tnLst>
-      <p:par>
-        <p:cTn id="1" dur="indefinite" restart="never" nodeType="tmRoot">
-          <p:childTnLst>
-            <p:seq concurrent="1" nextAc="seek">
-              <p:cTn id="2" dur="indefinite" nodeType="mainSeq">
-                <p:childTnLst>
-                  <p:par>
-                    <p:cTn id="3" fill="hold">
-                      <p:stCondLst>
-                        <p:cond delay="indefinite"/>
-                      </p:stCondLst>
-                      <p:childTnLst>
-                        <p:par>
-                          <p:cTn id="4" fill="hold">
-                            <p:stCondLst>
-                              <p:cond delay="0"/>
-                            </p:stCondLst>
-                            <p:childTnLst>
-                              <p:par>
-                                <p:cTn id="5" presetID="10" presetClass="entr" presetSubtype="0" fill="hold" grpId="0" nodeType="clickEffect">
-                                  <p:stCondLst>
-                                    <p:cond delay="0"/>
-                                  </p:stCondLst>
-                                  <p:childTnLst>
-                                    <p:set>
-                                      <p:cBhvr>
-                                        <p:cTn id="6" dur="1" fill="hold">
-                                          <p:stCondLst>
-                                            <p:cond delay="0"/>
-                                          </p:stCondLst>
-                                        </p:cTn>
-                                        <p:tgtEl>
-                                          <p:spTgt spid="4"/>
-                                        </p:tgtEl>
-                                        <p:attrNameLst>
-                                          <p:attrName>style.visibility</p:attrName>
-                                        </p:attrNameLst>
-                                      </p:cBhvr>
-                                      <p:to>
-                                        <p:strVal val="visible"/>
-                                      </p:to>
-                                    </p:set>
-                                    <p:animEffect transition="in" filter="fade">
-                                      <p:cBhvr>
-                                        <p:cTn id="7" dur="500"/>
-                                        <p:tgtEl>
-                                          <p:spTgt spid="4"/>
-                                        </p:tgtEl>
-                                      </p:cBhvr>
-                                    </p:animEffect>
-                                  </p:childTnLst>
-                                </p:cTn>
-                              </p:par>
-                              <p:par>
-                                <p:cTn id="8" presetID="10" presetClass="entr" presetSubtype="0" fill="hold" nodeType="withEffect">
-                                  <p:stCondLst>
-                                    <p:cond delay="0"/>
-                                  </p:stCondLst>
-                                  <p:childTnLst>
-                                    <p:set>
-                                      <p:cBhvr>
-                                        <p:cTn id="9" dur="1" fill="hold">
-                                          <p:stCondLst>
-                                            <p:cond delay="0"/>
-                                          </p:stCondLst>
-                                        </p:cTn>
-                                        <p:tgtEl>
-                                          <p:spTgt spid="3"/>
-                                        </p:tgtEl>
-                                        <p:attrNameLst>
-                                          <p:attrName>style.visibility</p:attrName>
-                                        </p:attrNameLst>
-                                      </p:cBhvr>
-                                      <p:to>
-                                        <p:strVal val="visible"/>
-                                      </p:to>
-                                    </p:set>
-                                    <p:animEffect transition="in" filter="fade">
-                                      <p:cBhvr>
-                                        <p:cTn id="10" dur="500"/>
-                                        <p:tgtEl>
-                                          <p:spTgt spid="3"/>
-                                        </p:tgtEl>
-                                      </p:cBhvr>
-                                    </p:animEffect>
-                                  </p:childTnLst>
-                                </p:cTn>
-                              </p:par>
-                            </p:childTnLst>
-                          </p:cTn>
-                        </p:par>
-                      </p:childTnLst>
-                    </p:cTn>
-                  </p:par>
-                </p:childTnLst>
-              </p:cTn>
-              <p:prevCondLst>
-                <p:cond evt="onPrev" delay="0">
-                  <p:tgtEl>
-                    <p:sldTgt/>
-                  </p:tgtEl>
-                </p:cond>
-              </p:prevCondLst>
-              <p:nextCondLst>
-                <p:cond evt="onNext" delay="0">
-                  <p:tgtEl>
-                    <p:sldTgt/>
-                  </p:tgtEl>
-                </p:cond>
-              </p:nextCondLst>
-            </p:seq>
-          </p:childTnLst>
-        </p:cTn>
-      </p:par>
-    </p:tnLst>
-    <p:bldLst>
-      <p:bldP spid="4" grpId="0"/>
     </p:bldLst>
   </p:timing>
 </p:sld>
@@ -26615,6 +26551,324 @@
           </a:p>
         </p:txBody>
       </p:sp>
+      <p:pic>
+        <p:nvPicPr>
+          <p:cNvPr id="3" name="תמונה 2"/>
+          <p:cNvPicPr/>
+          <p:nvPr/>
+        </p:nvPicPr>
+        <p:blipFill>
+          <a:blip r:embed="rId2"/>
+          <a:stretch>
+            <a:fillRect/>
+          </a:stretch>
+        </p:blipFill>
+        <p:spPr>
+          <a:xfrm>
+            <a:off x="1094921" y="998538"/>
+            <a:ext cx="10073822" cy="5149661"/>
+          </a:xfrm>
+          <a:prstGeom prst="rect">
+            <a:avLst/>
+          </a:prstGeom>
+        </p:spPr>
+      </p:pic>
+      <p:sp>
+        <p:nvSpPr>
+          <p:cNvPr id="4" name="מלבן 3"/>
+          <p:cNvSpPr/>
+          <p:nvPr/>
+        </p:nvSpPr>
+        <p:spPr>
+          <a:xfrm>
+            <a:off x="0" y="6079202"/>
+            <a:ext cx="11499273" cy="830997"/>
+          </a:xfrm>
+          <a:prstGeom prst="rect">
+            <a:avLst/>
+          </a:prstGeom>
+        </p:spPr>
+        <p:txBody>
+          <a:bodyPr wrap="square">
+            <a:spAutoFit/>
+          </a:bodyPr>
+          <a:lstStyle/>
+          <a:p>
+            <a:r>
+              <a:rPr lang="en-GB" sz="2400" dirty="0">
+                <a:latin typeface="Calibri Light" panose="020F0302020204030204" pitchFamily="34" charset="0"/>
+                <a:ea typeface="Times New Roman" panose="02020603050405020304" pitchFamily="18" charset="0"/>
+              </a:rPr>
+              <a:t>illustration of AM/AM distortion of input signal, </a:t>
+            </a:r>
+            <a:r>
+              <a:rPr lang="en-GB" sz="2400" b="1" dirty="0">
+                <a:solidFill>
+                  <a:srgbClr val="FC7D0E"/>
+                </a:solidFill>
+                <a:latin typeface="Calibri Light" panose="020F0302020204030204" pitchFamily="34" charset="0"/>
+                <a:ea typeface="Times New Roman" panose="02020603050405020304" pitchFamily="18" charset="0"/>
+              </a:rPr>
+              <a:t>with</a:t>
+            </a:r>
+            <a:r>
+              <a:rPr lang="en-GB" sz="2400" dirty="0">
+                <a:latin typeface="Calibri Light" panose="020F0302020204030204" pitchFamily="34" charset="0"/>
+                <a:ea typeface="Times New Roman" panose="02020603050405020304" pitchFamily="18" charset="0"/>
+              </a:rPr>
+              <a:t> (orange) and </a:t>
+            </a:r>
+            <a:r>
+              <a:rPr lang="en-GB" sz="2400" b="1" dirty="0">
+                <a:solidFill>
+                  <a:srgbClr val="002060"/>
+                </a:solidFill>
+                <a:latin typeface="Calibri Light" panose="020F0302020204030204" pitchFamily="34" charset="0"/>
+                <a:ea typeface="Times New Roman" panose="02020603050405020304" pitchFamily="18" charset="0"/>
+              </a:rPr>
+              <a:t>without</a:t>
+            </a:r>
+            <a:r>
+              <a:rPr lang="en-GB" sz="2400" dirty="0">
+                <a:latin typeface="Calibri Light" panose="020F0302020204030204" pitchFamily="34" charset="0"/>
+                <a:ea typeface="Times New Roman" panose="02020603050405020304" pitchFamily="18" charset="0"/>
+              </a:rPr>
+              <a:t> (blue) </a:t>
+            </a:r>
+          </a:p>
+          <a:p>
+            <a:pPr algn="ctr"/>
+            <a:r>
+              <a:rPr lang="en-GB" sz="2400" dirty="0">
+                <a:latin typeface="Calibri Light" panose="020F0302020204030204" pitchFamily="34" charset="0"/>
+                <a:ea typeface="Times New Roman" panose="02020603050405020304" pitchFamily="18" charset="0"/>
+              </a:rPr>
+              <a:t>feedforward (22-30-40-30-20-10-2) NN </a:t>
+            </a:r>
+            <a:r>
+              <a:rPr lang="en-GB" sz="2400" dirty="0" smtClean="0">
+                <a:latin typeface="Calibri Light" panose="020F0302020204030204" pitchFamily="34" charset="0"/>
+                <a:ea typeface="Times New Roman" panose="02020603050405020304" pitchFamily="18" charset="0"/>
+              </a:rPr>
+              <a:t>modelled </a:t>
+            </a:r>
+            <a:r>
+              <a:rPr lang="en-GB" sz="2400" dirty="0">
+                <a:latin typeface="Calibri Light" panose="020F0302020204030204" pitchFamily="34" charset="0"/>
+                <a:ea typeface="Times New Roman" panose="02020603050405020304" pitchFamily="18" charset="0"/>
+              </a:rPr>
+              <a:t>DPD</a:t>
+            </a:r>
+          </a:p>
+        </p:txBody>
+      </p:sp>
+    </p:spTree>
+    <p:extLst>
+      <p:ext uri="{BB962C8B-B14F-4D97-AF65-F5344CB8AC3E}">
+        <p14:creationId xmlns:p14="http://schemas.microsoft.com/office/powerpoint/2010/main" val="1237576724"/>
+      </p:ext>
+    </p:extLst>
+  </p:cSld>
+  <p:clrMapOvr>
+    <a:masterClrMapping/>
+  </p:clrMapOvr>
+  <p:timing>
+    <p:tnLst>
+      <p:par>
+        <p:cTn id="1" dur="indefinite" restart="never" nodeType="tmRoot">
+          <p:childTnLst>
+            <p:seq concurrent="1" nextAc="seek">
+              <p:cTn id="2" dur="indefinite" nodeType="mainSeq">
+                <p:childTnLst>
+                  <p:par>
+                    <p:cTn id="3" fill="hold">
+                      <p:stCondLst>
+                        <p:cond delay="indefinite"/>
+                      </p:stCondLst>
+                      <p:childTnLst>
+                        <p:par>
+                          <p:cTn id="4" fill="hold">
+                            <p:stCondLst>
+                              <p:cond delay="0"/>
+                            </p:stCondLst>
+                            <p:childTnLst>
+                              <p:par>
+                                <p:cTn id="5" presetID="10" presetClass="entr" presetSubtype="0" fill="hold" grpId="0" nodeType="clickEffect">
+                                  <p:stCondLst>
+                                    <p:cond delay="0"/>
+                                  </p:stCondLst>
+                                  <p:childTnLst>
+                                    <p:set>
+                                      <p:cBhvr>
+                                        <p:cTn id="6" dur="1" fill="hold">
+                                          <p:stCondLst>
+                                            <p:cond delay="0"/>
+                                          </p:stCondLst>
+                                        </p:cTn>
+                                        <p:tgtEl>
+                                          <p:spTgt spid="4"/>
+                                        </p:tgtEl>
+                                        <p:attrNameLst>
+                                          <p:attrName>style.visibility</p:attrName>
+                                        </p:attrNameLst>
+                                      </p:cBhvr>
+                                      <p:to>
+                                        <p:strVal val="visible"/>
+                                      </p:to>
+                                    </p:set>
+                                    <p:animEffect transition="in" filter="fade">
+                                      <p:cBhvr>
+                                        <p:cTn id="7" dur="500"/>
+                                        <p:tgtEl>
+                                          <p:spTgt spid="4"/>
+                                        </p:tgtEl>
+                                      </p:cBhvr>
+                                    </p:animEffect>
+                                  </p:childTnLst>
+                                </p:cTn>
+                              </p:par>
+                              <p:par>
+                                <p:cTn id="8" presetID="10" presetClass="entr" presetSubtype="0" fill="hold" nodeType="withEffect">
+                                  <p:stCondLst>
+                                    <p:cond delay="0"/>
+                                  </p:stCondLst>
+                                  <p:childTnLst>
+                                    <p:set>
+                                      <p:cBhvr>
+                                        <p:cTn id="9" dur="1" fill="hold">
+                                          <p:stCondLst>
+                                            <p:cond delay="0"/>
+                                          </p:stCondLst>
+                                        </p:cTn>
+                                        <p:tgtEl>
+                                          <p:spTgt spid="3"/>
+                                        </p:tgtEl>
+                                        <p:attrNameLst>
+                                          <p:attrName>style.visibility</p:attrName>
+                                        </p:attrNameLst>
+                                      </p:cBhvr>
+                                      <p:to>
+                                        <p:strVal val="visible"/>
+                                      </p:to>
+                                    </p:set>
+                                    <p:animEffect transition="in" filter="fade">
+                                      <p:cBhvr>
+                                        <p:cTn id="10" dur="500"/>
+                                        <p:tgtEl>
+                                          <p:spTgt spid="3"/>
+                                        </p:tgtEl>
+                                      </p:cBhvr>
+                                    </p:animEffect>
+                                  </p:childTnLst>
+                                </p:cTn>
+                              </p:par>
+                            </p:childTnLst>
+                          </p:cTn>
+                        </p:par>
+                      </p:childTnLst>
+                    </p:cTn>
+                  </p:par>
+                </p:childTnLst>
+              </p:cTn>
+              <p:prevCondLst>
+                <p:cond evt="onPrev" delay="0">
+                  <p:tgtEl>
+                    <p:sldTgt/>
+                  </p:tgtEl>
+                </p:cond>
+              </p:prevCondLst>
+              <p:nextCondLst>
+                <p:cond evt="onNext" delay="0">
+                  <p:tgtEl>
+                    <p:sldTgt/>
+                  </p:tgtEl>
+                </p:cond>
+              </p:nextCondLst>
+            </p:seq>
+          </p:childTnLst>
+        </p:cTn>
+      </p:par>
+    </p:tnLst>
+    <p:bldLst>
+      <p:bldP spid="4" grpId="0"/>
+    </p:bldLst>
+  </p:timing>
+</p:sld>
+</file>
+
+<file path=ppt/slides/slide51.xml><?xml version="1.0" encoding="utf-8"?>
+<p:sld xmlns:a="http://schemas.openxmlformats.org/drawingml/2006/main" xmlns:r="http://schemas.openxmlformats.org/officeDocument/2006/relationships" xmlns:p="http://schemas.openxmlformats.org/presentationml/2006/main">
+  <p:cSld>
+    <p:spTree>
+      <p:nvGrpSpPr>
+        <p:cNvPr id="1" name=""/>
+        <p:cNvGrpSpPr/>
+        <p:nvPr/>
+      </p:nvGrpSpPr>
+      <p:grpSpPr>
+        <a:xfrm>
+          <a:off x="0" y="0"/>
+          <a:ext cx="0" cy="0"/>
+          <a:chOff x="0" y="0"/>
+          <a:chExt cx="0" cy="0"/>
+        </a:xfrm>
+      </p:grpSpPr>
+      <p:sp>
+        <p:nvSpPr>
+          <p:cNvPr id="2" name="Title 1"/>
+          <p:cNvSpPr txBox="1">
+            <a:spLocks/>
+          </p:cNvSpPr>
+          <p:nvPr/>
+        </p:nvSpPr>
+        <p:spPr>
+          <a:xfrm>
+            <a:off x="762000" y="427038"/>
+            <a:ext cx="10972800" cy="1143000"/>
+          </a:xfrm>
+          <a:prstGeom prst="rect">
+            <a:avLst/>
+          </a:prstGeom>
+        </p:spPr>
+        <p:txBody>
+          <a:bodyPr/>
+          <a:lstStyle>
+            <a:lvl1pPr algn="r" defTabSz="914400" rtl="1" eaLnBrk="1" latinLnBrk="0" hangingPunct="1">
+              <a:lnSpc>
+                <a:spcPct val="90000"/>
+              </a:lnSpc>
+              <a:spcBef>
+                <a:spcPct val="0"/>
+              </a:spcBef>
+              <a:buNone/>
+              <a:defRPr sz="4400" kern="1200">
+                <a:solidFill>
+                  <a:schemeClr val="tx1"/>
+                </a:solidFill>
+                <a:latin typeface="+mj-lt"/>
+                <a:ea typeface="+mj-ea"/>
+                <a:cs typeface="+mj-cs"/>
+              </a:defRPr>
+            </a:lvl1pPr>
+          </a:lstStyle>
+          <a:p>
+            <a:pPr algn="ctr"/>
+            <a:r>
+              <a:rPr lang="en-US" dirty="0" smtClean="0">
+                <a:solidFill>
+                  <a:srgbClr val="002060"/>
+                </a:solidFill>
+              </a:rPr>
+              <a:t>NN  - DPD</a:t>
+            </a:r>
+            <a:endParaRPr lang="he-IL" dirty="0">
+              <a:solidFill>
+                <a:srgbClr val="002060"/>
+              </a:solidFill>
+            </a:endParaRPr>
+          </a:p>
+        </p:txBody>
+      </p:sp>
       <p:sp>
         <p:nvSpPr>
           <p:cNvPr id="4" name="מלבן 3"/>
@@ -26874,7 +27128,7 @@
 </p:sld>
 </file>
 
-<file path=ppt/slides/slide51.xml><?xml version="1.0" encoding="utf-8"?>
+<file path=ppt/slides/slide52.xml><?xml version="1.0" encoding="utf-8"?>
 <p:sld xmlns:a="http://schemas.openxmlformats.org/drawingml/2006/main" xmlns:r="http://schemas.openxmlformats.org/officeDocument/2006/relationships" xmlns:p="http://schemas.openxmlformats.org/presentationml/2006/main">
   <p:cSld>
     <p:spTree>
@@ -27193,7 +27447,7 @@
 </p:sld>
 </file>
 
-<file path=ppt/slides/slide52.xml><?xml version="1.0" encoding="utf-8"?>
+<file path=ppt/slides/slide53.xml><?xml version="1.0" encoding="utf-8"?>
 <p:sld xmlns:a="http://schemas.openxmlformats.org/drawingml/2006/main" xmlns:r="http://schemas.openxmlformats.org/officeDocument/2006/relationships" xmlns:p="http://schemas.openxmlformats.org/presentationml/2006/main">
   <p:cSld>
     <p:spTree>
@@ -27807,7 +28061,7 @@
 </p:sld>
 </file>
 
-<file path=ppt/slides/slide53.xml><?xml version="1.0" encoding="utf-8"?>
+<file path=ppt/slides/slide54.xml><?xml version="1.0" encoding="utf-8"?>
 <p:sld xmlns:a="http://schemas.openxmlformats.org/drawingml/2006/main" xmlns:r="http://schemas.openxmlformats.org/officeDocument/2006/relationships" xmlns:p="http://schemas.openxmlformats.org/presentationml/2006/main">
   <p:cSld>
     <p:spTree>
@@ -27891,14 +28145,14 @@
               <p:nvPr>
                 <p:extLst>
                   <p:ext uri="{D42A27DB-BD31-4B8C-83A1-F6EECF244321}">
-                    <p14:modId xmlns:p14="http://schemas.microsoft.com/office/powerpoint/2010/main" val="414514859"/>
+                    <p14:modId xmlns:p14="http://schemas.microsoft.com/office/powerpoint/2010/main" val="3633667138"/>
                   </p:ext>
                 </p:extLst>
               </p:nvPr>
             </p:nvGraphicFramePr>
             <p:xfrm>
               <a:off x="372311" y="1290285"/>
-              <a:ext cx="11034992" cy="1923972"/>
+              <a:ext cx="11034992" cy="2289732"/>
             </p:xfrm>
             <a:graphic>
               <a:graphicData uri="http://schemas.openxmlformats.org/drawingml/2006/table">
@@ -28524,6 +28778,109 @@
                       </a:ext>
                     </a:extLst>
                   </a:tr>
+                  <a:tr h="320662">
+                    <a:tc>
+                      <a:txBody>
+                        <a:bodyPr/>
+                        <a:lstStyle/>
+                        <a:p>
+                          <a:pPr marL="0" marR="0" algn="ctr">
+                            <a:spcBef>
+                              <a:spcPts val="0"/>
+                            </a:spcBef>
+                            <a:spcAft>
+                              <a:spcPts val="0"/>
+                            </a:spcAft>
+                          </a:pPr>
+                          <a:r>
+                            <a:rPr lang="en-US" sz="2000" b="1" dirty="0">
+                              <a:effectLst/>
+                              <a:latin typeface="Calibri Light" panose="020F0302020204030204" pitchFamily="34" charset="0"/>
+                              <a:ea typeface="Times New Roman" panose="02020603050405020304" pitchFamily="18" charset="0"/>
+                              <a:cs typeface="Arial" panose="020B0604020202020204" pitchFamily="34" charset="0"/>
+                            </a:rPr>
+                            <a:t>Classical method</a:t>
+                          </a:r>
+                          <a:endParaRPr lang="en-US" sz="2000" dirty="0">
+                            <a:effectLst/>
+                            <a:latin typeface="Times New Roman" panose="02020603050405020304" pitchFamily="18" charset="0"/>
+                            <a:ea typeface="Times New Roman" panose="02020603050405020304" pitchFamily="18" charset="0"/>
+                            <a:cs typeface="Arial" panose="020B0604020202020204" pitchFamily="34" charset="0"/>
+                          </a:endParaRPr>
+                        </a:p>
+                      </a:txBody>
+                      <a:tcPr marL="68580" marR="68580" marT="0" marB="0"/>
+                    </a:tc>
+                    <a:tc>
+                      <a:txBody>
+                        <a:bodyPr/>
+                        <a:lstStyle/>
+                        <a:p>
+                          <a:pPr marL="0" marR="0" algn="ctr">
+                            <a:spcBef>
+                              <a:spcPts val="0"/>
+                            </a:spcBef>
+                            <a:spcAft>
+                              <a:spcPts val="0"/>
+                            </a:spcAft>
+                          </a:pPr>
+                          <a:r>
+                            <a:rPr lang="en-US" sz="2400" b="1" dirty="0">
+                              <a:effectLst/>
+                              <a:latin typeface="Calibri Light" panose="020F0302020204030204" pitchFamily="34" charset="0"/>
+                              <a:ea typeface="Times New Roman" panose="02020603050405020304" pitchFamily="18" charset="0"/>
+                              <a:cs typeface="Arial" panose="020B0604020202020204" pitchFamily="34" charset="0"/>
+                            </a:rPr>
+                            <a:t>-21.951 dB</a:t>
+                          </a:r>
+                          <a:endParaRPr lang="en-US" sz="2400" dirty="0">
+                            <a:effectLst/>
+                            <a:latin typeface="Times New Roman" panose="02020603050405020304" pitchFamily="18" charset="0"/>
+                            <a:ea typeface="Times New Roman" panose="02020603050405020304" pitchFamily="18" charset="0"/>
+                            <a:cs typeface="Arial" panose="020B0604020202020204" pitchFamily="34" charset="0"/>
+                          </a:endParaRPr>
+                        </a:p>
+                      </a:txBody>
+                      <a:tcPr marL="68580" marR="68580" marT="0" marB="0"/>
+                    </a:tc>
+                    <a:tc>
+                      <a:txBody>
+                        <a:bodyPr/>
+                        <a:lstStyle/>
+                        <a:p>
+                          <a:pPr marL="0" marR="0" algn="ctr">
+                            <a:spcBef>
+                              <a:spcPts val="0"/>
+                            </a:spcBef>
+                            <a:spcAft>
+                              <a:spcPts val="0"/>
+                            </a:spcAft>
+                          </a:pPr>
+                          <a:r>
+                            <a:rPr lang="en-US" sz="2000" b="1" dirty="0">
+                              <a:effectLst/>
+                              <a:latin typeface="Calibri Light" panose="020F0302020204030204" pitchFamily="34" charset="0"/>
+                              <a:ea typeface="Times New Roman" panose="02020603050405020304" pitchFamily="18" charset="0"/>
+                              <a:cs typeface="Arial" panose="020B0604020202020204" pitchFamily="34" charset="0"/>
+                            </a:rPr>
+                            <a:t>0.9998</a:t>
+                          </a:r>
+                          <a:endParaRPr lang="en-US" sz="2000" dirty="0">
+                            <a:effectLst/>
+                            <a:latin typeface="Times New Roman" panose="02020603050405020304" pitchFamily="18" charset="0"/>
+                            <a:ea typeface="Times New Roman" panose="02020603050405020304" pitchFamily="18" charset="0"/>
+                            <a:cs typeface="Arial" panose="020B0604020202020204" pitchFamily="34" charset="0"/>
+                          </a:endParaRPr>
+                        </a:p>
+                      </a:txBody>
+                      <a:tcPr marL="68580" marR="68580" marT="0" marB="0"/>
+                    </a:tc>
+                    <a:extLst>
+                      <a:ext uri="{0D108BD9-81ED-4DB2-BD59-A6C34878D82A}">
+                        <a16:rowId xmlns:a16="http://schemas.microsoft.com/office/drawing/2014/main" val="3060661394"/>
+                      </a:ext>
+                    </a:extLst>
+                  </a:tr>
                 </a:tbl>
               </a:graphicData>
             </a:graphic>
@@ -28539,14 +28896,14 @@
               <p:nvPr>
                 <p:extLst>
                   <p:ext uri="{D42A27DB-BD31-4B8C-83A1-F6EECF244321}">
-                    <p14:modId xmlns:p14="http://schemas.microsoft.com/office/powerpoint/2010/main" val="414514859"/>
+                    <p14:modId xmlns:p14="http://schemas.microsoft.com/office/powerpoint/2010/main" val="3633667138"/>
                   </p:ext>
                 </p:extLst>
               </p:nvPr>
             </p:nvGraphicFramePr>
             <p:xfrm>
               <a:off x="372311" y="1290285"/>
-              <a:ext cx="11034992" cy="1923972"/>
+              <a:ext cx="11034992" cy="2289732"/>
             </p:xfrm>
             <a:graphic>
               <a:graphicData uri="http://schemas.openxmlformats.org/drawingml/2006/table">
@@ -28648,7 +29005,7 @@
                         <a:blipFill>
                           <a:blip r:embed="rId2"/>
                           <a:stretch>
-                            <a:fillRect l="-200000" t="-24528" r="-331" b="-549057"/>
+                            <a:fillRect l="-200000" t="-24528" r="-331" b="-667925"/>
                           </a:stretch>
                         </a:blipFill>
                       </a:tcPr>
@@ -29129,6 +29486,109 @@
                       </a:ext>
                     </a:extLst>
                   </a:tr>
+                  <a:tr h="365760">
+                    <a:tc>
+                      <a:txBody>
+                        <a:bodyPr/>
+                        <a:lstStyle/>
+                        <a:p>
+                          <a:pPr marL="0" marR="0" algn="ctr">
+                            <a:spcBef>
+                              <a:spcPts val="0"/>
+                            </a:spcBef>
+                            <a:spcAft>
+                              <a:spcPts val="0"/>
+                            </a:spcAft>
+                          </a:pPr>
+                          <a:r>
+                            <a:rPr lang="en-US" sz="2000" b="1" dirty="0">
+                              <a:effectLst/>
+                              <a:latin typeface="Calibri Light" panose="020F0302020204030204" pitchFamily="34" charset="0"/>
+                              <a:ea typeface="Times New Roman" panose="02020603050405020304" pitchFamily="18" charset="0"/>
+                              <a:cs typeface="Arial" panose="020B0604020202020204" pitchFamily="34" charset="0"/>
+                            </a:rPr>
+                            <a:t>Classical method</a:t>
+                          </a:r>
+                          <a:endParaRPr lang="en-US" sz="2000" dirty="0">
+                            <a:effectLst/>
+                            <a:latin typeface="Times New Roman" panose="02020603050405020304" pitchFamily="18" charset="0"/>
+                            <a:ea typeface="Times New Roman" panose="02020603050405020304" pitchFamily="18" charset="0"/>
+                            <a:cs typeface="Arial" panose="020B0604020202020204" pitchFamily="34" charset="0"/>
+                          </a:endParaRPr>
+                        </a:p>
+                      </a:txBody>
+                      <a:tcPr marL="68580" marR="68580" marT="0" marB="0"/>
+                    </a:tc>
+                    <a:tc>
+                      <a:txBody>
+                        <a:bodyPr/>
+                        <a:lstStyle/>
+                        <a:p>
+                          <a:pPr marL="0" marR="0" algn="ctr">
+                            <a:spcBef>
+                              <a:spcPts val="0"/>
+                            </a:spcBef>
+                            <a:spcAft>
+                              <a:spcPts val="0"/>
+                            </a:spcAft>
+                          </a:pPr>
+                          <a:r>
+                            <a:rPr lang="en-US" sz="2400" b="1" dirty="0">
+                              <a:effectLst/>
+                              <a:latin typeface="Calibri Light" panose="020F0302020204030204" pitchFamily="34" charset="0"/>
+                              <a:ea typeface="Times New Roman" panose="02020603050405020304" pitchFamily="18" charset="0"/>
+                              <a:cs typeface="Arial" panose="020B0604020202020204" pitchFamily="34" charset="0"/>
+                            </a:rPr>
+                            <a:t>-21.951 dB</a:t>
+                          </a:r>
+                          <a:endParaRPr lang="en-US" sz="2400" dirty="0">
+                            <a:effectLst/>
+                            <a:latin typeface="Times New Roman" panose="02020603050405020304" pitchFamily="18" charset="0"/>
+                            <a:ea typeface="Times New Roman" panose="02020603050405020304" pitchFamily="18" charset="0"/>
+                            <a:cs typeface="Arial" panose="020B0604020202020204" pitchFamily="34" charset="0"/>
+                          </a:endParaRPr>
+                        </a:p>
+                      </a:txBody>
+                      <a:tcPr marL="68580" marR="68580" marT="0" marB="0"/>
+                    </a:tc>
+                    <a:tc>
+                      <a:txBody>
+                        <a:bodyPr/>
+                        <a:lstStyle/>
+                        <a:p>
+                          <a:pPr marL="0" marR="0" algn="ctr">
+                            <a:spcBef>
+                              <a:spcPts val="0"/>
+                            </a:spcBef>
+                            <a:spcAft>
+                              <a:spcPts val="0"/>
+                            </a:spcAft>
+                          </a:pPr>
+                          <a:r>
+                            <a:rPr lang="en-US" sz="2000" b="1" dirty="0">
+                              <a:effectLst/>
+                              <a:latin typeface="Calibri Light" panose="020F0302020204030204" pitchFamily="34" charset="0"/>
+                              <a:ea typeface="Times New Roman" panose="02020603050405020304" pitchFamily="18" charset="0"/>
+                              <a:cs typeface="Arial" panose="020B0604020202020204" pitchFamily="34" charset="0"/>
+                            </a:rPr>
+                            <a:t>0.9998</a:t>
+                          </a:r>
+                          <a:endParaRPr lang="en-US" sz="2000" dirty="0">
+                            <a:effectLst/>
+                            <a:latin typeface="Times New Roman" panose="02020603050405020304" pitchFamily="18" charset="0"/>
+                            <a:ea typeface="Times New Roman" panose="02020603050405020304" pitchFamily="18" charset="0"/>
+                            <a:cs typeface="Arial" panose="020B0604020202020204" pitchFamily="34" charset="0"/>
+                          </a:endParaRPr>
+                        </a:p>
+                      </a:txBody>
+                      <a:tcPr marL="68580" marR="68580" marT="0" marB="0"/>
+                    </a:tc>
+                    <a:extLst>
+                      <a:ext uri="{0D108BD9-81ED-4DB2-BD59-A6C34878D82A}">
+                        <a16:rowId xmlns:a16="http://schemas.microsoft.com/office/drawing/2014/main" val="3060661394"/>
+                      </a:ext>
+                    </a:extLst>
+                  </a:tr>
                 </a:tbl>
               </a:graphicData>
             </a:graphic>
@@ -29143,7 +29603,7 @@
         </p:nvSpPr>
         <p:spPr>
           <a:xfrm>
-            <a:off x="573048" y="3325373"/>
+            <a:off x="573048" y="3657882"/>
             <a:ext cx="10834255" cy="830997"/>
           </a:xfrm>
           <a:prstGeom prst="rect">
@@ -29568,7 +30028,7 @@
 </p:sld>
 </file>
 
-<file path=ppt/slides/slide54.xml><?xml version="1.0" encoding="utf-8"?>
+<file path=ppt/slides/slide55.xml><?xml version="1.0" encoding="utf-8"?>
 <p:sld xmlns:a="http://schemas.openxmlformats.org/drawingml/2006/main" xmlns:r="http://schemas.openxmlformats.org/officeDocument/2006/relationships" xmlns:p="http://schemas.openxmlformats.org/presentationml/2006/main">
   <p:cSld>
     <p:spTree>
@@ -30719,7 +31179,7 @@
 </p:sld>
 </file>
 
-<file path=ppt/slides/slide55.xml><?xml version="1.0" encoding="utf-8"?>
+<file path=ppt/slides/slide56.xml><?xml version="1.0" encoding="utf-8"?>
 <p:sld xmlns:a="http://schemas.openxmlformats.org/drawingml/2006/main" xmlns:r="http://schemas.openxmlformats.org/officeDocument/2006/relationships" xmlns:p="http://schemas.openxmlformats.org/presentationml/2006/main">
   <p:cSld>
     <p:spTree>
@@ -31072,8 +31532,8 @@
           </p:sp>
         </mc:Fallback>
       </mc:AlternateContent>
-      <mc:AlternateContent xmlns:mc="http://schemas.openxmlformats.org/markup-compatibility/2006" xmlns:a14="http://schemas.microsoft.com/office/drawing/2010/main">
-        <mc:Choice Requires="a14">
+      <mc:AlternateContent xmlns:mc="http://schemas.openxmlformats.org/markup-compatibility/2006">
+        <mc:Choice xmlns:a14="http://schemas.microsoft.com/office/drawing/2010/main" Requires="a14">
           <p:graphicFrame>
             <p:nvGraphicFramePr>
               <p:cNvPr id="2" name="טבלה 1"/>
@@ -31083,14 +31543,14 @@
               <p:nvPr>
                 <p:extLst>
                   <p:ext uri="{D42A27DB-BD31-4B8C-83A1-F6EECF244321}">
-                    <p14:modId xmlns:p14="http://schemas.microsoft.com/office/powerpoint/2010/main" val="2292079929"/>
+                    <p14:modId xmlns:p14="http://schemas.microsoft.com/office/powerpoint/2010/main" val="2858707212"/>
                   </p:ext>
                 </p:extLst>
               </p:nvPr>
             </p:nvGraphicFramePr>
             <p:xfrm>
               <a:off x="317437" y="1041870"/>
-              <a:ext cx="11394123" cy="3017520"/>
+              <a:ext cx="11394123" cy="3514191"/>
             </p:xfrm>
             <a:graphic>
               <a:graphicData uri="http://schemas.openxmlformats.org/drawingml/2006/table">
@@ -31485,12 +31945,12 @@
                             </a:spcAft>
                           </a:pPr>
                           <a:r>
-                            <a:rPr lang="en-US" sz="3300">
+                            <a:rPr lang="en-US" sz="3300" dirty="0">
                               <a:effectLst/>
                             </a:rPr>
                             <a:t>22-30-40-30-20-10-2</a:t>
                           </a:r>
-                          <a:endParaRPr lang="en-US" sz="3300">
+                          <a:endParaRPr lang="en-US" sz="3300" dirty="0">
                             <a:effectLst/>
                             <a:latin typeface="Times New Roman" panose="02020603050405020304" pitchFamily="18" charset="0"/>
                             <a:ea typeface="Times New Roman" panose="02020603050405020304" pitchFamily="18" charset="0"/>
@@ -31535,12 +31995,83 @@
                       </a:ext>
                     </a:extLst>
                   </a:tr>
+                  <a:tr h="496671">
+                    <a:tc>
+                      <a:txBody>
+                        <a:bodyPr/>
+                        <a:lstStyle/>
+                        <a:p>
+                          <a:pPr marL="0" marR="0" algn="ctr">
+                            <a:spcBef>
+                              <a:spcPts val="0"/>
+                            </a:spcBef>
+                            <a:spcAft>
+                              <a:spcPts val="0"/>
+                            </a:spcAft>
+                          </a:pPr>
+                          <a:r>
+                            <a:rPr lang="en-US" sz="2800" b="1" dirty="0">
+                              <a:effectLst/>
+                              <a:latin typeface="Calibri Light" panose="020F0302020204030204" pitchFamily="34" charset="0"/>
+                              <a:ea typeface="Times New Roman" panose="02020603050405020304" pitchFamily="18" charset="0"/>
+                              <a:cs typeface="Arial" panose="020B0604020202020204" pitchFamily="34" charset="0"/>
+                            </a:rPr>
+                            <a:t>Classical method</a:t>
+                          </a:r>
+                          <a:endParaRPr lang="en-US" sz="2800" dirty="0">
+                            <a:effectLst/>
+                            <a:latin typeface="Times New Roman" panose="02020603050405020304" pitchFamily="18" charset="0"/>
+                            <a:ea typeface="Times New Roman" panose="02020603050405020304" pitchFamily="18" charset="0"/>
+                            <a:cs typeface="Arial" panose="020B0604020202020204" pitchFamily="34" charset="0"/>
+                          </a:endParaRPr>
+                        </a:p>
+                      </a:txBody>
+                      <a:tcPr marL="68580" marR="68580" marT="0" marB="0"/>
+                    </a:tc>
+                    <a:tc>
+                      <a:txBody>
+                        <a:bodyPr/>
+                        <a:lstStyle/>
+                        <a:p>
+                          <a:pPr marL="0" marR="0" algn="ctr">
+                            <a:spcBef>
+                              <a:spcPts val="0"/>
+                            </a:spcBef>
+                            <a:spcAft>
+                              <a:spcPts val="0"/>
+                            </a:spcAft>
+                          </a:pPr>
+                          <a:r>
+                            <a:rPr lang="en-US" sz="3200" b="1" dirty="0">
+                              <a:effectLst/>
+                              <a:latin typeface="Calibri Light" panose="020F0302020204030204" pitchFamily="34" charset="0"/>
+                              <a:ea typeface="Times New Roman" panose="02020603050405020304" pitchFamily="18" charset="0"/>
+                              <a:cs typeface="Arial" panose="020B0604020202020204" pitchFamily="34" charset="0"/>
+                            </a:rPr>
+                            <a:t>-19.468 dB</a:t>
+                          </a:r>
+                          <a:endParaRPr lang="en-US" sz="3200" dirty="0">
+                            <a:effectLst/>
+                            <a:latin typeface="Times New Roman" panose="02020603050405020304" pitchFamily="18" charset="0"/>
+                            <a:ea typeface="Times New Roman" panose="02020603050405020304" pitchFamily="18" charset="0"/>
+                            <a:cs typeface="Arial" panose="020B0604020202020204" pitchFamily="34" charset="0"/>
+                          </a:endParaRPr>
+                        </a:p>
+                      </a:txBody>
+                      <a:tcPr marL="68580" marR="68580" marT="0" marB="0"/>
+                    </a:tc>
+                    <a:extLst>
+                      <a:ext uri="{0D108BD9-81ED-4DB2-BD59-A6C34878D82A}">
+                        <a16:rowId xmlns:a16="http://schemas.microsoft.com/office/drawing/2014/main" val="810803487"/>
+                      </a:ext>
+                    </a:extLst>
+                  </a:tr>
                 </a:tbl>
               </a:graphicData>
             </a:graphic>
           </p:graphicFrame>
         </mc:Choice>
-        <mc:Fallback xmlns="">
+        <mc:Fallback>
           <p:graphicFrame>
             <p:nvGraphicFramePr>
               <p:cNvPr id="2" name="טבלה 1"/>
@@ -31550,14 +32081,14 @@
               <p:nvPr>
                 <p:extLst>
                   <p:ext uri="{D42A27DB-BD31-4B8C-83A1-F6EECF244321}">
-                    <p14:modId xmlns:p14="http://schemas.microsoft.com/office/powerpoint/2010/main" val="2292079929"/>
+                    <p14:modId xmlns:p14="http://schemas.microsoft.com/office/powerpoint/2010/main" val="2858707212"/>
                   </p:ext>
                 </p:extLst>
               </p:nvPr>
             </p:nvGraphicFramePr>
             <p:xfrm>
               <a:off x="317437" y="1041870"/>
-              <a:ext cx="11394123" cy="3017520"/>
+              <a:ext cx="11394123" cy="3514191"/>
             </p:xfrm>
             <a:graphic>
               <a:graphicData uri="http://schemas.openxmlformats.org/drawingml/2006/table">
@@ -31623,7 +32154,7 @@
                         <a:blipFill>
                           <a:blip r:embed="rId3"/>
                           <a:stretch>
-                            <a:fillRect l="-100107" t="-22892" r="-428" b="-549398"/>
+                            <a:fillRect l="-100107" t="-22892" r="-428" b="-643373"/>
                           </a:stretch>
                         </a:blipFill>
                       </a:tcPr>
@@ -31909,12 +32440,12 @@
                             </a:spcAft>
                           </a:pPr>
                           <a:r>
-                            <a:rPr lang="en-US" sz="3300">
+                            <a:rPr lang="en-US" sz="3300" dirty="0">
                               <a:effectLst/>
                             </a:rPr>
                             <a:t>22-30-40-30-20-10-2</a:t>
                           </a:r>
-                          <a:endParaRPr lang="en-US" sz="3300">
+                          <a:endParaRPr lang="en-US" sz="3300" dirty="0">
                             <a:effectLst/>
                             <a:latin typeface="Times New Roman" panose="02020603050405020304" pitchFamily="18" charset="0"/>
                             <a:ea typeface="Times New Roman" panose="02020603050405020304" pitchFamily="18" charset="0"/>
@@ -31959,6 +32490,77 @@
                       </a:ext>
                     </a:extLst>
                   </a:tr>
+                  <a:tr h="496671">
+                    <a:tc>
+                      <a:txBody>
+                        <a:bodyPr/>
+                        <a:lstStyle/>
+                        <a:p>
+                          <a:pPr marL="0" marR="0" algn="ctr">
+                            <a:spcBef>
+                              <a:spcPts val="0"/>
+                            </a:spcBef>
+                            <a:spcAft>
+                              <a:spcPts val="0"/>
+                            </a:spcAft>
+                          </a:pPr>
+                          <a:r>
+                            <a:rPr lang="en-US" sz="2800" b="1" dirty="0">
+                              <a:effectLst/>
+                              <a:latin typeface="Calibri Light" panose="020F0302020204030204" pitchFamily="34" charset="0"/>
+                              <a:ea typeface="Times New Roman" panose="02020603050405020304" pitchFamily="18" charset="0"/>
+                              <a:cs typeface="Arial" panose="020B0604020202020204" pitchFamily="34" charset="0"/>
+                            </a:rPr>
+                            <a:t>Classical method</a:t>
+                          </a:r>
+                          <a:endParaRPr lang="en-US" sz="2800" dirty="0">
+                            <a:effectLst/>
+                            <a:latin typeface="Times New Roman" panose="02020603050405020304" pitchFamily="18" charset="0"/>
+                            <a:ea typeface="Times New Roman" panose="02020603050405020304" pitchFamily="18" charset="0"/>
+                            <a:cs typeface="Arial" panose="020B0604020202020204" pitchFamily="34" charset="0"/>
+                          </a:endParaRPr>
+                        </a:p>
+                      </a:txBody>
+                      <a:tcPr marL="68580" marR="68580" marT="0" marB="0"/>
+                    </a:tc>
+                    <a:tc>
+                      <a:txBody>
+                        <a:bodyPr/>
+                        <a:lstStyle/>
+                        <a:p>
+                          <a:pPr marL="0" marR="0" algn="ctr">
+                            <a:spcBef>
+                              <a:spcPts val="0"/>
+                            </a:spcBef>
+                            <a:spcAft>
+                              <a:spcPts val="0"/>
+                            </a:spcAft>
+                          </a:pPr>
+                          <a:r>
+                            <a:rPr lang="en-US" sz="3200" b="1" dirty="0">
+                              <a:effectLst/>
+                              <a:latin typeface="Calibri Light" panose="020F0302020204030204" pitchFamily="34" charset="0"/>
+                              <a:ea typeface="Times New Roman" panose="02020603050405020304" pitchFamily="18" charset="0"/>
+                              <a:cs typeface="Arial" panose="020B0604020202020204" pitchFamily="34" charset="0"/>
+                            </a:rPr>
+                            <a:t>-19.468 dB</a:t>
+                          </a:r>
+                          <a:endParaRPr lang="en-US" sz="3200" dirty="0">
+                            <a:effectLst/>
+                            <a:latin typeface="Times New Roman" panose="02020603050405020304" pitchFamily="18" charset="0"/>
+                            <a:ea typeface="Times New Roman" panose="02020603050405020304" pitchFamily="18" charset="0"/>
+                            <a:cs typeface="Arial" panose="020B0604020202020204" pitchFamily="34" charset="0"/>
+                          </a:endParaRPr>
+                        </a:p>
+                      </a:txBody>
+                      <a:tcPr marL="68580" marR="68580" marT="0" marB="0"/>
+                    </a:tc>
+                    <a:extLst>
+                      <a:ext uri="{0D108BD9-81ED-4DB2-BD59-A6C34878D82A}">
+                        <a16:rowId xmlns:a16="http://schemas.microsoft.com/office/drawing/2014/main" val="810803487"/>
+                      </a:ext>
+                    </a:extLst>
+                  </a:tr>
                 </a:tbl>
               </a:graphicData>
             </a:graphic>
@@ -31973,7 +32575,7 @@
         </p:nvSpPr>
         <p:spPr>
           <a:xfrm>
-            <a:off x="597369" y="4198209"/>
+            <a:off x="597367" y="4556888"/>
             <a:ext cx="10834255" cy="461665"/>
           </a:xfrm>
           <a:prstGeom prst="rect">
@@ -32186,7 +32788,7 @@
 </p:sld>
 </file>
 
-<file path=ppt/slides/slide56.xml><?xml version="1.0" encoding="utf-8"?>
+<file path=ppt/slides/slide57.xml><?xml version="1.0" encoding="utf-8"?>
 <p:sld xmlns:a="http://schemas.openxmlformats.org/drawingml/2006/main" xmlns:r="http://schemas.openxmlformats.org/officeDocument/2006/relationships" xmlns:p="http://schemas.openxmlformats.org/presentationml/2006/main">
   <p:cSld>
     <p:spTree>
@@ -32833,7 +33435,7 @@
 </p:sld>
 </file>
 
-<file path=ppt/slides/slide57.xml><?xml version="1.0" encoding="utf-8"?>
+<file path=ppt/slides/slide58.xml><?xml version="1.0" encoding="utf-8"?>
 <p:sld xmlns:a="http://schemas.openxmlformats.org/drawingml/2006/main" xmlns:r="http://schemas.openxmlformats.org/officeDocument/2006/relationships" xmlns:p="http://schemas.openxmlformats.org/presentationml/2006/main">
   <p:cSld>
     <p:spTree>
@@ -33411,7 +34013,7 @@
 </p:sld>
 </file>
 
-<file path=ppt/slides/slide58.xml><?xml version="1.0" encoding="utf-8"?>
+<file path=ppt/slides/slide59.xml><?xml version="1.0" encoding="utf-8"?>
 <p:sld xmlns:a="http://schemas.openxmlformats.org/drawingml/2006/main" xmlns:r="http://schemas.openxmlformats.org/officeDocument/2006/relationships" xmlns:p="http://schemas.openxmlformats.org/presentationml/2006/main">
   <p:cSld>
     <p:spTree>
@@ -34771,7 +35373,11 @@
             <a:pPr algn="l" rtl="0"/>
             <a:r>
               <a:rPr lang="en-US" dirty="0"/>
-              <a:t>Amplitude Modulation/ Amplitude Modulation (AM/AM</a:t>
+              <a:t>Amplitude Modulation/ Amplitude Modulation </a:t>
+            </a:r>
+            <a:r>
+              <a:rPr lang="en-US" dirty="0" smtClean="0"/>
+              <a:t>distortion (AM/AM</a:t>
             </a:r>
             <a:r>
               <a:rPr lang="en-US" dirty="0" smtClean="0"/>
@@ -34782,7 +35388,15 @@
             <a:pPr algn="l" rtl="0"/>
             <a:r>
               <a:rPr lang="en-US" dirty="0"/>
-              <a:t>Amplitude Modulation/ Phase Modulation (</a:t>
+              <a:t>Amplitude Modulation/ Phase </a:t>
+            </a:r>
+            <a:r>
+              <a:rPr lang="en-US" dirty="0" smtClean="0"/>
+              <a:t>Modulation distortion </a:t>
+            </a:r>
+            <a:r>
+              <a:rPr lang="en-US" dirty="0"/>
+              <a:t>(</a:t>
             </a:r>
             <a:r>
               <a:rPr lang="en-US" dirty="0" smtClean="0"/>
@@ -34793,9 +35407,32 @@
             <a:pPr algn="l" rtl="0"/>
             <a:r>
               <a:rPr lang="en-US" dirty="0"/>
-              <a:t>out of band emission (OOB emission)</a:t>
-            </a:r>
-            <a:endParaRPr lang="en-US" dirty="0"/>
+              <a:t>O</a:t>
+            </a:r>
+            <a:r>
+              <a:rPr lang="en-US" dirty="0" smtClean="0"/>
+              <a:t>ut </a:t>
+            </a:r>
+            <a:r>
+              <a:rPr lang="en-US" dirty="0"/>
+              <a:t>O</a:t>
+            </a:r>
+            <a:r>
+              <a:rPr lang="en-US" dirty="0" smtClean="0"/>
+              <a:t>f </a:t>
+            </a:r>
+            <a:r>
+              <a:rPr lang="en-US" dirty="0"/>
+              <a:t>B</a:t>
+            </a:r>
+            <a:r>
+              <a:rPr lang="en-US" dirty="0" smtClean="0"/>
+              <a:t>and Emission </a:t>
+            </a:r>
+            <a:r>
+              <a:rPr lang="en-US" dirty="0"/>
+              <a:t>(OOB emission)</a:t>
+            </a:r>
           </a:p>
         </p:txBody>
       </p:sp>
@@ -35166,7 +35803,7 @@
       </p:grpSpPr>
       <p:sp>
         <p:nvSpPr>
-          <p:cNvPr id="2" name="Title 1"/>
+          <p:cNvPr id="3" name="Title 1"/>
           <p:cNvSpPr txBox="1">
             <a:spLocks/>
           </p:cNvSpPr>
@@ -35210,7 +35847,7 @@
                   <a:srgbClr val="002060"/>
                 </a:solidFill>
               </a:rPr>
-              <a:t>AM/AM distortion</a:t>
+              <a:t>Methodology</a:t>
             </a:r>
             <a:endParaRPr lang="he-IL" dirty="0">
               <a:solidFill>
@@ -35222,7 +35859,7 @@
       </p:sp>
       <p:sp>
         <p:nvSpPr>
-          <p:cNvPr id="3" name="Content Placeholder 2"/>
+          <p:cNvPr id="4" name="Content Placeholder 2"/>
           <p:cNvSpPr txBox="1">
             <a:spLocks/>
           </p:cNvSpPr>
@@ -35230,8 +35867,8 @@
         </p:nvSpPr>
         <p:spPr>
           <a:xfrm>
-            <a:off x="609600" y="1318360"/>
-            <a:ext cx="10972800" cy="5205548"/>
+            <a:off x="452846" y="846138"/>
+            <a:ext cx="10972800" cy="5512526"/>
           </a:xfrm>
           <a:prstGeom prst="rect">
             <a:avLst/>
@@ -35404,42 +36041,90 @@
             </a:lvl9pPr>
           </a:lstStyle>
           <a:p>
-            <a:pPr algn="l" rtl="0"/>
-            <a:r>
-              <a:rPr lang="en-US" dirty="0"/>
-              <a:t>AM/AM is the relation between the amplitude of the input signal and the amplitude of the output </a:t>
-            </a:r>
-            <a:r>
-              <a:rPr lang="en-US" dirty="0" smtClean="0"/>
-              <a:t>signal.</a:t>
-            </a:r>
+            <a:pPr marL="0" indent="0" algn="l" rtl="0">
+              <a:buNone/>
+            </a:pPr>
+            <a:endParaRPr lang="en-US" dirty="0" smtClean="0"/>
           </a:p>
           <a:p>
-            <a:pPr algn="l" rtl="0"/>
-            <a:endParaRPr lang="en-US" dirty="0"/>
+            <a:pPr marL="365760" marR="0" algn="l" rtl="0">
+              <a:lnSpc>
+                <a:spcPct val="110000"/>
+              </a:lnSpc>
+              <a:spcBef>
+                <a:spcPts val="0"/>
+              </a:spcBef>
+              <a:spcAft>
+                <a:spcPts val="800"/>
+              </a:spcAft>
+            </a:pPr>
+            <a:r>
+              <a:rPr lang="en-US" dirty="0">
+                <a:latin typeface="Times New Roman" panose="02020603050405020304" pitchFamily="18" charset="0"/>
+                <a:ea typeface="Times New Roman" panose="02020603050405020304" pitchFamily="18" charset="0"/>
+              </a:rPr>
+              <a:t>In order to model a real PA, we used data recorded in our lab’s </a:t>
+            </a:r>
+            <a:r>
+              <a:rPr lang="en-US" dirty="0" smtClean="0">
+                <a:latin typeface="Times New Roman" panose="02020603050405020304" pitchFamily="18" charset="0"/>
+                <a:ea typeface="Times New Roman" panose="02020603050405020304" pitchFamily="18" charset="0"/>
+              </a:rPr>
+              <a:t>PA.</a:t>
+            </a:r>
+          </a:p>
+          <a:p>
+            <a:pPr marL="365760" marR="0" algn="l" rtl="0">
+              <a:lnSpc>
+                <a:spcPct val="110000"/>
+              </a:lnSpc>
+              <a:spcBef>
+                <a:spcPts val="0"/>
+              </a:spcBef>
+              <a:spcAft>
+                <a:spcPts val="800"/>
+              </a:spcAft>
+            </a:pPr>
+            <a:endParaRPr lang="en-US" dirty="0">
+              <a:latin typeface="Times New Roman" panose="02020603050405020304" pitchFamily="18" charset="0"/>
+              <a:ea typeface="Times New Roman" panose="02020603050405020304" pitchFamily="18" charset="0"/>
+            </a:endParaRPr>
+          </a:p>
+          <a:p>
+            <a:pPr marL="365760" marR="0" algn="l" rtl="0">
+              <a:lnSpc>
+                <a:spcPct val="110000"/>
+              </a:lnSpc>
+              <a:spcBef>
+                <a:spcPts val="0"/>
+              </a:spcBef>
+              <a:spcAft>
+                <a:spcPts val="800"/>
+              </a:spcAft>
+            </a:pPr>
+            <a:r>
+              <a:rPr lang="en-US" dirty="0" smtClean="0">
+                <a:latin typeface="Times New Roman" panose="02020603050405020304" pitchFamily="18" charset="0"/>
+                <a:ea typeface="Times New Roman" panose="02020603050405020304" pitchFamily="18" charset="0"/>
+              </a:rPr>
+              <a:t>We </a:t>
+            </a:r>
+            <a:r>
+              <a:rPr lang="en-US" dirty="0">
+                <a:latin typeface="Times New Roman" panose="02020603050405020304" pitchFamily="18" charset="0"/>
+                <a:ea typeface="Times New Roman" panose="02020603050405020304" pitchFamily="18" charset="0"/>
+              </a:rPr>
+              <a:t>took sampling rate of 10MHz, of about 60 tones, from a bandwidth of about 1MHz.</a:t>
+            </a:r>
           </a:p>
           <a:p>
             <a:pPr algn="l" rtl="0"/>
             <a:endParaRPr lang="en-US" dirty="0" smtClean="0"/>
           </a:p>
           <a:p>
-            <a:pPr algn="l" rtl="0"/>
-            <a:r>
-              <a:rPr lang="en-US" dirty="0" smtClean="0"/>
-              <a:t>Ideally, this relation </a:t>
-            </a:r>
-            <a:r>
-              <a:rPr lang="en-US" dirty="0"/>
-              <a:t>should be </a:t>
-            </a:r>
-            <a:r>
-              <a:rPr lang="en-US" dirty="0" smtClean="0"/>
-              <a:t>linear, </a:t>
-            </a:r>
-            <a:r>
-              <a:rPr lang="en-US" dirty="0"/>
-              <a:t>but due to non-linear components in the PA, is usually nonlinear</a:t>
-            </a:r>
+            <a:pPr marL="0" indent="0" algn="l" rtl="0">
+              <a:buNone/>
+            </a:pPr>
             <a:endParaRPr lang="en-US" dirty="0" smtClean="0"/>
           </a:p>
         </p:txBody>
@@ -35447,7 +36132,7 @@
     </p:spTree>
     <p:extLst>
       <p:ext uri="{BB962C8B-B14F-4D97-AF65-F5344CB8AC3E}">
-        <p14:creationId xmlns:p14="http://schemas.microsoft.com/office/powerpoint/2010/main" val="2586690049"/>
+        <p14:creationId xmlns:p14="http://schemas.microsoft.com/office/powerpoint/2010/main" val="4158129969"/>
       </p:ext>
     </p:extLst>
   </p:cSld>
@@ -35488,9 +36173,9 @@
                                           </p:stCondLst>
                                         </p:cTn>
                                         <p:tgtEl>
-                                          <p:spTgt spid="3">
+                                          <p:spTgt spid="4">
                                             <p:txEl>
-                                              <p:pRg st="0" end="0"/>
+                                              <p:pRg st="1" end="1"/>
                                             </p:txEl>
                                           </p:spTgt>
                                         </p:tgtEl>
@@ -35506,9 +36191,9 @@
                                       <p:cBhvr>
                                         <p:cTn id="7" dur="500"/>
                                         <p:tgtEl>
-                                          <p:spTgt spid="3">
+                                          <p:spTgt spid="4">
                                             <p:txEl>
-                                              <p:pRg st="0" end="0"/>
+                                              <p:pRg st="1" end="1"/>
                                             </p:txEl>
                                           </p:spTgt>
                                         </p:tgtEl>
@@ -35549,7 +36234,7 @@
                                           </p:stCondLst>
                                         </p:cTn>
                                         <p:tgtEl>
-                                          <p:spTgt spid="3">
+                                          <p:spTgt spid="4">
                                             <p:txEl>
                                               <p:pRg st="3" end="3"/>
                                             </p:txEl>
@@ -35567,7 +36252,7 @@
                                       <p:cBhvr>
                                         <p:cTn id="12" dur="500"/>
                                         <p:tgtEl>
-                                          <p:spTgt spid="3">
+                                          <p:spTgt spid="4">
                                             <p:txEl>
                                               <p:pRg st="3" end="3"/>
                                             </p:txEl>
@@ -35626,99 +36311,341 @@
           <a:chExt cx="0" cy="0"/>
         </a:xfrm>
       </p:grpSpPr>
-      <p:sp>
-        <p:nvSpPr>
-          <p:cNvPr id="2" name="Title 1"/>
-          <p:cNvSpPr txBox="1">
-            <a:spLocks/>
-          </p:cNvSpPr>
+      <p:pic>
+        <p:nvPicPr>
+          <p:cNvPr id="2" name="תמונה 1"/>
+          <p:cNvPicPr>
+            <a:picLocks noChangeAspect="1"/>
+          </p:cNvPicPr>
           <p:nvPr/>
-        </p:nvSpPr>
+        </p:nvPicPr>
+        <p:blipFill>
+          <a:blip r:embed="rId2"/>
+          <a:stretch>
+            <a:fillRect/>
+          </a:stretch>
+        </p:blipFill>
         <p:spPr>
           <a:xfrm>
-            <a:off x="609600" y="274638"/>
-            <a:ext cx="10972800" cy="1143000"/>
+            <a:off x="582531" y="375005"/>
+            <a:ext cx="10713429" cy="5415184"/>
           </a:xfrm>
           <a:prstGeom prst="rect">
             <a:avLst/>
           </a:prstGeom>
         </p:spPr>
-        <p:txBody>
-          <a:bodyPr/>
-          <a:lstStyle>
-            <a:lvl1pPr algn="r" defTabSz="914400" rtl="1" eaLnBrk="1" latinLnBrk="0" hangingPunct="1">
-              <a:lnSpc>
-                <a:spcPct val="90000"/>
-              </a:lnSpc>
-              <a:spcBef>
-                <a:spcPct val="0"/>
-              </a:spcBef>
-              <a:buNone/>
-              <a:defRPr sz="4400" kern="1200">
-                <a:solidFill>
-                  <a:schemeClr val="tx1"/>
-                </a:solidFill>
-                <a:latin typeface="+mj-lt"/>
-                <a:ea typeface="+mj-ea"/>
-                <a:cs typeface="+mj-cs"/>
-              </a:defRPr>
-            </a:lvl1pPr>
-          </a:lstStyle>
-          <a:p>
-            <a:pPr algn="ctr"/>
-            <a:r>
-              <a:rPr lang="en-US" dirty="0" smtClean="0">
-                <a:solidFill>
-                  <a:srgbClr val="002060"/>
-                </a:solidFill>
-              </a:rPr>
-              <a:t>AM/AM distortion</a:t>
-            </a:r>
-            <a:endParaRPr lang="he-IL" dirty="0">
-              <a:solidFill>
-                <a:srgbClr val="002060"/>
-              </a:solidFill>
-            </a:endParaRPr>
-          </a:p>
-        </p:txBody>
-      </p:sp>
-      <p:pic>
-        <p:nvPicPr>
-          <p:cNvPr id="4" name="תמונה 3" descr="https://lh5.googleusercontent.com/Mfulv0SRR996B-z0QHMTf7xGdK9kvM_KBwx4mhsBKGnv_8B6qWlY6lU0EW_sPDsaavwaoC14CBXFLDz4EhX9bIMODB-6gjREE3knWcb4_2O9HfHglTaMq32kUGx66pJPEkSosPfC-eFZfO0dUQ"/>
-          <p:cNvPicPr/>
-          <p:nvPr/>
-        </p:nvPicPr>
-        <p:blipFill>
-          <a:blip r:embed="rId2" cstate="print">
-            <a:extLst>
-              <a:ext uri="{28A0092B-C50C-407E-A947-70E740481C1C}">
-                <a14:useLocalDpi xmlns:a14="http://schemas.microsoft.com/office/drawing/2010/main" val="0"/>
-              </a:ext>
-            </a:extLst>
-          </a:blip>
-          <a:srcRect/>
-          <a:stretch>
-            <a:fillRect/>
-          </a:stretch>
-        </p:blipFill>
-        <p:spPr bwMode="auto">
-          <a:xfrm>
-            <a:off x="2226192" y="804573"/>
-            <a:ext cx="7804496" cy="5847343"/>
-          </a:xfrm>
-          <a:prstGeom prst="rect">
-            <a:avLst/>
-          </a:prstGeom>
-          <a:noFill/>
-          <a:ln>
-            <a:noFill/>
-          </a:ln>
-        </p:spPr>
       </p:pic>
+      <mc:AlternateContent xmlns:mc="http://schemas.openxmlformats.org/markup-compatibility/2006">
+        <mc:Choice xmlns:a14="http://schemas.microsoft.com/office/drawing/2010/main" Requires="a14">
+          <p:sp>
+            <p:nvSpPr>
+              <p:cNvPr id="6" name="Content Placeholder 2"/>
+              <p:cNvSpPr txBox="1">
+                <a:spLocks/>
+              </p:cNvSpPr>
+              <p:nvPr/>
+            </p:nvSpPr>
+            <p:spPr>
+              <a:xfrm>
+                <a:off x="582531" y="5444835"/>
+                <a:ext cx="10972800" cy="1854707"/>
+              </a:xfrm>
+              <a:prstGeom prst="rect">
+                <a:avLst/>
+              </a:prstGeom>
+            </p:spPr>
+            <p:txBody>
+              <a:bodyPr/>
+              <a:lstStyle>
+                <a:lvl1pPr marL="228600" indent="-228600" algn="r" defTabSz="914400" rtl="1" eaLnBrk="1" latinLnBrk="0" hangingPunct="1">
+                  <a:lnSpc>
+                    <a:spcPct val="90000"/>
+                  </a:lnSpc>
+                  <a:spcBef>
+                    <a:spcPts val="1000"/>
+                  </a:spcBef>
+                  <a:buFont typeface="Arial" panose="020B0604020202020204" pitchFamily="34" charset="0"/>
+                  <a:buChar char="•"/>
+                  <a:defRPr sz="2800" kern="1200">
+                    <a:solidFill>
+                      <a:schemeClr val="tx1"/>
+                    </a:solidFill>
+                    <a:latin typeface="+mn-lt"/>
+                    <a:ea typeface="+mn-ea"/>
+                    <a:cs typeface="+mn-cs"/>
+                  </a:defRPr>
+                </a:lvl1pPr>
+                <a:lvl2pPr marL="685800" indent="-228600" algn="r" defTabSz="914400" rtl="1" eaLnBrk="1" latinLnBrk="0" hangingPunct="1">
+                  <a:lnSpc>
+                    <a:spcPct val="90000"/>
+                  </a:lnSpc>
+                  <a:spcBef>
+                    <a:spcPts val="500"/>
+                  </a:spcBef>
+                  <a:buFont typeface="Arial" panose="020B0604020202020204" pitchFamily="34" charset="0"/>
+                  <a:buChar char="•"/>
+                  <a:defRPr sz="2400" kern="1200">
+                    <a:solidFill>
+                      <a:schemeClr val="tx1"/>
+                    </a:solidFill>
+                    <a:latin typeface="+mn-lt"/>
+                    <a:ea typeface="+mn-ea"/>
+                    <a:cs typeface="+mn-cs"/>
+                  </a:defRPr>
+                </a:lvl2pPr>
+                <a:lvl3pPr marL="1143000" indent="-228600" algn="r" defTabSz="914400" rtl="1" eaLnBrk="1" latinLnBrk="0" hangingPunct="1">
+                  <a:lnSpc>
+                    <a:spcPct val="90000"/>
+                  </a:lnSpc>
+                  <a:spcBef>
+                    <a:spcPts val="500"/>
+                  </a:spcBef>
+                  <a:buFont typeface="Arial" panose="020B0604020202020204" pitchFamily="34" charset="0"/>
+                  <a:buChar char="•"/>
+                  <a:defRPr sz="2000" kern="1200">
+                    <a:solidFill>
+                      <a:schemeClr val="tx1"/>
+                    </a:solidFill>
+                    <a:latin typeface="+mn-lt"/>
+                    <a:ea typeface="+mn-ea"/>
+                    <a:cs typeface="+mn-cs"/>
+                  </a:defRPr>
+                </a:lvl3pPr>
+                <a:lvl4pPr marL="1600200" indent="-228600" algn="r" defTabSz="914400" rtl="1" eaLnBrk="1" latinLnBrk="0" hangingPunct="1">
+                  <a:lnSpc>
+                    <a:spcPct val="90000"/>
+                  </a:lnSpc>
+                  <a:spcBef>
+                    <a:spcPts val="500"/>
+                  </a:spcBef>
+                  <a:buFont typeface="Arial" panose="020B0604020202020204" pitchFamily="34" charset="0"/>
+                  <a:buChar char="•"/>
+                  <a:defRPr sz="1800" kern="1200">
+                    <a:solidFill>
+                      <a:schemeClr val="tx1"/>
+                    </a:solidFill>
+                    <a:latin typeface="+mn-lt"/>
+                    <a:ea typeface="+mn-ea"/>
+                    <a:cs typeface="+mn-cs"/>
+                  </a:defRPr>
+                </a:lvl4pPr>
+                <a:lvl5pPr marL="2057400" indent="-228600" algn="r" defTabSz="914400" rtl="1" eaLnBrk="1" latinLnBrk="0" hangingPunct="1">
+                  <a:lnSpc>
+                    <a:spcPct val="90000"/>
+                  </a:lnSpc>
+                  <a:spcBef>
+                    <a:spcPts val="500"/>
+                  </a:spcBef>
+                  <a:buFont typeface="Arial" panose="020B0604020202020204" pitchFamily="34" charset="0"/>
+                  <a:buChar char="•"/>
+                  <a:defRPr sz="1800" kern="1200">
+                    <a:solidFill>
+                      <a:schemeClr val="tx1"/>
+                    </a:solidFill>
+                    <a:latin typeface="+mn-lt"/>
+                    <a:ea typeface="+mn-ea"/>
+                    <a:cs typeface="+mn-cs"/>
+                  </a:defRPr>
+                </a:lvl5pPr>
+                <a:lvl6pPr marL="2514600" indent="-228600" algn="r" defTabSz="914400" rtl="1" eaLnBrk="1" latinLnBrk="0" hangingPunct="1">
+                  <a:lnSpc>
+                    <a:spcPct val="90000"/>
+                  </a:lnSpc>
+                  <a:spcBef>
+                    <a:spcPts val="500"/>
+                  </a:spcBef>
+                  <a:buFont typeface="Arial" panose="020B0604020202020204" pitchFamily="34" charset="0"/>
+                  <a:buChar char="•"/>
+                  <a:defRPr sz="1800" kern="1200">
+                    <a:solidFill>
+                      <a:schemeClr val="tx1"/>
+                    </a:solidFill>
+                    <a:latin typeface="+mn-lt"/>
+                    <a:ea typeface="+mn-ea"/>
+                    <a:cs typeface="+mn-cs"/>
+                  </a:defRPr>
+                </a:lvl6pPr>
+                <a:lvl7pPr marL="2971800" indent="-228600" algn="r" defTabSz="914400" rtl="1" eaLnBrk="1" latinLnBrk="0" hangingPunct="1">
+                  <a:lnSpc>
+                    <a:spcPct val="90000"/>
+                  </a:lnSpc>
+                  <a:spcBef>
+                    <a:spcPts val="500"/>
+                  </a:spcBef>
+                  <a:buFont typeface="Arial" panose="020B0604020202020204" pitchFamily="34" charset="0"/>
+                  <a:buChar char="•"/>
+                  <a:defRPr sz="1800" kern="1200">
+                    <a:solidFill>
+                      <a:schemeClr val="tx1"/>
+                    </a:solidFill>
+                    <a:latin typeface="+mn-lt"/>
+                    <a:ea typeface="+mn-ea"/>
+                    <a:cs typeface="+mn-cs"/>
+                  </a:defRPr>
+                </a:lvl7pPr>
+                <a:lvl8pPr marL="3429000" indent="-228600" algn="r" defTabSz="914400" rtl="1" eaLnBrk="1" latinLnBrk="0" hangingPunct="1">
+                  <a:lnSpc>
+                    <a:spcPct val="90000"/>
+                  </a:lnSpc>
+                  <a:spcBef>
+                    <a:spcPts val="500"/>
+                  </a:spcBef>
+                  <a:buFont typeface="Arial" panose="020B0604020202020204" pitchFamily="34" charset="0"/>
+                  <a:buChar char="•"/>
+                  <a:defRPr sz="1800" kern="1200">
+                    <a:solidFill>
+                      <a:schemeClr val="tx1"/>
+                    </a:solidFill>
+                    <a:latin typeface="+mn-lt"/>
+                    <a:ea typeface="+mn-ea"/>
+                    <a:cs typeface="+mn-cs"/>
+                  </a:defRPr>
+                </a:lvl8pPr>
+                <a:lvl9pPr marL="3886200" indent="-228600" algn="r" defTabSz="914400" rtl="1" eaLnBrk="1" latinLnBrk="0" hangingPunct="1">
+                  <a:lnSpc>
+                    <a:spcPct val="90000"/>
+                  </a:lnSpc>
+                  <a:spcBef>
+                    <a:spcPts val="500"/>
+                  </a:spcBef>
+                  <a:buFont typeface="Arial" panose="020B0604020202020204" pitchFamily="34" charset="0"/>
+                  <a:buChar char="•"/>
+                  <a:defRPr sz="1800" kern="1200">
+                    <a:solidFill>
+                      <a:schemeClr val="tx1"/>
+                    </a:solidFill>
+                    <a:latin typeface="+mn-lt"/>
+                    <a:ea typeface="+mn-ea"/>
+                    <a:cs typeface="+mn-cs"/>
+                  </a:defRPr>
+                </a:lvl9pPr>
+              </a:lstStyle>
+              <a:p>
+                <a:pPr marL="0" indent="0" algn="l" rtl="0">
+                  <a:buNone/>
+                </a:pPr>
+                <a:endParaRPr lang="en-US" dirty="0" smtClean="0"/>
+              </a:p>
+              <a:p>
+                <a:pPr marL="137160" marR="0" indent="0" algn="l" rtl="0">
+                  <a:lnSpc>
+                    <a:spcPct val="110000"/>
+                  </a:lnSpc>
+                  <a:spcBef>
+                    <a:spcPts val="0"/>
+                  </a:spcBef>
+                  <a:spcAft>
+                    <a:spcPts val="800"/>
+                  </a:spcAft>
+                  <a:buNone/>
+                </a:pPr>
+                <a14:m>
+                  <m:oMathPara xmlns:m="http://schemas.openxmlformats.org/officeDocument/2006/math">
+                    <m:oMathParaPr>
+                      <m:jc m:val="centerGroup"/>
+                    </m:oMathParaPr>
+                    <m:oMath xmlns:m="http://schemas.openxmlformats.org/officeDocument/2006/math">
+                      <m:r>
+                        <a:rPr lang="en-US" b="0" i="1" smtClean="0">
+                          <a:latin typeface="Cambria Math" panose="02040503050406030204" pitchFamily="18" charset="0"/>
+                          <a:ea typeface="Times New Roman" panose="02020603050405020304" pitchFamily="18" charset="0"/>
+                        </a:rPr>
+                        <m:t>𝑃𝐴𝑃𝑅</m:t>
+                      </m:r>
+                      <m:r>
+                        <a:rPr lang="en-US" b="0" i="1" smtClean="0">
+                          <a:latin typeface="Cambria Math" panose="02040503050406030204" pitchFamily="18" charset="0"/>
+                          <a:ea typeface="Times New Roman" panose="02020603050405020304" pitchFamily="18" charset="0"/>
+                        </a:rPr>
+                        <m:t>≈</m:t>
+                      </m:r>
+                      <m:r>
+                        <a:rPr lang="en-US" b="0" i="1" smtClean="0">
+                          <a:latin typeface="Cambria Math" panose="02040503050406030204" pitchFamily="18" charset="0"/>
+                          <a:ea typeface="Times New Roman" panose="02020603050405020304" pitchFamily="18" charset="0"/>
+                        </a:rPr>
+                        <m:t>11</m:t>
+                      </m:r>
+                      <m:r>
+                        <a:rPr lang="en-US" b="0" i="1" smtClean="0">
+                          <a:latin typeface="Cambria Math" panose="02040503050406030204" pitchFamily="18" charset="0"/>
+                          <a:ea typeface="Times New Roman" panose="02020603050405020304" pitchFamily="18" charset="0"/>
+                        </a:rPr>
+                        <m:t> </m:t>
+                      </m:r>
+                      <m:r>
+                        <a:rPr lang="en-US" b="0" i="1" smtClean="0">
+                          <a:latin typeface="Cambria Math" panose="02040503050406030204" pitchFamily="18" charset="0"/>
+                          <a:ea typeface="Times New Roman" panose="02020603050405020304" pitchFamily="18" charset="0"/>
+                        </a:rPr>
+                        <m:t>𝑑𝐵</m:t>
+                      </m:r>
+                    </m:oMath>
+                  </m:oMathPara>
+                </a14:m>
+                <a:endParaRPr lang="en-US" dirty="0" smtClean="0">
+                  <a:latin typeface="Times New Roman" panose="02020603050405020304" pitchFamily="18" charset="0"/>
+                  <a:ea typeface="Times New Roman" panose="02020603050405020304" pitchFamily="18" charset="0"/>
+                </a:endParaRPr>
+              </a:p>
+              <a:p>
+                <a:pPr marL="0" indent="0" algn="l" rtl="0">
+                  <a:buNone/>
+                </a:pPr>
+                <a:endParaRPr lang="en-US" dirty="0" smtClean="0"/>
+              </a:p>
+              <a:p>
+                <a:pPr marL="0" indent="0" algn="l" rtl="0">
+                  <a:buNone/>
+                </a:pPr>
+                <a:endParaRPr lang="en-US" dirty="0" smtClean="0"/>
+              </a:p>
+            </p:txBody>
+          </p:sp>
+        </mc:Choice>
+        <mc:Fallback>
+          <p:sp>
+            <p:nvSpPr>
+              <p:cNvPr id="6" name="Content Placeholder 2"/>
+              <p:cNvSpPr txBox="1">
+                <a:spLocks noRot="1" noChangeAspect="1" noMove="1" noResize="1" noEditPoints="1" noAdjustHandles="1" noChangeArrowheads="1" noChangeShapeType="1" noTextEdit="1"/>
+              </p:cNvSpPr>
+              <p:nvPr/>
+            </p:nvSpPr>
+            <p:spPr>
+              <a:xfrm>
+                <a:off x="582531" y="5444835"/>
+                <a:ext cx="10972800" cy="1854707"/>
+              </a:xfrm>
+              <a:prstGeom prst="rect">
+                <a:avLst/>
+              </a:prstGeom>
+              <a:blipFill>
+                <a:blip r:embed="rId3"/>
+                <a:stretch>
+                  <a:fillRect/>
+                </a:stretch>
+              </a:blipFill>
+            </p:spPr>
+            <p:txBody>
+              <a:bodyPr/>
+              <a:lstStyle/>
+              <a:p>
+                <a:r>
+                  <a:rPr lang="en-US">
+                    <a:noFill/>
+                  </a:rPr>
+                  <a:t> </a:t>
+                </a:r>
+              </a:p>
+            </p:txBody>
+          </p:sp>
+        </mc:Fallback>
+      </mc:AlternateContent>
     </p:spTree>
     <p:extLst>
       <p:ext uri="{BB962C8B-B14F-4D97-AF65-F5344CB8AC3E}">
-        <p14:creationId xmlns:p14="http://schemas.microsoft.com/office/powerpoint/2010/main" val="1604469197"/>
+        <p14:creationId xmlns:p14="http://schemas.microsoft.com/office/powerpoint/2010/main" val="2598310974"/>
       </p:ext>
     </p:extLst>
   </p:cSld>
@@ -35728,9 +36655,88 @@
   <p:timing>
     <p:tnLst>
       <p:par>
-        <p:cTn id="1" dur="indefinite" restart="never" nodeType="tmRoot"/>
+        <p:cTn id="1" dur="indefinite" restart="never" nodeType="tmRoot">
+          <p:childTnLst>
+            <p:seq concurrent="1" nextAc="seek">
+              <p:cTn id="2" dur="indefinite" nodeType="mainSeq">
+                <p:childTnLst>
+                  <p:par>
+                    <p:cTn id="3" fill="hold">
+                      <p:stCondLst>
+                        <p:cond delay="indefinite"/>
+                      </p:stCondLst>
+                      <p:childTnLst>
+                        <p:par>
+                          <p:cTn id="4" fill="hold">
+                            <p:stCondLst>
+                              <p:cond delay="0"/>
+                            </p:stCondLst>
+                            <p:childTnLst>
+                              <p:par>
+                                <p:cTn id="5" presetID="10" presetClass="entr" presetSubtype="0" fill="hold" grpId="0" nodeType="clickEffect">
+                                  <p:stCondLst>
+                                    <p:cond delay="0"/>
+                                  </p:stCondLst>
+                                  <p:childTnLst>
+                                    <p:set>
+                                      <p:cBhvr>
+                                        <p:cTn id="6" dur="1" fill="hold">
+                                          <p:stCondLst>
+                                            <p:cond delay="0"/>
+                                          </p:stCondLst>
+                                        </p:cTn>
+                                        <p:tgtEl>
+                                          <p:spTgt spid="6"/>
+                                        </p:tgtEl>
+                                        <p:attrNameLst>
+                                          <p:attrName>style.visibility</p:attrName>
+                                        </p:attrNameLst>
+                                      </p:cBhvr>
+                                      <p:to>
+                                        <p:strVal val="visible"/>
+                                      </p:to>
+                                    </p:set>
+                                    <p:animEffect transition="in" filter="fade">
+                                      <p:cBhvr>
+                                        <p:cTn id="7" dur="500"/>
+                                        <p:tgtEl>
+                                          <p:spTgt spid="6"/>
+                                        </p:tgtEl>
+                                      </p:cBhvr>
+                                    </p:animEffect>
+                                  </p:childTnLst>
+                                </p:cTn>
+                              </p:par>
+                            </p:childTnLst>
+                          </p:cTn>
+                        </p:par>
+                      </p:childTnLst>
+                    </p:cTn>
+                  </p:par>
+                </p:childTnLst>
+              </p:cTn>
+              <p:prevCondLst>
+                <p:cond evt="onPrev" delay="0">
+                  <p:tgtEl>
+                    <p:sldTgt/>
+                  </p:tgtEl>
+                </p:cond>
+              </p:prevCondLst>
+              <p:nextCondLst>
+                <p:cond evt="onNext" delay="0">
+                  <p:tgtEl>
+                    <p:sldTgt/>
+                  </p:tgtEl>
+                </p:cond>
+              </p:nextCondLst>
+            </p:seq>
+          </p:childTnLst>
+        </p:cTn>
       </p:par>
     </p:tnLst>
+    <p:bldLst>
+      <p:bldP spid="6" grpId="0"/>
+    </p:bldLst>
   </p:timing>
 </p:sld>
 </file>

--- a/documents/Final Presentation.pptx
+++ b/documents/Final Presentation.pptx
@@ -304,7 +304,7 @@
           <a:p>
             <a:fld id="{9FEBE435-90A8-453D-A692-E5D5F0B9EC14}" type="datetimeFigureOut">
               <a:rPr lang="en-US" smtClean="0"/>
-              <a:t>5/4/2023</a:t>
+              <a:t>5/5/2023</a:t>
             </a:fld>
             <a:endParaRPr lang="en-US"/>
           </a:p>
@@ -474,7 +474,7 @@
           <a:p>
             <a:fld id="{9FEBE435-90A8-453D-A692-E5D5F0B9EC14}" type="datetimeFigureOut">
               <a:rPr lang="en-US" smtClean="0"/>
-              <a:t>5/4/2023</a:t>
+              <a:t>5/5/2023</a:t>
             </a:fld>
             <a:endParaRPr lang="en-US"/>
           </a:p>
@@ -654,7 +654,7 @@
           <a:p>
             <a:fld id="{9FEBE435-90A8-453D-A692-E5D5F0B9EC14}" type="datetimeFigureOut">
               <a:rPr lang="en-US" smtClean="0"/>
-              <a:t>5/4/2023</a:t>
+              <a:t>5/5/2023</a:t>
             </a:fld>
             <a:endParaRPr lang="en-US"/>
           </a:p>
@@ -824,7 +824,7 @@
           <a:p>
             <a:fld id="{9FEBE435-90A8-453D-A692-E5D5F0B9EC14}" type="datetimeFigureOut">
               <a:rPr lang="en-US" smtClean="0"/>
-              <a:t>5/4/2023</a:t>
+              <a:t>5/5/2023</a:t>
             </a:fld>
             <a:endParaRPr lang="en-US"/>
           </a:p>
@@ -1070,7 +1070,7 @@
           <a:p>
             <a:fld id="{9FEBE435-90A8-453D-A692-E5D5F0B9EC14}" type="datetimeFigureOut">
               <a:rPr lang="en-US" smtClean="0"/>
-              <a:t>5/4/2023</a:t>
+              <a:t>5/5/2023</a:t>
             </a:fld>
             <a:endParaRPr lang="en-US"/>
           </a:p>
@@ -1302,7 +1302,7 @@
           <a:p>
             <a:fld id="{9FEBE435-90A8-453D-A692-E5D5F0B9EC14}" type="datetimeFigureOut">
               <a:rPr lang="en-US" smtClean="0"/>
-              <a:t>5/4/2023</a:t>
+              <a:t>5/5/2023</a:t>
             </a:fld>
             <a:endParaRPr lang="en-US"/>
           </a:p>
@@ -1669,7 +1669,7 @@
           <a:p>
             <a:fld id="{9FEBE435-90A8-453D-A692-E5D5F0B9EC14}" type="datetimeFigureOut">
               <a:rPr lang="en-US" smtClean="0"/>
-              <a:t>5/4/2023</a:t>
+              <a:t>5/5/2023</a:t>
             </a:fld>
             <a:endParaRPr lang="en-US"/>
           </a:p>
@@ -1787,7 +1787,7 @@
           <a:p>
             <a:fld id="{9FEBE435-90A8-453D-A692-E5D5F0B9EC14}" type="datetimeFigureOut">
               <a:rPr lang="en-US" smtClean="0"/>
-              <a:t>5/4/2023</a:t>
+              <a:t>5/5/2023</a:t>
             </a:fld>
             <a:endParaRPr lang="en-US"/>
           </a:p>
@@ -1882,7 +1882,7 @@
           <a:p>
             <a:fld id="{9FEBE435-90A8-453D-A692-E5D5F0B9EC14}" type="datetimeFigureOut">
               <a:rPr lang="en-US" smtClean="0"/>
-              <a:t>5/4/2023</a:t>
+              <a:t>5/5/2023</a:t>
             </a:fld>
             <a:endParaRPr lang="en-US"/>
           </a:p>
@@ -2159,7 +2159,7 @@
           <a:p>
             <a:fld id="{9FEBE435-90A8-453D-A692-E5D5F0B9EC14}" type="datetimeFigureOut">
               <a:rPr lang="en-US" smtClean="0"/>
-              <a:t>5/4/2023</a:t>
+              <a:t>5/5/2023</a:t>
             </a:fld>
             <a:endParaRPr lang="en-US"/>
           </a:p>
@@ -2412,7 +2412,7 @@
           <a:p>
             <a:fld id="{9FEBE435-90A8-453D-A692-E5D5F0B9EC14}" type="datetimeFigureOut">
               <a:rPr lang="en-US" smtClean="0"/>
-              <a:t>5/4/2023</a:t>
+              <a:t>5/5/2023</a:t>
             </a:fld>
             <a:endParaRPr lang="en-US"/>
           </a:p>
@@ -2625,7 +2625,7 @@
           <a:p>
             <a:fld id="{9FEBE435-90A8-453D-A692-E5D5F0B9EC14}" type="datetimeFigureOut">
               <a:rPr lang="en-US" smtClean="0"/>
-              <a:t>5/4/2023</a:t>
+              <a:t>5/5/2023</a:t>
             </a:fld>
             <a:endParaRPr lang="en-US"/>
           </a:p>
@@ -3272,16 +3272,7 @@
                 </a:solidFill>
                 <a:cs typeface="+mj-cs"/>
               </a:rPr>
-              <a:t>Spring,  </a:t>
-            </a:r>
-            <a:r>
-              <a:rPr lang="en-US" sz="2000" dirty="0" smtClean="0">
-                <a:solidFill>
-                  <a:srgbClr val="002060"/>
-                </a:solidFill>
-                <a:cs typeface="+mj-cs"/>
-              </a:rPr>
-              <a:t>2022-2023</a:t>
+              <a:t>Spring,  2022-2023</a:t>
             </a:r>
             <a:endParaRPr lang="en-US" sz="2000" dirty="0">
               <a:solidFill>
@@ -3451,35 +3442,6 @@
           <a:chExt cx="0" cy="0"/>
         </a:xfrm>
       </p:grpSpPr>
-      <p:pic>
-        <p:nvPicPr>
-          <p:cNvPr id="2" name="תמונה 1"/>
-          <p:cNvPicPr>
-            <a:picLocks noChangeAspect="1"/>
-          </p:cNvPicPr>
-          <p:nvPr/>
-        </p:nvPicPr>
-        <p:blipFill>
-          <a:blip r:embed="rId2"/>
-          <a:stretch>
-            <a:fillRect/>
-          </a:stretch>
-        </p:blipFill>
-        <p:spPr>
-          <a:xfrm>
-            <a:off x="582531" y="375005"/>
-            <a:ext cx="10713429" cy="5415184"/>
-          </a:xfrm>
-          <a:prstGeom prst="rect">
-            <a:avLst/>
-          </a:prstGeom>
-          <a:ln>
-            <a:solidFill>
-              <a:srgbClr val="FF0000"/>
-            </a:solidFill>
-          </a:ln>
-        </p:spPr>
-      </p:pic>
       <mc:AlternateContent xmlns:mc="http://schemas.openxmlformats.org/markup-compatibility/2006" xmlns:a14="http://schemas.microsoft.com/office/drawing/2010/main">
         <mc:Choice Requires="a14">
           <p:sp>
@@ -3787,6 +3749,30 @@
           </p:sp>
         </mc:Fallback>
       </mc:AlternateContent>
+      <p:pic>
+        <p:nvPicPr>
+          <p:cNvPr id="5" name="תמונה 4"/>
+          <p:cNvPicPr>
+            <a:picLocks noChangeAspect="1"/>
+          </p:cNvPicPr>
+          <p:nvPr/>
+        </p:nvPicPr>
+        <p:blipFill>
+          <a:blip r:embed="rId4"/>
+          <a:stretch>
+            <a:fillRect/>
+          </a:stretch>
+        </p:blipFill>
+        <p:spPr>
+          <a:xfrm>
+            <a:off x="291212" y="242920"/>
+            <a:ext cx="11555438" cy="5734850"/>
+          </a:xfrm>
+          <a:prstGeom prst="rect">
+            <a:avLst/>
+          </a:prstGeom>
+        </p:spPr>
+      </p:pic>
     </p:spTree>
     <p:extLst>
       <p:ext uri="{BB962C8B-B14F-4D97-AF65-F5344CB8AC3E}">
@@ -3846,6 +3832,41 @@
                                         <p:cTn id="7" dur="500"/>
                                         <p:tgtEl>
                                           <p:spTgt spid="6"/>
+                                        </p:tgtEl>
+                                      </p:cBhvr>
+                                    </p:animEffect>
+                                  </p:childTnLst>
+                                </p:cTn>
+                              </p:par>
+                              <p:par>
+                                <p:cTn id="8" presetID="10" presetClass="entr" presetSubtype="0" fill="hold" nodeType="withEffect">
+                                  <p:stCondLst>
+                                    <p:cond delay="0"/>
+                                  </p:stCondLst>
+                                  <p:childTnLst>
+                                    <p:set>
+                                      <p:cBhvr>
+                                        <p:cTn id="9" dur="1" fill="hold">
+                                          <p:stCondLst>
+                                            <p:cond delay="0"/>
+                                          </p:stCondLst>
+                                        </p:cTn>
+                                        <p:tgtEl>
+                                          <p:spTgt spid="5"/>
+                                        </p:tgtEl>
+                                        <p:attrNameLst>
+                                          <p:attrName>style.visibility</p:attrName>
+                                        </p:attrNameLst>
+                                      </p:cBhvr>
+                                      <p:to>
+                                        <p:strVal val="visible"/>
+                                      </p:to>
+                                    </p:set>
+                                    <p:animEffect transition="in" filter="fade">
+                                      <p:cBhvr>
+                                        <p:cTn id="10" dur="500"/>
+                                        <p:tgtEl>
+                                          <p:spTgt spid="5"/>
                                         </p:tgtEl>
                                       </p:cBhvr>
                                     </p:animEffect>
@@ -6566,7 +6587,13 @@
                             <a:rPr lang="en-US" sz="2800" i="0">
                               <a:latin typeface="Cambria Math" panose="02040503050406030204" pitchFamily="18" charset="0"/>
                             </a:rPr>
-                            <m:t>=1</m:t>
+                            <m:t>=</m:t>
+                          </m:r>
+                          <m:r>
+                            <a:rPr lang="en-US" sz="2800" i="0">
+                              <a:latin typeface="Cambria Math" panose="02040503050406030204" pitchFamily="18" charset="0"/>
+                            </a:rPr>
+                            <m:t>1</m:t>
                           </m:r>
                         </m:sub>
                         <m:sup>
@@ -6626,7 +6653,13 @@
                                 <a:rPr lang="en-US" sz="2800" i="0">
                                   <a:latin typeface="Cambria Math" panose="02040503050406030204" pitchFamily="18" charset="0"/>
                                 </a:rPr>
-                                <m:t>−1</m:t>
+                                <m:t>−</m:t>
+                              </m:r>
+                              <m:r>
+                                <a:rPr lang="en-US" sz="2800" i="0">
+                                  <a:latin typeface="Cambria Math" panose="02040503050406030204" pitchFamily="18" charset="0"/>
+                                </a:rPr>
+                                <m:t>1</m:t>
                               </m:r>
                             </m:sup>
                             <m:e>
@@ -6686,7 +6719,13 @@
                                 <a:rPr lang="en-US" sz="2800" i="0">
                                   <a:latin typeface="Cambria Math" panose="02040503050406030204" pitchFamily="18" charset="0"/>
                                 </a:rPr>
-                                <m:t>−1</m:t>
+                                <m:t>−</m:t>
+                              </m:r>
+                              <m:r>
+                                <a:rPr lang="en-US" sz="2800" i="0">
+                                  <a:latin typeface="Cambria Math" panose="02040503050406030204" pitchFamily="18" charset="0"/>
+                                </a:rPr>
+                                <m:t>1</m:t>
                               </m:r>
                             </m:sup>
                             <m:e>
@@ -6804,7 +6843,13 @@
                                     <a:rPr lang="en-US" sz="2800" i="0">
                                       <a:latin typeface="Cambria Math" panose="02040503050406030204" pitchFamily="18" charset="0"/>
                                     </a:rPr>
-                                    <m:t>=1</m:t>
+                                    <m:t>=</m:t>
+                                  </m:r>
+                                  <m:r>
+                                    <a:rPr lang="en-US" sz="2800" i="0">
+                                      <a:latin typeface="Cambria Math" panose="02040503050406030204" pitchFamily="18" charset="0"/>
+                                    </a:rPr>
+                                    <m:t>1</m:t>
                                   </m:r>
                                 </m:sub>
                                 <m:sup>
@@ -7386,11 +7431,7 @@
             </a:r>
             <a:r>
               <a:rPr lang="en-US" dirty="0" smtClean="0"/>
-              <a:t>coefficients [3</a:t>
-            </a:r>
-            <a:r>
-              <a:rPr lang="en-US" dirty="0" smtClean="0"/>
-              <a:t>]</a:t>
+              <a:t>coefficients [3]</a:t>
             </a:r>
           </a:p>
           <a:p>
@@ -8201,8 +8242,8 @@
           </a:p>
         </p:txBody>
       </p:sp>
-      <mc:AlternateContent xmlns:mc="http://schemas.openxmlformats.org/markup-compatibility/2006">
-        <mc:Choice xmlns:a14="http://schemas.microsoft.com/office/drawing/2010/main" Requires="a14">
+      <mc:AlternateContent xmlns:mc="http://schemas.openxmlformats.org/markup-compatibility/2006" xmlns:a14="http://schemas.microsoft.com/office/drawing/2010/main">
+        <mc:Choice Requires="a14">
           <p:sp>
             <p:nvSpPr>
               <p:cNvPr id="4" name="מלבן 3"/>
@@ -8288,7 +8329,7 @@
             </p:txBody>
           </p:sp>
         </mc:Choice>
-        <mc:Fallback>
+        <mc:Fallback xmlns="">
           <p:sp>
             <p:nvSpPr>
               <p:cNvPr id="4" name="מלבן 3"/>
@@ -10755,8 +10796,8 @@
           </p:sp>
         </mc:Fallback>
       </mc:AlternateContent>
-      <mc:AlternateContent xmlns:mc="http://schemas.openxmlformats.org/markup-compatibility/2006">
-        <mc:Choice xmlns:a14="http://schemas.microsoft.com/office/drawing/2010/main" Requires="a14">
+      <mc:AlternateContent xmlns:mc="http://schemas.openxmlformats.org/markup-compatibility/2006" xmlns:a14="http://schemas.microsoft.com/office/drawing/2010/main">
+        <mc:Choice Requires="a14">
           <p:sp>
             <p:nvSpPr>
               <p:cNvPr id="3" name="מלבן 2"/>
@@ -10915,7 +10956,7 @@
             </p:txBody>
           </p:sp>
         </mc:Choice>
-        <mc:Fallback>
+        <mc:Fallback xmlns="">
           <p:sp>
             <p:nvSpPr>
               <p:cNvPr id="3" name="מלבן 2"/>
@@ -11453,11 +11494,7 @@
             </a:r>
             <a:r>
               <a:rPr lang="en-US" dirty="0" smtClean="0"/>
-              <a:t>descent</a:t>
-            </a:r>
-            <a:r>
-              <a:rPr lang="en-US" dirty="0" smtClean="0"/>
-              <a:t>.</a:t>
+              <a:t>descent.</a:t>
             </a:r>
           </a:p>
           <a:p>
@@ -11656,8 +11693,8 @@
           </p:sp>
         </mc:Fallback>
       </mc:AlternateContent>
-      <mc:AlternateContent xmlns:mc="http://schemas.openxmlformats.org/markup-compatibility/2006">
-        <mc:Choice xmlns:a14="http://schemas.microsoft.com/office/drawing/2010/main" Requires="a14">
+      <mc:AlternateContent xmlns:mc="http://schemas.openxmlformats.org/markup-compatibility/2006" xmlns:a14="http://schemas.microsoft.com/office/drawing/2010/main">
+        <mc:Choice Requires="a14">
           <p:sp>
             <p:nvSpPr>
               <p:cNvPr id="6" name="מלבן 5"/>
@@ -11928,7 +11965,7 @@
             </p:txBody>
           </p:sp>
         </mc:Choice>
-        <mc:Fallback>
+        <mc:Fallback xmlns="">
           <p:sp>
             <p:nvSpPr>
               <p:cNvPr id="6" name="מלבן 5"/>
@@ -13008,8 +13045,8 @@
           <a:chExt cx="0" cy="0"/>
         </a:xfrm>
       </p:grpSpPr>
-      <mc:AlternateContent xmlns:mc="http://schemas.openxmlformats.org/markup-compatibility/2006">
-        <mc:Choice xmlns:a14="http://schemas.microsoft.com/office/drawing/2010/main" Requires="a14">
+      <mc:AlternateContent xmlns:mc="http://schemas.openxmlformats.org/markup-compatibility/2006" xmlns:a14="http://schemas.microsoft.com/office/drawing/2010/main">
+        <mc:Choice Requires="a14">
           <p:sp>
             <p:nvSpPr>
               <p:cNvPr id="5" name="Content Placeholder 2"/>
@@ -13285,7 +13322,7 @@
             </p:txBody>
           </p:sp>
         </mc:Choice>
-        <mc:Fallback>
+        <mc:Fallback xmlns="">
           <p:sp>
             <p:nvSpPr>
               <p:cNvPr id="5" name="Content Placeholder 2"/>
@@ -13398,8 +13435,8 @@
           </a:p>
         </p:txBody>
       </p:sp>
-      <mc:AlternateContent xmlns:mc="http://schemas.openxmlformats.org/markup-compatibility/2006">
-        <mc:Choice xmlns:a14="http://schemas.microsoft.com/office/drawing/2010/main" Requires="a14">
+      <mc:AlternateContent xmlns:mc="http://schemas.openxmlformats.org/markup-compatibility/2006" xmlns:a14="http://schemas.microsoft.com/office/drawing/2010/main">
+        <mc:Choice Requires="a14">
           <p:sp>
             <p:nvSpPr>
               <p:cNvPr id="9" name="מלבן 8"/>
@@ -13630,7 +13667,7 @@
             </p:txBody>
           </p:sp>
         </mc:Choice>
-        <mc:Fallback>
+        <mc:Fallback xmlns="">
           <p:sp>
             <p:nvSpPr>
               <p:cNvPr id="9" name="מלבן 8"/>
@@ -13669,8 +13706,8 @@
           </p:sp>
         </mc:Fallback>
       </mc:AlternateContent>
-      <mc:AlternateContent xmlns:mc="http://schemas.openxmlformats.org/markup-compatibility/2006">
-        <mc:Choice xmlns:a14="http://schemas.microsoft.com/office/drawing/2010/main" Requires="a14">
+      <mc:AlternateContent xmlns:mc="http://schemas.openxmlformats.org/markup-compatibility/2006" xmlns:a14="http://schemas.microsoft.com/office/drawing/2010/main">
+        <mc:Choice Requires="a14">
           <p:sp>
             <p:nvSpPr>
               <p:cNvPr id="8" name="מלבן 7"/>
@@ -13750,7 +13787,7 @@
             </p:txBody>
           </p:sp>
         </mc:Choice>
-        <mc:Fallback>
+        <mc:Fallback xmlns="">
           <p:sp>
             <p:nvSpPr>
               <p:cNvPr id="8" name="מלבן 7"/>
@@ -14680,8 +14717,8 @@
           </p:sp>
         </mc:Fallback>
       </mc:AlternateContent>
-      <mc:AlternateContent xmlns:mc="http://schemas.openxmlformats.org/markup-compatibility/2006">
-        <mc:Choice xmlns:a14="http://schemas.microsoft.com/office/drawing/2010/main" Requires="a14">
+      <mc:AlternateContent xmlns:mc="http://schemas.openxmlformats.org/markup-compatibility/2006" xmlns:a14="http://schemas.microsoft.com/office/drawing/2010/main">
+        <mc:Choice Requires="a14">
           <p:sp>
             <p:nvSpPr>
               <p:cNvPr id="3" name="מלבן 2"/>
@@ -14859,7 +14896,7 @@
             </p:txBody>
           </p:sp>
         </mc:Choice>
-        <mc:Fallback>
+        <mc:Fallback xmlns="">
           <p:sp>
             <p:nvSpPr>
               <p:cNvPr id="3" name="מלבן 2"/>
@@ -15332,8 +15369,8 @@
           </a:fontRef>
         </p:style>
       </p:cxnSp>
-      <mc:AlternateContent xmlns:mc="http://schemas.openxmlformats.org/markup-compatibility/2006">
-        <mc:Choice xmlns:a14="http://schemas.microsoft.com/office/drawing/2010/main" Requires="a14">
+      <mc:AlternateContent xmlns:mc="http://schemas.openxmlformats.org/markup-compatibility/2006" xmlns:a14="http://schemas.microsoft.com/office/drawing/2010/main">
+        <mc:Choice Requires="a14">
           <p:sp>
             <p:nvSpPr>
               <p:cNvPr id="13" name="מלבן 12"/>
@@ -15413,7 +15450,7 @@
             </p:txBody>
           </p:sp>
         </mc:Choice>
-        <mc:Fallback>
+        <mc:Fallback xmlns="">
           <p:sp>
             <p:nvSpPr>
               <p:cNvPr id="13" name="מלבן 12"/>
@@ -15452,8 +15489,8 @@
           </p:sp>
         </mc:Fallback>
       </mc:AlternateContent>
-      <mc:AlternateContent xmlns:mc="http://schemas.openxmlformats.org/markup-compatibility/2006">
-        <mc:Choice xmlns:a14="http://schemas.microsoft.com/office/drawing/2010/main" Requires="a14">
+      <mc:AlternateContent xmlns:mc="http://schemas.openxmlformats.org/markup-compatibility/2006" xmlns:a14="http://schemas.microsoft.com/office/drawing/2010/main">
+        <mc:Choice Requires="a14">
           <p:sp>
             <p:nvSpPr>
               <p:cNvPr id="14" name="מלבן 13"/>
@@ -15631,7 +15668,7 @@
             </p:txBody>
           </p:sp>
         </mc:Choice>
-        <mc:Fallback>
+        <mc:Fallback xmlns="">
           <p:sp>
             <p:nvSpPr>
               <p:cNvPr id="14" name="מלבן 13"/>
@@ -29393,8 +29430,8 @@
           </a:p>
         </p:txBody>
       </p:sp>
-      <mc:AlternateContent xmlns:mc="http://schemas.openxmlformats.org/markup-compatibility/2006">
-        <mc:Choice xmlns:a14="http://schemas.microsoft.com/office/drawing/2010/main" Requires="a14">
+      <mc:AlternateContent xmlns:mc="http://schemas.openxmlformats.org/markup-compatibility/2006" xmlns:a14="http://schemas.microsoft.com/office/drawing/2010/main">
+        <mc:Choice Requires="a14">
           <p:graphicFrame>
             <p:nvGraphicFramePr>
               <p:cNvPr id="3" name="טבלה 2"/>
@@ -30223,7 +30260,7 @@
             </a:graphic>
           </p:graphicFrame>
         </mc:Choice>
-        <mc:Fallback>
+        <mc:Fallback xmlns="">
           <p:graphicFrame>
             <p:nvGraphicFramePr>
               <p:cNvPr id="3" name="טבלה 2"/>
@@ -32947,8 +32984,8 @@
           </p:sp>
         </mc:Fallback>
       </mc:AlternateContent>
-      <mc:AlternateContent xmlns:mc="http://schemas.openxmlformats.org/markup-compatibility/2006">
-        <mc:Choice xmlns:a14="http://schemas.microsoft.com/office/drawing/2010/main" Requires="a14">
+      <mc:AlternateContent xmlns:mc="http://schemas.openxmlformats.org/markup-compatibility/2006" xmlns:a14="http://schemas.microsoft.com/office/drawing/2010/main">
+        <mc:Choice Requires="a14">
           <p:graphicFrame>
             <p:nvGraphicFramePr>
               <p:cNvPr id="2" name="טבלה 1"/>
@@ -33558,7 +33595,7 @@
             </a:graphic>
           </p:graphicFrame>
         </mc:Choice>
-        <mc:Fallback>
+        <mc:Fallback xmlns="">
           <p:graphicFrame>
             <p:nvGraphicFramePr>
               <p:cNvPr id="2" name="טבלה 1"/>
